--- a/Deliverables/Canny edge detection – fpga speedup.pptx
+++ b/Deliverables/Canny edge detection – fpga speedup.pptx
@@ -5,7 +5,7 @@
     <p:sldMasterId id="2147483660" r:id="rId1"/>
   </p:sldMasterIdLst>
   <p:notesMasterIdLst>
-    <p:notesMasterId r:id="rId7"/>
+    <p:notesMasterId r:id="rId10"/>
   </p:notesMasterIdLst>
   <p:sldIdLst>
     <p:sldId id="256" r:id="rId2"/>
@@ -13,6 +13,9 @@
     <p:sldId id="258" r:id="rId4"/>
     <p:sldId id="259" r:id="rId5"/>
     <p:sldId id="260" r:id="rId6"/>
+    <p:sldId id="261" r:id="rId7"/>
+    <p:sldId id="263" r:id="rId8"/>
+    <p:sldId id="264" r:id="rId9"/>
   </p:sldIdLst>
   <p:sldSz cx="12192000" cy="6858000"/>
   <p:notesSz cx="6858000" cy="9144000"/>
@@ -111,6 +114,11 @@
       </a:defRPr>
     </a:lvl9pPr>
   </p:defaultTextStyle>
+  <p:extLst>
+    <p:ext uri="{EFAFB233-063F-42B5-8137-9DF3F51BA10A}">
+      <p15:sldGuideLst xmlns:p15="http://schemas.microsoft.com/office/powerpoint/2012/main"/>
+    </p:ext>
+  </p:extLst>
 </p:presentation>
 </file>
 
@@ -196,7 +204,7 @@
           <a:p>
             <a:fld id="{F8C98A77-4E5D-4CD6-8DEB-A6C31B5A63A2}" type="datetimeFigureOut">
               <a:rPr lang="en-US" smtClean="0"/>
-              <a:t>4/16/2018</a:t>
+              <a:t>04/18/2018</a:t>
             </a:fld>
             <a:endParaRPr lang="en-US"/>
           </a:p>
@@ -689,7 +697,7 @@
           <a:p>
             <a:fld id="{81A02670-C342-4CC1-930D-919F19DAA981}" type="datetimeFigureOut">
               <a:rPr lang="en-US" smtClean="0"/>
-              <a:t>4/16/2018</a:t>
+              <a:t>04/18/2018</a:t>
             </a:fld>
             <a:endParaRPr lang="en-US"/>
           </a:p>
@@ -792,2112 +800,6 @@
 </file>
 
 <file path=ppt/slideLayouts/slideLayout10.xml><?xml version="1.0" encoding="utf-8"?>
-<p:sldLayout xmlns:a="http://schemas.openxmlformats.org/drawingml/2006/main" xmlns:r="http://schemas.openxmlformats.org/officeDocument/2006/relationships" xmlns:p="http://schemas.openxmlformats.org/presentationml/2006/main" type="vertTx" preserve="1">
-  <p:cSld name="Title and Vertical Text">
-    <p:spTree>
-      <p:nvGrpSpPr>
-        <p:cNvPr id="1" name=""/>
-        <p:cNvGrpSpPr/>
-        <p:nvPr/>
-      </p:nvGrpSpPr>
-      <p:grpSpPr>
-        <a:xfrm>
-          <a:off x="0" y="0"/>
-          <a:ext cx="0" cy="0"/>
-          <a:chOff x="0" y="0"/>
-          <a:chExt cx="0" cy="0"/>
-        </a:xfrm>
-      </p:grpSpPr>
-      <p:sp>
-        <p:nvSpPr>
-          <p:cNvPr id="2" name="Title 1"/>
-          <p:cNvSpPr>
-            <a:spLocks noGrp="1"/>
-          </p:cNvSpPr>
-          <p:nvPr>
-            <p:ph type="title"/>
-          </p:nvPr>
-        </p:nvSpPr>
-        <p:spPr/>
-        <p:txBody>
-          <a:bodyPr/>
-          <a:lstStyle/>
-          <a:p>
-            <a:r>
-              <a:rPr lang="en-US"/>
-              <a:t>Click to edit Master title style</a:t>
-            </a:r>
-            <a:endParaRPr lang="en-US" dirty="0"/>
-          </a:p>
-        </p:txBody>
-      </p:sp>
-      <p:sp>
-        <p:nvSpPr>
-          <p:cNvPr id="3" name="Vertical Text Placeholder 2"/>
-          <p:cNvSpPr>
-            <a:spLocks noGrp="1"/>
-          </p:cNvSpPr>
-          <p:nvPr>
-            <p:ph type="body" orient="vert" idx="1"/>
-          </p:nvPr>
-        </p:nvSpPr>
-        <p:spPr/>
-        <p:txBody>
-          <a:bodyPr vert="eaVert"/>
-          <a:lstStyle/>
-          <a:p>
-            <a:pPr lvl="0"/>
-            <a:r>
-              <a:rPr lang="en-US"/>
-              <a:t>Edit Master text styles</a:t>
-            </a:r>
-          </a:p>
-          <a:p>
-            <a:pPr lvl="1"/>
-            <a:r>
-              <a:rPr lang="en-US"/>
-              <a:t>Second level</a:t>
-            </a:r>
-          </a:p>
-          <a:p>
-            <a:pPr lvl="2"/>
-            <a:r>
-              <a:rPr lang="en-US"/>
-              <a:t>Third level</a:t>
-            </a:r>
-          </a:p>
-          <a:p>
-            <a:pPr lvl="3"/>
-            <a:r>
-              <a:rPr lang="en-US"/>
-              <a:t>Fourth level</a:t>
-            </a:r>
-          </a:p>
-          <a:p>
-            <a:pPr lvl="4"/>
-            <a:r>
-              <a:rPr lang="en-US"/>
-              <a:t>Fifth level</a:t>
-            </a:r>
-            <a:endParaRPr lang="en-US" dirty="0"/>
-          </a:p>
-        </p:txBody>
-      </p:sp>
-      <p:sp>
-        <p:nvSpPr>
-          <p:cNvPr id="4" name="Date Placeholder 3"/>
-          <p:cNvSpPr>
-            <a:spLocks noGrp="1"/>
-          </p:cNvSpPr>
-          <p:nvPr>
-            <p:ph type="dt" sz="half" idx="10"/>
-          </p:nvPr>
-        </p:nvSpPr>
-        <p:spPr/>
-        <p:txBody>
-          <a:bodyPr/>
-          <a:lstStyle/>
-          <a:p>
-            <a:fld id="{81A02670-C342-4CC1-930D-919F19DAA981}" type="datetimeFigureOut">
-              <a:rPr lang="en-US" smtClean="0"/>
-              <a:t>4/16/2018</a:t>
-            </a:fld>
-            <a:endParaRPr lang="en-US"/>
-          </a:p>
-        </p:txBody>
-      </p:sp>
-      <p:sp>
-        <p:nvSpPr>
-          <p:cNvPr id="5" name="Footer Placeholder 4"/>
-          <p:cNvSpPr>
-            <a:spLocks noGrp="1"/>
-          </p:cNvSpPr>
-          <p:nvPr>
-            <p:ph type="ftr" sz="quarter" idx="11"/>
-          </p:nvPr>
-        </p:nvSpPr>
-        <p:spPr/>
-        <p:txBody>
-          <a:bodyPr/>
-          <a:lstStyle/>
-          <a:p>
-            <a:endParaRPr lang="en-US"/>
-          </a:p>
-        </p:txBody>
-      </p:sp>
-      <p:sp>
-        <p:nvSpPr>
-          <p:cNvPr id="6" name="Slide Number Placeholder 5"/>
-          <p:cNvSpPr>
-            <a:spLocks noGrp="1"/>
-          </p:cNvSpPr>
-          <p:nvPr>
-            <p:ph type="sldNum" sz="quarter" idx="12"/>
-          </p:nvPr>
-        </p:nvSpPr>
-        <p:spPr/>
-        <p:txBody>
-          <a:bodyPr/>
-          <a:lstStyle/>
-          <a:p>
-            <a:fld id="{2FA3CE17-C092-4EFD-95EC-615FCD38D744}" type="slidenum">
-              <a:rPr lang="en-US" smtClean="0"/>
-              <a:t>‹#›</a:t>
-            </a:fld>
-            <a:endParaRPr lang="en-US"/>
-          </a:p>
-        </p:txBody>
-      </p:sp>
-      <p:cxnSp>
-        <p:nvCxnSpPr>
-          <p:cNvPr id="26" name="Straight Connector 25"/>
-          <p:cNvCxnSpPr/>
-          <p:nvPr/>
-        </p:nvCxnSpPr>
-        <p:spPr>
-          <a:xfrm>
-            <a:off x="1453896" y="1847088"/>
-            <a:ext cx="9607522" cy="0"/>
-          </a:xfrm>
-          <a:prstGeom prst="line">
-            <a:avLst/>
-          </a:prstGeom>
-          <a:ln w="31750"/>
-        </p:spPr>
-        <p:style>
-          <a:lnRef idx="3">
-            <a:schemeClr val="accent1"/>
-          </a:lnRef>
-          <a:fillRef idx="0">
-            <a:schemeClr val="accent1"/>
-          </a:fillRef>
-          <a:effectRef idx="2">
-            <a:schemeClr val="accent1"/>
-          </a:effectRef>
-          <a:fontRef idx="minor">
-            <a:schemeClr val="tx1"/>
-          </a:fontRef>
-        </p:style>
-      </p:cxnSp>
-    </p:spTree>
-    <p:extLst>
-      <p:ext uri="{BB962C8B-B14F-4D97-AF65-F5344CB8AC3E}">
-        <p14:creationId xmlns:p14="http://schemas.microsoft.com/office/powerpoint/2010/main" val="4212151467"/>
-      </p:ext>
-    </p:extLst>
-  </p:cSld>
-  <p:clrMapOvr>
-    <a:masterClrMapping/>
-  </p:clrMapOvr>
-</p:sldLayout>
-</file>
-
-<file path=ppt/slideLayouts/slideLayout11.xml><?xml version="1.0" encoding="utf-8"?>
-<p:sldLayout xmlns:a="http://schemas.openxmlformats.org/drawingml/2006/main" xmlns:r="http://schemas.openxmlformats.org/officeDocument/2006/relationships" xmlns:p="http://schemas.openxmlformats.org/presentationml/2006/main" type="vertTitleAndTx" preserve="1">
-  <p:cSld name="Vertical Title and Text">
-    <p:spTree>
-      <p:nvGrpSpPr>
-        <p:cNvPr id="1" name=""/>
-        <p:cNvGrpSpPr/>
-        <p:nvPr/>
-      </p:nvGrpSpPr>
-      <p:grpSpPr>
-        <a:xfrm>
-          <a:off x="0" y="0"/>
-          <a:ext cx="0" cy="0"/>
-          <a:chOff x="0" y="0"/>
-          <a:chExt cx="0" cy="0"/>
-        </a:xfrm>
-      </p:grpSpPr>
-      <p:sp>
-        <p:nvSpPr>
-          <p:cNvPr id="2" name="Vertical Title 1"/>
-          <p:cNvSpPr>
-            <a:spLocks noGrp="1"/>
-          </p:cNvSpPr>
-          <p:nvPr>
-            <p:ph type="title" orient="vert"/>
-          </p:nvPr>
-        </p:nvSpPr>
-        <p:spPr>
-          <a:xfrm>
-            <a:off x="9439111" y="798973"/>
-            <a:ext cx="1615742" cy="4659889"/>
-          </a:xfrm>
-        </p:spPr>
-        <p:txBody>
-          <a:bodyPr vert="eaVert"/>
-          <a:lstStyle>
-            <a:lvl1pPr algn="l">
-              <a:defRPr/>
-            </a:lvl1pPr>
-          </a:lstStyle>
-          <a:p>
-            <a:r>
-              <a:rPr lang="en-US"/>
-              <a:t>Click to edit Master title style</a:t>
-            </a:r>
-            <a:endParaRPr lang="en-US" dirty="0"/>
-          </a:p>
-        </p:txBody>
-      </p:sp>
-      <p:sp>
-        <p:nvSpPr>
-          <p:cNvPr id="3" name="Vertical Text Placeholder 2"/>
-          <p:cNvSpPr>
-            <a:spLocks noGrp="1"/>
-          </p:cNvSpPr>
-          <p:nvPr>
-            <p:ph type="body" orient="vert" idx="1"/>
-          </p:nvPr>
-        </p:nvSpPr>
-        <p:spPr>
-          <a:xfrm>
-            <a:off x="1444672" y="798973"/>
-            <a:ext cx="7828830" cy="4659889"/>
-          </a:xfrm>
-        </p:spPr>
-        <p:txBody>
-          <a:bodyPr vert="eaVert"/>
-          <a:lstStyle/>
-          <a:p>
-            <a:pPr lvl="0"/>
-            <a:r>
-              <a:rPr lang="en-US"/>
-              <a:t>Edit Master text styles</a:t>
-            </a:r>
-          </a:p>
-          <a:p>
-            <a:pPr lvl="1"/>
-            <a:r>
-              <a:rPr lang="en-US"/>
-              <a:t>Second level</a:t>
-            </a:r>
-          </a:p>
-          <a:p>
-            <a:pPr lvl="2"/>
-            <a:r>
-              <a:rPr lang="en-US"/>
-              <a:t>Third level</a:t>
-            </a:r>
-          </a:p>
-          <a:p>
-            <a:pPr lvl="3"/>
-            <a:r>
-              <a:rPr lang="en-US"/>
-              <a:t>Fourth level</a:t>
-            </a:r>
-          </a:p>
-          <a:p>
-            <a:pPr lvl="4"/>
-            <a:r>
-              <a:rPr lang="en-US"/>
-              <a:t>Fifth level</a:t>
-            </a:r>
-            <a:endParaRPr lang="en-US" dirty="0"/>
-          </a:p>
-        </p:txBody>
-      </p:sp>
-      <p:sp>
-        <p:nvSpPr>
-          <p:cNvPr id="4" name="Date Placeholder 3"/>
-          <p:cNvSpPr>
-            <a:spLocks noGrp="1"/>
-          </p:cNvSpPr>
-          <p:nvPr>
-            <p:ph type="dt" sz="half" idx="10"/>
-          </p:nvPr>
-        </p:nvSpPr>
-        <p:spPr/>
-        <p:txBody>
-          <a:bodyPr/>
-          <a:lstStyle/>
-          <a:p>
-            <a:fld id="{81A02670-C342-4CC1-930D-919F19DAA981}" type="datetimeFigureOut">
-              <a:rPr lang="en-US" smtClean="0"/>
-              <a:t>4/16/2018</a:t>
-            </a:fld>
-            <a:endParaRPr lang="en-US"/>
-          </a:p>
-        </p:txBody>
-      </p:sp>
-      <p:sp>
-        <p:nvSpPr>
-          <p:cNvPr id="5" name="Footer Placeholder 4"/>
-          <p:cNvSpPr>
-            <a:spLocks noGrp="1"/>
-          </p:cNvSpPr>
-          <p:nvPr>
-            <p:ph type="ftr" sz="quarter" idx="11"/>
-          </p:nvPr>
-        </p:nvSpPr>
-        <p:spPr/>
-        <p:txBody>
-          <a:bodyPr/>
-          <a:lstStyle/>
-          <a:p>
-            <a:endParaRPr lang="en-US"/>
-          </a:p>
-        </p:txBody>
-      </p:sp>
-      <p:sp>
-        <p:nvSpPr>
-          <p:cNvPr id="6" name="Slide Number Placeholder 5"/>
-          <p:cNvSpPr>
-            <a:spLocks noGrp="1"/>
-          </p:cNvSpPr>
-          <p:nvPr>
-            <p:ph type="sldNum" sz="quarter" idx="12"/>
-          </p:nvPr>
-        </p:nvSpPr>
-        <p:spPr/>
-        <p:txBody>
-          <a:bodyPr/>
-          <a:lstStyle/>
-          <a:p>
-            <a:fld id="{2FA3CE17-C092-4EFD-95EC-615FCD38D744}" type="slidenum">
-              <a:rPr lang="en-US" smtClean="0"/>
-              <a:t>‹#›</a:t>
-            </a:fld>
-            <a:endParaRPr lang="en-US"/>
-          </a:p>
-        </p:txBody>
-      </p:sp>
-      <p:cxnSp>
-        <p:nvCxnSpPr>
-          <p:cNvPr id="15" name="Straight Connector 14"/>
-          <p:cNvCxnSpPr/>
-          <p:nvPr/>
-        </p:nvCxnSpPr>
-        <p:spPr>
-          <a:xfrm>
-            <a:off x="9439111" y="798973"/>
-            <a:ext cx="0" cy="4659889"/>
-          </a:xfrm>
-          <a:prstGeom prst="line">
-            <a:avLst/>
-          </a:prstGeom>
-          <a:ln w="31750"/>
-        </p:spPr>
-        <p:style>
-          <a:lnRef idx="3">
-            <a:schemeClr val="accent1"/>
-          </a:lnRef>
-          <a:fillRef idx="0">
-            <a:schemeClr val="accent1"/>
-          </a:fillRef>
-          <a:effectRef idx="2">
-            <a:schemeClr val="accent1"/>
-          </a:effectRef>
-          <a:fontRef idx="minor">
-            <a:schemeClr val="tx1"/>
-          </a:fontRef>
-        </p:style>
-      </p:cxnSp>
-    </p:spTree>
-    <p:extLst>
-      <p:ext uri="{BB962C8B-B14F-4D97-AF65-F5344CB8AC3E}">
-        <p14:creationId xmlns:p14="http://schemas.microsoft.com/office/powerpoint/2010/main" val="3250425070"/>
-      </p:ext>
-    </p:extLst>
-  </p:cSld>
-  <p:clrMapOvr>
-    <a:masterClrMapping/>
-  </p:clrMapOvr>
-</p:sldLayout>
-</file>
-
-<file path=ppt/slideLayouts/slideLayout2.xml><?xml version="1.0" encoding="utf-8"?>
-<p:sldLayout xmlns:a="http://schemas.openxmlformats.org/drawingml/2006/main" xmlns:r="http://schemas.openxmlformats.org/officeDocument/2006/relationships" xmlns:p="http://schemas.openxmlformats.org/presentationml/2006/main" type="obj" preserve="1">
-  <p:cSld name="Title and Content">
-    <p:spTree>
-      <p:nvGrpSpPr>
-        <p:cNvPr id="1" name=""/>
-        <p:cNvGrpSpPr/>
-        <p:nvPr/>
-      </p:nvGrpSpPr>
-      <p:grpSpPr>
-        <a:xfrm>
-          <a:off x="0" y="0"/>
-          <a:ext cx="0" cy="0"/>
-          <a:chOff x="0" y="0"/>
-          <a:chExt cx="0" cy="0"/>
-        </a:xfrm>
-      </p:grpSpPr>
-      <p:sp>
-        <p:nvSpPr>
-          <p:cNvPr id="2" name="Title 1"/>
-          <p:cNvSpPr>
-            <a:spLocks noGrp="1"/>
-          </p:cNvSpPr>
-          <p:nvPr>
-            <p:ph type="title"/>
-          </p:nvPr>
-        </p:nvSpPr>
-        <p:spPr/>
-        <p:txBody>
-          <a:bodyPr/>
-          <a:lstStyle/>
-          <a:p>
-            <a:r>
-              <a:rPr lang="en-US"/>
-              <a:t>Click to edit Master title style</a:t>
-            </a:r>
-            <a:endParaRPr lang="en-US" dirty="0"/>
-          </a:p>
-        </p:txBody>
-      </p:sp>
-      <p:sp>
-        <p:nvSpPr>
-          <p:cNvPr id="3" name="Content Placeholder 2"/>
-          <p:cNvSpPr>
-            <a:spLocks noGrp="1"/>
-          </p:cNvSpPr>
-          <p:nvPr>
-            <p:ph idx="1"/>
-          </p:nvPr>
-        </p:nvSpPr>
-        <p:spPr/>
-        <p:txBody>
-          <a:bodyPr anchor="t"/>
-          <a:lstStyle/>
-          <a:p>
-            <a:pPr lvl="0"/>
-            <a:r>
-              <a:rPr lang="en-US"/>
-              <a:t>Edit Master text styles</a:t>
-            </a:r>
-          </a:p>
-          <a:p>
-            <a:pPr lvl="1"/>
-            <a:r>
-              <a:rPr lang="en-US"/>
-              <a:t>Second level</a:t>
-            </a:r>
-          </a:p>
-          <a:p>
-            <a:pPr lvl="2"/>
-            <a:r>
-              <a:rPr lang="en-US"/>
-              <a:t>Third level</a:t>
-            </a:r>
-          </a:p>
-          <a:p>
-            <a:pPr lvl="3"/>
-            <a:r>
-              <a:rPr lang="en-US"/>
-              <a:t>Fourth level</a:t>
-            </a:r>
-          </a:p>
-          <a:p>
-            <a:pPr lvl="4"/>
-            <a:r>
-              <a:rPr lang="en-US"/>
-              <a:t>Fifth level</a:t>
-            </a:r>
-            <a:endParaRPr lang="en-US" dirty="0"/>
-          </a:p>
-        </p:txBody>
-      </p:sp>
-      <p:sp>
-        <p:nvSpPr>
-          <p:cNvPr id="4" name="Date Placeholder 3"/>
-          <p:cNvSpPr>
-            <a:spLocks noGrp="1"/>
-          </p:cNvSpPr>
-          <p:nvPr>
-            <p:ph type="dt" sz="half" idx="10"/>
-          </p:nvPr>
-        </p:nvSpPr>
-        <p:spPr/>
-        <p:txBody>
-          <a:bodyPr/>
-          <a:lstStyle/>
-          <a:p>
-            <a:fld id="{81A02670-C342-4CC1-930D-919F19DAA981}" type="datetimeFigureOut">
-              <a:rPr lang="en-US" smtClean="0"/>
-              <a:t>4/16/2018</a:t>
-            </a:fld>
-            <a:endParaRPr lang="en-US"/>
-          </a:p>
-        </p:txBody>
-      </p:sp>
-      <p:sp>
-        <p:nvSpPr>
-          <p:cNvPr id="5" name="Footer Placeholder 4"/>
-          <p:cNvSpPr>
-            <a:spLocks noGrp="1"/>
-          </p:cNvSpPr>
-          <p:nvPr>
-            <p:ph type="ftr" sz="quarter" idx="11"/>
-          </p:nvPr>
-        </p:nvSpPr>
-        <p:spPr/>
-        <p:txBody>
-          <a:bodyPr/>
-          <a:lstStyle/>
-          <a:p>
-            <a:endParaRPr lang="en-US"/>
-          </a:p>
-        </p:txBody>
-      </p:sp>
-      <p:sp>
-        <p:nvSpPr>
-          <p:cNvPr id="6" name="Slide Number Placeholder 5"/>
-          <p:cNvSpPr>
-            <a:spLocks noGrp="1"/>
-          </p:cNvSpPr>
-          <p:nvPr>
-            <p:ph type="sldNum" sz="quarter" idx="12"/>
-          </p:nvPr>
-        </p:nvSpPr>
-        <p:spPr/>
-        <p:txBody>
-          <a:bodyPr/>
-          <a:lstStyle/>
-          <a:p>
-            <a:fld id="{2FA3CE17-C092-4EFD-95EC-615FCD38D744}" type="slidenum">
-              <a:rPr lang="en-US" smtClean="0"/>
-              <a:t>‹#›</a:t>
-            </a:fld>
-            <a:endParaRPr lang="en-US"/>
-          </a:p>
-        </p:txBody>
-      </p:sp>
-      <p:cxnSp>
-        <p:nvCxnSpPr>
-          <p:cNvPr id="33" name="Straight Connector 32"/>
-          <p:cNvCxnSpPr/>
-          <p:nvPr/>
-        </p:nvCxnSpPr>
-        <p:spPr>
-          <a:xfrm>
-            <a:off x="1453896" y="1847088"/>
-            <a:ext cx="9607522" cy="0"/>
-          </a:xfrm>
-          <a:prstGeom prst="line">
-            <a:avLst/>
-          </a:prstGeom>
-          <a:ln w="31750"/>
-        </p:spPr>
-        <p:style>
-          <a:lnRef idx="3">
-            <a:schemeClr val="accent1"/>
-          </a:lnRef>
-          <a:fillRef idx="0">
-            <a:schemeClr val="accent1"/>
-          </a:fillRef>
-          <a:effectRef idx="2">
-            <a:schemeClr val="accent1"/>
-          </a:effectRef>
-          <a:fontRef idx="minor">
-            <a:schemeClr val="tx1"/>
-          </a:fontRef>
-        </p:style>
-      </p:cxnSp>
-    </p:spTree>
-    <p:extLst>
-      <p:ext uri="{BB962C8B-B14F-4D97-AF65-F5344CB8AC3E}">
-        <p14:creationId xmlns:p14="http://schemas.microsoft.com/office/powerpoint/2010/main" val="2359497807"/>
-      </p:ext>
-    </p:extLst>
-  </p:cSld>
-  <p:clrMapOvr>
-    <a:masterClrMapping/>
-  </p:clrMapOvr>
-</p:sldLayout>
-</file>
-
-<file path=ppt/slideLayouts/slideLayout3.xml><?xml version="1.0" encoding="utf-8"?>
-<p:sldLayout xmlns:a="http://schemas.openxmlformats.org/drawingml/2006/main" xmlns:r="http://schemas.openxmlformats.org/officeDocument/2006/relationships" xmlns:p="http://schemas.openxmlformats.org/presentationml/2006/main" type="secHead" preserve="1">
-  <p:cSld name="Section Header">
-    <p:spTree>
-      <p:nvGrpSpPr>
-        <p:cNvPr id="1" name=""/>
-        <p:cNvGrpSpPr/>
-        <p:nvPr/>
-      </p:nvGrpSpPr>
-      <p:grpSpPr>
-        <a:xfrm>
-          <a:off x="0" y="0"/>
-          <a:ext cx="0" cy="0"/>
-          <a:chOff x="0" y="0"/>
-          <a:chExt cx="0" cy="0"/>
-        </a:xfrm>
-      </p:grpSpPr>
-      <p:sp>
-        <p:nvSpPr>
-          <p:cNvPr id="2" name="Title 1"/>
-          <p:cNvSpPr>
-            <a:spLocks noGrp="1"/>
-          </p:cNvSpPr>
-          <p:nvPr>
-            <p:ph type="title"/>
-          </p:nvPr>
-        </p:nvSpPr>
-        <p:spPr>
-          <a:xfrm>
-            <a:off x="1454239" y="1756130"/>
-            <a:ext cx="8643154" cy="1887950"/>
-          </a:xfrm>
-        </p:spPr>
-        <p:txBody>
-          <a:bodyPr anchor="b">
-            <a:normAutofit/>
-          </a:bodyPr>
-          <a:lstStyle>
-            <a:lvl1pPr algn="l">
-              <a:defRPr sz="3600"/>
-            </a:lvl1pPr>
-          </a:lstStyle>
-          <a:p>
-            <a:r>
-              <a:rPr lang="en-US"/>
-              <a:t>Click to edit Master title style</a:t>
-            </a:r>
-            <a:endParaRPr lang="en-US" dirty="0"/>
-          </a:p>
-        </p:txBody>
-      </p:sp>
-      <p:sp>
-        <p:nvSpPr>
-          <p:cNvPr id="3" name="Text Placeholder 2"/>
-          <p:cNvSpPr>
-            <a:spLocks noGrp="1"/>
-          </p:cNvSpPr>
-          <p:nvPr>
-            <p:ph type="body" idx="1"/>
-          </p:nvPr>
-        </p:nvSpPr>
-        <p:spPr>
-          <a:xfrm>
-            <a:off x="1454239" y="3806195"/>
-            <a:ext cx="8630446" cy="1012929"/>
-          </a:xfrm>
-        </p:spPr>
-        <p:txBody>
-          <a:bodyPr tIns="91440">
-            <a:normAutofit/>
-          </a:bodyPr>
-          <a:lstStyle>
-            <a:lvl1pPr marL="0" indent="0" algn="l">
-              <a:buNone/>
-              <a:defRPr sz="1800">
-                <a:solidFill>
-                  <a:schemeClr val="tx1"/>
-                </a:solidFill>
-              </a:defRPr>
-            </a:lvl1pPr>
-            <a:lvl2pPr marL="457200" indent="0">
-              <a:buNone/>
-              <a:defRPr sz="1800">
-                <a:solidFill>
-                  <a:schemeClr val="tx1">
-                    <a:tint val="75000"/>
-                  </a:schemeClr>
-                </a:solidFill>
-              </a:defRPr>
-            </a:lvl2pPr>
-            <a:lvl3pPr marL="914400" indent="0">
-              <a:buNone/>
-              <a:defRPr sz="1800">
-                <a:solidFill>
-                  <a:schemeClr val="tx1">
-                    <a:tint val="75000"/>
-                  </a:schemeClr>
-                </a:solidFill>
-              </a:defRPr>
-            </a:lvl3pPr>
-            <a:lvl4pPr marL="1371600" indent="0">
-              <a:buNone/>
-              <a:defRPr sz="1600">
-                <a:solidFill>
-                  <a:schemeClr val="tx1">
-                    <a:tint val="75000"/>
-                  </a:schemeClr>
-                </a:solidFill>
-              </a:defRPr>
-            </a:lvl4pPr>
-            <a:lvl5pPr marL="1828800" indent="0">
-              <a:buNone/>
-              <a:defRPr sz="1600">
-                <a:solidFill>
-                  <a:schemeClr val="tx1">
-                    <a:tint val="75000"/>
-                  </a:schemeClr>
-                </a:solidFill>
-              </a:defRPr>
-            </a:lvl5pPr>
-            <a:lvl6pPr marL="2286000" indent="0">
-              <a:buNone/>
-              <a:defRPr sz="1600">
-                <a:solidFill>
-                  <a:schemeClr val="tx1">
-                    <a:tint val="75000"/>
-                  </a:schemeClr>
-                </a:solidFill>
-              </a:defRPr>
-            </a:lvl6pPr>
-            <a:lvl7pPr marL="2743200" indent="0">
-              <a:buNone/>
-              <a:defRPr sz="1600">
-                <a:solidFill>
-                  <a:schemeClr val="tx1">
-                    <a:tint val="75000"/>
-                  </a:schemeClr>
-                </a:solidFill>
-              </a:defRPr>
-            </a:lvl7pPr>
-            <a:lvl8pPr marL="3200400" indent="0">
-              <a:buNone/>
-              <a:defRPr sz="1600">
-                <a:solidFill>
-                  <a:schemeClr val="tx1">
-                    <a:tint val="75000"/>
-                  </a:schemeClr>
-                </a:solidFill>
-              </a:defRPr>
-            </a:lvl8pPr>
-            <a:lvl9pPr marL="3657600" indent="0">
-              <a:buNone/>
-              <a:defRPr sz="1600">
-                <a:solidFill>
-                  <a:schemeClr val="tx1">
-                    <a:tint val="75000"/>
-                  </a:schemeClr>
-                </a:solidFill>
-              </a:defRPr>
-            </a:lvl9pPr>
-          </a:lstStyle>
-          <a:p>
-            <a:pPr lvl="0"/>
-            <a:r>
-              <a:rPr lang="en-US"/>
-              <a:t>Edit Master text styles</a:t>
-            </a:r>
-          </a:p>
-        </p:txBody>
-      </p:sp>
-      <p:sp>
-        <p:nvSpPr>
-          <p:cNvPr id="4" name="Date Placeholder 3"/>
-          <p:cNvSpPr>
-            <a:spLocks noGrp="1"/>
-          </p:cNvSpPr>
-          <p:nvPr>
-            <p:ph type="dt" sz="half" idx="10"/>
-          </p:nvPr>
-        </p:nvSpPr>
-        <p:spPr/>
-        <p:txBody>
-          <a:bodyPr/>
-          <a:lstStyle/>
-          <a:p>
-            <a:fld id="{81A02670-C342-4CC1-930D-919F19DAA981}" type="datetimeFigureOut">
-              <a:rPr lang="en-US" smtClean="0"/>
-              <a:t>4/16/2018</a:t>
-            </a:fld>
-            <a:endParaRPr lang="en-US"/>
-          </a:p>
-        </p:txBody>
-      </p:sp>
-      <p:sp>
-        <p:nvSpPr>
-          <p:cNvPr id="5" name="Footer Placeholder 4"/>
-          <p:cNvSpPr>
-            <a:spLocks noGrp="1"/>
-          </p:cNvSpPr>
-          <p:nvPr>
-            <p:ph type="ftr" sz="quarter" idx="11"/>
-          </p:nvPr>
-        </p:nvSpPr>
-        <p:spPr/>
-        <p:txBody>
-          <a:bodyPr/>
-          <a:lstStyle/>
-          <a:p>
-            <a:endParaRPr lang="en-US"/>
-          </a:p>
-        </p:txBody>
-      </p:sp>
-      <p:sp>
-        <p:nvSpPr>
-          <p:cNvPr id="6" name="Slide Number Placeholder 5"/>
-          <p:cNvSpPr>
-            <a:spLocks noGrp="1"/>
-          </p:cNvSpPr>
-          <p:nvPr>
-            <p:ph type="sldNum" sz="quarter" idx="12"/>
-          </p:nvPr>
-        </p:nvSpPr>
-        <p:spPr/>
-        <p:txBody>
-          <a:bodyPr/>
-          <a:lstStyle/>
-          <a:p>
-            <a:fld id="{2FA3CE17-C092-4EFD-95EC-615FCD38D744}" type="slidenum">
-              <a:rPr lang="en-US" smtClean="0"/>
-              <a:t>‹#›</a:t>
-            </a:fld>
-            <a:endParaRPr lang="en-US"/>
-          </a:p>
-        </p:txBody>
-      </p:sp>
-      <p:cxnSp>
-        <p:nvCxnSpPr>
-          <p:cNvPr id="15" name="Straight Connector 14"/>
-          <p:cNvCxnSpPr/>
-          <p:nvPr/>
-        </p:nvCxnSpPr>
-        <p:spPr>
-          <a:xfrm>
-            <a:off x="1454239" y="3804985"/>
-            <a:ext cx="8630446" cy="0"/>
-          </a:xfrm>
-          <a:prstGeom prst="line">
-            <a:avLst/>
-          </a:prstGeom>
-          <a:ln w="31750"/>
-        </p:spPr>
-        <p:style>
-          <a:lnRef idx="3">
-            <a:schemeClr val="accent1"/>
-          </a:lnRef>
-          <a:fillRef idx="0">
-            <a:schemeClr val="accent1"/>
-          </a:fillRef>
-          <a:effectRef idx="2">
-            <a:schemeClr val="accent1"/>
-          </a:effectRef>
-          <a:fontRef idx="minor">
-            <a:schemeClr val="tx1"/>
-          </a:fontRef>
-        </p:style>
-      </p:cxnSp>
-    </p:spTree>
-    <p:extLst>
-      <p:ext uri="{BB962C8B-B14F-4D97-AF65-F5344CB8AC3E}">
-        <p14:creationId xmlns:p14="http://schemas.microsoft.com/office/powerpoint/2010/main" val="2232981558"/>
-      </p:ext>
-    </p:extLst>
-  </p:cSld>
-  <p:clrMapOvr>
-    <a:masterClrMapping/>
-  </p:clrMapOvr>
-</p:sldLayout>
-</file>
-
-<file path=ppt/slideLayouts/slideLayout4.xml><?xml version="1.0" encoding="utf-8"?>
-<p:sldLayout xmlns:a="http://schemas.openxmlformats.org/drawingml/2006/main" xmlns:r="http://schemas.openxmlformats.org/officeDocument/2006/relationships" xmlns:p="http://schemas.openxmlformats.org/presentationml/2006/main" type="twoObj" preserve="1">
-  <p:cSld name="Two Content">
-    <p:spTree>
-      <p:nvGrpSpPr>
-        <p:cNvPr id="1" name=""/>
-        <p:cNvGrpSpPr/>
-        <p:nvPr/>
-      </p:nvGrpSpPr>
-      <p:grpSpPr>
-        <a:xfrm>
-          <a:off x="0" y="0"/>
-          <a:ext cx="0" cy="0"/>
-          <a:chOff x="0" y="0"/>
-          <a:chExt cx="0" cy="0"/>
-        </a:xfrm>
-      </p:grpSpPr>
-      <p:sp>
-        <p:nvSpPr>
-          <p:cNvPr id="2" name="Title 1"/>
-          <p:cNvSpPr>
-            <a:spLocks noGrp="1"/>
-          </p:cNvSpPr>
-          <p:nvPr>
-            <p:ph type="title"/>
-          </p:nvPr>
-        </p:nvSpPr>
-        <p:spPr>
-          <a:xfrm>
-            <a:off x="1449217" y="804889"/>
-            <a:ext cx="9605635" cy="1059305"/>
-          </a:xfrm>
-        </p:spPr>
-        <p:txBody>
-          <a:bodyPr/>
-          <a:lstStyle/>
-          <a:p>
-            <a:r>
-              <a:rPr lang="en-US"/>
-              <a:t>Click to edit Master title style</a:t>
-            </a:r>
-            <a:endParaRPr lang="en-US" dirty="0"/>
-          </a:p>
-        </p:txBody>
-      </p:sp>
-      <p:sp>
-        <p:nvSpPr>
-          <p:cNvPr id="3" name="Content Placeholder 2"/>
-          <p:cNvSpPr>
-            <a:spLocks noGrp="1"/>
-          </p:cNvSpPr>
-          <p:nvPr>
-            <p:ph sz="half" idx="1"/>
-          </p:nvPr>
-        </p:nvSpPr>
-        <p:spPr>
-          <a:xfrm>
-            <a:off x="1447331" y="2010878"/>
-            <a:ext cx="4645152" cy="3448595"/>
-          </a:xfrm>
-        </p:spPr>
-        <p:txBody>
-          <a:bodyPr/>
-          <a:lstStyle/>
-          <a:p>
-            <a:pPr lvl="0"/>
-            <a:r>
-              <a:rPr lang="en-US"/>
-              <a:t>Edit Master text styles</a:t>
-            </a:r>
-          </a:p>
-          <a:p>
-            <a:pPr lvl="1"/>
-            <a:r>
-              <a:rPr lang="en-US"/>
-              <a:t>Second level</a:t>
-            </a:r>
-          </a:p>
-          <a:p>
-            <a:pPr lvl="2"/>
-            <a:r>
-              <a:rPr lang="en-US"/>
-              <a:t>Third level</a:t>
-            </a:r>
-          </a:p>
-          <a:p>
-            <a:pPr lvl="3"/>
-            <a:r>
-              <a:rPr lang="en-US"/>
-              <a:t>Fourth level</a:t>
-            </a:r>
-          </a:p>
-          <a:p>
-            <a:pPr lvl="4"/>
-            <a:r>
-              <a:rPr lang="en-US"/>
-              <a:t>Fifth level</a:t>
-            </a:r>
-            <a:endParaRPr lang="en-US" dirty="0"/>
-          </a:p>
-        </p:txBody>
-      </p:sp>
-      <p:sp>
-        <p:nvSpPr>
-          <p:cNvPr id="4" name="Content Placeholder 3"/>
-          <p:cNvSpPr>
-            <a:spLocks noGrp="1"/>
-          </p:cNvSpPr>
-          <p:nvPr>
-            <p:ph sz="half" idx="2"/>
-          </p:nvPr>
-        </p:nvSpPr>
-        <p:spPr>
-          <a:xfrm>
-            <a:off x="6413771" y="2017343"/>
-            <a:ext cx="4645152" cy="3441520"/>
-          </a:xfrm>
-        </p:spPr>
-        <p:txBody>
-          <a:bodyPr/>
-          <a:lstStyle/>
-          <a:p>
-            <a:pPr lvl="0"/>
-            <a:r>
-              <a:rPr lang="en-US"/>
-              <a:t>Edit Master text styles</a:t>
-            </a:r>
-          </a:p>
-          <a:p>
-            <a:pPr lvl="1"/>
-            <a:r>
-              <a:rPr lang="en-US"/>
-              <a:t>Second level</a:t>
-            </a:r>
-          </a:p>
-          <a:p>
-            <a:pPr lvl="2"/>
-            <a:r>
-              <a:rPr lang="en-US"/>
-              <a:t>Third level</a:t>
-            </a:r>
-          </a:p>
-          <a:p>
-            <a:pPr lvl="3"/>
-            <a:r>
-              <a:rPr lang="en-US"/>
-              <a:t>Fourth level</a:t>
-            </a:r>
-          </a:p>
-          <a:p>
-            <a:pPr lvl="4"/>
-            <a:r>
-              <a:rPr lang="en-US"/>
-              <a:t>Fifth level</a:t>
-            </a:r>
-            <a:endParaRPr lang="en-US" dirty="0"/>
-          </a:p>
-        </p:txBody>
-      </p:sp>
-      <p:sp>
-        <p:nvSpPr>
-          <p:cNvPr id="5" name="Date Placeholder 4"/>
-          <p:cNvSpPr>
-            <a:spLocks noGrp="1"/>
-          </p:cNvSpPr>
-          <p:nvPr>
-            <p:ph type="dt" sz="half" idx="10"/>
-          </p:nvPr>
-        </p:nvSpPr>
-        <p:spPr/>
-        <p:txBody>
-          <a:bodyPr/>
-          <a:lstStyle/>
-          <a:p>
-            <a:fld id="{81A02670-C342-4CC1-930D-919F19DAA981}" type="datetimeFigureOut">
-              <a:rPr lang="en-US" smtClean="0"/>
-              <a:t>4/16/2018</a:t>
-            </a:fld>
-            <a:endParaRPr lang="en-US"/>
-          </a:p>
-        </p:txBody>
-      </p:sp>
-      <p:sp>
-        <p:nvSpPr>
-          <p:cNvPr id="6" name="Footer Placeholder 5"/>
-          <p:cNvSpPr>
-            <a:spLocks noGrp="1"/>
-          </p:cNvSpPr>
-          <p:nvPr>
-            <p:ph type="ftr" sz="quarter" idx="11"/>
-          </p:nvPr>
-        </p:nvSpPr>
-        <p:spPr/>
-        <p:txBody>
-          <a:bodyPr/>
-          <a:lstStyle/>
-          <a:p>
-            <a:endParaRPr lang="en-US"/>
-          </a:p>
-        </p:txBody>
-      </p:sp>
-      <p:sp>
-        <p:nvSpPr>
-          <p:cNvPr id="7" name="Slide Number Placeholder 6"/>
-          <p:cNvSpPr>
-            <a:spLocks noGrp="1"/>
-          </p:cNvSpPr>
-          <p:nvPr>
-            <p:ph type="sldNum" sz="quarter" idx="12"/>
-          </p:nvPr>
-        </p:nvSpPr>
-        <p:spPr/>
-        <p:txBody>
-          <a:bodyPr/>
-          <a:lstStyle/>
-          <a:p>
-            <a:fld id="{2FA3CE17-C092-4EFD-95EC-615FCD38D744}" type="slidenum">
-              <a:rPr lang="en-US" smtClean="0"/>
-              <a:t>‹#›</a:t>
-            </a:fld>
-            <a:endParaRPr lang="en-US"/>
-          </a:p>
-        </p:txBody>
-      </p:sp>
-      <p:cxnSp>
-        <p:nvCxnSpPr>
-          <p:cNvPr id="35" name="Straight Connector 34"/>
-          <p:cNvCxnSpPr/>
-          <p:nvPr/>
-        </p:nvCxnSpPr>
-        <p:spPr>
-          <a:xfrm>
-            <a:off x="1453896" y="1847088"/>
-            <a:ext cx="9607522" cy="0"/>
-          </a:xfrm>
-          <a:prstGeom prst="line">
-            <a:avLst/>
-          </a:prstGeom>
-          <a:ln w="31750"/>
-        </p:spPr>
-        <p:style>
-          <a:lnRef idx="3">
-            <a:schemeClr val="accent1"/>
-          </a:lnRef>
-          <a:fillRef idx="0">
-            <a:schemeClr val="accent1"/>
-          </a:fillRef>
-          <a:effectRef idx="2">
-            <a:schemeClr val="accent1"/>
-          </a:effectRef>
-          <a:fontRef idx="minor">
-            <a:schemeClr val="tx1"/>
-          </a:fontRef>
-        </p:style>
-      </p:cxnSp>
-    </p:spTree>
-    <p:extLst>
-      <p:ext uri="{BB962C8B-B14F-4D97-AF65-F5344CB8AC3E}">
-        <p14:creationId xmlns:p14="http://schemas.microsoft.com/office/powerpoint/2010/main" val="467681041"/>
-      </p:ext>
-    </p:extLst>
-  </p:cSld>
-  <p:clrMapOvr>
-    <a:masterClrMapping/>
-  </p:clrMapOvr>
-</p:sldLayout>
-</file>
-
-<file path=ppt/slideLayouts/slideLayout5.xml><?xml version="1.0" encoding="utf-8"?>
-<p:sldLayout xmlns:a="http://schemas.openxmlformats.org/drawingml/2006/main" xmlns:r="http://schemas.openxmlformats.org/officeDocument/2006/relationships" xmlns:p="http://schemas.openxmlformats.org/presentationml/2006/main" type="twoTxTwoObj" preserve="1">
-  <p:cSld name="Comparison">
-    <p:spTree>
-      <p:nvGrpSpPr>
-        <p:cNvPr id="1" name=""/>
-        <p:cNvGrpSpPr/>
-        <p:nvPr/>
-      </p:nvGrpSpPr>
-      <p:grpSpPr>
-        <a:xfrm>
-          <a:off x="0" y="0"/>
-          <a:ext cx="0" cy="0"/>
-          <a:chOff x="0" y="0"/>
-          <a:chExt cx="0" cy="0"/>
-        </a:xfrm>
-      </p:grpSpPr>
-      <p:sp>
-        <p:nvSpPr>
-          <p:cNvPr id="2" name="Title 1"/>
-          <p:cNvSpPr>
-            <a:spLocks noGrp="1"/>
-          </p:cNvSpPr>
-          <p:nvPr>
-            <p:ph type="title"/>
-          </p:nvPr>
-        </p:nvSpPr>
-        <p:spPr>
-          <a:xfrm>
-            <a:off x="1447191" y="804163"/>
-            <a:ext cx="9607661" cy="1056319"/>
-          </a:xfrm>
-        </p:spPr>
-        <p:txBody>
-          <a:bodyPr/>
-          <a:lstStyle/>
-          <a:p>
-            <a:r>
-              <a:rPr lang="en-US"/>
-              <a:t>Click to edit Master title style</a:t>
-            </a:r>
-            <a:endParaRPr lang="en-US" dirty="0"/>
-          </a:p>
-        </p:txBody>
-      </p:sp>
-      <p:sp>
-        <p:nvSpPr>
-          <p:cNvPr id="3" name="Text Placeholder 2"/>
-          <p:cNvSpPr>
-            <a:spLocks noGrp="1"/>
-          </p:cNvSpPr>
-          <p:nvPr>
-            <p:ph type="body" idx="1"/>
-          </p:nvPr>
-        </p:nvSpPr>
-        <p:spPr>
-          <a:xfrm>
-            <a:off x="1447191" y="2019549"/>
-            <a:ext cx="4645152" cy="801943"/>
-          </a:xfrm>
-        </p:spPr>
-        <p:txBody>
-          <a:bodyPr anchor="b">
-            <a:normAutofit/>
-          </a:bodyPr>
-          <a:lstStyle>
-            <a:lvl1pPr marL="0" indent="0">
-              <a:lnSpc>
-                <a:spcPct val="100000"/>
-              </a:lnSpc>
-              <a:buNone/>
-              <a:defRPr sz="2200" b="0" cap="all" baseline="0">
-                <a:solidFill>
-                  <a:schemeClr val="accent1"/>
-                </a:solidFill>
-              </a:defRPr>
-            </a:lvl1pPr>
-            <a:lvl2pPr marL="457200" indent="0">
-              <a:buNone/>
-              <a:defRPr sz="2000" b="1"/>
-            </a:lvl2pPr>
-            <a:lvl3pPr marL="914400" indent="0">
-              <a:buNone/>
-              <a:defRPr sz="1800" b="1"/>
-            </a:lvl3pPr>
-            <a:lvl4pPr marL="1371600" indent="0">
-              <a:buNone/>
-              <a:defRPr sz="1600" b="1"/>
-            </a:lvl4pPr>
-            <a:lvl5pPr marL="1828800" indent="0">
-              <a:buNone/>
-              <a:defRPr sz="1600" b="1"/>
-            </a:lvl5pPr>
-            <a:lvl6pPr marL="2286000" indent="0">
-              <a:buNone/>
-              <a:defRPr sz="1600" b="1"/>
-            </a:lvl6pPr>
-            <a:lvl7pPr marL="2743200" indent="0">
-              <a:buNone/>
-              <a:defRPr sz="1600" b="1"/>
-            </a:lvl7pPr>
-            <a:lvl8pPr marL="3200400" indent="0">
-              <a:buNone/>
-              <a:defRPr sz="1600" b="1"/>
-            </a:lvl8pPr>
-            <a:lvl9pPr marL="3657600" indent="0">
-              <a:buNone/>
-              <a:defRPr sz="1600" b="1"/>
-            </a:lvl9pPr>
-          </a:lstStyle>
-          <a:p>
-            <a:pPr lvl="0"/>
-            <a:r>
-              <a:rPr lang="en-US"/>
-              <a:t>Edit Master text styles</a:t>
-            </a:r>
-          </a:p>
-        </p:txBody>
-      </p:sp>
-      <p:sp>
-        <p:nvSpPr>
-          <p:cNvPr id="4" name="Content Placeholder 3"/>
-          <p:cNvSpPr>
-            <a:spLocks noGrp="1"/>
-          </p:cNvSpPr>
-          <p:nvPr>
-            <p:ph sz="half" idx="2"/>
-          </p:nvPr>
-        </p:nvSpPr>
-        <p:spPr>
-          <a:xfrm>
-            <a:off x="1447191" y="2824269"/>
-            <a:ext cx="4645152" cy="2644457"/>
-          </a:xfrm>
-        </p:spPr>
-        <p:txBody>
-          <a:bodyPr/>
-          <a:lstStyle/>
-          <a:p>
-            <a:pPr lvl="0"/>
-            <a:r>
-              <a:rPr lang="en-US"/>
-              <a:t>Edit Master text styles</a:t>
-            </a:r>
-          </a:p>
-          <a:p>
-            <a:pPr lvl="1"/>
-            <a:r>
-              <a:rPr lang="en-US"/>
-              <a:t>Second level</a:t>
-            </a:r>
-          </a:p>
-          <a:p>
-            <a:pPr lvl="2"/>
-            <a:r>
-              <a:rPr lang="en-US"/>
-              <a:t>Third level</a:t>
-            </a:r>
-          </a:p>
-          <a:p>
-            <a:pPr lvl="3"/>
-            <a:r>
-              <a:rPr lang="en-US"/>
-              <a:t>Fourth level</a:t>
-            </a:r>
-          </a:p>
-          <a:p>
-            <a:pPr lvl="4"/>
-            <a:r>
-              <a:rPr lang="en-US"/>
-              <a:t>Fifth level</a:t>
-            </a:r>
-            <a:endParaRPr lang="en-US" dirty="0"/>
-          </a:p>
-        </p:txBody>
-      </p:sp>
-      <p:sp>
-        <p:nvSpPr>
-          <p:cNvPr id="5" name="Text Placeholder 4"/>
-          <p:cNvSpPr>
-            <a:spLocks noGrp="1"/>
-          </p:cNvSpPr>
-          <p:nvPr>
-            <p:ph type="body" sz="quarter" idx="3"/>
-          </p:nvPr>
-        </p:nvSpPr>
-        <p:spPr>
-          <a:xfrm>
-            <a:off x="6412362" y="2023003"/>
-            <a:ext cx="4645152" cy="802237"/>
-          </a:xfrm>
-        </p:spPr>
-        <p:txBody>
-          <a:bodyPr anchor="b">
-            <a:normAutofit/>
-          </a:bodyPr>
-          <a:lstStyle>
-            <a:lvl1pPr marL="0" indent="0">
-              <a:lnSpc>
-                <a:spcPct val="100000"/>
-              </a:lnSpc>
-              <a:buNone/>
-              <a:defRPr sz="2200" b="0" cap="all" baseline="0">
-                <a:solidFill>
-                  <a:schemeClr val="accent1"/>
-                </a:solidFill>
-              </a:defRPr>
-            </a:lvl1pPr>
-            <a:lvl2pPr marL="457200" indent="0">
-              <a:buNone/>
-              <a:defRPr sz="2000" b="1"/>
-            </a:lvl2pPr>
-            <a:lvl3pPr marL="914400" indent="0">
-              <a:buNone/>
-              <a:defRPr sz="1800" b="1"/>
-            </a:lvl3pPr>
-            <a:lvl4pPr marL="1371600" indent="0">
-              <a:buNone/>
-              <a:defRPr sz="1600" b="1"/>
-            </a:lvl4pPr>
-            <a:lvl5pPr marL="1828800" indent="0">
-              <a:buNone/>
-              <a:defRPr sz="1600" b="1"/>
-            </a:lvl5pPr>
-            <a:lvl6pPr marL="2286000" indent="0">
-              <a:buNone/>
-              <a:defRPr sz="1600" b="1"/>
-            </a:lvl6pPr>
-            <a:lvl7pPr marL="2743200" indent="0">
-              <a:buNone/>
-              <a:defRPr sz="1600" b="1"/>
-            </a:lvl7pPr>
-            <a:lvl8pPr marL="3200400" indent="0">
-              <a:buNone/>
-              <a:defRPr sz="1600" b="1"/>
-            </a:lvl8pPr>
-            <a:lvl9pPr marL="3657600" indent="0">
-              <a:buNone/>
-              <a:defRPr sz="1600" b="1"/>
-            </a:lvl9pPr>
-          </a:lstStyle>
-          <a:p>
-            <a:pPr lvl="0"/>
-            <a:r>
-              <a:rPr lang="en-US"/>
-              <a:t>Edit Master text styles</a:t>
-            </a:r>
-          </a:p>
-        </p:txBody>
-      </p:sp>
-      <p:sp>
-        <p:nvSpPr>
-          <p:cNvPr id="6" name="Content Placeholder 5"/>
-          <p:cNvSpPr>
-            <a:spLocks noGrp="1"/>
-          </p:cNvSpPr>
-          <p:nvPr>
-            <p:ph sz="quarter" idx="4"/>
-          </p:nvPr>
-        </p:nvSpPr>
-        <p:spPr>
-          <a:xfrm>
-            <a:off x="6412362" y="2821491"/>
-            <a:ext cx="4645152" cy="2637371"/>
-          </a:xfrm>
-        </p:spPr>
-        <p:txBody>
-          <a:bodyPr/>
-          <a:lstStyle/>
-          <a:p>
-            <a:pPr lvl="0"/>
-            <a:r>
-              <a:rPr lang="en-US"/>
-              <a:t>Edit Master text styles</a:t>
-            </a:r>
-          </a:p>
-          <a:p>
-            <a:pPr lvl="1"/>
-            <a:r>
-              <a:rPr lang="en-US"/>
-              <a:t>Second level</a:t>
-            </a:r>
-          </a:p>
-          <a:p>
-            <a:pPr lvl="2"/>
-            <a:r>
-              <a:rPr lang="en-US"/>
-              <a:t>Third level</a:t>
-            </a:r>
-          </a:p>
-          <a:p>
-            <a:pPr lvl="3"/>
-            <a:r>
-              <a:rPr lang="en-US"/>
-              <a:t>Fourth level</a:t>
-            </a:r>
-          </a:p>
-          <a:p>
-            <a:pPr lvl="4"/>
-            <a:r>
-              <a:rPr lang="en-US"/>
-              <a:t>Fifth level</a:t>
-            </a:r>
-            <a:endParaRPr lang="en-US" dirty="0"/>
-          </a:p>
-        </p:txBody>
-      </p:sp>
-      <p:sp>
-        <p:nvSpPr>
-          <p:cNvPr id="7" name="Date Placeholder 6"/>
-          <p:cNvSpPr>
-            <a:spLocks noGrp="1"/>
-          </p:cNvSpPr>
-          <p:nvPr>
-            <p:ph type="dt" sz="half" idx="10"/>
-          </p:nvPr>
-        </p:nvSpPr>
-        <p:spPr/>
-        <p:txBody>
-          <a:bodyPr/>
-          <a:lstStyle/>
-          <a:p>
-            <a:fld id="{81A02670-C342-4CC1-930D-919F19DAA981}" type="datetimeFigureOut">
-              <a:rPr lang="en-US" smtClean="0"/>
-              <a:t>4/16/2018</a:t>
-            </a:fld>
-            <a:endParaRPr lang="en-US"/>
-          </a:p>
-        </p:txBody>
-      </p:sp>
-      <p:sp>
-        <p:nvSpPr>
-          <p:cNvPr id="8" name="Footer Placeholder 7"/>
-          <p:cNvSpPr>
-            <a:spLocks noGrp="1"/>
-          </p:cNvSpPr>
-          <p:nvPr>
-            <p:ph type="ftr" sz="quarter" idx="11"/>
-          </p:nvPr>
-        </p:nvSpPr>
-        <p:spPr/>
-        <p:txBody>
-          <a:bodyPr/>
-          <a:lstStyle/>
-          <a:p>
-            <a:endParaRPr lang="en-US"/>
-          </a:p>
-        </p:txBody>
-      </p:sp>
-      <p:sp>
-        <p:nvSpPr>
-          <p:cNvPr id="9" name="Slide Number Placeholder 8"/>
-          <p:cNvSpPr>
-            <a:spLocks noGrp="1"/>
-          </p:cNvSpPr>
-          <p:nvPr>
-            <p:ph type="sldNum" sz="quarter" idx="12"/>
-          </p:nvPr>
-        </p:nvSpPr>
-        <p:spPr/>
-        <p:txBody>
-          <a:bodyPr/>
-          <a:lstStyle/>
-          <a:p>
-            <a:fld id="{2FA3CE17-C092-4EFD-95EC-615FCD38D744}" type="slidenum">
-              <a:rPr lang="en-US" smtClean="0"/>
-              <a:t>‹#›</a:t>
-            </a:fld>
-            <a:endParaRPr lang="en-US"/>
-          </a:p>
-        </p:txBody>
-      </p:sp>
-      <p:cxnSp>
-        <p:nvCxnSpPr>
-          <p:cNvPr id="29" name="Straight Connector 28"/>
-          <p:cNvCxnSpPr/>
-          <p:nvPr/>
-        </p:nvCxnSpPr>
-        <p:spPr>
-          <a:xfrm>
-            <a:off x="1453896" y="1847088"/>
-            <a:ext cx="9607522" cy="0"/>
-          </a:xfrm>
-          <a:prstGeom prst="line">
-            <a:avLst/>
-          </a:prstGeom>
-          <a:ln w="31750"/>
-        </p:spPr>
-        <p:style>
-          <a:lnRef idx="3">
-            <a:schemeClr val="accent1"/>
-          </a:lnRef>
-          <a:fillRef idx="0">
-            <a:schemeClr val="accent1"/>
-          </a:fillRef>
-          <a:effectRef idx="2">
-            <a:schemeClr val="accent1"/>
-          </a:effectRef>
-          <a:fontRef idx="minor">
-            <a:schemeClr val="tx1"/>
-          </a:fontRef>
-        </p:style>
-      </p:cxnSp>
-    </p:spTree>
-    <p:extLst>
-      <p:ext uri="{BB962C8B-B14F-4D97-AF65-F5344CB8AC3E}">
-        <p14:creationId xmlns:p14="http://schemas.microsoft.com/office/powerpoint/2010/main" val="1989453868"/>
-      </p:ext>
-    </p:extLst>
-  </p:cSld>
-  <p:clrMapOvr>
-    <a:masterClrMapping/>
-  </p:clrMapOvr>
-</p:sldLayout>
-</file>
-
-<file path=ppt/slideLayouts/slideLayout6.xml><?xml version="1.0" encoding="utf-8"?>
-<p:sldLayout xmlns:a="http://schemas.openxmlformats.org/drawingml/2006/main" xmlns:r="http://schemas.openxmlformats.org/officeDocument/2006/relationships" xmlns:p="http://schemas.openxmlformats.org/presentationml/2006/main" type="titleOnly" preserve="1">
-  <p:cSld name="Title Only">
-    <p:spTree>
-      <p:nvGrpSpPr>
-        <p:cNvPr id="1" name=""/>
-        <p:cNvGrpSpPr/>
-        <p:nvPr/>
-      </p:nvGrpSpPr>
-      <p:grpSpPr>
-        <a:xfrm>
-          <a:off x="0" y="0"/>
-          <a:ext cx="0" cy="0"/>
-          <a:chOff x="0" y="0"/>
-          <a:chExt cx="0" cy="0"/>
-        </a:xfrm>
-      </p:grpSpPr>
-      <p:sp>
-        <p:nvSpPr>
-          <p:cNvPr id="2" name="Title 1"/>
-          <p:cNvSpPr>
-            <a:spLocks noGrp="1"/>
-          </p:cNvSpPr>
-          <p:nvPr>
-            <p:ph type="title"/>
-          </p:nvPr>
-        </p:nvSpPr>
-        <p:spPr/>
-        <p:txBody>
-          <a:bodyPr/>
-          <a:lstStyle/>
-          <a:p>
-            <a:r>
-              <a:rPr lang="en-US"/>
-              <a:t>Click to edit Master title style</a:t>
-            </a:r>
-            <a:endParaRPr lang="en-US" dirty="0"/>
-          </a:p>
-        </p:txBody>
-      </p:sp>
-      <p:sp>
-        <p:nvSpPr>
-          <p:cNvPr id="3" name="Date Placeholder 2"/>
-          <p:cNvSpPr>
-            <a:spLocks noGrp="1"/>
-          </p:cNvSpPr>
-          <p:nvPr>
-            <p:ph type="dt" sz="half" idx="10"/>
-          </p:nvPr>
-        </p:nvSpPr>
-        <p:spPr/>
-        <p:txBody>
-          <a:bodyPr/>
-          <a:lstStyle/>
-          <a:p>
-            <a:fld id="{81A02670-C342-4CC1-930D-919F19DAA981}" type="datetimeFigureOut">
-              <a:rPr lang="en-US" smtClean="0"/>
-              <a:t>4/16/2018</a:t>
-            </a:fld>
-            <a:endParaRPr lang="en-US"/>
-          </a:p>
-        </p:txBody>
-      </p:sp>
-      <p:sp>
-        <p:nvSpPr>
-          <p:cNvPr id="4" name="Footer Placeholder 3"/>
-          <p:cNvSpPr>
-            <a:spLocks noGrp="1"/>
-          </p:cNvSpPr>
-          <p:nvPr>
-            <p:ph type="ftr" sz="quarter" idx="11"/>
-          </p:nvPr>
-        </p:nvSpPr>
-        <p:spPr/>
-        <p:txBody>
-          <a:bodyPr/>
-          <a:lstStyle/>
-          <a:p>
-            <a:endParaRPr lang="en-US"/>
-          </a:p>
-        </p:txBody>
-      </p:sp>
-      <p:sp>
-        <p:nvSpPr>
-          <p:cNvPr id="5" name="Slide Number Placeholder 4"/>
-          <p:cNvSpPr>
-            <a:spLocks noGrp="1"/>
-          </p:cNvSpPr>
-          <p:nvPr>
-            <p:ph type="sldNum" sz="quarter" idx="12"/>
-          </p:nvPr>
-        </p:nvSpPr>
-        <p:spPr/>
-        <p:txBody>
-          <a:bodyPr/>
-          <a:lstStyle/>
-          <a:p>
-            <a:fld id="{2FA3CE17-C092-4EFD-95EC-615FCD38D744}" type="slidenum">
-              <a:rPr lang="en-US" smtClean="0"/>
-              <a:t>‹#›</a:t>
-            </a:fld>
-            <a:endParaRPr lang="en-US"/>
-          </a:p>
-        </p:txBody>
-      </p:sp>
-      <p:cxnSp>
-        <p:nvCxnSpPr>
-          <p:cNvPr id="25" name="Straight Connector 24"/>
-          <p:cNvCxnSpPr/>
-          <p:nvPr/>
-        </p:nvCxnSpPr>
-        <p:spPr>
-          <a:xfrm>
-            <a:off x="1453896" y="1847088"/>
-            <a:ext cx="9607522" cy="0"/>
-          </a:xfrm>
-          <a:prstGeom prst="line">
-            <a:avLst/>
-          </a:prstGeom>
-          <a:ln w="31750"/>
-        </p:spPr>
-        <p:style>
-          <a:lnRef idx="3">
-            <a:schemeClr val="accent1"/>
-          </a:lnRef>
-          <a:fillRef idx="0">
-            <a:schemeClr val="accent1"/>
-          </a:fillRef>
-          <a:effectRef idx="2">
-            <a:schemeClr val="accent1"/>
-          </a:effectRef>
-          <a:fontRef idx="minor">
-            <a:schemeClr val="tx1"/>
-          </a:fontRef>
-        </p:style>
-      </p:cxnSp>
-    </p:spTree>
-    <p:extLst>
-      <p:ext uri="{BB962C8B-B14F-4D97-AF65-F5344CB8AC3E}">
-        <p14:creationId xmlns:p14="http://schemas.microsoft.com/office/powerpoint/2010/main" val="3524753503"/>
-      </p:ext>
-    </p:extLst>
-  </p:cSld>
-  <p:clrMapOvr>
-    <a:masterClrMapping/>
-  </p:clrMapOvr>
-</p:sldLayout>
-</file>
-
-<file path=ppt/slideLayouts/slideLayout7.xml><?xml version="1.0" encoding="utf-8"?>
-<p:sldLayout xmlns:a="http://schemas.openxmlformats.org/drawingml/2006/main" xmlns:r="http://schemas.openxmlformats.org/officeDocument/2006/relationships" xmlns:p="http://schemas.openxmlformats.org/presentationml/2006/main" type="blank" preserve="1">
-  <p:cSld name="Blank">
-    <p:spTree>
-      <p:nvGrpSpPr>
-        <p:cNvPr id="1" name=""/>
-        <p:cNvGrpSpPr/>
-        <p:nvPr/>
-      </p:nvGrpSpPr>
-      <p:grpSpPr>
-        <a:xfrm>
-          <a:off x="0" y="0"/>
-          <a:ext cx="0" cy="0"/>
-          <a:chOff x="0" y="0"/>
-          <a:chExt cx="0" cy="0"/>
-        </a:xfrm>
-      </p:grpSpPr>
-      <p:sp>
-        <p:nvSpPr>
-          <p:cNvPr id="2" name="Date Placeholder 1"/>
-          <p:cNvSpPr>
-            <a:spLocks noGrp="1"/>
-          </p:cNvSpPr>
-          <p:nvPr>
-            <p:ph type="dt" sz="half" idx="10"/>
-          </p:nvPr>
-        </p:nvSpPr>
-        <p:spPr/>
-        <p:txBody>
-          <a:bodyPr/>
-          <a:lstStyle/>
-          <a:p>
-            <a:fld id="{81A02670-C342-4CC1-930D-919F19DAA981}" type="datetimeFigureOut">
-              <a:rPr lang="en-US" smtClean="0"/>
-              <a:t>4/16/2018</a:t>
-            </a:fld>
-            <a:endParaRPr lang="en-US"/>
-          </a:p>
-        </p:txBody>
-      </p:sp>
-      <p:sp>
-        <p:nvSpPr>
-          <p:cNvPr id="3" name="Footer Placeholder 2"/>
-          <p:cNvSpPr>
-            <a:spLocks noGrp="1"/>
-          </p:cNvSpPr>
-          <p:nvPr>
-            <p:ph type="ftr" sz="quarter" idx="11"/>
-          </p:nvPr>
-        </p:nvSpPr>
-        <p:spPr/>
-        <p:txBody>
-          <a:bodyPr/>
-          <a:lstStyle/>
-          <a:p>
-            <a:endParaRPr lang="en-US"/>
-          </a:p>
-        </p:txBody>
-      </p:sp>
-      <p:sp>
-        <p:nvSpPr>
-          <p:cNvPr id="4" name="Slide Number Placeholder 3"/>
-          <p:cNvSpPr>
-            <a:spLocks noGrp="1"/>
-          </p:cNvSpPr>
-          <p:nvPr>
-            <p:ph type="sldNum" sz="quarter" idx="12"/>
-          </p:nvPr>
-        </p:nvSpPr>
-        <p:spPr/>
-        <p:txBody>
-          <a:bodyPr/>
-          <a:lstStyle/>
-          <a:p>
-            <a:fld id="{2FA3CE17-C092-4EFD-95EC-615FCD38D744}" type="slidenum">
-              <a:rPr lang="en-US" smtClean="0"/>
-              <a:t>‹#›</a:t>
-            </a:fld>
-            <a:endParaRPr lang="en-US"/>
-          </a:p>
-        </p:txBody>
-      </p:sp>
-    </p:spTree>
-    <p:extLst>
-      <p:ext uri="{BB962C8B-B14F-4D97-AF65-F5344CB8AC3E}">
-        <p14:creationId xmlns:p14="http://schemas.microsoft.com/office/powerpoint/2010/main" val="27829354"/>
-      </p:ext>
-    </p:extLst>
-  </p:cSld>
-  <p:clrMapOvr>
-    <a:masterClrMapping/>
-  </p:clrMapOvr>
-</p:sldLayout>
-</file>
-
-<file path=ppt/slideLayouts/slideLayout8.xml><?xml version="1.0" encoding="utf-8"?>
-<p:sldLayout xmlns:a="http://schemas.openxmlformats.org/drawingml/2006/main" xmlns:r="http://schemas.openxmlformats.org/officeDocument/2006/relationships" xmlns:p="http://schemas.openxmlformats.org/presentationml/2006/main" type="objTx" preserve="1">
-  <p:cSld name="Content with Caption">
-    <p:spTree>
-      <p:nvGrpSpPr>
-        <p:cNvPr id="1" name=""/>
-        <p:cNvGrpSpPr/>
-        <p:nvPr/>
-      </p:nvGrpSpPr>
-      <p:grpSpPr>
-        <a:xfrm>
-          <a:off x="0" y="0"/>
-          <a:ext cx="0" cy="0"/>
-          <a:chOff x="0" y="0"/>
-          <a:chExt cx="0" cy="0"/>
-        </a:xfrm>
-      </p:grpSpPr>
-      <p:sp>
-        <p:nvSpPr>
-          <p:cNvPr id="2" name="Title 1"/>
-          <p:cNvSpPr>
-            <a:spLocks noGrp="1"/>
-          </p:cNvSpPr>
-          <p:nvPr>
-            <p:ph type="title"/>
-          </p:nvPr>
-        </p:nvSpPr>
-        <p:spPr>
-          <a:xfrm>
-            <a:off x="1444671" y="798973"/>
-            <a:ext cx="3273099" cy="2247117"/>
-          </a:xfrm>
-        </p:spPr>
-        <p:txBody>
-          <a:bodyPr anchor="b">
-            <a:normAutofit/>
-          </a:bodyPr>
-          <a:lstStyle>
-            <a:lvl1pPr algn="l">
-              <a:defRPr sz="2400"/>
-            </a:lvl1pPr>
-          </a:lstStyle>
-          <a:p>
-            <a:r>
-              <a:rPr lang="en-US"/>
-              <a:t>Click to edit Master title style</a:t>
-            </a:r>
-            <a:endParaRPr lang="en-US" dirty="0"/>
-          </a:p>
-        </p:txBody>
-      </p:sp>
-      <p:sp>
-        <p:nvSpPr>
-          <p:cNvPr id="3" name="Content Placeholder 2"/>
-          <p:cNvSpPr>
-            <a:spLocks noGrp="1"/>
-          </p:cNvSpPr>
-          <p:nvPr>
-            <p:ph idx="1"/>
-          </p:nvPr>
-        </p:nvSpPr>
-        <p:spPr>
-          <a:xfrm>
-            <a:off x="5043714" y="798974"/>
-            <a:ext cx="6012470" cy="4658826"/>
-          </a:xfrm>
-        </p:spPr>
-        <p:txBody>
-          <a:bodyPr anchor="ctr"/>
-          <a:lstStyle/>
-          <a:p>
-            <a:pPr lvl="0"/>
-            <a:r>
-              <a:rPr lang="en-US"/>
-              <a:t>Edit Master text styles</a:t>
-            </a:r>
-          </a:p>
-          <a:p>
-            <a:pPr lvl="1"/>
-            <a:r>
-              <a:rPr lang="en-US"/>
-              <a:t>Second level</a:t>
-            </a:r>
-          </a:p>
-          <a:p>
-            <a:pPr lvl="2"/>
-            <a:r>
-              <a:rPr lang="en-US"/>
-              <a:t>Third level</a:t>
-            </a:r>
-          </a:p>
-          <a:p>
-            <a:pPr lvl="3"/>
-            <a:r>
-              <a:rPr lang="en-US"/>
-              <a:t>Fourth level</a:t>
-            </a:r>
-          </a:p>
-          <a:p>
-            <a:pPr lvl="4"/>
-            <a:r>
-              <a:rPr lang="en-US"/>
-              <a:t>Fifth level</a:t>
-            </a:r>
-            <a:endParaRPr lang="en-US" dirty="0"/>
-          </a:p>
-        </p:txBody>
-      </p:sp>
-      <p:sp>
-        <p:nvSpPr>
-          <p:cNvPr id="4" name="Text Placeholder 3"/>
-          <p:cNvSpPr>
-            <a:spLocks noGrp="1"/>
-          </p:cNvSpPr>
-          <p:nvPr>
-            <p:ph type="body" sz="half" idx="2"/>
-          </p:nvPr>
-        </p:nvSpPr>
-        <p:spPr>
-          <a:xfrm>
-            <a:off x="1444671" y="3205491"/>
-            <a:ext cx="3275013" cy="2248181"/>
-          </a:xfrm>
-        </p:spPr>
-        <p:txBody>
-          <a:bodyPr/>
-          <a:lstStyle>
-            <a:lvl1pPr marL="0" indent="0" algn="l">
-              <a:buNone/>
-              <a:defRPr sz="1600"/>
-            </a:lvl1pPr>
-            <a:lvl2pPr marL="457200" indent="0">
-              <a:buNone/>
-              <a:defRPr sz="1400"/>
-            </a:lvl2pPr>
-            <a:lvl3pPr marL="914400" indent="0">
-              <a:buNone/>
-              <a:defRPr sz="1200"/>
-            </a:lvl3pPr>
-            <a:lvl4pPr marL="1371600" indent="0">
-              <a:buNone/>
-              <a:defRPr sz="1000"/>
-            </a:lvl4pPr>
-            <a:lvl5pPr marL="1828800" indent="0">
-              <a:buNone/>
-              <a:defRPr sz="1000"/>
-            </a:lvl5pPr>
-            <a:lvl6pPr marL="2286000" indent="0">
-              <a:buNone/>
-              <a:defRPr sz="1000"/>
-            </a:lvl6pPr>
-            <a:lvl7pPr marL="2743200" indent="0">
-              <a:buNone/>
-              <a:defRPr sz="1000"/>
-            </a:lvl7pPr>
-            <a:lvl8pPr marL="3200400" indent="0">
-              <a:buNone/>
-              <a:defRPr sz="1000"/>
-            </a:lvl8pPr>
-            <a:lvl9pPr marL="3657600" indent="0">
-              <a:buNone/>
-              <a:defRPr sz="1000"/>
-            </a:lvl9pPr>
-          </a:lstStyle>
-          <a:p>
-            <a:pPr lvl="0"/>
-            <a:r>
-              <a:rPr lang="en-US"/>
-              <a:t>Edit Master text styles</a:t>
-            </a:r>
-          </a:p>
-        </p:txBody>
-      </p:sp>
-      <p:sp>
-        <p:nvSpPr>
-          <p:cNvPr id="5" name="Date Placeholder 4"/>
-          <p:cNvSpPr>
-            <a:spLocks noGrp="1"/>
-          </p:cNvSpPr>
-          <p:nvPr>
-            <p:ph type="dt" sz="half" idx="10"/>
-          </p:nvPr>
-        </p:nvSpPr>
-        <p:spPr/>
-        <p:txBody>
-          <a:bodyPr/>
-          <a:lstStyle/>
-          <a:p>
-            <a:fld id="{81A02670-C342-4CC1-930D-919F19DAA981}" type="datetimeFigureOut">
-              <a:rPr lang="en-US" smtClean="0"/>
-              <a:t>4/16/2018</a:t>
-            </a:fld>
-            <a:endParaRPr lang="en-US"/>
-          </a:p>
-        </p:txBody>
-      </p:sp>
-      <p:sp>
-        <p:nvSpPr>
-          <p:cNvPr id="6" name="Footer Placeholder 5"/>
-          <p:cNvSpPr>
-            <a:spLocks noGrp="1"/>
-          </p:cNvSpPr>
-          <p:nvPr>
-            <p:ph type="ftr" sz="quarter" idx="11"/>
-          </p:nvPr>
-        </p:nvSpPr>
-        <p:spPr/>
-        <p:txBody>
-          <a:bodyPr/>
-          <a:lstStyle/>
-          <a:p>
-            <a:endParaRPr lang="en-US"/>
-          </a:p>
-        </p:txBody>
-      </p:sp>
-      <p:sp>
-        <p:nvSpPr>
-          <p:cNvPr id="7" name="Slide Number Placeholder 6"/>
-          <p:cNvSpPr>
-            <a:spLocks noGrp="1"/>
-          </p:cNvSpPr>
-          <p:nvPr>
-            <p:ph type="sldNum" sz="quarter" idx="12"/>
-          </p:nvPr>
-        </p:nvSpPr>
-        <p:spPr/>
-        <p:txBody>
-          <a:bodyPr/>
-          <a:lstStyle/>
-          <a:p>
-            <a:fld id="{2FA3CE17-C092-4EFD-95EC-615FCD38D744}" type="slidenum">
-              <a:rPr lang="en-US" smtClean="0"/>
-              <a:t>‹#›</a:t>
-            </a:fld>
-            <a:endParaRPr lang="en-US"/>
-          </a:p>
-        </p:txBody>
-      </p:sp>
-      <p:cxnSp>
-        <p:nvCxnSpPr>
-          <p:cNvPr id="17" name="Straight Connector 16"/>
-          <p:cNvCxnSpPr/>
-          <p:nvPr/>
-        </p:nvCxnSpPr>
-        <p:spPr>
-          <a:xfrm>
-            <a:off x="1448280" y="3205491"/>
-            <a:ext cx="3269490" cy="0"/>
-          </a:xfrm>
-          <a:prstGeom prst="line">
-            <a:avLst/>
-          </a:prstGeom>
-          <a:ln w="31750"/>
-        </p:spPr>
-        <p:style>
-          <a:lnRef idx="3">
-            <a:schemeClr val="accent1"/>
-          </a:lnRef>
-          <a:fillRef idx="0">
-            <a:schemeClr val="accent1"/>
-          </a:fillRef>
-          <a:effectRef idx="2">
-            <a:schemeClr val="accent1"/>
-          </a:effectRef>
-          <a:fontRef idx="minor">
-            <a:schemeClr val="tx1"/>
-          </a:fontRef>
-        </p:style>
-      </p:cxnSp>
-    </p:spTree>
-    <p:extLst>
-      <p:ext uri="{BB962C8B-B14F-4D97-AF65-F5344CB8AC3E}">
-        <p14:creationId xmlns:p14="http://schemas.microsoft.com/office/powerpoint/2010/main" val="3864896639"/>
-      </p:ext>
-    </p:extLst>
-  </p:cSld>
-  <p:clrMapOvr>
-    <a:masterClrMapping/>
-  </p:clrMapOvr>
-</p:sldLayout>
-</file>
-
-<file path=ppt/slideLayouts/slideLayout9.xml><?xml version="1.0" encoding="utf-8"?>
 <p:sldLayout xmlns:a="http://schemas.openxmlformats.org/drawingml/2006/main" xmlns:r="http://schemas.openxmlformats.org/officeDocument/2006/relationships" xmlns:p="http://schemas.openxmlformats.org/presentationml/2006/main" type="picTx" preserve="1">
   <p:cSld name="Picture with Caption">
     <p:spTree>
@@ -3250,7 +1152,7 @@
           <a:p>
             <a:fld id="{81A02670-C342-4CC1-930D-919F19DAA981}" type="datetimeFigureOut">
               <a:rPr lang="en-US" smtClean="0"/>
-              <a:t>4/16/2018</a:t>
+              <a:t>04/18/2018</a:t>
             </a:fld>
             <a:endParaRPr lang="en-US"/>
           </a:p>
@@ -3338,6 +1240,2230 @@
     <p:extLst>
       <p:ext uri="{BB962C8B-B14F-4D97-AF65-F5344CB8AC3E}">
         <p14:creationId xmlns:p14="http://schemas.microsoft.com/office/powerpoint/2010/main" val="4243354687"/>
+      </p:ext>
+    </p:extLst>
+  </p:cSld>
+  <p:clrMapOvr>
+    <a:masterClrMapping/>
+  </p:clrMapOvr>
+</p:sldLayout>
+</file>
+
+<file path=ppt/slideLayouts/slideLayout11.xml><?xml version="1.0" encoding="utf-8"?>
+<p:sldLayout xmlns:a="http://schemas.openxmlformats.org/drawingml/2006/main" xmlns:r="http://schemas.openxmlformats.org/officeDocument/2006/relationships" xmlns:p="http://schemas.openxmlformats.org/presentationml/2006/main" type="vertTx" preserve="1">
+  <p:cSld name="Title and Vertical Text">
+    <p:spTree>
+      <p:nvGrpSpPr>
+        <p:cNvPr id="1" name=""/>
+        <p:cNvGrpSpPr/>
+        <p:nvPr/>
+      </p:nvGrpSpPr>
+      <p:grpSpPr>
+        <a:xfrm>
+          <a:off x="0" y="0"/>
+          <a:ext cx="0" cy="0"/>
+          <a:chOff x="0" y="0"/>
+          <a:chExt cx="0" cy="0"/>
+        </a:xfrm>
+      </p:grpSpPr>
+      <p:sp>
+        <p:nvSpPr>
+          <p:cNvPr id="2" name="Title 1"/>
+          <p:cNvSpPr>
+            <a:spLocks noGrp="1"/>
+          </p:cNvSpPr>
+          <p:nvPr>
+            <p:ph type="title"/>
+          </p:nvPr>
+        </p:nvSpPr>
+        <p:spPr/>
+        <p:txBody>
+          <a:bodyPr/>
+          <a:lstStyle/>
+          <a:p>
+            <a:r>
+              <a:rPr lang="en-US"/>
+              <a:t>Click to edit Master title style</a:t>
+            </a:r>
+            <a:endParaRPr lang="en-US" dirty="0"/>
+          </a:p>
+        </p:txBody>
+      </p:sp>
+      <p:sp>
+        <p:nvSpPr>
+          <p:cNvPr id="3" name="Vertical Text Placeholder 2"/>
+          <p:cNvSpPr>
+            <a:spLocks noGrp="1"/>
+          </p:cNvSpPr>
+          <p:nvPr>
+            <p:ph type="body" orient="vert" idx="1"/>
+          </p:nvPr>
+        </p:nvSpPr>
+        <p:spPr/>
+        <p:txBody>
+          <a:bodyPr vert="eaVert"/>
+          <a:lstStyle/>
+          <a:p>
+            <a:pPr lvl="0"/>
+            <a:r>
+              <a:rPr lang="en-US"/>
+              <a:t>Edit Master text styles</a:t>
+            </a:r>
+          </a:p>
+          <a:p>
+            <a:pPr lvl="1"/>
+            <a:r>
+              <a:rPr lang="en-US"/>
+              <a:t>Second level</a:t>
+            </a:r>
+          </a:p>
+          <a:p>
+            <a:pPr lvl="2"/>
+            <a:r>
+              <a:rPr lang="en-US"/>
+              <a:t>Third level</a:t>
+            </a:r>
+          </a:p>
+          <a:p>
+            <a:pPr lvl="3"/>
+            <a:r>
+              <a:rPr lang="en-US"/>
+              <a:t>Fourth level</a:t>
+            </a:r>
+          </a:p>
+          <a:p>
+            <a:pPr lvl="4"/>
+            <a:r>
+              <a:rPr lang="en-US"/>
+              <a:t>Fifth level</a:t>
+            </a:r>
+            <a:endParaRPr lang="en-US" dirty="0"/>
+          </a:p>
+        </p:txBody>
+      </p:sp>
+      <p:sp>
+        <p:nvSpPr>
+          <p:cNvPr id="4" name="Date Placeholder 3"/>
+          <p:cNvSpPr>
+            <a:spLocks noGrp="1"/>
+          </p:cNvSpPr>
+          <p:nvPr>
+            <p:ph type="dt" sz="half" idx="10"/>
+          </p:nvPr>
+        </p:nvSpPr>
+        <p:spPr/>
+        <p:txBody>
+          <a:bodyPr/>
+          <a:lstStyle/>
+          <a:p>
+            <a:fld id="{81A02670-C342-4CC1-930D-919F19DAA981}" type="datetimeFigureOut">
+              <a:rPr lang="en-US" smtClean="0"/>
+              <a:t>04/18/2018</a:t>
+            </a:fld>
+            <a:endParaRPr lang="en-US"/>
+          </a:p>
+        </p:txBody>
+      </p:sp>
+      <p:sp>
+        <p:nvSpPr>
+          <p:cNvPr id="5" name="Footer Placeholder 4"/>
+          <p:cNvSpPr>
+            <a:spLocks noGrp="1"/>
+          </p:cNvSpPr>
+          <p:nvPr>
+            <p:ph type="ftr" sz="quarter" idx="11"/>
+          </p:nvPr>
+        </p:nvSpPr>
+        <p:spPr/>
+        <p:txBody>
+          <a:bodyPr/>
+          <a:lstStyle/>
+          <a:p>
+            <a:endParaRPr lang="en-US"/>
+          </a:p>
+        </p:txBody>
+      </p:sp>
+      <p:sp>
+        <p:nvSpPr>
+          <p:cNvPr id="6" name="Slide Number Placeholder 5"/>
+          <p:cNvSpPr>
+            <a:spLocks noGrp="1"/>
+          </p:cNvSpPr>
+          <p:nvPr>
+            <p:ph type="sldNum" sz="quarter" idx="12"/>
+          </p:nvPr>
+        </p:nvSpPr>
+        <p:spPr/>
+        <p:txBody>
+          <a:bodyPr/>
+          <a:lstStyle/>
+          <a:p>
+            <a:fld id="{2FA3CE17-C092-4EFD-95EC-615FCD38D744}" type="slidenum">
+              <a:rPr lang="en-US" smtClean="0"/>
+              <a:t>‹#›</a:t>
+            </a:fld>
+            <a:endParaRPr lang="en-US"/>
+          </a:p>
+        </p:txBody>
+      </p:sp>
+      <p:cxnSp>
+        <p:nvCxnSpPr>
+          <p:cNvPr id="26" name="Straight Connector 25"/>
+          <p:cNvCxnSpPr/>
+          <p:nvPr/>
+        </p:nvCxnSpPr>
+        <p:spPr>
+          <a:xfrm>
+            <a:off x="1453896" y="1847088"/>
+            <a:ext cx="9607522" cy="0"/>
+          </a:xfrm>
+          <a:prstGeom prst="line">
+            <a:avLst/>
+          </a:prstGeom>
+          <a:ln w="31750"/>
+        </p:spPr>
+        <p:style>
+          <a:lnRef idx="3">
+            <a:schemeClr val="accent1"/>
+          </a:lnRef>
+          <a:fillRef idx="0">
+            <a:schemeClr val="accent1"/>
+          </a:fillRef>
+          <a:effectRef idx="2">
+            <a:schemeClr val="accent1"/>
+          </a:effectRef>
+          <a:fontRef idx="minor">
+            <a:schemeClr val="tx1"/>
+          </a:fontRef>
+        </p:style>
+      </p:cxnSp>
+    </p:spTree>
+    <p:extLst>
+      <p:ext uri="{BB962C8B-B14F-4D97-AF65-F5344CB8AC3E}">
+        <p14:creationId xmlns:p14="http://schemas.microsoft.com/office/powerpoint/2010/main" val="4212151467"/>
+      </p:ext>
+    </p:extLst>
+  </p:cSld>
+  <p:clrMapOvr>
+    <a:masterClrMapping/>
+  </p:clrMapOvr>
+</p:sldLayout>
+</file>
+
+<file path=ppt/slideLayouts/slideLayout12.xml><?xml version="1.0" encoding="utf-8"?>
+<p:sldLayout xmlns:a="http://schemas.openxmlformats.org/drawingml/2006/main" xmlns:r="http://schemas.openxmlformats.org/officeDocument/2006/relationships" xmlns:p="http://schemas.openxmlformats.org/presentationml/2006/main" type="vertTitleAndTx" preserve="1">
+  <p:cSld name="Vertical Title and Text">
+    <p:spTree>
+      <p:nvGrpSpPr>
+        <p:cNvPr id="1" name=""/>
+        <p:cNvGrpSpPr/>
+        <p:nvPr/>
+      </p:nvGrpSpPr>
+      <p:grpSpPr>
+        <a:xfrm>
+          <a:off x="0" y="0"/>
+          <a:ext cx="0" cy="0"/>
+          <a:chOff x="0" y="0"/>
+          <a:chExt cx="0" cy="0"/>
+        </a:xfrm>
+      </p:grpSpPr>
+      <p:sp>
+        <p:nvSpPr>
+          <p:cNvPr id="2" name="Vertical Title 1"/>
+          <p:cNvSpPr>
+            <a:spLocks noGrp="1"/>
+          </p:cNvSpPr>
+          <p:nvPr>
+            <p:ph type="title" orient="vert"/>
+          </p:nvPr>
+        </p:nvSpPr>
+        <p:spPr>
+          <a:xfrm>
+            <a:off x="9439111" y="798973"/>
+            <a:ext cx="1615742" cy="4659889"/>
+          </a:xfrm>
+        </p:spPr>
+        <p:txBody>
+          <a:bodyPr vert="eaVert"/>
+          <a:lstStyle>
+            <a:lvl1pPr algn="l">
+              <a:defRPr/>
+            </a:lvl1pPr>
+          </a:lstStyle>
+          <a:p>
+            <a:r>
+              <a:rPr lang="en-US"/>
+              <a:t>Click to edit Master title style</a:t>
+            </a:r>
+            <a:endParaRPr lang="en-US" dirty="0"/>
+          </a:p>
+        </p:txBody>
+      </p:sp>
+      <p:sp>
+        <p:nvSpPr>
+          <p:cNvPr id="3" name="Vertical Text Placeholder 2"/>
+          <p:cNvSpPr>
+            <a:spLocks noGrp="1"/>
+          </p:cNvSpPr>
+          <p:nvPr>
+            <p:ph type="body" orient="vert" idx="1"/>
+          </p:nvPr>
+        </p:nvSpPr>
+        <p:spPr>
+          <a:xfrm>
+            <a:off x="1444672" y="798973"/>
+            <a:ext cx="7828830" cy="4659889"/>
+          </a:xfrm>
+        </p:spPr>
+        <p:txBody>
+          <a:bodyPr vert="eaVert"/>
+          <a:lstStyle/>
+          <a:p>
+            <a:pPr lvl="0"/>
+            <a:r>
+              <a:rPr lang="en-US"/>
+              <a:t>Edit Master text styles</a:t>
+            </a:r>
+          </a:p>
+          <a:p>
+            <a:pPr lvl="1"/>
+            <a:r>
+              <a:rPr lang="en-US"/>
+              <a:t>Second level</a:t>
+            </a:r>
+          </a:p>
+          <a:p>
+            <a:pPr lvl="2"/>
+            <a:r>
+              <a:rPr lang="en-US"/>
+              <a:t>Third level</a:t>
+            </a:r>
+          </a:p>
+          <a:p>
+            <a:pPr lvl="3"/>
+            <a:r>
+              <a:rPr lang="en-US"/>
+              <a:t>Fourth level</a:t>
+            </a:r>
+          </a:p>
+          <a:p>
+            <a:pPr lvl="4"/>
+            <a:r>
+              <a:rPr lang="en-US"/>
+              <a:t>Fifth level</a:t>
+            </a:r>
+            <a:endParaRPr lang="en-US" dirty="0"/>
+          </a:p>
+        </p:txBody>
+      </p:sp>
+      <p:sp>
+        <p:nvSpPr>
+          <p:cNvPr id="4" name="Date Placeholder 3"/>
+          <p:cNvSpPr>
+            <a:spLocks noGrp="1"/>
+          </p:cNvSpPr>
+          <p:nvPr>
+            <p:ph type="dt" sz="half" idx="10"/>
+          </p:nvPr>
+        </p:nvSpPr>
+        <p:spPr/>
+        <p:txBody>
+          <a:bodyPr/>
+          <a:lstStyle/>
+          <a:p>
+            <a:fld id="{81A02670-C342-4CC1-930D-919F19DAA981}" type="datetimeFigureOut">
+              <a:rPr lang="en-US" smtClean="0"/>
+              <a:t>04/18/2018</a:t>
+            </a:fld>
+            <a:endParaRPr lang="en-US"/>
+          </a:p>
+        </p:txBody>
+      </p:sp>
+      <p:sp>
+        <p:nvSpPr>
+          <p:cNvPr id="5" name="Footer Placeholder 4"/>
+          <p:cNvSpPr>
+            <a:spLocks noGrp="1"/>
+          </p:cNvSpPr>
+          <p:nvPr>
+            <p:ph type="ftr" sz="quarter" idx="11"/>
+          </p:nvPr>
+        </p:nvSpPr>
+        <p:spPr/>
+        <p:txBody>
+          <a:bodyPr/>
+          <a:lstStyle/>
+          <a:p>
+            <a:endParaRPr lang="en-US"/>
+          </a:p>
+        </p:txBody>
+      </p:sp>
+      <p:sp>
+        <p:nvSpPr>
+          <p:cNvPr id="6" name="Slide Number Placeholder 5"/>
+          <p:cNvSpPr>
+            <a:spLocks noGrp="1"/>
+          </p:cNvSpPr>
+          <p:nvPr>
+            <p:ph type="sldNum" sz="quarter" idx="12"/>
+          </p:nvPr>
+        </p:nvSpPr>
+        <p:spPr/>
+        <p:txBody>
+          <a:bodyPr/>
+          <a:lstStyle/>
+          <a:p>
+            <a:fld id="{2FA3CE17-C092-4EFD-95EC-615FCD38D744}" type="slidenum">
+              <a:rPr lang="en-US" smtClean="0"/>
+              <a:t>‹#›</a:t>
+            </a:fld>
+            <a:endParaRPr lang="en-US"/>
+          </a:p>
+        </p:txBody>
+      </p:sp>
+      <p:cxnSp>
+        <p:nvCxnSpPr>
+          <p:cNvPr id="15" name="Straight Connector 14"/>
+          <p:cNvCxnSpPr/>
+          <p:nvPr/>
+        </p:nvCxnSpPr>
+        <p:spPr>
+          <a:xfrm>
+            <a:off x="9439111" y="798973"/>
+            <a:ext cx="0" cy="4659889"/>
+          </a:xfrm>
+          <a:prstGeom prst="line">
+            <a:avLst/>
+          </a:prstGeom>
+          <a:ln w="31750"/>
+        </p:spPr>
+        <p:style>
+          <a:lnRef idx="3">
+            <a:schemeClr val="accent1"/>
+          </a:lnRef>
+          <a:fillRef idx="0">
+            <a:schemeClr val="accent1"/>
+          </a:fillRef>
+          <a:effectRef idx="2">
+            <a:schemeClr val="accent1"/>
+          </a:effectRef>
+          <a:fontRef idx="minor">
+            <a:schemeClr val="tx1"/>
+          </a:fontRef>
+        </p:style>
+      </p:cxnSp>
+    </p:spTree>
+    <p:extLst>
+      <p:ext uri="{BB962C8B-B14F-4D97-AF65-F5344CB8AC3E}">
+        <p14:creationId xmlns:p14="http://schemas.microsoft.com/office/powerpoint/2010/main" val="3250425070"/>
+      </p:ext>
+    </p:extLst>
+  </p:cSld>
+  <p:clrMapOvr>
+    <a:masterClrMapping/>
+  </p:clrMapOvr>
+</p:sldLayout>
+</file>
+
+<file path=ppt/slideLayouts/slideLayout2.xml><?xml version="1.0" encoding="utf-8"?>
+<p:sldLayout xmlns:a="http://schemas.openxmlformats.org/drawingml/2006/main" xmlns:r="http://schemas.openxmlformats.org/officeDocument/2006/relationships" xmlns:p="http://schemas.openxmlformats.org/presentationml/2006/main" type="obj" preserve="1">
+  <p:cSld name="Title and Content">
+    <p:spTree>
+      <p:nvGrpSpPr>
+        <p:cNvPr id="1" name=""/>
+        <p:cNvGrpSpPr/>
+        <p:nvPr/>
+      </p:nvGrpSpPr>
+      <p:grpSpPr>
+        <a:xfrm>
+          <a:off x="0" y="0"/>
+          <a:ext cx="0" cy="0"/>
+          <a:chOff x="0" y="0"/>
+          <a:chExt cx="0" cy="0"/>
+        </a:xfrm>
+      </p:grpSpPr>
+      <p:sp>
+        <p:nvSpPr>
+          <p:cNvPr id="2" name="Title 1"/>
+          <p:cNvSpPr>
+            <a:spLocks noGrp="1"/>
+          </p:cNvSpPr>
+          <p:nvPr>
+            <p:ph type="title"/>
+          </p:nvPr>
+        </p:nvSpPr>
+        <p:spPr/>
+        <p:txBody>
+          <a:bodyPr/>
+          <a:lstStyle/>
+          <a:p>
+            <a:r>
+              <a:rPr lang="en-US"/>
+              <a:t>Click to edit Master title style</a:t>
+            </a:r>
+            <a:endParaRPr lang="en-US" dirty="0"/>
+          </a:p>
+        </p:txBody>
+      </p:sp>
+      <p:sp>
+        <p:nvSpPr>
+          <p:cNvPr id="3" name="Content Placeholder 2"/>
+          <p:cNvSpPr>
+            <a:spLocks noGrp="1"/>
+          </p:cNvSpPr>
+          <p:nvPr>
+            <p:ph idx="1"/>
+          </p:nvPr>
+        </p:nvSpPr>
+        <p:spPr/>
+        <p:txBody>
+          <a:bodyPr anchor="t"/>
+          <a:lstStyle/>
+          <a:p>
+            <a:pPr lvl="0"/>
+            <a:r>
+              <a:rPr lang="en-US" dirty="0"/>
+              <a:t>Edit Master text styles</a:t>
+            </a:r>
+          </a:p>
+          <a:p>
+            <a:pPr lvl="1"/>
+            <a:r>
+              <a:rPr lang="en-US" dirty="0"/>
+              <a:t>Second level</a:t>
+            </a:r>
+          </a:p>
+          <a:p>
+            <a:pPr lvl="2"/>
+            <a:r>
+              <a:rPr lang="en-US" dirty="0"/>
+              <a:t>Third level</a:t>
+            </a:r>
+          </a:p>
+          <a:p>
+            <a:pPr lvl="3"/>
+            <a:r>
+              <a:rPr lang="en-US" dirty="0"/>
+              <a:t>Fourth level</a:t>
+            </a:r>
+          </a:p>
+          <a:p>
+            <a:pPr lvl="4"/>
+            <a:r>
+              <a:rPr lang="en-US" dirty="0"/>
+              <a:t>Fifth level</a:t>
+            </a:r>
+          </a:p>
+        </p:txBody>
+      </p:sp>
+      <p:sp>
+        <p:nvSpPr>
+          <p:cNvPr id="4" name="Date Placeholder 3"/>
+          <p:cNvSpPr>
+            <a:spLocks noGrp="1"/>
+          </p:cNvSpPr>
+          <p:nvPr>
+            <p:ph type="dt" sz="half" idx="10"/>
+          </p:nvPr>
+        </p:nvSpPr>
+        <p:spPr/>
+        <p:txBody>
+          <a:bodyPr/>
+          <a:lstStyle/>
+          <a:p>
+            <a:fld id="{81A02670-C342-4CC1-930D-919F19DAA981}" type="datetimeFigureOut">
+              <a:rPr lang="en-US" smtClean="0"/>
+              <a:t>04/18/2018</a:t>
+            </a:fld>
+            <a:endParaRPr lang="en-US"/>
+          </a:p>
+        </p:txBody>
+      </p:sp>
+      <p:sp>
+        <p:nvSpPr>
+          <p:cNvPr id="5" name="Footer Placeholder 4"/>
+          <p:cNvSpPr>
+            <a:spLocks noGrp="1"/>
+          </p:cNvSpPr>
+          <p:nvPr>
+            <p:ph type="ftr" sz="quarter" idx="11"/>
+          </p:nvPr>
+        </p:nvSpPr>
+        <p:spPr/>
+        <p:txBody>
+          <a:bodyPr/>
+          <a:lstStyle/>
+          <a:p>
+            <a:endParaRPr lang="en-US"/>
+          </a:p>
+        </p:txBody>
+      </p:sp>
+      <p:sp>
+        <p:nvSpPr>
+          <p:cNvPr id="6" name="Slide Number Placeholder 5"/>
+          <p:cNvSpPr>
+            <a:spLocks noGrp="1"/>
+          </p:cNvSpPr>
+          <p:nvPr>
+            <p:ph type="sldNum" sz="quarter" idx="12"/>
+          </p:nvPr>
+        </p:nvSpPr>
+        <p:spPr/>
+        <p:txBody>
+          <a:bodyPr/>
+          <a:lstStyle/>
+          <a:p>
+            <a:fld id="{2FA3CE17-C092-4EFD-95EC-615FCD38D744}" type="slidenum">
+              <a:rPr lang="en-US" smtClean="0"/>
+              <a:t>‹#›</a:t>
+            </a:fld>
+            <a:endParaRPr lang="en-US"/>
+          </a:p>
+        </p:txBody>
+      </p:sp>
+      <p:cxnSp>
+        <p:nvCxnSpPr>
+          <p:cNvPr id="33" name="Straight Connector 32"/>
+          <p:cNvCxnSpPr/>
+          <p:nvPr/>
+        </p:nvCxnSpPr>
+        <p:spPr>
+          <a:xfrm>
+            <a:off x="1453896" y="1847088"/>
+            <a:ext cx="9607522" cy="0"/>
+          </a:xfrm>
+          <a:prstGeom prst="line">
+            <a:avLst/>
+          </a:prstGeom>
+          <a:ln w="31750"/>
+        </p:spPr>
+        <p:style>
+          <a:lnRef idx="3">
+            <a:schemeClr val="accent1"/>
+          </a:lnRef>
+          <a:fillRef idx="0">
+            <a:schemeClr val="accent1"/>
+          </a:fillRef>
+          <a:effectRef idx="2">
+            <a:schemeClr val="accent1"/>
+          </a:effectRef>
+          <a:fontRef idx="minor">
+            <a:schemeClr val="tx1"/>
+          </a:fontRef>
+        </p:style>
+      </p:cxnSp>
+    </p:spTree>
+    <p:extLst>
+      <p:ext uri="{BB962C8B-B14F-4D97-AF65-F5344CB8AC3E}">
+        <p14:creationId xmlns:p14="http://schemas.microsoft.com/office/powerpoint/2010/main" val="2359497807"/>
+      </p:ext>
+    </p:extLst>
+  </p:cSld>
+  <p:clrMapOvr>
+    <a:masterClrMapping/>
+  </p:clrMapOvr>
+</p:sldLayout>
+</file>
+
+<file path=ppt/slideLayouts/slideLayout3.xml><?xml version="1.0" encoding="utf-8"?>
+<p:sldLayout xmlns:a="http://schemas.openxmlformats.org/drawingml/2006/main" xmlns:r="http://schemas.openxmlformats.org/officeDocument/2006/relationships" xmlns:p="http://schemas.openxmlformats.org/presentationml/2006/main" type="secHead" preserve="1">
+  <p:cSld name="Section Header">
+    <p:spTree>
+      <p:nvGrpSpPr>
+        <p:cNvPr id="1" name=""/>
+        <p:cNvGrpSpPr/>
+        <p:nvPr/>
+      </p:nvGrpSpPr>
+      <p:grpSpPr>
+        <a:xfrm>
+          <a:off x="0" y="0"/>
+          <a:ext cx="0" cy="0"/>
+          <a:chOff x="0" y="0"/>
+          <a:chExt cx="0" cy="0"/>
+        </a:xfrm>
+      </p:grpSpPr>
+      <p:sp>
+        <p:nvSpPr>
+          <p:cNvPr id="2" name="Title 1"/>
+          <p:cNvSpPr>
+            <a:spLocks noGrp="1"/>
+          </p:cNvSpPr>
+          <p:nvPr>
+            <p:ph type="title"/>
+          </p:nvPr>
+        </p:nvSpPr>
+        <p:spPr>
+          <a:xfrm>
+            <a:off x="1454239" y="1756130"/>
+            <a:ext cx="8643154" cy="1887950"/>
+          </a:xfrm>
+        </p:spPr>
+        <p:txBody>
+          <a:bodyPr anchor="b">
+            <a:normAutofit/>
+          </a:bodyPr>
+          <a:lstStyle>
+            <a:lvl1pPr algn="l">
+              <a:defRPr sz="3600"/>
+            </a:lvl1pPr>
+          </a:lstStyle>
+          <a:p>
+            <a:r>
+              <a:rPr lang="en-US"/>
+              <a:t>Click to edit Master title style</a:t>
+            </a:r>
+            <a:endParaRPr lang="en-US" dirty="0"/>
+          </a:p>
+        </p:txBody>
+      </p:sp>
+      <p:sp>
+        <p:nvSpPr>
+          <p:cNvPr id="3" name="Text Placeholder 2"/>
+          <p:cNvSpPr>
+            <a:spLocks noGrp="1"/>
+          </p:cNvSpPr>
+          <p:nvPr>
+            <p:ph type="body" idx="1"/>
+          </p:nvPr>
+        </p:nvSpPr>
+        <p:spPr>
+          <a:xfrm>
+            <a:off x="1454239" y="3806195"/>
+            <a:ext cx="8630446" cy="1012929"/>
+          </a:xfrm>
+        </p:spPr>
+        <p:txBody>
+          <a:bodyPr tIns="91440">
+            <a:normAutofit/>
+          </a:bodyPr>
+          <a:lstStyle>
+            <a:lvl1pPr marL="0" indent="0" algn="l">
+              <a:buNone/>
+              <a:defRPr sz="1800">
+                <a:solidFill>
+                  <a:schemeClr val="tx1"/>
+                </a:solidFill>
+              </a:defRPr>
+            </a:lvl1pPr>
+            <a:lvl2pPr marL="457200" indent="0">
+              <a:buNone/>
+              <a:defRPr sz="1800">
+                <a:solidFill>
+                  <a:schemeClr val="tx1">
+                    <a:tint val="75000"/>
+                  </a:schemeClr>
+                </a:solidFill>
+              </a:defRPr>
+            </a:lvl2pPr>
+            <a:lvl3pPr marL="914400" indent="0">
+              <a:buNone/>
+              <a:defRPr sz="1800">
+                <a:solidFill>
+                  <a:schemeClr val="tx1">
+                    <a:tint val="75000"/>
+                  </a:schemeClr>
+                </a:solidFill>
+              </a:defRPr>
+            </a:lvl3pPr>
+            <a:lvl4pPr marL="1371600" indent="0">
+              <a:buNone/>
+              <a:defRPr sz="1600">
+                <a:solidFill>
+                  <a:schemeClr val="tx1">
+                    <a:tint val="75000"/>
+                  </a:schemeClr>
+                </a:solidFill>
+              </a:defRPr>
+            </a:lvl4pPr>
+            <a:lvl5pPr marL="1828800" indent="0">
+              <a:buNone/>
+              <a:defRPr sz="1600">
+                <a:solidFill>
+                  <a:schemeClr val="tx1">
+                    <a:tint val="75000"/>
+                  </a:schemeClr>
+                </a:solidFill>
+              </a:defRPr>
+            </a:lvl5pPr>
+            <a:lvl6pPr marL="2286000" indent="0">
+              <a:buNone/>
+              <a:defRPr sz="1600">
+                <a:solidFill>
+                  <a:schemeClr val="tx1">
+                    <a:tint val="75000"/>
+                  </a:schemeClr>
+                </a:solidFill>
+              </a:defRPr>
+            </a:lvl6pPr>
+            <a:lvl7pPr marL="2743200" indent="0">
+              <a:buNone/>
+              <a:defRPr sz="1600">
+                <a:solidFill>
+                  <a:schemeClr val="tx1">
+                    <a:tint val="75000"/>
+                  </a:schemeClr>
+                </a:solidFill>
+              </a:defRPr>
+            </a:lvl7pPr>
+            <a:lvl8pPr marL="3200400" indent="0">
+              <a:buNone/>
+              <a:defRPr sz="1600">
+                <a:solidFill>
+                  <a:schemeClr val="tx1">
+                    <a:tint val="75000"/>
+                  </a:schemeClr>
+                </a:solidFill>
+              </a:defRPr>
+            </a:lvl8pPr>
+            <a:lvl9pPr marL="3657600" indent="0">
+              <a:buNone/>
+              <a:defRPr sz="1600">
+                <a:solidFill>
+                  <a:schemeClr val="tx1">
+                    <a:tint val="75000"/>
+                  </a:schemeClr>
+                </a:solidFill>
+              </a:defRPr>
+            </a:lvl9pPr>
+          </a:lstStyle>
+          <a:p>
+            <a:pPr lvl="0"/>
+            <a:r>
+              <a:rPr lang="en-US"/>
+              <a:t>Edit Master text styles</a:t>
+            </a:r>
+          </a:p>
+        </p:txBody>
+      </p:sp>
+      <p:sp>
+        <p:nvSpPr>
+          <p:cNvPr id="4" name="Date Placeholder 3"/>
+          <p:cNvSpPr>
+            <a:spLocks noGrp="1"/>
+          </p:cNvSpPr>
+          <p:nvPr>
+            <p:ph type="dt" sz="half" idx="10"/>
+          </p:nvPr>
+        </p:nvSpPr>
+        <p:spPr/>
+        <p:txBody>
+          <a:bodyPr/>
+          <a:lstStyle/>
+          <a:p>
+            <a:fld id="{81A02670-C342-4CC1-930D-919F19DAA981}" type="datetimeFigureOut">
+              <a:rPr lang="en-US" smtClean="0"/>
+              <a:t>04/18/2018</a:t>
+            </a:fld>
+            <a:endParaRPr lang="en-US"/>
+          </a:p>
+        </p:txBody>
+      </p:sp>
+      <p:sp>
+        <p:nvSpPr>
+          <p:cNvPr id="5" name="Footer Placeholder 4"/>
+          <p:cNvSpPr>
+            <a:spLocks noGrp="1"/>
+          </p:cNvSpPr>
+          <p:nvPr>
+            <p:ph type="ftr" sz="quarter" idx="11"/>
+          </p:nvPr>
+        </p:nvSpPr>
+        <p:spPr/>
+        <p:txBody>
+          <a:bodyPr/>
+          <a:lstStyle/>
+          <a:p>
+            <a:endParaRPr lang="en-US"/>
+          </a:p>
+        </p:txBody>
+      </p:sp>
+      <p:sp>
+        <p:nvSpPr>
+          <p:cNvPr id="6" name="Slide Number Placeholder 5"/>
+          <p:cNvSpPr>
+            <a:spLocks noGrp="1"/>
+          </p:cNvSpPr>
+          <p:nvPr>
+            <p:ph type="sldNum" sz="quarter" idx="12"/>
+          </p:nvPr>
+        </p:nvSpPr>
+        <p:spPr/>
+        <p:txBody>
+          <a:bodyPr/>
+          <a:lstStyle/>
+          <a:p>
+            <a:fld id="{2FA3CE17-C092-4EFD-95EC-615FCD38D744}" type="slidenum">
+              <a:rPr lang="en-US" smtClean="0"/>
+              <a:t>‹#›</a:t>
+            </a:fld>
+            <a:endParaRPr lang="en-US"/>
+          </a:p>
+        </p:txBody>
+      </p:sp>
+      <p:cxnSp>
+        <p:nvCxnSpPr>
+          <p:cNvPr id="15" name="Straight Connector 14"/>
+          <p:cNvCxnSpPr/>
+          <p:nvPr/>
+        </p:nvCxnSpPr>
+        <p:spPr>
+          <a:xfrm>
+            <a:off x="1454239" y="3804985"/>
+            <a:ext cx="8630446" cy="0"/>
+          </a:xfrm>
+          <a:prstGeom prst="line">
+            <a:avLst/>
+          </a:prstGeom>
+          <a:ln w="31750"/>
+        </p:spPr>
+        <p:style>
+          <a:lnRef idx="3">
+            <a:schemeClr val="accent1"/>
+          </a:lnRef>
+          <a:fillRef idx="0">
+            <a:schemeClr val="accent1"/>
+          </a:fillRef>
+          <a:effectRef idx="2">
+            <a:schemeClr val="accent1"/>
+          </a:effectRef>
+          <a:fontRef idx="minor">
+            <a:schemeClr val="tx1"/>
+          </a:fontRef>
+        </p:style>
+      </p:cxnSp>
+    </p:spTree>
+    <p:extLst>
+      <p:ext uri="{BB962C8B-B14F-4D97-AF65-F5344CB8AC3E}">
+        <p14:creationId xmlns:p14="http://schemas.microsoft.com/office/powerpoint/2010/main" val="2232981558"/>
+      </p:ext>
+    </p:extLst>
+  </p:cSld>
+  <p:clrMapOvr>
+    <a:masterClrMapping/>
+  </p:clrMapOvr>
+</p:sldLayout>
+</file>
+
+<file path=ppt/slideLayouts/slideLayout4.xml><?xml version="1.0" encoding="utf-8"?>
+<p:sldLayout xmlns:a="http://schemas.openxmlformats.org/drawingml/2006/main" xmlns:r="http://schemas.openxmlformats.org/officeDocument/2006/relationships" xmlns:p="http://schemas.openxmlformats.org/presentationml/2006/main" type="twoObj" preserve="1">
+  <p:cSld name="Two Content">
+    <p:spTree>
+      <p:nvGrpSpPr>
+        <p:cNvPr id="1" name=""/>
+        <p:cNvGrpSpPr/>
+        <p:nvPr/>
+      </p:nvGrpSpPr>
+      <p:grpSpPr>
+        <a:xfrm>
+          <a:off x="0" y="0"/>
+          <a:ext cx="0" cy="0"/>
+          <a:chOff x="0" y="0"/>
+          <a:chExt cx="0" cy="0"/>
+        </a:xfrm>
+      </p:grpSpPr>
+      <p:sp>
+        <p:nvSpPr>
+          <p:cNvPr id="2" name="Title 1"/>
+          <p:cNvSpPr>
+            <a:spLocks noGrp="1"/>
+          </p:cNvSpPr>
+          <p:nvPr>
+            <p:ph type="title"/>
+          </p:nvPr>
+        </p:nvSpPr>
+        <p:spPr>
+          <a:xfrm>
+            <a:off x="1449217" y="804889"/>
+            <a:ext cx="9605635" cy="1059305"/>
+          </a:xfrm>
+        </p:spPr>
+        <p:txBody>
+          <a:bodyPr/>
+          <a:lstStyle/>
+          <a:p>
+            <a:r>
+              <a:rPr lang="en-US"/>
+              <a:t>Click to edit Master title style</a:t>
+            </a:r>
+            <a:endParaRPr lang="en-US" dirty="0"/>
+          </a:p>
+        </p:txBody>
+      </p:sp>
+      <p:sp>
+        <p:nvSpPr>
+          <p:cNvPr id="3" name="Content Placeholder 2"/>
+          <p:cNvSpPr>
+            <a:spLocks noGrp="1"/>
+          </p:cNvSpPr>
+          <p:nvPr>
+            <p:ph sz="half" idx="1"/>
+          </p:nvPr>
+        </p:nvSpPr>
+        <p:spPr>
+          <a:xfrm>
+            <a:off x="1447331" y="2010878"/>
+            <a:ext cx="4645152" cy="3448595"/>
+          </a:xfrm>
+        </p:spPr>
+        <p:txBody>
+          <a:bodyPr/>
+          <a:lstStyle/>
+          <a:p>
+            <a:pPr lvl="0"/>
+            <a:r>
+              <a:rPr lang="en-US"/>
+              <a:t>Edit Master text styles</a:t>
+            </a:r>
+          </a:p>
+          <a:p>
+            <a:pPr lvl="1"/>
+            <a:r>
+              <a:rPr lang="en-US"/>
+              <a:t>Second level</a:t>
+            </a:r>
+          </a:p>
+          <a:p>
+            <a:pPr lvl="2"/>
+            <a:r>
+              <a:rPr lang="en-US"/>
+              <a:t>Third level</a:t>
+            </a:r>
+          </a:p>
+          <a:p>
+            <a:pPr lvl="3"/>
+            <a:r>
+              <a:rPr lang="en-US"/>
+              <a:t>Fourth level</a:t>
+            </a:r>
+          </a:p>
+          <a:p>
+            <a:pPr lvl="4"/>
+            <a:r>
+              <a:rPr lang="en-US"/>
+              <a:t>Fifth level</a:t>
+            </a:r>
+            <a:endParaRPr lang="en-US" dirty="0"/>
+          </a:p>
+        </p:txBody>
+      </p:sp>
+      <p:sp>
+        <p:nvSpPr>
+          <p:cNvPr id="4" name="Content Placeholder 3"/>
+          <p:cNvSpPr>
+            <a:spLocks noGrp="1"/>
+          </p:cNvSpPr>
+          <p:nvPr>
+            <p:ph sz="half" idx="2"/>
+          </p:nvPr>
+        </p:nvSpPr>
+        <p:spPr>
+          <a:xfrm>
+            <a:off x="6413771" y="2017343"/>
+            <a:ext cx="4645152" cy="3441520"/>
+          </a:xfrm>
+        </p:spPr>
+        <p:txBody>
+          <a:bodyPr/>
+          <a:lstStyle/>
+          <a:p>
+            <a:pPr lvl="0"/>
+            <a:r>
+              <a:rPr lang="en-US"/>
+              <a:t>Edit Master text styles</a:t>
+            </a:r>
+          </a:p>
+          <a:p>
+            <a:pPr lvl="1"/>
+            <a:r>
+              <a:rPr lang="en-US"/>
+              <a:t>Second level</a:t>
+            </a:r>
+          </a:p>
+          <a:p>
+            <a:pPr lvl="2"/>
+            <a:r>
+              <a:rPr lang="en-US"/>
+              <a:t>Third level</a:t>
+            </a:r>
+          </a:p>
+          <a:p>
+            <a:pPr lvl="3"/>
+            <a:r>
+              <a:rPr lang="en-US"/>
+              <a:t>Fourth level</a:t>
+            </a:r>
+          </a:p>
+          <a:p>
+            <a:pPr lvl="4"/>
+            <a:r>
+              <a:rPr lang="en-US"/>
+              <a:t>Fifth level</a:t>
+            </a:r>
+            <a:endParaRPr lang="en-US" dirty="0"/>
+          </a:p>
+        </p:txBody>
+      </p:sp>
+      <p:sp>
+        <p:nvSpPr>
+          <p:cNvPr id="5" name="Date Placeholder 4"/>
+          <p:cNvSpPr>
+            <a:spLocks noGrp="1"/>
+          </p:cNvSpPr>
+          <p:nvPr>
+            <p:ph type="dt" sz="half" idx="10"/>
+          </p:nvPr>
+        </p:nvSpPr>
+        <p:spPr/>
+        <p:txBody>
+          <a:bodyPr/>
+          <a:lstStyle/>
+          <a:p>
+            <a:fld id="{81A02670-C342-4CC1-930D-919F19DAA981}" type="datetimeFigureOut">
+              <a:rPr lang="en-US" smtClean="0"/>
+              <a:t>04/18/2018</a:t>
+            </a:fld>
+            <a:endParaRPr lang="en-US"/>
+          </a:p>
+        </p:txBody>
+      </p:sp>
+      <p:sp>
+        <p:nvSpPr>
+          <p:cNvPr id="6" name="Footer Placeholder 5"/>
+          <p:cNvSpPr>
+            <a:spLocks noGrp="1"/>
+          </p:cNvSpPr>
+          <p:nvPr>
+            <p:ph type="ftr" sz="quarter" idx="11"/>
+          </p:nvPr>
+        </p:nvSpPr>
+        <p:spPr/>
+        <p:txBody>
+          <a:bodyPr/>
+          <a:lstStyle/>
+          <a:p>
+            <a:endParaRPr lang="en-US"/>
+          </a:p>
+        </p:txBody>
+      </p:sp>
+      <p:sp>
+        <p:nvSpPr>
+          <p:cNvPr id="7" name="Slide Number Placeholder 6"/>
+          <p:cNvSpPr>
+            <a:spLocks noGrp="1"/>
+          </p:cNvSpPr>
+          <p:nvPr>
+            <p:ph type="sldNum" sz="quarter" idx="12"/>
+          </p:nvPr>
+        </p:nvSpPr>
+        <p:spPr/>
+        <p:txBody>
+          <a:bodyPr/>
+          <a:lstStyle/>
+          <a:p>
+            <a:fld id="{2FA3CE17-C092-4EFD-95EC-615FCD38D744}" type="slidenum">
+              <a:rPr lang="en-US" smtClean="0"/>
+              <a:t>‹#›</a:t>
+            </a:fld>
+            <a:endParaRPr lang="en-US"/>
+          </a:p>
+        </p:txBody>
+      </p:sp>
+      <p:cxnSp>
+        <p:nvCxnSpPr>
+          <p:cNvPr id="35" name="Straight Connector 34"/>
+          <p:cNvCxnSpPr/>
+          <p:nvPr/>
+        </p:nvCxnSpPr>
+        <p:spPr>
+          <a:xfrm>
+            <a:off x="1453896" y="1847088"/>
+            <a:ext cx="9607522" cy="0"/>
+          </a:xfrm>
+          <a:prstGeom prst="line">
+            <a:avLst/>
+          </a:prstGeom>
+          <a:ln w="31750"/>
+        </p:spPr>
+        <p:style>
+          <a:lnRef idx="3">
+            <a:schemeClr val="accent1"/>
+          </a:lnRef>
+          <a:fillRef idx="0">
+            <a:schemeClr val="accent1"/>
+          </a:fillRef>
+          <a:effectRef idx="2">
+            <a:schemeClr val="accent1"/>
+          </a:effectRef>
+          <a:fontRef idx="minor">
+            <a:schemeClr val="tx1"/>
+          </a:fontRef>
+        </p:style>
+      </p:cxnSp>
+    </p:spTree>
+    <p:extLst>
+      <p:ext uri="{BB962C8B-B14F-4D97-AF65-F5344CB8AC3E}">
+        <p14:creationId xmlns:p14="http://schemas.microsoft.com/office/powerpoint/2010/main" val="467681041"/>
+      </p:ext>
+    </p:extLst>
+  </p:cSld>
+  <p:clrMapOvr>
+    <a:masterClrMapping/>
+  </p:clrMapOvr>
+</p:sldLayout>
+</file>
+
+<file path=ppt/slideLayouts/slideLayout5.xml><?xml version="1.0" encoding="utf-8"?>
+<p:sldLayout xmlns:a="http://schemas.openxmlformats.org/drawingml/2006/main" xmlns:r="http://schemas.openxmlformats.org/officeDocument/2006/relationships" xmlns:p="http://schemas.openxmlformats.org/presentationml/2006/main" type="twoTxTwoObj" preserve="1">
+  <p:cSld name="Comparison">
+    <p:spTree>
+      <p:nvGrpSpPr>
+        <p:cNvPr id="1" name=""/>
+        <p:cNvGrpSpPr/>
+        <p:nvPr/>
+      </p:nvGrpSpPr>
+      <p:grpSpPr>
+        <a:xfrm>
+          <a:off x="0" y="0"/>
+          <a:ext cx="0" cy="0"/>
+          <a:chOff x="0" y="0"/>
+          <a:chExt cx="0" cy="0"/>
+        </a:xfrm>
+      </p:grpSpPr>
+      <p:sp>
+        <p:nvSpPr>
+          <p:cNvPr id="2" name="Title 1"/>
+          <p:cNvSpPr>
+            <a:spLocks noGrp="1"/>
+          </p:cNvSpPr>
+          <p:nvPr>
+            <p:ph type="title"/>
+          </p:nvPr>
+        </p:nvSpPr>
+        <p:spPr>
+          <a:xfrm>
+            <a:off x="1447191" y="804163"/>
+            <a:ext cx="9607661" cy="1056319"/>
+          </a:xfrm>
+        </p:spPr>
+        <p:txBody>
+          <a:bodyPr/>
+          <a:lstStyle/>
+          <a:p>
+            <a:r>
+              <a:rPr lang="en-US"/>
+              <a:t>Click to edit Master title style</a:t>
+            </a:r>
+            <a:endParaRPr lang="en-US" dirty="0"/>
+          </a:p>
+        </p:txBody>
+      </p:sp>
+      <p:sp>
+        <p:nvSpPr>
+          <p:cNvPr id="3" name="Text Placeholder 2"/>
+          <p:cNvSpPr>
+            <a:spLocks noGrp="1"/>
+          </p:cNvSpPr>
+          <p:nvPr>
+            <p:ph type="body" idx="1"/>
+          </p:nvPr>
+        </p:nvSpPr>
+        <p:spPr>
+          <a:xfrm>
+            <a:off x="1447191" y="2019549"/>
+            <a:ext cx="4645152" cy="801943"/>
+          </a:xfrm>
+        </p:spPr>
+        <p:txBody>
+          <a:bodyPr anchor="b">
+            <a:normAutofit/>
+          </a:bodyPr>
+          <a:lstStyle>
+            <a:lvl1pPr marL="0" indent="0">
+              <a:lnSpc>
+                <a:spcPct val="100000"/>
+              </a:lnSpc>
+              <a:buNone/>
+              <a:defRPr sz="2200" b="0" cap="all" baseline="0">
+                <a:solidFill>
+                  <a:schemeClr val="accent1"/>
+                </a:solidFill>
+              </a:defRPr>
+            </a:lvl1pPr>
+            <a:lvl2pPr marL="457200" indent="0">
+              <a:buNone/>
+              <a:defRPr sz="2000" b="1"/>
+            </a:lvl2pPr>
+            <a:lvl3pPr marL="914400" indent="0">
+              <a:buNone/>
+              <a:defRPr sz="1800" b="1"/>
+            </a:lvl3pPr>
+            <a:lvl4pPr marL="1371600" indent="0">
+              <a:buNone/>
+              <a:defRPr sz="1600" b="1"/>
+            </a:lvl4pPr>
+            <a:lvl5pPr marL="1828800" indent="0">
+              <a:buNone/>
+              <a:defRPr sz="1600" b="1"/>
+            </a:lvl5pPr>
+            <a:lvl6pPr marL="2286000" indent="0">
+              <a:buNone/>
+              <a:defRPr sz="1600" b="1"/>
+            </a:lvl6pPr>
+            <a:lvl7pPr marL="2743200" indent="0">
+              <a:buNone/>
+              <a:defRPr sz="1600" b="1"/>
+            </a:lvl7pPr>
+            <a:lvl8pPr marL="3200400" indent="0">
+              <a:buNone/>
+              <a:defRPr sz="1600" b="1"/>
+            </a:lvl8pPr>
+            <a:lvl9pPr marL="3657600" indent="0">
+              <a:buNone/>
+              <a:defRPr sz="1600" b="1"/>
+            </a:lvl9pPr>
+          </a:lstStyle>
+          <a:p>
+            <a:pPr lvl="0"/>
+            <a:r>
+              <a:rPr lang="en-US"/>
+              <a:t>Edit Master text styles</a:t>
+            </a:r>
+          </a:p>
+        </p:txBody>
+      </p:sp>
+      <p:sp>
+        <p:nvSpPr>
+          <p:cNvPr id="4" name="Content Placeholder 3"/>
+          <p:cNvSpPr>
+            <a:spLocks noGrp="1"/>
+          </p:cNvSpPr>
+          <p:nvPr>
+            <p:ph sz="half" idx="2"/>
+          </p:nvPr>
+        </p:nvSpPr>
+        <p:spPr>
+          <a:xfrm>
+            <a:off x="1447191" y="2824269"/>
+            <a:ext cx="4645152" cy="2644457"/>
+          </a:xfrm>
+        </p:spPr>
+        <p:txBody>
+          <a:bodyPr/>
+          <a:lstStyle/>
+          <a:p>
+            <a:pPr lvl="0"/>
+            <a:r>
+              <a:rPr lang="en-US"/>
+              <a:t>Edit Master text styles</a:t>
+            </a:r>
+          </a:p>
+          <a:p>
+            <a:pPr lvl="1"/>
+            <a:r>
+              <a:rPr lang="en-US"/>
+              <a:t>Second level</a:t>
+            </a:r>
+          </a:p>
+          <a:p>
+            <a:pPr lvl="2"/>
+            <a:r>
+              <a:rPr lang="en-US"/>
+              <a:t>Third level</a:t>
+            </a:r>
+          </a:p>
+          <a:p>
+            <a:pPr lvl="3"/>
+            <a:r>
+              <a:rPr lang="en-US"/>
+              <a:t>Fourth level</a:t>
+            </a:r>
+          </a:p>
+          <a:p>
+            <a:pPr lvl="4"/>
+            <a:r>
+              <a:rPr lang="en-US"/>
+              <a:t>Fifth level</a:t>
+            </a:r>
+            <a:endParaRPr lang="en-US" dirty="0"/>
+          </a:p>
+        </p:txBody>
+      </p:sp>
+      <p:sp>
+        <p:nvSpPr>
+          <p:cNvPr id="5" name="Text Placeholder 4"/>
+          <p:cNvSpPr>
+            <a:spLocks noGrp="1"/>
+          </p:cNvSpPr>
+          <p:nvPr>
+            <p:ph type="body" sz="quarter" idx="3"/>
+          </p:nvPr>
+        </p:nvSpPr>
+        <p:spPr>
+          <a:xfrm>
+            <a:off x="6412362" y="2023003"/>
+            <a:ext cx="4645152" cy="802237"/>
+          </a:xfrm>
+        </p:spPr>
+        <p:txBody>
+          <a:bodyPr anchor="b">
+            <a:normAutofit/>
+          </a:bodyPr>
+          <a:lstStyle>
+            <a:lvl1pPr marL="0" indent="0">
+              <a:lnSpc>
+                <a:spcPct val="100000"/>
+              </a:lnSpc>
+              <a:buNone/>
+              <a:defRPr sz="2200" b="0" cap="all" baseline="0">
+                <a:solidFill>
+                  <a:schemeClr val="accent1"/>
+                </a:solidFill>
+              </a:defRPr>
+            </a:lvl1pPr>
+            <a:lvl2pPr marL="457200" indent="0">
+              <a:buNone/>
+              <a:defRPr sz="2000" b="1"/>
+            </a:lvl2pPr>
+            <a:lvl3pPr marL="914400" indent="0">
+              <a:buNone/>
+              <a:defRPr sz="1800" b="1"/>
+            </a:lvl3pPr>
+            <a:lvl4pPr marL="1371600" indent="0">
+              <a:buNone/>
+              <a:defRPr sz="1600" b="1"/>
+            </a:lvl4pPr>
+            <a:lvl5pPr marL="1828800" indent="0">
+              <a:buNone/>
+              <a:defRPr sz="1600" b="1"/>
+            </a:lvl5pPr>
+            <a:lvl6pPr marL="2286000" indent="0">
+              <a:buNone/>
+              <a:defRPr sz="1600" b="1"/>
+            </a:lvl6pPr>
+            <a:lvl7pPr marL="2743200" indent="0">
+              <a:buNone/>
+              <a:defRPr sz="1600" b="1"/>
+            </a:lvl7pPr>
+            <a:lvl8pPr marL="3200400" indent="0">
+              <a:buNone/>
+              <a:defRPr sz="1600" b="1"/>
+            </a:lvl8pPr>
+            <a:lvl9pPr marL="3657600" indent="0">
+              <a:buNone/>
+              <a:defRPr sz="1600" b="1"/>
+            </a:lvl9pPr>
+          </a:lstStyle>
+          <a:p>
+            <a:pPr lvl="0"/>
+            <a:r>
+              <a:rPr lang="en-US"/>
+              <a:t>Edit Master text styles</a:t>
+            </a:r>
+          </a:p>
+        </p:txBody>
+      </p:sp>
+      <p:sp>
+        <p:nvSpPr>
+          <p:cNvPr id="6" name="Content Placeholder 5"/>
+          <p:cNvSpPr>
+            <a:spLocks noGrp="1"/>
+          </p:cNvSpPr>
+          <p:nvPr>
+            <p:ph sz="quarter" idx="4"/>
+          </p:nvPr>
+        </p:nvSpPr>
+        <p:spPr>
+          <a:xfrm>
+            <a:off x="6412362" y="2821491"/>
+            <a:ext cx="4645152" cy="2637371"/>
+          </a:xfrm>
+        </p:spPr>
+        <p:txBody>
+          <a:bodyPr/>
+          <a:lstStyle/>
+          <a:p>
+            <a:pPr lvl="0"/>
+            <a:r>
+              <a:rPr lang="en-US"/>
+              <a:t>Edit Master text styles</a:t>
+            </a:r>
+          </a:p>
+          <a:p>
+            <a:pPr lvl="1"/>
+            <a:r>
+              <a:rPr lang="en-US"/>
+              <a:t>Second level</a:t>
+            </a:r>
+          </a:p>
+          <a:p>
+            <a:pPr lvl="2"/>
+            <a:r>
+              <a:rPr lang="en-US"/>
+              <a:t>Third level</a:t>
+            </a:r>
+          </a:p>
+          <a:p>
+            <a:pPr lvl="3"/>
+            <a:r>
+              <a:rPr lang="en-US"/>
+              <a:t>Fourth level</a:t>
+            </a:r>
+          </a:p>
+          <a:p>
+            <a:pPr lvl="4"/>
+            <a:r>
+              <a:rPr lang="en-US"/>
+              <a:t>Fifth level</a:t>
+            </a:r>
+            <a:endParaRPr lang="en-US" dirty="0"/>
+          </a:p>
+        </p:txBody>
+      </p:sp>
+      <p:sp>
+        <p:nvSpPr>
+          <p:cNvPr id="7" name="Date Placeholder 6"/>
+          <p:cNvSpPr>
+            <a:spLocks noGrp="1"/>
+          </p:cNvSpPr>
+          <p:nvPr>
+            <p:ph type="dt" sz="half" idx="10"/>
+          </p:nvPr>
+        </p:nvSpPr>
+        <p:spPr/>
+        <p:txBody>
+          <a:bodyPr/>
+          <a:lstStyle/>
+          <a:p>
+            <a:fld id="{81A02670-C342-4CC1-930D-919F19DAA981}" type="datetimeFigureOut">
+              <a:rPr lang="en-US" smtClean="0"/>
+              <a:t>04/18/2018</a:t>
+            </a:fld>
+            <a:endParaRPr lang="en-US"/>
+          </a:p>
+        </p:txBody>
+      </p:sp>
+      <p:sp>
+        <p:nvSpPr>
+          <p:cNvPr id="8" name="Footer Placeholder 7"/>
+          <p:cNvSpPr>
+            <a:spLocks noGrp="1"/>
+          </p:cNvSpPr>
+          <p:nvPr>
+            <p:ph type="ftr" sz="quarter" idx="11"/>
+          </p:nvPr>
+        </p:nvSpPr>
+        <p:spPr/>
+        <p:txBody>
+          <a:bodyPr/>
+          <a:lstStyle/>
+          <a:p>
+            <a:endParaRPr lang="en-US"/>
+          </a:p>
+        </p:txBody>
+      </p:sp>
+      <p:sp>
+        <p:nvSpPr>
+          <p:cNvPr id="9" name="Slide Number Placeholder 8"/>
+          <p:cNvSpPr>
+            <a:spLocks noGrp="1"/>
+          </p:cNvSpPr>
+          <p:nvPr>
+            <p:ph type="sldNum" sz="quarter" idx="12"/>
+          </p:nvPr>
+        </p:nvSpPr>
+        <p:spPr/>
+        <p:txBody>
+          <a:bodyPr/>
+          <a:lstStyle/>
+          <a:p>
+            <a:fld id="{2FA3CE17-C092-4EFD-95EC-615FCD38D744}" type="slidenum">
+              <a:rPr lang="en-US" smtClean="0"/>
+              <a:t>‹#›</a:t>
+            </a:fld>
+            <a:endParaRPr lang="en-US"/>
+          </a:p>
+        </p:txBody>
+      </p:sp>
+      <p:cxnSp>
+        <p:nvCxnSpPr>
+          <p:cNvPr id="29" name="Straight Connector 28"/>
+          <p:cNvCxnSpPr/>
+          <p:nvPr/>
+        </p:nvCxnSpPr>
+        <p:spPr>
+          <a:xfrm>
+            <a:off x="1453896" y="1847088"/>
+            <a:ext cx="9607522" cy="0"/>
+          </a:xfrm>
+          <a:prstGeom prst="line">
+            <a:avLst/>
+          </a:prstGeom>
+          <a:ln w="31750"/>
+        </p:spPr>
+        <p:style>
+          <a:lnRef idx="3">
+            <a:schemeClr val="accent1"/>
+          </a:lnRef>
+          <a:fillRef idx="0">
+            <a:schemeClr val="accent1"/>
+          </a:fillRef>
+          <a:effectRef idx="2">
+            <a:schemeClr val="accent1"/>
+          </a:effectRef>
+          <a:fontRef idx="minor">
+            <a:schemeClr val="tx1"/>
+          </a:fontRef>
+        </p:style>
+      </p:cxnSp>
+    </p:spTree>
+    <p:extLst>
+      <p:ext uri="{BB962C8B-B14F-4D97-AF65-F5344CB8AC3E}">
+        <p14:creationId xmlns:p14="http://schemas.microsoft.com/office/powerpoint/2010/main" val="1989453868"/>
+      </p:ext>
+    </p:extLst>
+  </p:cSld>
+  <p:clrMapOvr>
+    <a:masterClrMapping/>
+  </p:clrMapOvr>
+</p:sldLayout>
+</file>
+
+<file path=ppt/slideLayouts/slideLayout6.xml><?xml version="1.0" encoding="utf-8"?>
+<p:sldLayout xmlns:a="http://schemas.openxmlformats.org/drawingml/2006/main" xmlns:r="http://schemas.openxmlformats.org/officeDocument/2006/relationships" xmlns:p="http://schemas.openxmlformats.org/presentationml/2006/main" type="titleOnly" preserve="1">
+  <p:cSld name="Title Only">
+    <p:spTree>
+      <p:nvGrpSpPr>
+        <p:cNvPr id="1" name=""/>
+        <p:cNvGrpSpPr/>
+        <p:nvPr/>
+      </p:nvGrpSpPr>
+      <p:grpSpPr>
+        <a:xfrm>
+          <a:off x="0" y="0"/>
+          <a:ext cx="0" cy="0"/>
+          <a:chOff x="0" y="0"/>
+          <a:chExt cx="0" cy="0"/>
+        </a:xfrm>
+      </p:grpSpPr>
+      <p:sp>
+        <p:nvSpPr>
+          <p:cNvPr id="2" name="Title 1"/>
+          <p:cNvSpPr>
+            <a:spLocks noGrp="1"/>
+          </p:cNvSpPr>
+          <p:nvPr>
+            <p:ph type="title"/>
+          </p:nvPr>
+        </p:nvSpPr>
+        <p:spPr/>
+        <p:txBody>
+          <a:bodyPr/>
+          <a:lstStyle/>
+          <a:p>
+            <a:r>
+              <a:rPr lang="en-US"/>
+              <a:t>Click to edit Master title style</a:t>
+            </a:r>
+            <a:endParaRPr lang="en-US" dirty="0"/>
+          </a:p>
+        </p:txBody>
+      </p:sp>
+      <p:sp>
+        <p:nvSpPr>
+          <p:cNvPr id="3" name="Date Placeholder 2"/>
+          <p:cNvSpPr>
+            <a:spLocks noGrp="1"/>
+          </p:cNvSpPr>
+          <p:nvPr>
+            <p:ph type="dt" sz="half" idx="10"/>
+          </p:nvPr>
+        </p:nvSpPr>
+        <p:spPr/>
+        <p:txBody>
+          <a:bodyPr/>
+          <a:lstStyle/>
+          <a:p>
+            <a:fld id="{81A02670-C342-4CC1-930D-919F19DAA981}" type="datetimeFigureOut">
+              <a:rPr lang="en-US" smtClean="0"/>
+              <a:t>04/18/2018</a:t>
+            </a:fld>
+            <a:endParaRPr lang="en-US"/>
+          </a:p>
+        </p:txBody>
+      </p:sp>
+      <p:sp>
+        <p:nvSpPr>
+          <p:cNvPr id="4" name="Footer Placeholder 3"/>
+          <p:cNvSpPr>
+            <a:spLocks noGrp="1"/>
+          </p:cNvSpPr>
+          <p:nvPr>
+            <p:ph type="ftr" sz="quarter" idx="11"/>
+          </p:nvPr>
+        </p:nvSpPr>
+        <p:spPr/>
+        <p:txBody>
+          <a:bodyPr/>
+          <a:lstStyle/>
+          <a:p>
+            <a:endParaRPr lang="en-US"/>
+          </a:p>
+        </p:txBody>
+      </p:sp>
+      <p:sp>
+        <p:nvSpPr>
+          <p:cNvPr id="5" name="Slide Number Placeholder 4"/>
+          <p:cNvSpPr>
+            <a:spLocks noGrp="1"/>
+          </p:cNvSpPr>
+          <p:nvPr>
+            <p:ph type="sldNum" sz="quarter" idx="12"/>
+          </p:nvPr>
+        </p:nvSpPr>
+        <p:spPr/>
+        <p:txBody>
+          <a:bodyPr/>
+          <a:lstStyle/>
+          <a:p>
+            <a:fld id="{2FA3CE17-C092-4EFD-95EC-615FCD38D744}" type="slidenum">
+              <a:rPr lang="en-US" smtClean="0"/>
+              <a:t>‹#›</a:t>
+            </a:fld>
+            <a:endParaRPr lang="en-US"/>
+          </a:p>
+        </p:txBody>
+      </p:sp>
+      <p:cxnSp>
+        <p:nvCxnSpPr>
+          <p:cNvPr id="25" name="Straight Connector 24"/>
+          <p:cNvCxnSpPr/>
+          <p:nvPr/>
+        </p:nvCxnSpPr>
+        <p:spPr>
+          <a:xfrm>
+            <a:off x="1453896" y="1847088"/>
+            <a:ext cx="9607522" cy="0"/>
+          </a:xfrm>
+          <a:prstGeom prst="line">
+            <a:avLst/>
+          </a:prstGeom>
+          <a:ln w="31750"/>
+        </p:spPr>
+        <p:style>
+          <a:lnRef idx="3">
+            <a:schemeClr val="accent1"/>
+          </a:lnRef>
+          <a:fillRef idx="0">
+            <a:schemeClr val="accent1"/>
+          </a:fillRef>
+          <a:effectRef idx="2">
+            <a:schemeClr val="accent1"/>
+          </a:effectRef>
+          <a:fontRef idx="minor">
+            <a:schemeClr val="tx1"/>
+          </a:fontRef>
+        </p:style>
+      </p:cxnSp>
+    </p:spTree>
+    <p:extLst>
+      <p:ext uri="{BB962C8B-B14F-4D97-AF65-F5344CB8AC3E}">
+        <p14:creationId xmlns:p14="http://schemas.microsoft.com/office/powerpoint/2010/main" val="3524753503"/>
+      </p:ext>
+    </p:extLst>
+  </p:cSld>
+  <p:clrMapOvr>
+    <a:masterClrMapping/>
+  </p:clrMapOvr>
+</p:sldLayout>
+</file>
+
+<file path=ppt/slideLayouts/slideLayout7.xml><?xml version="1.0" encoding="utf-8"?>
+<p:sldLayout xmlns:a="http://schemas.openxmlformats.org/drawingml/2006/main" xmlns:r="http://schemas.openxmlformats.org/officeDocument/2006/relationships" xmlns:p="http://schemas.openxmlformats.org/presentationml/2006/main" type="blank" preserve="1">
+  <p:cSld name="Blank">
+    <p:spTree>
+      <p:nvGrpSpPr>
+        <p:cNvPr id="1" name=""/>
+        <p:cNvGrpSpPr/>
+        <p:nvPr/>
+      </p:nvGrpSpPr>
+      <p:grpSpPr>
+        <a:xfrm>
+          <a:off x="0" y="0"/>
+          <a:ext cx="0" cy="0"/>
+          <a:chOff x="0" y="0"/>
+          <a:chExt cx="0" cy="0"/>
+        </a:xfrm>
+      </p:grpSpPr>
+      <p:sp>
+        <p:nvSpPr>
+          <p:cNvPr id="2" name="Date Placeholder 1"/>
+          <p:cNvSpPr>
+            <a:spLocks noGrp="1"/>
+          </p:cNvSpPr>
+          <p:nvPr>
+            <p:ph type="dt" sz="half" idx="10"/>
+          </p:nvPr>
+        </p:nvSpPr>
+        <p:spPr/>
+        <p:txBody>
+          <a:bodyPr/>
+          <a:lstStyle/>
+          <a:p>
+            <a:fld id="{81A02670-C342-4CC1-930D-919F19DAA981}" type="datetimeFigureOut">
+              <a:rPr lang="en-US" smtClean="0"/>
+              <a:t>04/18/2018</a:t>
+            </a:fld>
+            <a:endParaRPr lang="en-US"/>
+          </a:p>
+        </p:txBody>
+      </p:sp>
+      <p:sp>
+        <p:nvSpPr>
+          <p:cNvPr id="3" name="Footer Placeholder 2"/>
+          <p:cNvSpPr>
+            <a:spLocks noGrp="1"/>
+          </p:cNvSpPr>
+          <p:nvPr>
+            <p:ph type="ftr" sz="quarter" idx="11"/>
+          </p:nvPr>
+        </p:nvSpPr>
+        <p:spPr/>
+        <p:txBody>
+          <a:bodyPr/>
+          <a:lstStyle/>
+          <a:p>
+            <a:endParaRPr lang="en-US"/>
+          </a:p>
+        </p:txBody>
+      </p:sp>
+      <p:sp>
+        <p:nvSpPr>
+          <p:cNvPr id="4" name="Slide Number Placeholder 3"/>
+          <p:cNvSpPr>
+            <a:spLocks noGrp="1"/>
+          </p:cNvSpPr>
+          <p:nvPr>
+            <p:ph type="sldNum" sz="quarter" idx="12"/>
+          </p:nvPr>
+        </p:nvSpPr>
+        <p:spPr/>
+        <p:txBody>
+          <a:bodyPr/>
+          <a:lstStyle/>
+          <a:p>
+            <a:fld id="{2FA3CE17-C092-4EFD-95EC-615FCD38D744}" type="slidenum">
+              <a:rPr lang="en-US" smtClean="0"/>
+              <a:t>‹#›</a:t>
+            </a:fld>
+            <a:endParaRPr lang="en-US"/>
+          </a:p>
+        </p:txBody>
+      </p:sp>
+    </p:spTree>
+    <p:extLst>
+      <p:ext uri="{BB962C8B-B14F-4D97-AF65-F5344CB8AC3E}">
+        <p14:creationId xmlns:p14="http://schemas.microsoft.com/office/powerpoint/2010/main" val="27829354"/>
+      </p:ext>
+    </p:extLst>
+  </p:cSld>
+  <p:clrMapOvr>
+    <a:masterClrMapping/>
+  </p:clrMapOvr>
+</p:sldLayout>
+</file>
+
+<file path=ppt/slideLayouts/slideLayout8.xml><?xml version="1.0" encoding="utf-8"?>
+<p:sldLayout xmlns:a="http://schemas.openxmlformats.org/drawingml/2006/main" xmlns:r="http://schemas.openxmlformats.org/officeDocument/2006/relationships" xmlns:p="http://schemas.openxmlformats.org/presentationml/2006/main" showMasterSp="0" type="blank" preserve="1">
+  <p:cSld name="Blank - ALT">
+    <p:bg>
+      <p:bgPr>
+        <a:gradFill>
+          <a:gsLst>
+            <a:gs pos="0">
+              <a:schemeClr val="bg1"/>
+            </a:gs>
+            <a:gs pos="80000">
+              <a:schemeClr val="bg1">
+                <a:lumMod val="85000"/>
+                <a:lumOff val="15000"/>
+              </a:schemeClr>
+            </a:gs>
+            <a:gs pos="100000">
+              <a:schemeClr val="bg2">
+                <a:lumMod val="75000"/>
+              </a:schemeClr>
+            </a:gs>
+          </a:gsLst>
+          <a:lin ang="5400000" scaled="1"/>
+        </a:gradFill>
+        <a:effectLst/>
+      </p:bgPr>
+    </p:bg>
+    <p:spTree>
+      <p:nvGrpSpPr>
+        <p:cNvPr id="1" name=""/>
+        <p:cNvGrpSpPr/>
+        <p:nvPr/>
+      </p:nvGrpSpPr>
+      <p:grpSpPr>
+        <a:xfrm>
+          <a:off x="0" y="0"/>
+          <a:ext cx="0" cy="0"/>
+          <a:chOff x="0" y="0"/>
+          <a:chExt cx="0" cy="0"/>
+        </a:xfrm>
+      </p:grpSpPr>
+      <p:sp>
+        <p:nvSpPr>
+          <p:cNvPr id="2" name="Date Placeholder 1"/>
+          <p:cNvSpPr>
+            <a:spLocks noGrp="1"/>
+          </p:cNvSpPr>
+          <p:nvPr>
+            <p:ph type="dt" sz="half" idx="10"/>
+          </p:nvPr>
+        </p:nvSpPr>
+        <p:spPr/>
+        <p:txBody>
+          <a:bodyPr/>
+          <a:lstStyle/>
+          <a:p>
+            <a:fld id="{81A02670-C342-4CC1-930D-919F19DAA981}" type="datetimeFigureOut">
+              <a:rPr lang="en-US" smtClean="0"/>
+              <a:t>04/18/2018</a:t>
+            </a:fld>
+            <a:endParaRPr lang="en-US"/>
+          </a:p>
+        </p:txBody>
+      </p:sp>
+      <p:sp>
+        <p:nvSpPr>
+          <p:cNvPr id="3" name="Footer Placeholder 2"/>
+          <p:cNvSpPr>
+            <a:spLocks noGrp="1"/>
+          </p:cNvSpPr>
+          <p:nvPr>
+            <p:ph type="ftr" sz="quarter" idx="11"/>
+          </p:nvPr>
+        </p:nvSpPr>
+        <p:spPr/>
+        <p:txBody>
+          <a:bodyPr/>
+          <a:lstStyle/>
+          <a:p>
+            <a:endParaRPr lang="en-US"/>
+          </a:p>
+        </p:txBody>
+      </p:sp>
+      <p:sp>
+        <p:nvSpPr>
+          <p:cNvPr id="4" name="Slide Number Placeholder 3"/>
+          <p:cNvSpPr>
+            <a:spLocks noGrp="1"/>
+          </p:cNvSpPr>
+          <p:nvPr>
+            <p:ph type="sldNum" sz="quarter" idx="12"/>
+          </p:nvPr>
+        </p:nvSpPr>
+        <p:spPr/>
+        <p:txBody>
+          <a:bodyPr/>
+          <a:lstStyle/>
+          <a:p>
+            <a:fld id="{2FA3CE17-C092-4EFD-95EC-615FCD38D744}" type="slidenum">
+              <a:rPr lang="en-US" smtClean="0"/>
+              <a:t>‹#›</a:t>
+            </a:fld>
+            <a:endParaRPr lang="en-US"/>
+          </a:p>
+        </p:txBody>
+      </p:sp>
+    </p:spTree>
+    <p:extLst>
+      <p:ext uri="{BB962C8B-B14F-4D97-AF65-F5344CB8AC3E}">
+        <p14:creationId xmlns:p14="http://schemas.microsoft.com/office/powerpoint/2010/main" val="91709648"/>
+      </p:ext>
+    </p:extLst>
+  </p:cSld>
+  <p:clrMapOvr>
+    <a:overrideClrMapping bg1="dk1" tx1="lt1" bg2="dk2" tx2="lt2" accent1="accent1" accent2="accent2" accent3="accent3" accent4="accent4" accent5="accent5" accent6="accent6" hlink="hlink" folHlink="folHlink"/>
+  </p:clrMapOvr>
+</p:sldLayout>
+</file>
+
+<file path=ppt/slideLayouts/slideLayout9.xml><?xml version="1.0" encoding="utf-8"?>
+<p:sldLayout xmlns:a="http://schemas.openxmlformats.org/drawingml/2006/main" xmlns:r="http://schemas.openxmlformats.org/officeDocument/2006/relationships" xmlns:p="http://schemas.openxmlformats.org/presentationml/2006/main" type="objTx" preserve="1">
+  <p:cSld name="Content with Caption">
+    <p:spTree>
+      <p:nvGrpSpPr>
+        <p:cNvPr id="1" name=""/>
+        <p:cNvGrpSpPr/>
+        <p:nvPr/>
+      </p:nvGrpSpPr>
+      <p:grpSpPr>
+        <a:xfrm>
+          <a:off x="0" y="0"/>
+          <a:ext cx="0" cy="0"/>
+          <a:chOff x="0" y="0"/>
+          <a:chExt cx="0" cy="0"/>
+        </a:xfrm>
+      </p:grpSpPr>
+      <p:sp>
+        <p:nvSpPr>
+          <p:cNvPr id="2" name="Title 1"/>
+          <p:cNvSpPr>
+            <a:spLocks noGrp="1"/>
+          </p:cNvSpPr>
+          <p:nvPr>
+            <p:ph type="title"/>
+          </p:nvPr>
+        </p:nvSpPr>
+        <p:spPr>
+          <a:xfrm>
+            <a:off x="1444671" y="798973"/>
+            <a:ext cx="3273099" cy="2247117"/>
+          </a:xfrm>
+        </p:spPr>
+        <p:txBody>
+          <a:bodyPr anchor="b">
+            <a:normAutofit/>
+          </a:bodyPr>
+          <a:lstStyle>
+            <a:lvl1pPr algn="l">
+              <a:defRPr sz="2400"/>
+            </a:lvl1pPr>
+          </a:lstStyle>
+          <a:p>
+            <a:r>
+              <a:rPr lang="en-US"/>
+              <a:t>Click to edit Master title style</a:t>
+            </a:r>
+            <a:endParaRPr lang="en-US" dirty="0"/>
+          </a:p>
+        </p:txBody>
+      </p:sp>
+      <p:sp>
+        <p:nvSpPr>
+          <p:cNvPr id="3" name="Content Placeholder 2"/>
+          <p:cNvSpPr>
+            <a:spLocks noGrp="1"/>
+          </p:cNvSpPr>
+          <p:nvPr>
+            <p:ph idx="1"/>
+          </p:nvPr>
+        </p:nvSpPr>
+        <p:spPr>
+          <a:xfrm>
+            <a:off x="5043714" y="798974"/>
+            <a:ext cx="6012470" cy="4658826"/>
+          </a:xfrm>
+        </p:spPr>
+        <p:txBody>
+          <a:bodyPr anchor="ctr"/>
+          <a:lstStyle/>
+          <a:p>
+            <a:pPr lvl="0"/>
+            <a:r>
+              <a:rPr lang="en-US"/>
+              <a:t>Edit Master text styles</a:t>
+            </a:r>
+          </a:p>
+          <a:p>
+            <a:pPr lvl="1"/>
+            <a:r>
+              <a:rPr lang="en-US"/>
+              <a:t>Second level</a:t>
+            </a:r>
+          </a:p>
+          <a:p>
+            <a:pPr lvl="2"/>
+            <a:r>
+              <a:rPr lang="en-US"/>
+              <a:t>Third level</a:t>
+            </a:r>
+          </a:p>
+          <a:p>
+            <a:pPr lvl="3"/>
+            <a:r>
+              <a:rPr lang="en-US"/>
+              <a:t>Fourth level</a:t>
+            </a:r>
+          </a:p>
+          <a:p>
+            <a:pPr lvl="4"/>
+            <a:r>
+              <a:rPr lang="en-US"/>
+              <a:t>Fifth level</a:t>
+            </a:r>
+            <a:endParaRPr lang="en-US" dirty="0"/>
+          </a:p>
+        </p:txBody>
+      </p:sp>
+      <p:sp>
+        <p:nvSpPr>
+          <p:cNvPr id="4" name="Text Placeholder 3"/>
+          <p:cNvSpPr>
+            <a:spLocks noGrp="1"/>
+          </p:cNvSpPr>
+          <p:nvPr>
+            <p:ph type="body" sz="half" idx="2"/>
+          </p:nvPr>
+        </p:nvSpPr>
+        <p:spPr>
+          <a:xfrm>
+            <a:off x="1444671" y="3205491"/>
+            <a:ext cx="3275013" cy="2248181"/>
+          </a:xfrm>
+        </p:spPr>
+        <p:txBody>
+          <a:bodyPr/>
+          <a:lstStyle>
+            <a:lvl1pPr marL="0" indent="0" algn="l">
+              <a:buNone/>
+              <a:defRPr sz="1600"/>
+            </a:lvl1pPr>
+            <a:lvl2pPr marL="457200" indent="0">
+              <a:buNone/>
+              <a:defRPr sz="1400"/>
+            </a:lvl2pPr>
+            <a:lvl3pPr marL="914400" indent="0">
+              <a:buNone/>
+              <a:defRPr sz="1200"/>
+            </a:lvl3pPr>
+            <a:lvl4pPr marL="1371600" indent="0">
+              <a:buNone/>
+              <a:defRPr sz="1000"/>
+            </a:lvl4pPr>
+            <a:lvl5pPr marL="1828800" indent="0">
+              <a:buNone/>
+              <a:defRPr sz="1000"/>
+            </a:lvl5pPr>
+            <a:lvl6pPr marL="2286000" indent="0">
+              <a:buNone/>
+              <a:defRPr sz="1000"/>
+            </a:lvl6pPr>
+            <a:lvl7pPr marL="2743200" indent="0">
+              <a:buNone/>
+              <a:defRPr sz="1000"/>
+            </a:lvl7pPr>
+            <a:lvl8pPr marL="3200400" indent="0">
+              <a:buNone/>
+              <a:defRPr sz="1000"/>
+            </a:lvl8pPr>
+            <a:lvl9pPr marL="3657600" indent="0">
+              <a:buNone/>
+              <a:defRPr sz="1000"/>
+            </a:lvl9pPr>
+          </a:lstStyle>
+          <a:p>
+            <a:pPr lvl="0"/>
+            <a:r>
+              <a:rPr lang="en-US"/>
+              <a:t>Edit Master text styles</a:t>
+            </a:r>
+          </a:p>
+        </p:txBody>
+      </p:sp>
+      <p:sp>
+        <p:nvSpPr>
+          <p:cNvPr id="5" name="Date Placeholder 4"/>
+          <p:cNvSpPr>
+            <a:spLocks noGrp="1"/>
+          </p:cNvSpPr>
+          <p:nvPr>
+            <p:ph type="dt" sz="half" idx="10"/>
+          </p:nvPr>
+        </p:nvSpPr>
+        <p:spPr/>
+        <p:txBody>
+          <a:bodyPr/>
+          <a:lstStyle/>
+          <a:p>
+            <a:fld id="{81A02670-C342-4CC1-930D-919F19DAA981}" type="datetimeFigureOut">
+              <a:rPr lang="en-US" smtClean="0"/>
+              <a:t>04/18/2018</a:t>
+            </a:fld>
+            <a:endParaRPr lang="en-US"/>
+          </a:p>
+        </p:txBody>
+      </p:sp>
+      <p:sp>
+        <p:nvSpPr>
+          <p:cNvPr id="6" name="Footer Placeholder 5"/>
+          <p:cNvSpPr>
+            <a:spLocks noGrp="1"/>
+          </p:cNvSpPr>
+          <p:nvPr>
+            <p:ph type="ftr" sz="quarter" idx="11"/>
+          </p:nvPr>
+        </p:nvSpPr>
+        <p:spPr/>
+        <p:txBody>
+          <a:bodyPr/>
+          <a:lstStyle/>
+          <a:p>
+            <a:endParaRPr lang="en-US"/>
+          </a:p>
+        </p:txBody>
+      </p:sp>
+      <p:sp>
+        <p:nvSpPr>
+          <p:cNvPr id="7" name="Slide Number Placeholder 6"/>
+          <p:cNvSpPr>
+            <a:spLocks noGrp="1"/>
+          </p:cNvSpPr>
+          <p:nvPr>
+            <p:ph type="sldNum" sz="quarter" idx="12"/>
+          </p:nvPr>
+        </p:nvSpPr>
+        <p:spPr/>
+        <p:txBody>
+          <a:bodyPr/>
+          <a:lstStyle/>
+          <a:p>
+            <a:fld id="{2FA3CE17-C092-4EFD-95EC-615FCD38D744}" type="slidenum">
+              <a:rPr lang="en-US" smtClean="0"/>
+              <a:t>‹#›</a:t>
+            </a:fld>
+            <a:endParaRPr lang="en-US"/>
+          </a:p>
+        </p:txBody>
+      </p:sp>
+      <p:cxnSp>
+        <p:nvCxnSpPr>
+          <p:cNvPr id="17" name="Straight Connector 16"/>
+          <p:cNvCxnSpPr/>
+          <p:nvPr/>
+        </p:nvCxnSpPr>
+        <p:spPr>
+          <a:xfrm>
+            <a:off x="1448280" y="3205491"/>
+            <a:ext cx="3269490" cy="0"/>
+          </a:xfrm>
+          <a:prstGeom prst="line">
+            <a:avLst/>
+          </a:prstGeom>
+          <a:ln w="31750"/>
+        </p:spPr>
+        <p:style>
+          <a:lnRef idx="3">
+            <a:schemeClr val="accent1"/>
+          </a:lnRef>
+          <a:fillRef idx="0">
+            <a:schemeClr val="accent1"/>
+          </a:fillRef>
+          <a:effectRef idx="2">
+            <a:schemeClr val="accent1"/>
+          </a:effectRef>
+          <a:fontRef idx="minor">
+            <a:schemeClr val="tx1"/>
+          </a:fontRef>
+        </p:style>
+      </p:cxnSp>
+    </p:spTree>
+    <p:extLst>
+      <p:ext uri="{BB962C8B-B14F-4D97-AF65-F5344CB8AC3E}">
+        <p14:creationId xmlns:p14="http://schemas.microsoft.com/office/powerpoint/2010/main" val="3864896639"/>
       </p:ext>
     </p:extLst>
   </p:cSld>
@@ -3427,7 +3553,7 @@
           <p:nvPr/>
         </p:nvPicPr>
         <p:blipFill rotWithShape="1">
-          <a:blip r:embed="rId13">
+          <a:blip r:embed="rId14">
             <a:extLst>
               <a:ext uri="{28A0092B-C50C-407E-A947-70E740481C1C}">
                 <a14:useLocalDpi xmlns:a14="http://schemas.microsoft.com/office/drawing/2010/main" val="0"/>
@@ -3576,7 +3702,7 @@
           <a:p>
             <a:fld id="{81A02670-C342-4CC1-930D-919F19DAA981}" type="datetimeFigureOut">
               <a:rPr lang="en-US" smtClean="0"/>
-              <a:t>4/16/2018</a:t>
+              <a:t>04/18/2018</a:t>
             </a:fld>
             <a:endParaRPr lang="en-US"/>
           </a:p>
@@ -3711,10 +3837,11 @@
     <p:sldLayoutId id="2147483665" r:id="rId5"/>
     <p:sldLayoutId id="2147483666" r:id="rId6"/>
     <p:sldLayoutId id="2147483667" r:id="rId7"/>
-    <p:sldLayoutId id="2147483668" r:id="rId8"/>
-    <p:sldLayoutId id="2147483669" r:id="rId9"/>
-    <p:sldLayoutId id="2147483670" r:id="rId10"/>
-    <p:sldLayoutId id="2147483671" r:id="rId11"/>
+    <p:sldLayoutId id="2147483672" r:id="rId8"/>
+    <p:sldLayoutId id="2147483668" r:id="rId9"/>
+    <p:sldLayoutId id="2147483669" r:id="rId10"/>
+    <p:sldLayoutId id="2147483670" r:id="rId11"/>
+    <p:sldLayoutId id="2147483671" r:id="rId12"/>
   </p:sldLayoutIdLst>
   <p:txStyles>
     <p:titleStyle>
@@ -3756,9 +3883,9 @@
             <a:schemeClr val="tx1"/>
           </a:solidFill>
           <a:effectLst/>
-          <a:latin typeface="+mn-lt"/>
+          <a:latin typeface="Arial" panose="020B0604020202020204" pitchFamily="34" charset="0"/>
           <a:ea typeface="+mn-ea"/>
-          <a:cs typeface="+mn-cs"/>
+          <a:cs typeface="Arial" panose="020B0604020202020204" pitchFamily="34" charset="0"/>
         </a:defRPr>
       </a:lvl1pPr>
       <a:lvl2pPr marL="685800" indent="-228600" algn="l" defTabSz="914400" rtl="0" eaLnBrk="1" latinLnBrk="0" hangingPunct="1">
@@ -3779,9 +3906,9 @@
             <a:schemeClr val="tx1"/>
           </a:solidFill>
           <a:effectLst/>
-          <a:latin typeface="+mn-lt"/>
+          <a:latin typeface="Arial" panose="020B0604020202020204" pitchFamily="34" charset="0"/>
           <a:ea typeface="+mn-ea"/>
-          <a:cs typeface="+mn-cs"/>
+          <a:cs typeface="Arial" panose="020B0604020202020204" pitchFamily="34" charset="0"/>
         </a:defRPr>
       </a:lvl2pPr>
       <a:lvl3pPr marL="1143000" indent="-228600" algn="l" defTabSz="914400" rtl="0" eaLnBrk="1" latinLnBrk="0" hangingPunct="1">
@@ -3802,9 +3929,9 @@
             <a:schemeClr val="tx1"/>
           </a:solidFill>
           <a:effectLst/>
-          <a:latin typeface="+mn-lt"/>
+          <a:latin typeface="Arial" panose="020B0604020202020204" pitchFamily="34" charset="0"/>
           <a:ea typeface="+mn-ea"/>
-          <a:cs typeface="+mn-cs"/>
+          <a:cs typeface="Arial" panose="020B0604020202020204" pitchFamily="34" charset="0"/>
         </a:defRPr>
       </a:lvl3pPr>
       <a:lvl4pPr marL="1600200" indent="-228600" algn="l" defTabSz="914400" rtl="0" eaLnBrk="1" latinLnBrk="0" hangingPunct="1">
@@ -3825,9 +3952,9 @@
             <a:schemeClr val="tx1"/>
           </a:solidFill>
           <a:effectLst/>
-          <a:latin typeface="+mn-lt"/>
+          <a:latin typeface="Arial" panose="020B0604020202020204" pitchFamily="34" charset="0"/>
           <a:ea typeface="+mn-ea"/>
-          <a:cs typeface="+mn-cs"/>
+          <a:cs typeface="Arial" panose="020B0604020202020204" pitchFamily="34" charset="0"/>
         </a:defRPr>
       </a:lvl4pPr>
       <a:lvl5pPr marL="2057400" indent="-228600" algn="l" defTabSz="914400" rtl="0" eaLnBrk="1" latinLnBrk="0" hangingPunct="1">
@@ -3848,9 +3975,9 @@
             <a:schemeClr val="tx1"/>
           </a:solidFill>
           <a:effectLst/>
-          <a:latin typeface="+mn-lt"/>
+          <a:latin typeface="Arial" panose="020B0604020202020204" pitchFamily="34" charset="0"/>
           <a:ea typeface="+mn-ea"/>
-          <a:cs typeface="+mn-cs"/>
+          <a:cs typeface="Arial" panose="020B0604020202020204" pitchFamily="34" charset="0"/>
         </a:defRPr>
       </a:lvl5pPr>
       <a:lvl6pPr marL="2514600" indent="-228600" algn="l" defTabSz="914400" rtl="0" eaLnBrk="1" latinLnBrk="0" hangingPunct="1">
@@ -4121,7 +4248,7 @@
           <a:p>
             <a:r>
               <a:rPr lang="en-US" dirty="0"/>
-              <a:t>Maxwell dunevitz</a:t>
+              <a:t>Max dunevitz</a:t>
             </a:r>
           </a:p>
         </p:txBody>
@@ -4268,13 +4395,13 @@
             <a:spLocks noGrp="1"/>
           </p:cNvSpPr>
           <p:nvPr>
-            <p:ph type="title"/>
+            <p:ph type="title" idx="4294967295"/>
           </p:nvPr>
         </p:nvSpPr>
         <p:spPr>
           <a:xfrm>
-            <a:off x="1451579" y="804519"/>
-            <a:ext cx="9603275" cy="1049235"/>
+            <a:off x="1293812" y="171817"/>
+            <a:ext cx="9604375" cy="1049337"/>
           </a:xfrm>
         </p:spPr>
         <p:txBody>
@@ -4302,7 +4429,7 @@
             <a:picLocks noGrp="1" noChangeAspect="1"/>
           </p:cNvPicPr>
           <p:nvPr>
-            <p:ph idx="1"/>
+            <p:ph idx="4294967295"/>
           </p:nvPr>
         </p:nvPicPr>
         <p:blipFill>
@@ -4313,8 +4440,8 @@
         </p:blipFill>
         <p:spPr>
           <a:xfrm>
-            <a:off x="2362339" y="2599968"/>
-            <a:ext cx="7467322" cy="2484582"/>
+            <a:off x="580987" y="1594179"/>
+            <a:ext cx="11030024" cy="3669641"/>
           </a:xfrm>
           <a:prstGeom prst="rect">
             <a:avLst/>
@@ -4364,10 +4491,15 @@
             <a:spLocks noGrp="1"/>
           </p:cNvSpPr>
           <p:nvPr>
-            <p:ph type="title"/>
-          </p:nvPr>
-        </p:nvSpPr>
-        <p:spPr/>
+            <p:ph type="title" idx="4294967295"/>
+          </p:nvPr>
+        </p:nvSpPr>
+        <p:spPr>
+          <a:xfrm>
+            <a:off x="1293812" y="183808"/>
+            <a:ext cx="9604375" cy="1049337"/>
+          </a:xfrm>
+        </p:spPr>
         <p:txBody>
           <a:bodyPr/>
           <a:lstStyle/>
@@ -4375,7 +4507,7 @@
             <a:pPr algn="ctr"/>
             <a:r>
               <a:rPr lang="en-US" dirty="0"/>
-              <a:t>Software with hardware implementation</a:t>
+              <a:t>Software with hardware STEPS</a:t>
             </a:r>
           </a:p>
         </p:txBody>
@@ -4393,7 +4525,7 @@
             <a:picLocks noGrp="1" noChangeAspect="1" noChangeArrowheads="1"/>
           </p:cNvPicPr>
           <p:nvPr>
-            <p:ph idx="1"/>
+            <p:ph idx="4294967295"/>
           </p:nvPr>
         </p:nvPicPr>
         <p:blipFill>
@@ -4411,8 +4543,8 @@
         </p:blipFill>
         <p:spPr bwMode="auto">
           <a:xfrm>
-            <a:off x="1956397" y="2701450"/>
-            <a:ext cx="8279205" cy="2493278"/>
+            <a:off x="150584" y="1639448"/>
+            <a:ext cx="11890832" cy="3579104"/>
           </a:xfrm>
           <a:prstGeom prst="rect">
             <a:avLst/>
@@ -4520,12 +4652,14 @@
             </a:r>
           </a:p>
           <a:p>
+            <a:pPr lvl="1"/>
             <a:r>
               <a:rPr lang="en-US" dirty="0"/>
               <a:t>CPU will be writing identical data to each RAM with some offset</a:t>
             </a:r>
           </a:p>
           <a:p>
+            <a:pPr lvl="1"/>
             <a:r>
               <a:rPr lang="en-US" dirty="0"/>
               <a:t>This allows us to “unroll” the </a:t>
@@ -4554,6 +4688,491 @@
     <p:extLst>
       <p:ext uri="{BB962C8B-B14F-4D97-AF65-F5344CB8AC3E}">
         <p14:creationId xmlns:p14="http://schemas.microsoft.com/office/powerpoint/2010/main" val="2946682250"/>
+      </p:ext>
+    </p:extLst>
+  </p:cSld>
+  <p:clrMapOvr>
+    <a:masterClrMapping/>
+  </p:clrMapOvr>
+</p:sld>
+</file>
+
+<file path=ppt/slides/slide6.xml><?xml version="1.0" encoding="utf-8"?>
+<p:sld xmlns:a="http://schemas.openxmlformats.org/drawingml/2006/main" xmlns:r="http://schemas.openxmlformats.org/officeDocument/2006/relationships" xmlns:p="http://schemas.openxmlformats.org/presentationml/2006/main">
+  <p:cSld>
+    <p:spTree>
+      <p:nvGrpSpPr>
+        <p:cNvPr id="1" name=""/>
+        <p:cNvGrpSpPr/>
+        <p:nvPr/>
+      </p:nvGrpSpPr>
+      <p:grpSpPr>
+        <a:xfrm>
+          <a:off x="0" y="0"/>
+          <a:ext cx="0" cy="0"/>
+          <a:chOff x="0" y="0"/>
+          <a:chExt cx="0" cy="0"/>
+        </a:xfrm>
+      </p:grpSpPr>
+      <p:sp>
+        <p:nvSpPr>
+          <p:cNvPr id="2" name="Title 1">
+            <a:extLst>
+              <a:ext uri="{FF2B5EF4-FFF2-40B4-BE49-F238E27FC236}">
+                <a16:creationId xmlns:a16="http://schemas.microsoft.com/office/drawing/2014/main" id="{EA4C12D0-083E-4769-A02E-B347285B14F3}"/>
+              </a:ext>
+            </a:extLst>
+          </p:cNvPr>
+          <p:cNvSpPr>
+            <a:spLocks noGrp="1"/>
+          </p:cNvSpPr>
+          <p:nvPr>
+            <p:ph type="title"/>
+          </p:nvPr>
+        </p:nvSpPr>
+        <p:spPr/>
+        <p:txBody>
+          <a:bodyPr/>
+          <a:lstStyle/>
+          <a:p>
+            <a:r>
+              <a:rPr lang="en-US" dirty="0"/>
+              <a:t>Current Progress: Datapath</a:t>
+            </a:r>
+          </a:p>
+        </p:txBody>
+      </p:sp>
+      <p:sp>
+        <p:nvSpPr>
+          <p:cNvPr id="3" name="Content Placeholder 2">
+            <a:extLst>
+              <a:ext uri="{FF2B5EF4-FFF2-40B4-BE49-F238E27FC236}">
+                <a16:creationId xmlns:a16="http://schemas.microsoft.com/office/drawing/2014/main" id="{A7E52646-B122-4096-9381-EB5DC1520579}"/>
+              </a:ext>
+            </a:extLst>
+          </p:cNvPr>
+          <p:cNvSpPr>
+            <a:spLocks noGrp="1"/>
+          </p:cNvSpPr>
+          <p:nvPr>
+            <p:ph idx="1"/>
+          </p:nvPr>
+        </p:nvSpPr>
+        <p:spPr/>
+        <p:txBody>
+          <a:bodyPr>
+            <a:normAutofit fontScale="92500" lnSpcReduction="20000"/>
+          </a:bodyPr>
+          <a:lstStyle/>
+          <a:p>
+            <a:r>
+              <a:rPr lang="en-US" dirty="0"/>
+              <a:t>Writing base </a:t>
+            </a:r>
+            <a:r>
+              <a:rPr lang="en-US" dirty="0" err="1"/>
+              <a:t>datapaths</a:t>
+            </a:r>
+            <a:r>
+              <a:rPr lang="en-US" dirty="0"/>
+              <a:t> for non-maximal suppression (NMS) and thresholding</a:t>
+            </a:r>
+          </a:p>
+          <a:p>
+            <a:pPr lvl="1"/>
+            <a:r>
+              <a:rPr lang="en-US" dirty="0"/>
+              <a:t>Synthesize and test with a single iteration (no unrolling)</a:t>
+            </a:r>
+          </a:p>
+          <a:p>
+            <a:pPr lvl="1"/>
+            <a:r>
+              <a:rPr lang="en-US" dirty="0"/>
+              <a:t>Implement unrolling for greater speedup</a:t>
+            </a:r>
+          </a:p>
+          <a:p>
+            <a:r>
+              <a:rPr lang="en-US" dirty="0"/>
+              <a:t>NMS block</a:t>
+            </a:r>
+          </a:p>
+          <a:p>
+            <a:pPr lvl="1"/>
+            <a:r>
+              <a:rPr lang="en-US" dirty="0"/>
+              <a:t>Input: Magnitudes (8-bit integers) of all pixels in a 3x3 square and the direction (3-bit integer) of the center pixel</a:t>
+            </a:r>
+          </a:p>
+          <a:p>
+            <a:pPr lvl="1"/>
+            <a:r>
+              <a:rPr lang="en-US" dirty="0"/>
+              <a:t>Output: single bit indicating that the pixel is kept (1) or suppressed (0)</a:t>
+            </a:r>
+          </a:p>
+          <a:p>
+            <a:r>
+              <a:rPr lang="en-US" dirty="0"/>
+              <a:t>Thresholding</a:t>
+            </a:r>
+          </a:p>
+          <a:p>
+            <a:pPr lvl="1"/>
+            <a:r>
+              <a:rPr lang="en-US" dirty="0"/>
+              <a:t>Input: Magnitude of the center pixel</a:t>
+            </a:r>
+          </a:p>
+          <a:p>
+            <a:pPr lvl="1"/>
+            <a:r>
+              <a:rPr lang="en-US" dirty="0"/>
+              <a:t>Output: two bits indicating that the pixel is passes (1) or fails (0) the high/low thresholds</a:t>
+            </a:r>
+          </a:p>
+        </p:txBody>
+      </p:sp>
+    </p:spTree>
+    <p:extLst>
+      <p:ext uri="{BB962C8B-B14F-4D97-AF65-F5344CB8AC3E}">
+        <p14:creationId xmlns:p14="http://schemas.microsoft.com/office/powerpoint/2010/main" val="2046316780"/>
+      </p:ext>
+    </p:extLst>
+  </p:cSld>
+  <p:clrMapOvr>
+    <a:masterClrMapping/>
+  </p:clrMapOvr>
+</p:sld>
+</file>
+
+<file path=ppt/slides/slide7.xml><?xml version="1.0" encoding="utf-8"?>
+<p:sld xmlns:a="http://schemas.openxmlformats.org/drawingml/2006/main" xmlns:r="http://schemas.openxmlformats.org/officeDocument/2006/relationships" xmlns:p="http://schemas.openxmlformats.org/presentationml/2006/main">
+  <p:cSld>
+    <p:spTree>
+      <p:nvGrpSpPr>
+        <p:cNvPr id="1" name=""/>
+        <p:cNvGrpSpPr/>
+        <p:nvPr/>
+      </p:nvGrpSpPr>
+      <p:grpSpPr>
+        <a:xfrm>
+          <a:off x="0" y="0"/>
+          <a:ext cx="0" cy="0"/>
+          <a:chOff x="0" y="0"/>
+          <a:chExt cx="0" cy="0"/>
+        </a:xfrm>
+      </p:grpSpPr>
+      <p:pic>
+        <p:nvPicPr>
+          <p:cNvPr id="2" name="Picture 1">
+            <a:extLst>
+              <a:ext uri="{FF2B5EF4-FFF2-40B4-BE49-F238E27FC236}">
+                <a16:creationId xmlns:a16="http://schemas.microsoft.com/office/drawing/2014/main" id="{458DA3DE-BE5D-4F27-96BA-98A652BCF37D}"/>
+              </a:ext>
+            </a:extLst>
+          </p:cNvPr>
+          <p:cNvPicPr>
+            <a:picLocks noChangeAspect="1"/>
+          </p:cNvPicPr>
+          <p:nvPr/>
+        </p:nvPicPr>
+        <p:blipFill>
+          <a:blip r:embed="rId2"/>
+          <a:stretch>
+            <a:fillRect/>
+          </a:stretch>
+        </p:blipFill>
+        <p:spPr>
+          <a:xfrm>
+            <a:off x="125491" y="453845"/>
+            <a:ext cx="3957712" cy="6313240"/>
+          </a:xfrm>
+          <a:prstGeom prst="rect">
+            <a:avLst/>
+          </a:prstGeom>
+        </p:spPr>
+      </p:pic>
+      <p:pic>
+        <p:nvPicPr>
+          <p:cNvPr id="3" name="Picture 2">
+            <a:extLst>
+              <a:ext uri="{FF2B5EF4-FFF2-40B4-BE49-F238E27FC236}">
+                <a16:creationId xmlns:a16="http://schemas.microsoft.com/office/drawing/2014/main" id="{E2AF5A87-B4A3-4435-9E83-CA723B7087E5}"/>
+              </a:ext>
+            </a:extLst>
+          </p:cNvPr>
+          <p:cNvPicPr>
+            <a:picLocks noChangeAspect="1"/>
+          </p:cNvPicPr>
+          <p:nvPr/>
+        </p:nvPicPr>
+        <p:blipFill>
+          <a:blip r:embed="rId3"/>
+          <a:stretch>
+            <a:fillRect/>
+          </a:stretch>
+        </p:blipFill>
+        <p:spPr>
+          <a:xfrm>
+            <a:off x="4529816" y="460247"/>
+            <a:ext cx="7562850" cy="2581275"/>
+          </a:xfrm>
+          <a:prstGeom prst="rect">
+            <a:avLst/>
+          </a:prstGeom>
+        </p:spPr>
+      </p:pic>
+      <p:sp>
+        <p:nvSpPr>
+          <p:cNvPr id="4" name="TextBox 3">
+            <a:extLst>
+              <a:ext uri="{FF2B5EF4-FFF2-40B4-BE49-F238E27FC236}">
+                <a16:creationId xmlns:a16="http://schemas.microsoft.com/office/drawing/2014/main" id="{E134CDE9-9830-4881-9F6C-3B4431ABE730}"/>
+              </a:ext>
+            </a:extLst>
+          </p:cNvPr>
+          <p:cNvSpPr txBox="1"/>
+          <p:nvPr/>
+        </p:nvSpPr>
+        <p:spPr>
+          <a:xfrm>
+            <a:off x="125491" y="76954"/>
+            <a:ext cx="3957712" cy="369332"/>
+          </a:xfrm>
+          <a:prstGeom prst="rect">
+            <a:avLst/>
+          </a:prstGeom>
+          <a:noFill/>
+        </p:spPr>
+        <p:txBody>
+          <a:bodyPr wrap="square" rtlCol="0">
+            <a:spAutoFit/>
+          </a:bodyPr>
+          <a:lstStyle/>
+          <a:p>
+            <a:pPr algn="ctr"/>
+            <a:r>
+              <a:rPr lang="en-US" dirty="0"/>
+              <a:t>NMS Block A</a:t>
+            </a:r>
+          </a:p>
+        </p:txBody>
+      </p:sp>
+      <p:sp>
+        <p:nvSpPr>
+          <p:cNvPr id="5" name="TextBox 4">
+            <a:extLst>
+              <a:ext uri="{FF2B5EF4-FFF2-40B4-BE49-F238E27FC236}">
+                <a16:creationId xmlns:a16="http://schemas.microsoft.com/office/drawing/2014/main" id="{011C5777-8775-4F49-95B0-36A74FE85C83}"/>
+              </a:ext>
+            </a:extLst>
+          </p:cNvPr>
+          <p:cNvSpPr txBox="1"/>
+          <p:nvPr/>
+        </p:nvSpPr>
+        <p:spPr>
+          <a:xfrm>
+            <a:off x="6534828" y="90915"/>
+            <a:ext cx="3552825" cy="369332"/>
+          </a:xfrm>
+          <a:prstGeom prst="rect">
+            <a:avLst/>
+          </a:prstGeom>
+          <a:noFill/>
+        </p:spPr>
+        <p:txBody>
+          <a:bodyPr wrap="square" rtlCol="0">
+            <a:spAutoFit/>
+          </a:bodyPr>
+          <a:lstStyle/>
+          <a:p>
+            <a:pPr algn="ctr"/>
+            <a:r>
+              <a:rPr lang="en-US" dirty="0"/>
+              <a:t>NMS Block B</a:t>
+            </a:r>
+          </a:p>
+        </p:txBody>
+      </p:sp>
+      <p:pic>
+        <p:nvPicPr>
+          <p:cNvPr id="6" name="Picture 5">
+            <a:extLst>
+              <a:ext uri="{FF2B5EF4-FFF2-40B4-BE49-F238E27FC236}">
+                <a16:creationId xmlns:a16="http://schemas.microsoft.com/office/drawing/2014/main" id="{F9DFB639-EA58-486B-9AA0-1A20E9E4003D}"/>
+              </a:ext>
+            </a:extLst>
+          </p:cNvPr>
+          <p:cNvPicPr>
+            <a:picLocks noChangeAspect="1"/>
+          </p:cNvPicPr>
+          <p:nvPr/>
+        </p:nvPicPr>
+        <p:blipFill>
+          <a:blip r:embed="rId4"/>
+          <a:stretch>
+            <a:fillRect/>
+          </a:stretch>
+        </p:blipFill>
+        <p:spPr>
+          <a:xfrm>
+            <a:off x="4529816" y="3428999"/>
+            <a:ext cx="7562850" cy="3338086"/>
+          </a:xfrm>
+          <a:prstGeom prst="rect">
+            <a:avLst/>
+          </a:prstGeom>
+        </p:spPr>
+      </p:pic>
+      <p:sp>
+        <p:nvSpPr>
+          <p:cNvPr id="7" name="TextBox 6">
+            <a:extLst>
+              <a:ext uri="{FF2B5EF4-FFF2-40B4-BE49-F238E27FC236}">
+                <a16:creationId xmlns:a16="http://schemas.microsoft.com/office/drawing/2014/main" id="{C55391B1-3164-426D-923F-699E6643344E}"/>
+              </a:ext>
+            </a:extLst>
+          </p:cNvPr>
+          <p:cNvSpPr txBox="1"/>
+          <p:nvPr/>
+        </p:nvSpPr>
+        <p:spPr>
+          <a:xfrm>
+            <a:off x="6534828" y="3059667"/>
+            <a:ext cx="3552825" cy="369332"/>
+          </a:xfrm>
+          <a:prstGeom prst="rect">
+            <a:avLst/>
+          </a:prstGeom>
+          <a:noFill/>
+        </p:spPr>
+        <p:txBody>
+          <a:bodyPr wrap="square" rtlCol="0">
+            <a:spAutoFit/>
+          </a:bodyPr>
+          <a:lstStyle/>
+          <a:p>
+            <a:pPr algn="ctr"/>
+            <a:r>
+              <a:rPr lang="en-US" dirty="0"/>
+              <a:t>Thresholding Block</a:t>
+            </a:r>
+          </a:p>
+        </p:txBody>
+      </p:sp>
+    </p:spTree>
+    <p:extLst>
+      <p:ext uri="{BB962C8B-B14F-4D97-AF65-F5344CB8AC3E}">
+        <p14:creationId xmlns:p14="http://schemas.microsoft.com/office/powerpoint/2010/main" val="3427405154"/>
+      </p:ext>
+    </p:extLst>
+  </p:cSld>
+  <p:clrMapOvr>
+    <a:masterClrMapping/>
+  </p:clrMapOvr>
+</p:sld>
+</file>
+
+<file path=ppt/slides/slide8.xml><?xml version="1.0" encoding="utf-8"?>
+<p:sld xmlns:a="http://schemas.openxmlformats.org/drawingml/2006/main" xmlns:r="http://schemas.openxmlformats.org/officeDocument/2006/relationships" xmlns:p="http://schemas.openxmlformats.org/presentationml/2006/main">
+  <p:cSld>
+    <p:spTree>
+      <p:nvGrpSpPr>
+        <p:cNvPr id="1" name=""/>
+        <p:cNvGrpSpPr/>
+        <p:nvPr/>
+      </p:nvGrpSpPr>
+      <p:grpSpPr>
+        <a:xfrm>
+          <a:off x="0" y="0"/>
+          <a:ext cx="0" cy="0"/>
+          <a:chOff x="0" y="0"/>
+          <a:chExt cx="0" cy="0"/>
+        </a:xfrm>
+      </p:grpSpPr>
+      <p:sp>
+        <p:nvSpPr>
+          <p:cNvPr id="2" name="Title 1">
+            <a:extLst>
+              <a:ext uri="{FF2B5EF4-FFF2-40B4-BE49-F238E27FC236}">
+                <a16:creationId xmlns:a16="http://schemas.microsoft.com/office/drawing/2014/main" id="{D296AEA0-5AF9-45C4-B2BE-9E8418C4EB3A}"/>
+              </a:ext>
+            </a:extLst>
+          </p:cNvPr>
+          <p:cNvSpPr>
+            <a:spLocks noGrp="1"/>
+          </p:cNvSpPr>
+          <p:nvPr>
+            <p:ph type="title"/>
+          </p:nvPr>
+        </p:nvSpPr>
+        <p:spPr/>
+        <p:txBody>
+          <a:bodyPr/>
+          <a:lstStyle/>
+          <a:p>
+            <a:r>
+              <a:rPr lang="en-US" dirty="0"/>
+              <a:t>Current Progress: Datapath</a:t>
+            </a:r>
+          </a:p>
+        </p:txBody>
+      </p:sp>
+      <p:sp>
+        <p:nvSpPr>
+          <p:cNvPr id="3" name="Content Placeholder 2">
+            <a:extLst>
+              <a:ext uri="{FF2B5EF4-FFF2-40B4-BE49-F238E27FC236}">
+                <a16:creationId xmlns:a16="http://schemas.microsoft.com/office/drawing/2014/main" id="{7C3AF3E3-84E5-4268-85EB-E5DE711E3D7C}"/>
+              </a:ext>
+            </a:extLst>
+          </p:cNvPr>
+          <p:cNvSpPr>
+            <a:spLocks noGrp="1"/>
+          </p:cNvSpPr>
+          <p:nvPr>
+            <p:ph idx="1"/>
+          </p:nvPr>
+        </p:nvSpPr>
+        <p:spPr/>
+        <p:txBody>
+          <a:bodyPr/>
+          <a:lstStyle/>
+          <a:p>
+            <a:r>
+              <a:rPr lang="en-US" dirty="0"/>
+              <a:t>TODO</a:t>
+            </a:r>
+          </a:p>
+          <a:p>
+            <a:pPr lvl="1"/>
+            <a:r>
+              <a:rPr lang="en-US" dirty="0"/>
+              <a:t>NMS to thresholding linkage implementation</a:t>
+            </a:r>
+          </a:p>
+          <a:p>
+            <a:pPr lvl="1"/>
+            <a:r>
+              <a:rPr lang="en-US" dirty="0"/>
+              <a:t>Datapath-to-memory and linkage</a:t>
+            </a:r>
+          </a:p>
+          <a:p>
+            <a:pPr lvl="1"/>
+            <a:r>
+              <a:rPr lang="en-US" dirty="0"/>
+              <a:t>Pixel magnitude and direction conversion (from 16-bit to 8- and 3-bit integers)</a:t>
+            </a:r>
+          </a:p>
+        </p:txBody>
+      </p:sp>
+    </p:spTree>
+    <p:extLst>
+      <p:ext uri="{BB962C8B-B14F-4D97-AF65-F5344CB8AC3E}">
+        <p14:creationId xmlns:p14="http://schemas.microsoft.com/office/powerpoint/2010/main" val="3990636054"/>
       </p:ext>
     </p:extLst>
   </p:cSld>

--- a/Deliverables/Canny edge detection – fpga speedup.pptx
+++ b/Deliverables/Canny edge detection – fpga speedup.pptx
@@ -5,17 +5,23 @@
     <p:sldMasterId id="2147483660" r:id="rId1"/>
   </p:sldMasterIdLst>
   <p:notesMasterIdLst>
-    <p:notesMasterId r:id="rId10"/>
+    <p:notesMasterId r:id="rId16"/>
   </p:notesMasterIdLst>
   <p:sldIdLst>
     <p:sldId id="256" r:id="rId2"/>
-    <p:sldId id="257" r:id="rId3"/>
-    <p:sldId id="258" r:id="rId4"/>
+    <p:sldId id="265" r:id="rId3"/>
+    <p:sldId id="266" r:id="rId4"/>
     <p:sldId id="259" r:id="rId5"/>
-    <p:sldId id="260" r:id="rId6"/>
-    <p:sldId id="261" r:id="rId7"/>
-    <p:sldId id="263" r:id="rId8"/>
-    <p:sldId id="264" r:id="rId9"/>
+    <p:sldId id="267" r:id="rId6"/>
+    <p:sldId id="268" r:id="rId7"/>
+    <p:sldId id="257" r:id="rId8"/>
+    <p:sldId id="269" r:id="rId9"/>
+    <p:sldId id="258" r:id="rId10"/>
+    <p:sldId id="261" r:id="rId11"/>
+    <p:sldId id="270" r:id="rId12"/>
+    <p:sldId id="263" r:id="rId13"/>
+    <p:sldId id="260" r:id="rId14"/>
+    <p:sldId id="271" r:id="rId15"/>
   </p:sldIdLst>
   <p:sldSz cx="12192000" cy="6858000"/>
   <p:notesSz cx="6858000" cy="9144000"/>
@@ -204,7 +210,7 @@
           <a:p>
             <a:fld id="{F8C98A77-4E5D-4CD6-8DEB-A6C31B5A63A2}" type="datetimeFigureOut">
               <a:rPr lang="en-US" smtClean="0"/>
-              <a:t>04/18/2018</a:t>
+              <a:t>04/28/2018</a:t>
             </a:fld>
             <a:endParaRPr lang="en-US"/>
           </a:p>
@@ -558,6 +564,267 @@
 </p:notes>
 </file>
 
+<file path=ppt/notesSlides/notesSlide2.xml><?xml version="1.0" encoding="utf-8"?>
+<p:notes xmlns:a="http://schemas.openxmlformats.org/drawingml/2006/main" xmlns:r="http://schemas.openxmlformats.org/officeDocument/2006/relationships" xmlns:p="http://schemas.openxmlformats.org/presentationml/2006/main">
+  <p:cSld>
+    <p:spTree>
+      <p:nvGrpSpPr>
+        <p:cNvPr id="1" name=""/>
+        <p:cNvGrpSpPr/>
+        <p:nvPr/>
+      </p:nvGrpSpPr>
+      <p:grpSpPr>
+        <a:xfrm>
+          <a:off x="0" y="0"/>
+          <a:ext cx="0" cy="0"/>
+          <a:chOff x="0" y="0"/>
+          <a:chExt cx="0" cy="0"/>
+        </a:xfrm>
+      </p:grpSpPr>
+      <p:sp>
+        <p:nvSpPr>
+          <p:cNvPr id="2" name="Slide Image Placeholder 1"/>
+          <p:cNvSpPr>
+            <a:spLocks noGrp="1" noRot="1" noChangeAspect="1"/>
+          </p:cNvSpPr>
+          <p:nvPr>
+            <p:ph type="sldImg"/>
+          </p:nvPr>
+        </p:nvSpPr>
+        <p:spPr/>
+      </p:sp>
+      <p:sp>
+        <p:nvSpPr>
+          <p:cNvPr id="3" name="Notes Placeholder 2"/>
+          <p:cNvSpPr>
+            <a:spLocks noGrp="1"/>
+          </p:cNvSpPr>
+          <p:nvPr>
+            <p:ph type="body" idx="1"/>
+          </p:nvPr>
+        </p:nvSpPr>
+        <p:spPr/>
+        <p:txBody>
+          <a:bodyPr/>
+          <a:lstStyle/>
+          <a:p>
+            <a:r>
+              <a:rPr lang="en-US" dirty="0"/>
+              <a:t>Max, on this slide I would like to circle the parts that software does and what part the FPGA will be responsible for</a:t>
+            </a:r>
+          </a:p>
+        </p:txBody>
+      </p:sp>
+      <p:sp>
+        <p:nvSpPr>
+          <p:cNvPr id="4" name="Slide Number Placeholder 3"/>
+          <p:cNvSpPr>
+            <a:spLocks noGrp="1"/>
+          </p:cNvSpPr>
+          <p:nvPr>
+            <p:ph type="sldNum" sz="quarter" idx="10"/>
+          </p:nvPr>
+        </p:nvSpPr>
+        <p:spPr/>
+        <p:txBody>
+          <a:bodyPr/>
+          <a:lstStyle/>
+          <a:p>
+            <a:fld id="{D5DB187F-0C16-489C-BEFC-CCD1ADA00271}" type="slidenum">
+              <a:rPr lang="en-US" smtClean="0"/>
+              <a:t>6</a:t>
+            </a:fld>
+            <a:endParaRPr lang="en-US"/>
+          </a:p>
+        </p:txBody>
+      </p:sp>
+    </p:spTree>
+    <p:extLst>
+      <p:ext uri="{BB962C8B-B14F-4D97-AF65-F5344CB8AC3E}">
+        <p14:creationId xmlns:p14="http://schemas.microsoft.com/office/powerpoint/2010/main" val="2814428251"/>
+      </p:ext>
+    </p:extLst>
+  </p:cSld>
+  <p:clrMapOvr>
+    <a:masterClrMapping/>
+  </p:clrMapOvr>
+</p:notes>
+</file>
+
+<file path=ppt/notesSlides/notesSlide3.xml><?xml version="1.0" encoding="utf-8"?>
+<p:notes xmlns:a="http://schemas.openxmlformats.org/drawingml/2006/main" xmlns:r="http://schemas.openxmlformats.org/officeDocument/2006/relationships" xmlns:p="http://schemas.openxmlformats.org/presentationml/2006/main">
+  <p:cSld>
+    <p:spTree>
+      <p:nvGrpSpPr>
+        <p:cNvPr id="1" name=""/>
+        <p:cNvGrpSpPr/>
+        <p:nvPr/>
+      </p:nvGrpSpPr>
+      <p:grpSpPr>
+        <a:xfrm>
+          <a:off x="0" y="0"/>
+          <a:ext cx="0" cy="0"/>
+          <a:chOff x="0" y="0"/>
+          <a:chExt cx="0" cy="0"/>
+        </a:xfrm>
+      </p:grpSpPr>
+      <p:sp>
+        <p:nvSpPr>
+          <p:cNvPr id="2" name="Slide Image Placeholder 1"/>
+          <p:cNvSpPr>
+            <a:spLocks noGrp="1" noRot="1" noChangeAspect="1"/>
+          </p:cNvSpPr>
+          <p:nvPr>
+            <p:ph type="sldImg"/>
+          </p:nvPr>
+        </p:nvSpPr>
+        <p:spPr/>
+      </p:sp>
+      <p:sp>
+        <p:nvSpPr>
+          <p:cNvPr id="3" name="Notes Placeholder 2"/>
+          <p:cNvSpPr>
+            <a:spLocks noGrp="1"/>
+          </p:cNvSpPr>
+          <p:nvPr>
+            <p:ph type="body" idx="1"/>
+          </p:nvPr>
+        </p:nvSpPr>
+        <p:spPr/>
+        <p:txBody>
+          <a:bodyPr/>
+          <a:lstStyle/>
+          <a:p>
+            <a:r>
+              <a:rPr lang="en-US" dirty="0"/>
+              <a:t>Max, on this slide I would like to circle the parts that software does and what part the FPGA will be responsible for</a:t>
+            </a:r>
+          </a:p>
+        </p:txBody>
+      </p:sp>
+      <p:sp>
+        <p:nvSpPr>
+          <p:cNvPr id="4" name="Slide Number Placeholder 3"/>
+          <p:cNvSpPr>
+            <a:spLocks noGrp="1"/>
+          </p:cNvSpPr>
+          <p:nvPr>
+            <p:ph type="sldNum" sz="quarter" idx="10"/>
+          </p:nvPr>
+        </p:nvSpPr>
+        <p:spPr/>
+        <p:txBody>
+          <a:bodyPr/>
+          <a:lstStyle/>
+          <a:p>
+            <a:fld id="{D5DB187F-0C16-489C-BEFC-CCD1ADA00271}" type="slidenum">
+              <a:rPr lang="en-US" smtClean="0"/>
+              <a:t>8</a:t>
+            </a:fld>
+            <a:endParaRPr lang="en-US"/>
+          </a:p>
+        </p:txBody>
+      </p:sp>
+    </p:spTree>
+    <p:extLst>
+      <p:ext uri="{BB962C8B-B14F-4D97-AF65-F5344CB8AC3E}">
+        <p14:creationId xmlns:p14="http://schemas.microsoft.com/office/powerpoint/2010/main" val="2370239009"/>
+      </p:ext>
+    </p:extLst>
+  </p:cSld>
+  <p:clrMapOvr>
+    <a:masterClrMapping/>
+  </p:clrMapOvr>
+</p:notes>
+</file>
+
+<file path=ppt/notesSlides/notesSlide4.xml><?xml version="1.0" encoding="utf-8"?>
+<p:notes xmlns:a="http://schemas.openxmlformats.org/drawingml/2006/main" xmlns:r="http://schemas.openxmlformats.org/officeDocument/2006/relationships" xmlns:p="http://schemas.openxmlformats.org/presentationml/2006/main">
+  <p:cSld>
+    <p:spTree>
+      <p:nvGrpSpPr>
+        <p:cNvPr id="1" name=""/>
+        <p:cNvGrpSpPr/>
+        <p:nvPr/>
+      </p:nvGrpSpPr>
+      <p:grpSpPr>
+        <a:xfrm>
+          <a:off x="0" y="0"/>
+          <a:ext cx="0" cy="0"/>
+          <a:chOff x="0" y="0"/>
+          <a:chExt cx="0" cy="0"/>
+        </a:xfrm>
+      </p:grpSpPr>
+      <p:sp>
+        <p:nvSpPr>
+          <p:cNvPr id="2" name="Slide Image Placeholder 1"/>
+          <p:cNvSpPr>
+            <a:spLocks noGrp="1" noRot="1" noChangeAspect="1"/>
+          </p:cNvSpPr>
+          <p:nvPr>
+            <p:ph type="sldImg"/>
+          </p:nvPr>
+        </p:nvSpPr>
+        <p:spPr/>
+      </p:sp>
+      <p:sp>
+        <p:nvSpPr>
+          <p:cNvPr id="3" name="Notes Placeholder 2"/>
+          <p:cNvSpPr>
+            <a:spLocks noGrp="1"/>
+          </p:cNvSpPr>
+          <p:nvPr>
+            <p:ph type="body" idx="1"/>
+          </p:nvPr>
+        </p:nvSpPr>
+        <p:spPr/>
+        <p:txBody>
+          <a:bodyPr/>
+          <a:lstStyle/>
+          <a:p>
+            <a:r>
+              <a:rPr lang="en-US" dirty="0"/>
+              <a:t>Max, on this slide I would like to circle the parts that software does and what part the FPGA will be responsible for</a:t>
+            </a:r>
+          </a:p>
+        </p:txBody>
+      </p:sp>
+      <p:sp>
+        <p:nvSpPr>
+          <p:cNvPr id="4" name="Slide Number Placeholder 3"/>
+          <p:cNvSpPr>
+            <a:spLocks noGrp="1"/>
+          </p:cNvSpPr>
+          <p:nvPr>
+            <p:ph type="sldNum" sz="quarter" idx="10"/>
+          </p:nvPr>
+        </p:nvSpPr>
+        <p:spPr/>
+        <p:txBody>
+          <a:bodyPr/>
+          <a:lstStyle/>
+          <a:p>
+            <a:fld id="{D5DB187F-0C16-489C-BEFC-CCD1ADA00271}" type="slidenum">
+              <a:rPr lang="en-US" smtClean="0"/>
+              <a:t>14</a:t>
+            </a:fld>
+            <a:endParaRPr lang="en-US"/>
+          </a:p>
+        </p:txBody>
+      </p:sp>
+    </p:spTree>
+    <p:extLst>
+      <p:ext uri="{BB962C8B-B14F-4D97-AF65-F5344CB8AC3E}">
+        <p14:creationId xmlns:p14="http://schemas.microsoft.com/office/powerpoint/2010/main" val="1191115226"/>
+      </p:ext>
+    </p:extLst>
+  </p:cSld>
+  <p:clrMapOvr>
+    <a:masterClrMapping/>
+  </p:clrMapOvr>
+</p:notes>
+</file>
+
 <file path=ppt/slideLayouts/slideLayout1.xml><?xml version="1.0" encoding="utf-8"?>
 <p:sldLayout xmlns:a="http://schemas.openxmlformats.org/drawingml/2006/main" xmlns:r="http://schemas.openxmlformats.org/officeDocument/2006/relationships" xmlns:p="http://schemas.openxmlformats.org/presentationml/2006/main" type="title" preserve="1">
   <p:cSld name="Title Slide">
@@ -697,7 +964,7 @@
           <a:p>
             <a:fld id="{81A02670-C342-4CC1-930D-919F19DAA981}" type="datetimeFigureOut">
               <a:rPr lang="en-US" smtClean="0"/>
-              <a:t>04/18/2018</a:t>
+              <a:t>04/28/2018</a:t>
             </a:fld>
             <a:endParaRPr lang="en-US"/>
           </a:p>
@@ -1152,7 +1419,7 @@
           <a:p>
             <a:fld id="{81A02670-C342-4CC1-930D-919F19DAA981}" type="datetimeFigureOut">
               <a:rPr lang="en-US" smtClean="0"/>
-              <a:t>04/18/2018</a:t>
+              <a:t>04/28/2018</a:t>
             </a:fld>
             <a:endParaRPr lang="en-US"/>
           </a:p>
@@ -1358,7 +1625,7 @@
           <a:p>
             <a:fld id="{81A02670-C342-4CC1-930D-919F19DAA981}" type="datetimeFigureOut">
               <a:rPr lang="en-US" smtClean="0"/>
-              <a:t>04/18/2018</a:t>
+              <a:t>04/28/2018</a:t>
             </a:fld>
             <a:endParaRPr lang="en-US"/>
           </a:p>
@@ -1573,7 +1840,7 @@
           <a:p>
             <a:fld id="{81A02670-C342-4CC1-930D-919F19DAA981}" type="datetimeFigureOut">
               <a:rPr lang="en-US" smtClean="0"/>
-              <a:t>04/18/2018</a:t>
+              <a:t>04/28/2018</a:t>
             </a:fld>
             <a:endParaRPr lang="en-US"/>
           </a:p>
@@ -1773,7 +2040,7 @@
           <a:p>
             <a:fld id="{81A02670-C342-4CC1-930D-919F19DAA981}" type="datetimeFigureOut">
               <a:rPr lang="en-US" smtClean="0"/>
-              <a:t>04/18/2018</a:t>
+              <a:t>04/28/2018</a:t>
             </a:fld>
             <a:endParaRPr lang="en-US"/>
           </a:p>
@@ -2052,7 +2319,7 @@
           <a:p>
             <a:fld id="{81A02670-C342-4CC1-930D-919F19DAA981}" type="datetimeFigureOut">
               <a:rPr lang="en-US" smtClean="0"/>
-              <a:t>04/18/2018</a:t>
+              <a:t>04/28/2018</a:t>
             </a:fld>
             <a:endParaRPr lang="en-US"/>
           </a:p>
@@ -2320,7 +2587,7 @@
           <a:p>
             <a:fld id="{81A02670-C342-4CC1-930D-919F19DAA981}" type="datetimeFigureOut">
               <a:rPr lang="en-US" smtClean="0"/>
-              <a:t>04/18/2018</a:t>
+              <a:t>04/28/2018</a:t>
             </a:fld>
             <a:endParaRPr lang="en-US"/>
           </a:p>
@@ -2736,7 +3003,7 @@
           <a:p>
             <a:fld id="{81A02670-C342-4CC1-930D-919F19DAA981}" type="datetimeFigureOut">
               <a:rPr lang="en-US" smtClean="0"/>
-              <a:t>04/18/2018</a:t>
+              <a:t>04/28/2018</a:t>
             </a:fld>
             <a:endParaRPr lang="en-US"/>
           </a:p>
@@ -2885,7 +3152,7 @@
           <a:p>
             <a:fld id="{81A02670-C342-4CC1-930D-919F19DAA981}" type="datetimeFigureOut">
               <a:rPr lang="en-US" smtClean="0"/>
-              <a:t>04/18/2018</a:t>
+              <a:t>04/28/2018</a:t>
             </a:fld>
             <a:endParaRPr lang="en-US"/>
           </a:p>
@@ -3011,7 +3278,7 @@
           <a:p>
             <a:fld id="{81A02670-C342-4CC1-930D-919F19DAA981}" type="datetimeFigureOut">
               <a:rPr lang="en-US" smtClean="0"/>
-              <a:t>04/18/2018</a:t>
+              <a:t>04/28/2018</a:t>
             </a:fld>
             <a:endParaRPr lang="en-US"/>
           </a:p>
@@ -3130,7 +3397,7 @@
           <a:p>
             <a:fld id="{81A02670-C342-4CC1-930D-919F19DAA981}" type="datetimeFigureOut">
               <a:rPr lang="en-US" smtClean="0"/>
-              <a:t>04/18/2018</a:t>
+              <a:t>04/28/2018</a:t>
             </a:fld>
             <a:endParaRPr lang="en-US"/>
           </a:p>
@@ -3381,7 +3648,7 @@
           <a:p>
             <a:fld id="{81A02670-C342-4CC1-930D-919F19DAA981}" type="datetimeFigureOut">
               <a:rPr lang="en-US" smtClean="0"/>
-              <a:t>04/18/2018</a:t>
+              <a:t>04/28/2018</a:t>
             </a:fld>
             <a:endParaRPr lang="en-US"/>
           </a:p>
@@ -3702,7 +3969,7 @@
           <a:p>
             <a:fld id="{81A02670-C342-4CC1-930D-919F19DAA981}" type="datetimeFigureOut">
               <a:rPr lang="en-US" smtClean="0"/>
-              <a:t>04/18/2018</a:t>
+              <a:t>04/28/2018</a:t>
             </a:fld>
             <a:endParaRPr lang="en-US"/>
           </a:p>
@@ -4266,7 +4533,7 @@
 </p:sld>
 </file>
 
-<file path=ppt/slides/slide2.xml><?xml version="1.0" encoding="utf-8"?>
+<file path=ppt/slides/slide10.xml><?xml version="1.0" encoding="utf-8"?>
 <p:sld xmlns:a="http://schemas.openxmlformats.org/drawingml/2006/main" xmlns:r="http://schemas.openxmlformats.org/officeDocument/2006/relationships" xmlns:p="http://schemas.openxmlformats.org/presentationml/2006/main">
   <p:cSld>
     <p:spTree>
@@ -4288,7 +4555,7 @@
           <p:cNvPr id="2" name="Title 1">
             <a:extLst>
               <a:ext uri="{FF2B5EF4-FFF2-40B4-BE49-F238E27FC236}">
-                <a16:creationId xmlns:a16="http://schemas.microsoft.com/office/drawing/2014/main" id="{70A5AEC8-B1D7-4B00-82D7-D1D113F6E821}"/>
+                <a16:creationId xmlns:a16="http://schemas.microsoft.com/office/drawing/2014/main" id="{EA4C12D0-083E-4769-A02E-B347285B14F3}"/>
               </a:ext>
             </a:extLst>
           </p:cNvPr>
@@ -4304,10 +4571,9 @@
           <a:bodyPr/>
           <a:lstStyle/>
           <a:p>
-            <a:pPr algn="ctr"/>
             <a:r>
               <a:rPr lang="en-US" dirty="0"/>
-              <a:t>Software implementation</a:t>
+              <a:t>Hardware Datapath</a:t>
             </a:r>
           </a:p>
         </p:txBody>
@@ -4317,7 +4583,7 @@
           <p:cNvPr id="3" name="Content Placeholder 2">
             <a:extLst>
               <a:ext uri="{FF2B5EF4-FFF2-40B4-BE49-F238E27FC236}">
-                <a16:creationId xmlns:a16="http://schemas.microsoft.com/office/drawing/2014/main" id="{D341416E-5674-4CAA-9373-080AC35D0E83}"/>
+                <a16:creationId xmlns:a16="http://schemas.microsoft.com/office/drawing/2014/main" id="{A7E52646-B122-4096-9381-EB5DC1520579}"/>
               </a:ext>
             </a:extLst>
           </p:cNvPr>
@@ -4330,24 +4596,58 @@
         </p:nvSpPr>
         <p:spPr/>
         <p:txBody>
-          <a:bodyPr/>
-          <a:lstStyle/>
-          <a:p>
+          <a:bodyPr>
+            <a:normAutofit/>
+          </a:bodyPr>
+          <a:lstStyle/>
+          <a:p>
+            <a:r>
+              <a:rPr lang="en-US" dirty="0" err="1"/>
+              <a:t>Datapaths</a:t>
+            </a:r>
             <a:r>
               <a:rPr lang="en-US" dirty="0"/>
-              <a:t>Using OpenCV libraries to accomplish Canny Edge Detection in C++</a:t>
+              <a:t> created for the NMS and thresholding blocks</a:t>
             </a:r>
           </a:p>
           <a:p>
             <a:r>
               <a:rPr lang="en-US" dirty="0"/>
-              <a:t>Currently does hysteresis thresholding too, but take out later</a:t>
-            </a:r>
-          </a:p>
-          <a:p>
+              <a:t>NMS block</a:t>
+            </a:r>
+          </a:p>
+          <a:p>
+            <a:pPr lvl="1"/>
             <a:r>
               <a:rPr lang="en-US" dirty="0"/>
-              <a:t>Fully functional</a:t>
+              <a:t>Input: Magnitudes (8-bit integers) of all pixels in a 3x3 square and the direction (3-bit integer) of the center pixel</a:t>
+            </a:r>
+          </a:p>
+          <a:p>
+            <a:pPr lvl="1"/>
+            <a:r>
+              <a:rPr lang="en-US" dirty="0"/>
+              <a:t>Output: single bit indicating that the pixel is kept (1) or suppressed (0)</a:t>
+            </a:r>
+          </a:p>
+          <a:p>
+            <a:r>
+              <a:rPr lang="en-US" dirty="0"/>
+              <a:t>Thresholding block</a:t>
+            </a:r>
+          </a:p>
+          <a:p>
+            <a:pPr lvl="1"/>
+            <a:r>
+              <a:rPr lang="en-US" dirty="0"/>
+              <a:t>Input: Magnitude of the center pixel</a:t>
+            </a:r>
+          </a:p>
+          <a:p>
+            <a:pPr lvl="1"/>
+            <a:r>
+              <a:rPr lang="en-US" dirty="0"/>
+              <a:t>Output: single bit indicating that the pixel passes (1) or fails (0) the threshold</a:t>
             </a:r>
           </a:p>
         </p:txBody>
@@ -4355,7 +4655,7 @@
     </p:spTree>
     <p:extLst>
       <p:ext uri="{BB962C8B-B14F-4D97-AF65-F5344CB8AC3E}">
-        <p14:creationId xmlns:p14="http://schemas.microsoft.com/office/powerpoint/2010/main" val="1645804616"/>
+        <p14:creationId xmlns:p14="http://schemas.microsoft.com/office/powerpoint/2010/main" val="2046316780"/>
       </p:ext>
     </p:extLst>
   </p:cSld>
@@ -4365,7 +4665,7 @@
 </p:sld>
 </file>
 
-<file path=ppt/slides/slide3.xml><?xml version="1.0" encoding="utf-8"?>
+<file path=ppt/slides/slide11.xml><?xml version="1.0" encoding="utf-8"?>
 <p:sld xmlns:a="http://schemas.openxmlformats.org/drawingml/2006/main" xmlns:r="http://schemas.openxmlformats.org/officeDocument/2006/relationships" xmlns:p="http://schemas.openxmlformats.org/presentationml/2006/main">
   <p:cSld>
     <p:spTree>
@@ -4387,7 +4687,7 @@
           <p:cNvPr id="2" name="Title 1">
             <a:extLst>
               <a:ext uri="{FF2B5EF4-FFF2-40B4-BE49-F238E27FC236}">
-                <a16:creationId xmlns:a16="http://schemas.microsoft.com/office/drawing/2014/main" id="{53ECA34C-268C-4049-9714-BAE84C98C887}"/>
+                <a16:creationId xmlns:a16="http://schemas.microsoft.com/office/drawing/2014/main" id="{5FA22ACE-10E0-4C2B-AE5F-B6F9E933600D}"/>
               </a:ext>
             </a:extLst>
           </p:cNvPr>
@@ -4395,63 +4695,53 @@
             <a:spLocks noGrp="1"/>
           </p:cNvSpPr>
           <p:nvPr>
-            <p:ph type="title" idx="4294967295"/>
-          </p:nvPr>
-        </p:nvSpPr>
-        <p:spPr>
-          <a:xfrm>
-            <a:off x="1293812" y="171817"/>
-            <a:ext cx="9604375" cy="1049337"/>
-          </a:xfrm>
-        </p:spPr>
-        <p:txBody>
-          <a:bodyPr/>
-          <a:lstStyle/>
-          <a:p>
-            <a:pPr algn="ctr"/>
+            <p:ph type="title"/>
+          </p:nvPr>
+        </p:nvSpPr>
+        <p:spPr/>
+        <p:txBody>
+          <a:bodyPr/>
+          <a:lstStyle/>
+          <a:p>
             <a:r>
               <a:rPr lang="en-US" dirty="0"/>
-              <a:t>Software output</a:t>
-            </a:r>
-          </a:p>
-        </p:txBody>
-      </p:sp>
-      <p:pic>
-        <p:nvPicPr>
-          <p:cNvPr id="4" name="Content Placeholder 3">
+              <a:t>Non-maximal suppression</a:t>
+            </a:r>
+          </a:p>
+        </p:txBody>
+      </p:sp>
+      <p:sp>
+        <p:nvSpPr>
+          <p:cNvPr id="3" name="Content Placeholder 2">
             <a:extLst>
               <a:ext uri="{FF2B5EF4-FFF2-40B4-BE49-F238E27FC236}">
-                <a16:creationId xmlns:a16="http://schemas.microsoft.com/office/drawing/2014/main" id="{090B0A3B-4AFF-4B83-A00E-57230BC3047D}"/>
+                <a16:creationId xmlns:a16="http://schemas.microsoft.com/office/drawing/2014/main" id="{BA7A166B-719C-4447-A834-709E67D940D9}"/>
               </a:ext>
             </a:extLst>
           </p:cNvPr>
-          <p:cNvPicPr>
-            <a:picLocks noGrp="1" noChangeAspect="1"/>
-          </p:cNvPicPr>
-          <p:nvPr>
-            <p:ph idx="4294967295"/>
-          </p:nvPr>
-        </p:nvPicPr>
-        <p:blipFill>
-          <a:blip r:embed="rId2"/>
-          <a:stretch>
-            <a:fillRect/>
-          </a:stretch>
-        </p:blipFill>
-        <p:spPr>
-          <a:xfrm>
-            <a:off x="580987" y="1594179"/>
-            <a:ext cx="11030024" cy="3669641"/>
-          </a:xfrm>
-          <a:prstGeom prst="rect">
-            <a:avLst/>
-          </a:prstGeom>
-        </p:spPr>
-      </p:pic>
+          <p:cNvSpPr>
+            <a:spLocks noGrp="1"/>
+          </p:cNvSpPr>
+          <p:nvPr>
+            <p:ph idx="1"/>
+          </p:nvPr>
+        </p:nvSpPr>
+        <p:spPr/>
+        <p:txBody>
+          <a:bodyPr/>
+          <a:lstStyle/>
+          <a:p>
+            <a:r>
+              <a:rPr lang="en-US" dirty="0"/>
+              <a:t>TODO</a:t>
+            </a:r>
+          </a:p>
+        </p:txBody>
+      </p:sp>
     </p:spTree>
     <p:extLst>
       <p:ext uri="{BB962C8B-B14F-4D97-AF65-F5344CB8AC3E}">
-        <p14:creationId xmlns:p14="http://schemas.microsoft.com/office/powerpoint/2010/main" val="3238808484"/>
+        <p14:creationId xmlns:p14="http://schemas.microsoft.com/office/powerpoint/2010/main" val="2346017199"/>
       </p:ext>
     </p:extLst>
   </p:cSld>
@@ -4461,393 +4751,7 @@
 </p:sld>
 </file>
 
-<file path=ppt/slides/slide4.xml><?xml version="1.0" encoding="utf-8"?>
-<p:sld xmlns:a="http://schemas.openxmlformats.org/drawingml/2006/main" xmlns:r="http://schemas.openxmlformats.org/officeDocument/2006/relationships" xmlns:p="http://schemas.openxmlformats.org/presentationml/2006/main">
-  <p:cSld>
-    <p:spTree>
-      <p:nvGrpSpPr>
-        <p:cNvPr id="1" name=""/>
-        <p:cNvGrpSpPr/>
-        <p:nvPr/>
-      </p:nvGrpSpPr>
-      <p:grpSpPr>
-        <a:xfrm>
-          <a:off x="0" y="0"/>
-          <a:ext cx="0" cy="0"/>
-          <a:chOff x="0" y="0"/>
-          <a:chExt cx="0" cy="0"/>
-        </a:xfrm>
-      </p:grpSpPr>
-      <p:sp>
-        <p:nvSpPr>
-          <p:cNvPr id="2" name="Title 1">
-            <a:extLst>
-              <a:ext uri="{FF2B5EF4-FFF2-40B4-BE49-F238E27FC236}">
-                <a16:creationId xmlns:a16="http://schemas.microsoft.com/office/drawing/2014/main" id="{9604C11A-963F-4198-B2CB-FDE1DBACD4D3}"/>
-              </a:ext>
-            </a:extLst>
-          </p:cNvPr>
-          <p:cNvSpPr>
-            <a:spLocks noGrp="1"/>
-          </p:cNvSpPr>
-          <p:nvPr>
-            <p:ph type="title" idx="4294967295"/>
-          </p:nvPr>
-        </p:nvSpPr>
-        <p:spPr>
-          <a:xfrm>
-            <a:off x="1293812" y="183808"/>
-            <a:ext cx="9604375" cy="1049337"/>
-          </a:xfrm>
-        </p:spPr>
-        <p:txBody>
-          <a:bodyPr/>
-          <a:lstStyle/>
-          <a:p>
-            <a:pPr algn="ctr"/>
-            <a:r>
-              <a:rPr lang="en-US" dirty="0"/>
-              <a:t>Software with hardware STEPS</a:t>
-            </a:r>
-          </a:p>
-        </p:txBody>
-      </p:sp>
-      <p:pic>
-        <p:nvPicPr>
-          <p:cNvPr id="1026" name="Picture 2" descr="https://lh4.googleusercontent.com/S4Od4sQyJG2KyAxyBIpU5W-0waZ-SulbfzXTuQjI7MuCGMi_YsPGrPUYEOmXYwBqwHOS3pMYKSk2ykWtz0ji7KKCqARjlKOapceaVlo8kRbBxpmx4JV91fmd43weF9VEgT8l2hlo">
-            <a:extLst>
-              <a:ext uri="{FF2B5EF4-FFF2-40B4-BE49-F238E27FC236}">
-                <a16:creationId xmlns:a16="http://schemas.microsoft.com/office/drawing/2014/main" id="{89A6CB57-C806-401F-A087-4527EAD82223}"/>
-              </a:ext>
-            </a:extLst>
-          </p:cNvPr>
-          <p:cNvPicPr>
-            <a:picLocks noGrp="1" noChangeAspect="1" noChangeArrowheads="1"/>
-          </p:cNvPicPr>
-          <p:nvPr>
-            <p:ph idx="4294967295"/>
-          </p:nvPr>
-        </p:nvPicPr>
-        <p:blipFill>
-          <a:blip r:embed="rId3">
-            <a:extLst>
-              <a:ext uri="{28A0092B-C50C-407E-A947-70E740481C1C}">
-                <a14:useLocalDpi xmlns:a14="http://schemas.microsoft.com/office/drawing/2010/main" val="0"/>
-              </a:ext>
-            </a:extLst>
-          </a:blip>
-          <a:srcRect/>
-          <a:stretch>
-            <a:fillRect/>
-          </a:stretch>
-        </p:blipFill>
-        <p:spPr bwMode="auto">
-          <a:xfrm>
-            <a:off x="150584" y="1639448"/>
-            <a:ext cx="11890832" cy="3579104"/>
-          </a:xfrm>
-          <a:prstGeom prst="rect">
-            <a:avLst/>
-          </a:prstGeom>
-          <a:noFill/>
-          <a:extLst>
-            <a:ext uri="{909E8E84-426E-40DD-AFC4-6F175D3DCCD1}">
-              <a14:hiddenFill xmlns:a14="http://schemas.microsoft.com/office/drawing/2010/main">
-                <a:solidFill>
-                  <a:srgbClr val="FFFFFF"/>
-                </a:solidFill>
-              </a14:hiddenFill>
-            </a:ext>
-          </a:extLst>
-        </p:spPr>
-      </p:pic>
-    </p:spTree>
-    <p:extLst>
-      <p:ext uri="{BB962C8B-B14F-4D97-AF65-F5344CB8AC3E}">
-        <p14:creationId xmlns:p14="http://schemas.microsoft.com/office/powerpoint/2010/main" val="4169633221"/>
-      </p:ext>
-    </p:extLst>
-  </p:cSld>
-  <p:clrMapOvr>
-    <a:masterClrMapping/>
-  </p:clrMapOvr>
-</p:sld>
-</file>
-
-<file path=ppt/slides/slide5.xml><?xml version="1.0" encoding="utf-8"?>
-<p:sld xmlns:a="http://schemas.openxmlformats.org/drawingml/2006/main" xmlns:r="http://schemas.openxmlformats.org/officeDocument/2006/relationships" xmlns:p="http://schemas.openxmlformats.org/presentationml/2006/main">
-  <p:cSld>
-    <p:spTree>
-      <p:nvGrpSpPr>
-        <p:cNvPr id="1" name=""/>
-        <p:cNvGrpSpPr/>
-        <p:nvPr/>
-      </p:nvGrpSpPr>
-      <p:grpSpPr>
-        <a:xfrm>
-          <a:off x="0" y="0"/>
-          <a:ext cx="0" cy="0"/>
-          <a:chOff x="0" y="0"/>
-          <a:chExt cx="0" cy="0"/>
-        </a:xfrm>
-      </p:grpSpPr>
-      <p:sp>
-        <p:nvSpPr>
-          <p:cNvPr id="2" name="Title 1">
-            <a:extLst>
-              <a:ext uri="{FF2B5EF4-FFF2-40B4-BE49-F238E27FC236}">
-                <a16:creationId xmlns:a16="http://schemas.microsoft.com/office/drawing/2014/main" id="{B4EBE9E1-B9B4-4930-8B8C-B9AD0CEEC087}"/>
-              </a:ext>
-            </a:extLst>
-          </p:cNvPr>
-          <p:cNvSpPr>
-            <a:spLocks noGrp="1"/>
-          </p:cNvSpPr>
-          <p:nvPr>
-            <p:ph type="title"/>
-          </p:nvPr>
-        </p:nvSpPr>
-        <p:spPr/>
-        <p:txBody>
-          <a:bodyPr/>
-          <a:lstStyle/>
-          <a:p>
-            <a:r>
-              <a:rPr lang="en-US" dirty="0"/>
-              <a:t>Current progress: memory mapping</a:t>
-            </a:r>
-          </a:p>
-        </p:txBody>
-      </p:sp>
-      <p:sp>
-        <p:nvSpPr>
-          <p:cNvPr id="3" name="Content Placeholder 2">
-            <a:extLst>
-              <a:ext uri="{FF2B5EF4-FFF2-40B4-BE49-F238E27FC236}">
-                <a16:creationId xmlns:a16="http://schemas.microsoft.com/office/drawing/2014/main" id="{FF88E48A-5013-4885-85D4-0192031CA965}"/>
-              </a:ext>
-            </a:extLst>
-          </p:cNvPr>
-          <p:cNvSpPr>
-            <a:spLocks noGrp="1"/>
-          </p:cNvSpPr>
-          <p:nvPr>
-            <p:ph idx="1"/>
-          </p:nvPr>
-        </p:nvSpPr>
-        <p:spPr/>
-        <p:txBody>
-          <a:bodyPr/>
-          <a:lstStyle/>
-          <a:p>
-            <a:r>
-              <a:rPr lang="en-US" dirty="0"/>
-              <a:t>3 input RAM’s </a:t>
-            </a:r>
-          </a:p>
-          <a:p>
-            <a:r>
-              <a:rPr lang="en-US" dirty="0"/>
-              <a:t>Each RAM contains N-1 rows of pixels from the input image (N is number of rows in image) </a:t>
-            </a:r>
-          </a:p>
-          <a:p>
-            <a:pPr lvl="1"/>
-            <a:r>
-              <a:rPr lang="en-US" dirty="0"/>
-              <a:t>CPU will be writing identical data to each RAM with some offset</a:t>
-            </a:r>
-          </a:p>
-          <a:p>
-            <a:pPr lvl="1"/>
-            <a:r>
-              <a:rPr lang="en-US" dirty="0"/>
-              <a:t>This allows us to “unroll” the </a:t>
-            </a:r>
-            <a:r>
-              <a:rPr lang="en-US" dirty="0" err="1"/>
-              <a:t>datapath</a:t>
-            </a:r>
-            <a:r>
-              <a:rPr lang="en-US" dirty="0"/>
-              <a:t> 3 times</a:t>
-            </a:r>
-          </a:p>
-          <a:p>
-            <a:r>
-              <a:rPr lang="en-US" dirty="0"/>
-              <a:t>Software can now write 16-bit magnitude and 16-bit angle for each pixel</a:t>
-            </a:r>
-          </a:p>
-          <a:p>
-            <a:endParaRPr lang="en-US" dirty="0"/>
-          </a:p>
-        </p:txBody>
-      </p:sp>
-    </p:spTree>
-    <p:extLst>
-      <p:ext uri="{BB962C8B-B14F-4D97-AF65-F5344CB8AC3E}">
-        <p14:creationId xmlns:p14="http://schemas.microsoft.com/office/powerpoint/2010/main" val="2946682250"/>
-      </p:ext>
-    </p:extLst>
-  </p:cSld>
-  <p:clrMapOvr>
-    <a:masterClrMapping/>
-  </p:clrMapOvr>
-</p:sld>
-</file>
-
-<file path=ppt/slides/slide6.xml><?xml version="1.0" encoding="utf-8"?>
-<p:sld xmlns:a="http://schemas.openxmlformats.org/drawingml/2006/main" xmlns:r="http://schemas.openxmlformats.org/officeDocument/2006/relationships" xmlns:p="http://schemas.openxmlformats.org/presentationml/2006/main">
-  <p:cSld>
-    <p:spTree>
-      <p:nvGrpSpPr>
-        <p:cNvPr id="1" name=""/>
-        <p:cNvGrpSpPr/>
-        <p:nvPr/>
-      </p:nvGrpSpPr>
-      <p:grpSpPr>
-        <a:xfrm>
-          <a:off x="0" y="0"/>
-          <a:ext cx="0" cy="0"/>
-          <a:chOff x="0" y="0"/>
-          <a:chExt cx="0" cy="0"/>
-        </a:xfrm>
-      </p:grpSpPr>
-      <p:sp>
-        <p:nvSpPr>
-          <p:cNvPr id="2" name="Title 1">
-            <a:extLst>
-              <a:ext uri="{FF2B5EF4-FFF2-40B4-BE49-F238E27FC236}">
-                <a16:creationId xmlns:a16="http://schemas.microsoft.com/office/drawing/2014/main" id="{EA4C12D0-083E-4769-A02E-B347285B14F3}"/>
-              </a:ext>
-            </a:extLst>
-          </p:cNvPr>
-          <p:cNvSpPr>
-            <a:spLocks noGrp="1"/>
-          </p:cNvSpPr>
-          <p:nvPr>
-            <p:ph type="title"/>
-          </p:nvPr>
-        </p:nvSpPr>
-        <p:spPr/>
-        <p:txBody>
-          <a:bodyPr/>
-          <a:lstStyle/>
-          <a:p>
-            <a:r>
-              <a:rPr lang="en-US" dirty="0"/>
-              <a:t>Current Progress: Datapath</a:t>
-            </a:r>
-          </a:p>
-        </p:txBody>
-      </p:sp>
-      <p:sp>
-        <p:nvSpPr>
-          <p:cNvPr id="3" name="Content Placeholder 2">
-            <a:extLst>
-              <a:ext uri="{FF2B5EF4-FFF2-40B4-BE49-F238E27FC236}">
-                <a16:creationId xmlns:a16="http://schemas.microsoft.com/office/drawing/2014/main" id="{A7E52646-B122-4096-9381-EB5DC1520579}"/>
-              </a:ext>
-            </a:extLst>
-          </p:cNvPr>
-          <p:cNvSpPr>
-            <a:spLocks noGrp="1"/>
-          </p:cNvSpPr>
-          <p:nvPr>
-            <p:ph idx="1"/>
-          </p:nvPr>
-        </p:nvSpPr>
-        <p:spPr/>
-        <p:txBody>
-          <a:bodyPr>
-            <a:normAutofit fontScale="92500" lnSpcReduction="20000"/>
-          </a:bodyPr>
-          <a:lstStyle/>
-          <a:p>
-            <a:r>
-              <a:rPr lang="en-US" dirty="0"/>
-              <a:t>Writing base </a:t>
-            </a:r>
-            <a:r>
-              <a:rPr lang="en-US" dirty="0" err="1"/>
-              <a:t>datapaths</a:t>
-            </a:r>
-            <a:r>
-              <a:rPr lang="en-US" dirty="0"/>
-              <a:t> for non-maximal suppression (NMS) and thresholding</a:t>
-            </a:r>
-          </a:p>
-          <a:p>
-            <a:pPr lvl="1"/>
-            <a:r>
-              <a:rPr lang="en-US" dirty="0"/>
-              <a:t>Synthesize and test with a single iteration (no unrolling)</a:t>
-            </a:r>
-          </a:p>
-          <a:p>
-            <a:pPr lvl="1"/>
-            <a:r>
-              <a:rPr lang="en-US" dirty="0"/>
-              <a:t>Implement unrolling for greater speedup</a:t>
-            </a:r>
-          </a:p>
-          <a:p>
-            <a:r>
-              <a:rPr lang="en-US" dirty="0"/>
-              <a:t>NMS block</a:t>
-            </a:r>
-          </a:p>
-          <a:p>
-            <a:pPr lvl="1"/>
-            <a:r>
-              <a:rPr lang="en-US" dirty="0"/>
-              <a:t>Input: Magnitudes (8-bit integers) of all pixels in a 3x3 square and the direction (3-bit integer) of the center pixel</a:t>
-            </a:r>
-          </a:p>
-          <a:p>
-            <a:pPr lvl="1"/>
-            <a:r>
-              <a:rPr lang="en-US" dirty="0"/>
-              <a:t>Output: single bit indicating that the pixel is kept (1) or suppressed (0)</a:t>
-            </a:r>
-          </a:p>
-          <a:p>
-            <a:r>
-              <a:rPr lang="en-US" dirty="0"/>
-              <a:t>Thresholding</a:t>
-            </a:r>
-          </a:p>
-          <a:p>
-            <a:pPr lvl="1"/>
-            <a:r>
-              <a:rPr lang="en-US" dirty="0"/>
-              <a:t>Input: Magnitude of the center pixel</a:t>
-            </a:r>
-          </a:p>
-          <a:p>
-            <a:pPr lvl="1"/>
-            <a:r>
-              <a:rPr lang="en-US" dirty="0"/>
-              <a:t>Output: two bits indicating that the pixel is passes (1) or fails (0) the high/low thresholds</a:t>
-            </a:r>
-          </a:p>
-        </p:txBody>
-      </p:sp>
-    </p:spTree>
-    <p:extLst>
-      <p:ext uri="{BB962C8B-B14F-4D97-AF65-F5344CB8AC3E}">
-        <p14:creationId xmlns:p14="http://schemas.microsoft.com/office/powerpoint/2010/main" val="2046316780"/>
-      </p:ext>
-    </p:extLst>
-  </p:cSld>
-  <p:clrMapOvr>
-    <a:masterClrMapping/>
-  </p:clrMapOvr>
-</p:sld>
-</file>
-
-<file path=ppt/slides/slide7.xml><?xml version="1.0" encoding="utf-8"?>
+<file path=ppt/slides/slide12.xml><?xml version="1.0" encoding="utf-8"?>
 <p:sld xmlns:a="http://schemas.openxmlformats.org/drawingml/2006/main" xmlns:r="http://schemas.openxmlformats.org/officeDocument/2006/relationships" xmlns:p="http://schemas.openxmlformats.org/presentationml/2006/main">
   <p:cSld>
     <p:spTree>
@@ -5075,6 +4979,921 @@
 </p:sld>
 </file>
 
+<file path=ppt/slides/slide13.xml><?xml version="1.0" encoding="utf-8"?>
+<p:sld xmlns:a="http://schemas.openxmlformats.org/drawingml/2006/main" xmlns:r="http://schemas.openxmlformats.org/officeDocument/2006/relationships" xmlns:p="http://schemas.openxmlformats.org/presentationml/2006/main">
+  <p:cSld>
+    <p:spTree>
+      <p:nvGrpSpPr>
+        <p:cNvPr id="1" name=""/>
+        <p:cNvGrpSpPr/>
+        <p:nvPr/>
+      </p:nvGrpSpPr>
+      <p:grpSpPr>
+        <a:xfrm>
+          <a:off x="0" y="0"/>
+          <a:ext cx="0" cy="0"/>
+          <a:chOff x="0" y="0"/>
+          <a:chExt cx="0" cy="0"/>
+        </a:xfrm>
+      </p:grpSpPr>
+      <p:sp>
+        <p:nvSpPr>
+          <p:cNvPr id="2" name="Title 1">
+            <a:extLst>
+              <a:ext uri="{FF2B5EF4-FFF2-40B4-BE49-F238E27FC236}">
+                <a16:creationId xmlns:a16="http://schemas.microsoft.com/office/drawing/2014/main" id="{B4EBE9E1-B9B4-4930-8B8C-B9AD0CEEC087}"/>
+              </a:ext>
+            </a:extLst>
+          </p:cNvPr>
+          <p:cNvSpPr>
+            <a:spLocks noGrp="1"/>
+          </p:cNvSpPr>
+          <p:nvPr>
+            <p:ph type="title"/>
+          </p:nvPr>
+        </p:nvSpPr>
+        <p:spPr/>
+        <p:txBody>
+          <a:bodyPr/>
+          <a:lstStyle/>
+          <a:p>
+            <a:r>
+              <a:rPr lang="en-US" dirty="0"/>
+              <a:t>memory mapping</a:t>
+            </a:r>
+          </a:p>
+        </p:txBody>
+      </p:sp>
+      <p:sp>
+        <p:nvSpPr>
+          <p:cNvPr id="3" name="Content Placeholder 2">
+            <a:extLst>
+              <a:ext uri="{FF2B5EF4-FFF2-40B4-BE49-F238E27FC236}">
+                <a16:creationId xmlns:a16="http://schemas.microsoft.com/office/drawing/2014/main" id="{FF88E48A-5013-4885-85D4-0192031CA965}"/>
+              </a:ext>
+            </a:extLst>
+          </p:cNvPr>
+          <p:cNvSpPr>
+            <a:spLocks noGrp="1"/>
+          </p:cNvSpPr>
+          <p:nvPr>
+            <p:ph idx="1"/>
+          </p:nvPr>
+        </p:nvSpPr>
+        <p:spPr/>
+        <p:txBody>
+          <a:bodyPr/>
+          <a:lstStyle/>
+          <a:p>
+            <a:r>
+              <a:rPr lang="en-US" dirty="0"/>
+              <a:t>3 input RAM’s </a:t>
+            </a:r>
+          </a:p>
+          <a:p>
+            <a:r>
+              <a:rPr lang="en-US" dirty="0"/>
+              <a:t>Each RAM contains N-1 rows of pixels from the input image (N is number of rows in image) </a:t>
+            </a:r>
+          </a:p>
+          <a:p>
+            <a:pPr lvl="1"/>
+            <a:r>
+              <a:rPr lang="en-US" dirty="0"/>
+              <a:t>CPU will be writing identical data to each RAM with some offset</a:t>
+            </a:r>
+          </a:p>
+          <a:p>
+            <a:pPr lvl="1"/>
+            <a:r>
+              <a:rPr lang="en-US" dirty="0"/>
+              <a:t>This allows us to “unroll” the </a:t>
+            </a:r>
+            <a:r>
+              <a:rPr lang="en-US" dirty="0" err="1"/>
+              <a:t>datapath</a:t>
+            </a:r>
+            <a:r>
+              <a:rPr lang="en-US" dirty="0"/>
+              <a:t> 3 times</a:t>
+            </a:r>
+          </a:p>
+          <a:p>
+            <a:pPr lvl="1"/>
+            <a:r>
+              <a:rPr lang="en-US" dirty="0"/>
+              <a:t>With unrolling, there is a 3 cycle latency to fill </a:t>
+            </a:r>
+            <a:r>
+              <a:rPr lang="en-US"/>
+              <a:t>the buffer</a:t>
+            </a:r>
+            <a:endParaRPr lang="en-US" dirty="0"/>
+          </a:p>
+          <a:p>
+            <a:endParaRPr lang="en-US" dirty="0"/>
+          </a:p>
+        </p:txBody>
+      </p:sp>
+    </p:spTree>
+    <p:extLst>
+      <p:ext uri="{BB962C8B-B14F-4D97-AF65-F5344CB8AC3E}">
+        <p14:creationId xmlns:p14="http://schemas.microsoft.com/office/powerpoint/2010/main" val="2946682250"/>
+      </p:ext>
+    </p:extLst>
+  </p:cSld>
+  <p:clrMapOvr>
+    <a:masterClrMapping/>
+  </p:clrMapOvr>
+</p:sld>
+</file>
+
+<file path=ppt/slides/slide14.xml><?xml version="1.0" encoding="utf-8"?>
+<p:sld xmlns:a="http://schemas.openxmlformats.org/drawingml/2006/main" xmlns:r="http://schemas.openxmlformats.org/officeDocument/2006/relationships" xmlns:p="http://schemas.openxmlformats.org/presentationml/2006/main">
+  <p:cSld>
+    <p:spTree>
+      <p:nvGrpSpPr>
+        <p:cNvPr id="1" name=""/>
+        <p:cNvGrpSpPr/>
+        <p:nvPr/>
+      </p:nvGrpSpPr>
+      <p:grpSpPr>
+        <a:xfrm>
+          <a:off x="0" y="0"/>
+          <a:ext cx="0" cy="0"/>
+          <a:chOff x="0" y="0"/>
+          <a:chExt cx="0" cy="0"/>
+        </a:xfrm>
+      </p:grpSpPr>
+      <p:sp>
+        <p:nvSpPr>
+          <p:cNvPr id="2" name="Title 1">
+            <a:extLst>
+              <a:ext uri="{FF2B5EF4-FFF2-40B4-BE49-F238E27FC236}">
+                <a16:creationId xmlns:a16="http://schemas.microsoft.com/office/drawing/2014/main" id="{9604C11A-963F-4198-B2CB-FDE1DBACD4D3}"/>
+              </a:ext>
+            </a:extLst>
+          </p:cNvPr>
+          <p:cNvSpPr>
+            <a:spLocks noGrp="1"/>
+          </p:cNvSpPr>
+          <p:nvPr>
+            <p:ph type="title" idx="4294967295"/>
+          </p:nvPr>
+        </p:nvSpPr>
+        <p:spPr>
+          <a:xfrm>
+            <a:off x="1293812" y="183808"/>
+            <a:ext cx="9604375" cy="1049337"/>
+          </a:xfrm>
+        </p:spPr>
+        <p:txBody>
+          <a:bodyPr/>
+          <a:lstStyle/>
+          <a:p>
+            <a:pPr algn="ctr"/>
+            <a:r>
+              <a:rPr lang="en-US" dirty="0"/>
+              <a:t>Hardware flow</a:t>
+            </a:r>
+          </a:p>
+        </p:txBody>
+      </p:sp>
+      <p:sp>
+        <p:nvSpPr>
+          <p:cNvPr id="3" name="TextBox 2">
+            <a:extLst>
+              <a:ext uri="{FF2B5EF4-FFF2-40B4-BE49-F238E27FC236}">
+                <a16:creationId xmlns:a16="http://schemas.microsoft.com/office/drawing/2014/main" id="{0C7FA304-23B6-4A6E-B349-59BA059200C3}"/>
+              </a:ext>
+            </a:extLst>
+          </p:cNvPr>
+          <p:cNvSpPr txBox="1"/>
+          <p:nvPr/>
+        </p:nvSpPr>
+        <p:spPr>
+          <a:xfrm>
+            <a:off x="3409949" y="3244334"/>
+            <a:ext cx="5372100" cy="369332"/>
+          </a:xfrm>
+          <a:prstGeom prst="rect">
+            <a:avLst/>
+          </a:prstGeom>
+          <a:noFill/>
+        </p:spPr>
+        <p:txBody>
+          <a:bodyPr wrap="square" rtlCol="0">
+            <a:spAutoFit/>
+          </a:bodyPr>
+          <a:lstStyle/>
+          <a:p>
+            <a:pPr algn="ctr"/>
+            <a:r>
+              <a:rPr lang="en-US" dirty="0"/>
+              <a:t>TODO</a:t>
+            </a:r>
+          </a:p>
+        </p:txBody>
+      </p:sp>
+    </p:spTree>
+    <p:extLst>
+      <p:ext uri="{BB962C8B-B14F-4D97-AF65-F5344CB8AC3E}">
+        <p14:creationId xmlns:p14="http://schemas.microsoft.com/office/powerpoint/2010/main" val="219068459"/>
+      </p:ext>
+    </p:extLst>
+  </p:cSld>
+  <p:clrMapOvr>
+    <a:masterClrMapping/>
+  </p:clrMapOvr>
+</p:sld>
+</file>
+
+<file path=ppt/slides/slide2.xml><?xml version="1.0" encoding="utf-8"?>
+<p:sld xmlns:a="http://schemas.openxmlformats.org/drawingml/2006/main" xmlns:r="http://schemas.openxmlformats.org/officeDocument/2006/relationships" xmlns:p="http://schemas.openxmlformats.org/presentationml/2006/main">
+  <p:cSld>
+    <p:spTree>
+      <p:nvGrpSpPr>
+        <p:cNvPr id="1" name=""/>
+        <p:cNvGrpSpPr/>
+        <p:nvPr/>
+      </p:nvGrpSpPr>
+      <p:grpSpPr>
+        <a:xfrm>
+          <a:off x="0" y="0"/>
+          <a:ext cx="0" cy="0"/>
+          <a:chOff x="0" y="0"/>
+          <a:chExt cx="0" cy="0"/>
+        </a:xfrm>
+      </p:grpSpPr>
+      <p:sp>
+        <p:nvSpPr>
+          <p:cNvPr id="2" name="Title 1">
+            <a:extLst>
+              <a:ext uri="{FF2B5EF4-FFF2-40B4-BE49-F238E27FC236}">
+                <a16:creationId xmlns:a16="http://schemas.microsoft.com/office/drawing/2014/main" id="{70A5AEC8-B1D7-4B00-82D7-D1D113F6E821}"/>
+              </a:ext>
+            </a:extLst>
+          </p:cNvPr>
+          <p:cNvSpPr>
+            <a:spLocks noGrp="1"/>
+          </p:cNvSpPr>
+          <p:nvPr>
+            <p:ph type="title"/>
+          </p:nvPr>
+        </p:nvSpPr>
+        <p:spPr/>
+        <p:txBody>
+          <a:bodyPr/>
+          <a:lstStyle/>
+          <a:p>
+            <a:r>
+              <a:rPr lang="en-US" dirty="0"/>
+              <a:t>Canny Edge Detection</a:t>
+            </a:r>
+          </a:p>
+        </p:txBody>
+      </p:sp>
+      <p:sp>
+        <p:nvSpPr>
+          <p:cNvPr id="3" name="Content Placeholder 2">
+            <a:extLst>
+              <a:ext uri="{FF2B5EF4-FFF2-40B4-BE49-F238E27FC236}">
+                <a16:creationId xmlns:a16="http://schemas.microsoft.com/office/drawing/2014/main" id="{D341416E-5674-4CAA-9373-080AC35D0E83}"/>
+              </a:ext>
+            </a:extLst>
+          </p:cNvPr>
+          <p:cNvSpPr>
+            <a:spLocks noGrp="1"/>
+          </p:cNvSpPr>
+          <p:nvPr>
+            <p:ph idx="1"/>
+          </p:nvPr>
+        </p:nvSpPr>
+        <p:spPr/>
+        <p:txBody>
+          <a:bodyPr/>
+          <a:lstStyle/>
+          <a:p>
+            <a:r>
+              <a:rPr lang="en-US" dirty="0"/>
+              <a:t>A multi-stage image edge detection algorithm developed by John Canny in 1986</a:t>
+            </a:r>
+          </a:p>
+          <a:p>
+            <a:r>
+              <a:rPr lang="en-US" dirty="0"/>
+              <a:t>The algorithm involves two main steps</a:t>
+            </a:r>
+          </a:p>
+          <a:p>
+            <a:pPr lvl="1"/>
+            <a:r>
+              <a:rPr lang="en-US" dirty="0"/>
+              <a:t>Calculation and comparison of the </a:t>
+            </a:r>
+            <a:r>
+              <a:rPr lang="en-US" i="1" dirty="0"/>
+              <a:t>intensity gradients</a:t>
+            </a:r>
+            <a:r>
+              <a:rPr lang="en-US" dirty="0"/>
+              <a:t> of pixels to locate edges</a:t>
+            </a:r>
+          </a:p>
+          <a:p>
+            <a:pPr lvl="1"/>
+            <a:r>
+              <a:rPr lang="en-US" dirty="0"/>
+              <a:t>Hysteresis thresholding of the </a:t>
+            </a:r>
+            <a:r>
+              <a:rPr lang="en-US" i="1" dirty="0"/>
+              <a:t>gradient magnitudes</a:t>
+            </a:r>
+            <a:r>
+              <a:rPr lang="en-US" dirty="0"/>
+              <a:t> of pixels to refine the edge detection and suppress “weaker” edges</a:t>
+            </a:r>
+          </a:p>
+          <a:p>
+            <a:endParaRPr lang="en-US" dirty="0"/>
+          </a:p>
+        </p:txBody>
+      </p:sp>
+    </p:spTree>
+    <p:extLst>
+      <p:ext uri="{BB962C8B-B14F-4D97-AF65-F5344CB8AC3E}">
+        <p14:creationId xmlns:p14="http://schemas.microsoft.com/office/powerpoint/2010/main" val="2152851984"/>
+      </p:ext>
+    </p:extLst>
+  </p:cSld>
+  <p:clrMapOvr>
+    <a:masterClrMapping/>
+  </p:clrMapOvr>
+</p:sld>
+</file>
+
+<file path=ppt/slides/slide3.xml><?xml version="1.0" encoding="utf-8"?>
+<p:sld xmlns:a="http://schemas.openxmlformats.org/drawingml/2006/main" xmlns:r="http://schemas.openxmlformats.org/officeDocument/2006/relationships" xmlns:p="http://schemas.openxmlformats.org/presentationml/2006/main">
+  <p:cSld>
+    <p:spTree>
+      <p:nvGrpSpPr>
+        <p:cNvPr id="1" name=""/>
+        <p:cNvGrpSpPr/>
+        <p:nvPr/>
+      </p:nvGrpSpPr>
+      <p:grpSpPr>
+        <a:xfrm>
+          <a:off x="0" y="0"/>
+          <a:ext cx="0" cy="0"/>
+          <a:chOff x="0" y="0"/>
+          <a:chExt cx="0" cy="0"/>
+        </a:xfrm>
+      </p:grpSpPr>
+      <p:pic>
+        <p:nvPicPr>
+          <p:cNvPr id="2" name="Picture 1">
+            <a:extLst>
+              <a:ext uri="{FF2B5EF4-FFF2-40B4-BE49-F238E27FC236}">
+                <a16:creationId xmlns:a16="http://schemas.microsoft.com/office/drawing/2014/main" id="{CA52CBD9-5EE2-4F0A-A8CD-E7CB0A081170}"/>
+              </a:ext>
+            </a:extLst>
+          </p:cNvPr>
+          <p:cNvPicPr>
+            <a:picLocks noChangeAspect="1"/>
+          </p:cNvPicPr>
+          <p:nvPr/>
+        </p:nvPicPr>
+        <p:blipFill>
+          <a:blip r:embed="rId2"/>
+          <a:stretch>
+            <a:fillRect/>
+          </a:stretch>
+        </p:blipFill>
+        <p:spPr>
+          <a:xfrm>
+            <a:off x="776174" y="1389221"/>
+            <a:ext cx="10639651" cy="4079558"/>
+          </a:xfrm>
+          <a:prstGeom prst="rect">
+            <a:avLst/>
+          </a:prstGeom>
+        </p:spPr>
+      </p:pic>
+      <p:sp>
+        <p:nvSpPr>
+          <p:cNvPr id="3" name="Title 1">
+            <a:extLst>
+              <a:ext uri="{FF2B5EF4-FFF2-40B4-BE49-F238E27FC236}">
+                <a16:creationId xmlns:a16="http://schemas.microsoft.com/office/drawing/2014/main" id="{882247CB-49AE-442D-BC4F-389CB8CA49E9}"/>
+              </a:ext>
+            </a:extLst>
+          </p:cNvPr>
+          <p:cNvSpPr txBox="1">
+            <a:spLocks/>
+          </p:cNvSpPr>
+          <p:nvPr/>
+        </p:nvSpPr>
+        <p:spPr>
+          <a:xfrm>
+            <a:off x="1293812" y="183808"/>
+            <a:ext cx="9604375" cy="1049337"/>
+          </a:xfrm>
+          <a:prstGeom prst="rect">
+            <a:avLst/>
+          </a:prstGeom>
+        </p:spPr>
+        <p:txBody>
+          <a:bodyPr vert="horz" lIns="91440" tIns="45720" rIns="91440" bIns="45720" rtlCol="0" anchor="t">
+            <a:normAutofit/>
+          </a:bodyPr>
+          <a:lstStyle>
+            <a:lvl1pPr algn="l" defTabSz="914400" rtl="0" eaLnBrk="1" latinLnBrk="0" hangingPunct="1">
+              <a:lnSpc>
+                <a:spcPct val="90000"/>
+              </a:lnSpc>
+              <a:spcBef>
+                <a:spcPct val="0"/>
+              </a:spcBef>
+              <a:buNone/>
+              <a:defRPr sz="3200" b="0" i="0" kern="1200" cap="all">
+                <a:solidFill>
+                  <a:schemeClr val="tx1"/>
+                </a:solidFill>
+                <a:effectLst/>
+                <a:latin typeface="+mj-lt"/>
+                <a:ea typeface="+mj-ea"/>
+                <a:cs typeface="+mj-cs"/>
+              </a:defRPr>
+            </a:lvl1pPr>
+          </a:lstStyle>
+          <a:p>
+            <a:pPr algn="ctr"/>
+            <a:r>
+              <a:rPr lang="en-US" dirty="0"/>
+              <a:t>Example of a processed image</a:t>
+            </a:r>
+          </a:p>
+        </p:txBody>
+      </p:sp>
+    </p:spTree>
+    <p:extLst>
+      <p:ext uri="{BB962C8B-B14F-4D97-AF65-F5344CB8AC3E}">
+        <p14:creationId xmlns:p14="http://schemas.microsoft.com/office/powerpoint/2010/main" val="3226815130"/>
+      </p:ext>
+    </p:extLst>
+  </p:cSld>
+  <p:clrMapOvr>
+    <a:masterClrMapping/>
+  </p:clrMapOvr>
+</p:sld>
+</file>
+
+<file path=ppt/slides/slide4.xml><?xml version="1.0" encoding="utf-8"?>
+<p:sld xmlns:a="http://schemas.openxmlformats.org/drawingml/2006/main" xmlns:r="http://schemas.openxmlformats.org/officeDocument/2006/relationships" xmlns:p="http://schemas.openxmlformats.org/presentationml/2006/main">
+  <p:cSld>
+    <p:spTree>
+      <p:nvGrpSpPr>
+        <p:cNvPr id="1" name=""/>
+        <p:cNvGrpSpPr/>
+        <p:nvPr/>
+      </p:nvGrpSpPr>
+      <p:grpSpPr>
+        <a:xfrm>
+          <a:off x="0" y="0"/>
+          <a:ext cx="0" cy="0"/>
+          <a:chOff x="0" y="0"/>
+          <a:chExt cx="0" cy="0"/>
+        </a:xfrm>
+      </p:grpSpPr>
+      <p:sp>
+        <p:nvSpPr>
+          <p:cNvPr id="2" name="Title 1">
+            <a:extLst>
+              <a:ext uri="{FF2B5EF4-FFF2-40B4-BE49-F238E27FC236}">
+                <a16:creationId xmlns:a16="http://schemas.microsoft.com/office/drawing/2014/main" id="{9604C11A-963F-4198-B2CB-FDE1DBACD4D3}"/>
+              </a:ext>
+            </a:extLst>
+          </p:cNvPr>
+          <p:cNvSpPr>
+            <a:spLocks noGrp="1"/>
+          </p:cNvSpPr>
+          <p:nvPr>
+            <p:ph type="title" idx="4294967295"/>
+          </p:nvPr>
+        </p:nvSpPr>
+        <p:spPr>
+          <a:xfrm>
+            <a:off x="1293812" y="183808"/>
+            <a:ext cx="9604375" cy="1049337"/>
+          </a:xfrm>
+        </p:spPr>
+        <p:txBody>
+          <a:bodyPr/>
+          <a:lstStyle/>
+          <a:p>
+            <a:pPr algn="ctr"/>
+            <a:r>
+              <a:rPr lang="en-US" dirty="0"/>
+              <a:t>Full Algorithm Overview</a:t>
+            </a:r>
+          </a:p>
+        </p:txBody>
+      </p:sp>
+      <p:pic>
+        <p:nvPicPr>
+          <p:cNvPr id="1026" name="Picture 2" descr="https://lh4.googleusercontent.com/S4Od4sQyJG2KyAxyBIpU5W-0waZ-SulbfzXTuQjI7MuCGMi_YsPGrPUYEOmXYwBqwHOS3pMYKSk2ykWtz0ji7KKCqARjlKOapceaVlo8kRbBxpmx4JV91fmd43weF9VEgT8l2hlo">
+            <a:extLst>
+              <a:ext uri="{FF2B5EF4-FFF2-40B4-BE49-F238E27FC236}">
+                <a16:creationId xmlns:a16="http://schemas.microsoft.com/office/drawing/2014/main" id="{89A6CB57-C806-401F-A087-4527EAD82223}"/>
+              </a:ext>
+            </a:extLst>
+          </p:cNvPr>
+          <p:cNvPicPr>
+            <a:picLocks noGrp="1" noChangeAspect="1" noChangeArrowheads="1"/>
+          </p:cNvPicPr>
+          <p:nvPr>
+            <p:ph idx="4294967295"/>
+          </p:nvPr>
+        </p:nvPicPr>
+        <p:blipFill>
+          <a:blip r:embed="rId3">
+            <a:extLst>
+              <a:ext uri="{28A0092B-C50C-407E-A947-70E740481C1C}">
+                <a14:useLocalDpi xmlns:a14="http://schemas.microsoft.com/office/drawing/2010/main" val="0"/>
+              </a:ext>
+            </a:extLst>
+          </a:blip>
+          <a:srcRect/>
+          <a:stretch>
+            <a:fillRect/>
+          </a:stretch>
+        </p:blipFill>
+        <p:spPr bwMode="auto">
+          <a:xfrm>
+            <a:off x="150584" y="1639448"/>
+            <a:ext cx="11890832" cy="3579104"/>
+          </a:xfrm>
+          <a:prstGeom prst="rect">
+            <a:avLst/>
+          </a:prstGeom>
+          <a:noFill/>
+          <a:extLst>
+            <a:ext uri="{909E8E84-426E-40DD-AFC4-6F175D3DCCD1}">
+              <a14:hiddenFill xmlns:a14="http://schemas.microsoft.com/office/drawing/2010/main">
+                <a:solidFill>
+                  <a:srgbClr val="FFFFFF"/>
+                </a:solidFill>
+              </a14:hiddenFill>
+            </a:ext>
+          </a:extLst>
+        </p:spPr>
+      </p:pic>
+    </p:spTree>
+    <p:extLst>
+      <p:ext uri="{BB962C8B-B14F-4D97-AF65-F5344CB8AC3E}">
+        <p14:creationId xmlns:p14="http://schemas.microsoft.com/office/powerpoint/2010/main" val="4169633221"/>
+      </p:ext>
+    </p:extLst>
+  </p:cSld>
+  <p:clrMapOvr>
+    <a:masterClrMapping/>
+  </p:clrMapOvr>
+</p:sld>
+</file>
+
+<file path=ppt/slides/slide5.xml><?xml version="1.0" encoding="utf-8"?>
+<p:sld xmlns:a="http://schemas.openxmlformats.org/drawingml/2006/main" xmlns:r="http://schemas.openxmlformats.org/officeDocument/2006/relationships" xmlns:p="http://schemas.openxmlformats.org/presentationml/2006/main">
+  <p:cSld>
+    <p:spTree>
+      <p:nvGrpSpPr>
+        <p:cNvPr id="1" name=""/>
+        <p:cNvGrpSpPr/>
+        <p:nvPr/>
+      </p:nvGrpSpPr>
+      <p:grpSpPr>
+        <a:xfrm>
+          <a:off x="0" y="0"/>
+          <a:ext cx="0" cy="0"/>
+          <a:chOff x="0" y="0"/>
+          <a:chExt cx="0" cy="0"/>
+        </a:xfrm>
+      </p:grpSpPr>
+      <p:sp>
+        <p:nvSpPr>
+          <p:cNvPr id="2" name="Title 1">
+            <a:extLst>
+              <a:ext uri="{FF2B5EF4-FFF2-40B4-BE49-F238E27FC236}">
+                <a16:creationId xmlns:a16="http://schemas.microsoft.com/office/drawing/2014/main" id="{70A5AEC8-B1D7-4B00-82D7-D1D113F6E821}"/>
+              </a:ext>
+            </a:extLst>
+          </p:cNvPr>
+          <p:cNvSpPr>
+            <a:spLocks noGrp="1"/>
+          </p:cNvSpPr>
+          <p:nvPr>
+            <p:ph type="title"/>
+          </p:nvPr>
+        </p:nvSpPr>
+        <p:spPr/>
+        <p:txBody>
+          <a:bodyPr/>
+          <a:lstStyle/>
+          <a:p>
+            <a:r>
+              <a:rPr lang="en-US" dirty="0"/>
+              <a:t>Project Overview</a:t>
+            </a:r>
+          </a:p>
+        </p:txBody>
+      </p:sp>
+      <p:sp>
+        <p:nvSpPr>
+          <p:cNvPr id="3" name="Content Placeholder 2">
+            <a:extLst>
+              <a:ext uri="{FF2B5EF4-FFF2-40B4-BE49-F238E27FC236}">
+                <a16:creationId xmlns:a16="http://schemas.microsoft.com/office/drawing/2014/main" id="{D341416E-5674-4CAA-9373-080AC35D0E83}"/>
+              </a:ext>
+            </a:extLst>
+          </p:cNvPr>
+          <p:cNvSpPr>
+            <a:spLocks noGrp="1"/>
+          </p:cNvSpPr>
+          <p:nvPr>
+            <p:ph idx="1"/>
+          </p:nvPr>
+        </p:nvSpPr>
+        <p:spPr/>
+        <p:txBody>
+          <a:bodyPr>
+            <a:normAutofit fontScale="92500" lnSpcReduction="10000"/>
+          </a:bodyPr>
+          <a:lstStyle/>
+          <a:p>
+            <a:r>
+              <a:rPr lang="en-US" dirty="0"/>
+              <a:t>To speed up the Non-maximal Suppression (NMS) and thresholding steps of the algorithm by processing these steps on hardware using an FPGA</a:t>
+            </a:r>
+          </a:p>
+          <a:p>
+            <a:r>
+              <a:rPr lang="en-US" dirty="0"/>
+              <a:t>Process</a:t>
+            </a:r>
+          </a:p>
+          <a:p>
+            <a:pPr lvl="1"/>
+            <a:r>
+              <a:rPr lang="en-US" dirty="0"/>
+              <a:t>Calculation of the gradients is performed in software</a:t>
+            </a:r>
+          </a:p>
+          <a:p>
+            <a:pPr lvl="1"/>
+            <a:r>
+              <a:rPr lang="en-US" dirty="0"/>
+              <a:t>The gradient magnitudes and directions are passed to the FPGA</a:t>
+            </a:r>
+          </a:p>
+          <a:p>
+            <a:pPr lvl="1"/>
+            <a:r>
+              <a:rPr lang="en-US" dirty="0"/>
+              <a:t>FPGA performs NMS and thresholding and returns a binary image to the user</a:t>
+            </a:r>
+          </a:p>
+          <a:p>
+            <a:r>
+              <a:rPr lang="en-US" dirty="0"/>
+              <a:t>Note that the hysteresis thresholding is simplified to a simple binary threshold against a single value</a:t>
+            </a:r>
+          </a:p>
+          <a:p>
+            <a:r>
+              <a:rPr lang="en-US" dirty="0"/>
+              <a:t>Processing time in software and hardware are compared to calculate the speedup</a:t>
+            </a:r>
+          </a:p>
+        </p:txBody>
+      </p:sp>
+    </p:spTree>
+    <p:extLst>
+      <p:ext uri="{BB962C8B-B14F-4D97-AF65-F5344CB8AC3E}">
+        <p14:creationId xmlns:p14="http://schemas.microsoft.com/office/powerpoint/2010/main" val="1576458525"/>
+      </p:ext>
+    </p:extLst>
+  </p:cSld>
+  <p:clrMapOvr>
+    <a:masterClrMapping/>
+  </p:clrMapOvr>
+</p:sld>
+</file>
+
+<file path=ppt/slides/slide6.xml><?xml version="1.0" encoding="utf-8"?>
+<p:sld xmlns:a="http://schemas.openxmlformats.org/drawingml/2006/main" xmlns:r="http://schemas.openxmlformats.org/officeDocument/2006/relationships" xmlns:p="http://schemas.openxmlformats.org/presentationml/2006/main">
+  <p:cSld>
+    <p:spTree>
+      <p:nvGrpSpPr>
+        <p:cNvPr id="1" name=""/>
+        <p:cNvGrpSpPr/>
+        <p:nvPr/>
+      </p:nvGrpSpPr>
+      <p:grpSpPr>
+        <a:xfrm>
+          <a:off x="0" y="0"/>
+          <a:ext cx="0" cy="0"/>
+          <a:chOff x="0" y="0"/>
+          <a:chExt cx="0" cy="0"/>
+        </a:xfrm>
+      </p:grpSpPr>
+      <p:sp>
+        <p:nvSpPr>
+          <p:cNvPr id="2" name="Title 1">
+            <a:extLst>
+              <a:ext uri="{FF2B5EF4-FFF2-40B4-BE49-F238E27FC236}">
+                <a16:creationId xmlns:a16="http://schemas.microsoft.com/office/drawing/2014/main" id="{9604C11A-963F-4198-B2CB-FDE1DBACD4D3}"/>
+              </a:ext>
+            </a:extLst>
+          </p:cNvPr>
+          <p:cNvSpPr>
+            <a:spLocks noGrp="1"/>
+          </p:cNvSpPr>
+          <p:nvPr>
+            <p:ph type="title" idx="4294967295"/>
+          </p:nvPr>
+        </p:nvSpPr>
+        <p:spPr>
+          <a:xfrm>
+            <a:off x="1293812" y="183808"/>
+            <a:ext cx="9604375" cy="1049337"/>
+          </a:xfrm>
+        </p:spPr>
+        <p:txBody>
+          <a:bodyPr/>
+          <a:lstStyle/>
+          <a:p>
+            <a:pPr algn="ctr"/>
+            <a:r>
+              <a:rPr lang="en-US" dirty="0"/>
+              <a:t>Project Process</a:t>
+            </a:r>
+          </a:p>
+        </p:txBody>
+      </p:sp>
+      <p:sp>
+        <p:nvSpPr>
+          <p:cNvPr id="3" name="TextBox 2">
+            <a:extLst>
+              <a:ext uri="{FF2B5EF4-FFF2-40B4-BE49-F238E27FC236}">
+                <a16:creationId xmlns:a16="http://schemas.microsoft.com/office/drawing/2014/main" id="{0C7FA304-23B6-4A6E-B349-59BA059200C3}"/>
+              </a:ext>
+            </a:extLst>
+          </p:cNvPr>
+          <p:cNvSpPr txBox="1"/>
+          <p:nvPr/>
+        </p:nvSpPr>
+        <p:spPr>
+          <a:xfrm>
+            <a:off x="3409949" y="3244334"/>
+            <a:ext cx="5372100" cy="369332"/>
+          </a:xfrm>
+          <a:prstGeom prst="rect">
+            <a:avLst/>
+          </a:prstGeom>
+          <a:noFill/>
+        </p:spPr>
+        <p:txBody>
+          <a:bodyPr wrap="square" rtlCol="0">
+            <a:spAutoFit/>
+          </a:bodyPr>
+          <a:lstStyle/>
+          <a:p>
+            <a:pPr algn="ctr"/>
+            <a:r>
+              <a:rPr lang="en-US" dirty="0"/>
+              <a:t>TODO</a:t>
+            </a:r>
+          </a:p>
+        </p:txBody>
+      </p:sp>
+    </p:spTree>
+    <p:extLst>
+      <p:ext uri="{BB962C8B-B14F-4D97-AF65-F5344CB8AC3E}">
+        <p14:creationId xmlns:p14="http://schemas.microsoft.com/office/powerpoint/2010/main" val="1892205430"/>
+      </p:ext>
+    </p:extLst>
+  </p:cSld>
+  <p:clrMapOvr>
+    <a:masterClrMapping/>
+  </p:clrMapOvr>
+</p:sld>
+</file>
+
+<file path=ppt/slides/slide7.xml><?xml version="1.0" encoding="utf-8"?>
+<p:sld xmlns:a="http://schemas.openxmlformats.org/drawingml/2006/main" xmlns:r="http://schemas.openxmlformats.org/officeDocument/2006/relationships" xmlns:p="http://schemas.openxmlformats.org/presentationml/2006/main">
+  <p:cSld>
+    <p:spTree>
+      <p:nvGrpSpPr>
+        <p:cNvPr id="1" name=""/>
+        <p:cNvGrpSpPr/>
+        <p:nvPr/>
+      </p:nvGrpSpPr>
+      <p:grpSpPr>
+        <a:xfrm>
+          <a:off x="0" y="0"/>
+          <a:ext cx="0" cy="0"/>
+          <a:chOff x="0" y="0"/>
+          <a:chExt cx="0" cy="0"/>
+        </a:xfrm>
+      </p:grpSpPr>
+      <p:sp>
+        <p:nvSpPr>
+          <p:cNvPr id="2" name="Title 1">
+            <a:extLst>
+              <a:ext uri="{FF2B5EF4-FFF2-40B4-BE49-F238E27FC236}">
+                <a16:creationId xmlns:a16="http://schemas.microsoft.com/office/drawing/2014/main" id="{70A5AEC8-B1D7-4B00-82D7-D1D113F6E821}"/>
+              </a:ext>
+            </a:extLst>
+          </p:cNvPr>
+          <p:cNvSpPr>
+            <a:spLocks noGrp="1"/>
+          </p:cNvSpPr>
+          <p:nvPr>
+            <p:ph type="title"/>
+          </p:nvPr>
+        </p:nvSpPr>
+        <p:spPr/>
+        <p:txBody>
+          <a:bodyPr/>
+          <a:lstStyle/>
+          <a:p>
+            <a:pPr algn="ctr"/>
+            <a:r>
+              <a:rPr lang="en-US" dirty="0"/>
+              <a:t>Software implementation</a:t>
+            </a:r>
+          </a:p>
+        </p:txBody>
+      </p:sp>
+      <p:sp>
+        <p:nvSpPr>
+          <p:cNvPr id="3" name="Content Placeholder 2">
+            <a:extLst>
+              <a:ext uri="{FF2B5EF4-FFF2-40B4-BE49-F238E27FC236}">
+                <a16:creationId xmlns:a16="http://schemas.microsoft.com/office/drawing/2014/main" id="{D341416E-5674-4CAA-9373-080AC35D0E83}"/>
+              </a:ext>
+            </a:extLst>
+          </p:cNvPr>
+          <p:cNvSpPr>
+            <a:spLocks noGrp="1"/>
+          </p:cNvSpPr>
+          <p:nvPr>
+            <p:ph idx="1"/>
+          </p:nvPr>
+        </p:nvSpPr>
+        <p:spPr/>
+        <p:txBody>
+          <a:bodyPr/>
+          <a:lstStyle/>
+          <a:p>
+            <a:r>
+              <a:rPr lang="en-US" dirty="0"/>
+              <a:t>The algorithm is coded using C++ coupled with the OpenCV libraries in software</a:t>
+            </a:r>
+          </a:p>
+          <a:p>
+            <a:r>
+              <a:rPr lang="en-US" dirty="0"/>
+              <a:t>Gradient magnitudes and directions are calculated, then output to a CSV file</a:t>
+            </a:r>
+          </a:p>
+          <a:p>
+            <a:r>
+              <a:rPr lang="en-US" dirty="0"/>
+              <a:t>The CSV file is loaded to the server which parses it and writes entries to the FPGA</a:t>
+            </a:r>
+          </a:p>
+          <a:p>
+            <a:r>
+              <a:rPr lang="en-US" dirty="0"/>
+              <a:t>The FPGA processes the data and the binary image is returned in a reverse manner</a:t>
+            </a:r>
+          </a:p>
+        </p:txBody>
+      </p:sp>
+    </p:spTree>
+    <p:extLst>
+      <p:ext uri="{BB962C8B-B14F-4D97-AF65-F5344CB8AC3E}">
+        <p14:creationId xmlns:p14="http://schemas.microsoft.com/office/powerpoint/2010/main" val="1645804616"/>
+      </p:ext>
+    </p:extLst>
+  </p:cSld>
+  <p:clrMapOvr>
+    <a:masterClrMapping/>
+  </p:clrMapOvr>
+</p:sld>
+</file>
+
 <file path=ppt/slides/slide8.xml><?xml version="1.0" encoding="utf-8"?>
 <p:sld xmlns:a="http://schemas.openxmlformats.org/drawingml/2006/main" xmlns:r="http://schemas.openxmlformats.org/officeDocument/2006/relationships" xmlns:p="http://schemas.openxmlformats.org/presentationml/2006/main">
   <p:cSld>
@@ -5097,7 +5916,7 @@
           <p:cNvPr id="2" name="Title 1">
             <a:extLst>
               <a:ext uri="{FF2B5EF4-FFF2-40B4-BE49-F238E27FC236}">
-                <a16:creationId xmlns:a16="http://schemas.microsoft.com/office/drawing/2014/main" id="{D296AEA0-5AF9-45C4-B2BE-9E8418C4EB3A}"/>
+                <a16:creationId xmlns:a16="http://schemas.microsoft.com/office/drawing/2014/main" id="{9604C11A-963F-4198-B2CB-FDE1DBACD4D3}"/>
               </a:ext>
             </a:extLst>
           </p:cNvPr>
@@ -5105,66 +5924,59 @@
             <a:spLocks noGrp="1"/>
           </p:cNvSpPr>
           <p:nvPr>
-            <p:ph type="title"/>
-          </p:nvPr>
-        </p:nvSpPr>
-        <p:spPr/>
-        <p:txBody>
-          <a:bodyPr/>
-          <a:lstStyle/>
-          <a:p>
+            <p:ph type="title" idx="4294967295"/>
+          </p:nvPr>
+        </p:nvSpPr>
+        <p:spPr>
+          <a:xfrm>
+            <a:off x="1293812" y="183808"/>
+            <a:ext cx="9604375" cy="1049337"/>
+          </a:xfrm>
+        </p:spPr>
+        <p:txBody>
+          <a:bodyPr/>
+          <a:lstStyle/>
+          <a:p>
+            <a:pPr algn="ctr"/>
             <a:r>
               <a:rPr lang="en-US" dirty="0"/>
-              <a:t>Current Progress: Datapath</a:t>
-            </a:r>
-          </a:p>
-        </p:txBody>
-      </p:sp>
-      <p:sp>
-        <p:nvSpPr>
-          <p:cNvPr id="3" name="Content Placeholder 2">
+              <a:t>Software flow</a:t>
+            </a:r>
+          </a:p>
+        </p:txBody>
+      </p:sp>
+      <p:sp>
+        <p:nvSpPr>
+          <p:cNvPr id="3" name="TextBox 2">
             <a:extLst>
               <a:ext uri="{FF2B5EF4-FFF2-40B4-BE49-F238E27FC236}">
-                <a16:creationId xmlns:a16="http://schemas.microsoft.com/office/drawing/2014/main" id="{7C3AF3E3-84E5-4268-85EB-E5DE711E3D7C}"/>
+                <a16:creationId xmlns:a16="http://schemas.microsoft.com/office/drawing/2014/main" id="{0C7FA304-23B6-4A6E-B349-59BA059200C3}"/>
               </a:ext>
             </a:extLst>
           </p:cNvPr>
-          <p:cNvSpPr>
-            <a:spLocks noGrp="1"/>
-          </p:cNvSpPr>
-          <p:nvPr>
-            <p:ph idx="1"/>
-          </p:nvPr>
-        </p:nvSpPr>
-        <p:spPr/>
-        <p:txBody>
-          <a:bodyPr/>
-          <a:lstStyle/>
-          <a:p>
+          <p:cNvSpPr txBox="1"/>
+          <p:nvPr/>
+        </p:nvSpPr>
+        <p:spPr>
+          <a:xfrm>
+            <a:off x="3409949" y="3244334"/>
+            <a:ext cx="5372100" cy="369332"/>
+          </a:xfrm>
+          <a:prstGeom prst="rect">
+            <a:avLst/>
+          </a:prstGeom>
+          <a:noFill/>
+        </p:spPr>
+        <p:txBody>
+          <a:bodyPr wrap="square" rtlCol="0">
+            <a:spAutoFit/>
+          </a:bodyPr>
+          <a:lstStyle/>
+          <a:p>
+            <a:pPr algn="ctr"/>
             <a:r>
               <a:rPr lang="en-US" dirty="0"/>
               <a:t>TODO</a:t>
-            </a:r>
-          </a:p>
-          <a:p>
-            <a:pPr lvl="1"/>
-            <a:r>
-              <a:rPr lang="en-US" dirty="0"/>
-              <a:t>NMS to thresholding linkage implementation</a:t>
-            </a:r>
-          </a:p>
-          <a:p>
-            <a:pPr lvl="1"/>
-            <a:r>
-              <a:rPr lang="en-US" dirty="0"/>
-              <a:t>Datapath-to-memory and linkage</a:t>
-            </a:r>
-          </a:p>
-          <a:p>
-            <a:pPr lvl="1"/>
-            <a:r>
-              <a:rPr lang="en-US" dirty="0"/>
-              <a:t>Pixel magnitude and direction conversion (from 16-bit to 8- and 3-bit integers)</a:t>
             </a:r>
           </a:p>
         </p:txBody>
@@ -5172,7 +5984,103 @@
     </p:spTree>
     <p:extLst>
       <p:ext uri="{BB962C8B-B14F-4D97-AF65-F5344CB8AC3E}">
-        <p14:creationId xmlns:p14="http://schemas.microsoft.com/office/powerpoint/2010/main" val="3990636054"/>
+        <p14:creationId xmlns:p14="http://schemas.microsoft.com/office/powerpoint/2010/main" val="459074619"/>
+      </p:ext>
+    </p:extLst>
+  </p:cSld>
+  <p:clrMapOvr>
+    <a:masterClrMapping/>
+  </p:clrMapOvr>
+</p:sld>
+</file>
+
+<file path=ppt/slides/slide9.xml><?xml version="1.0" encoding="utf-8"?>
+<p:sld xmlns:a="http://schemas.openxmlformats.org/drawingml/2006/main" xmlns:r="http://schemas.openxmlformats.org/officeDocument/2006/relationships" xmlns:p="http://schemas.openxmlformats.org/presentationml/2006/main">
+  <p:cSld>
+    <p:spTree>
+      <p:nvGrpSpPr>
+        <p:cNvPr id="1" name=""/>
+        <p:cNvGrpSpPr/>
+        <p:nvPr/>
+      </p:nvGrpSpPr>
+      <p:grpSpPr>
+        <a:xfrm>
+          <a:off x="0" y="0"/>
+          <a:ext cx="0" cy="0"/>
+          <a:chOff x="0" y="0"/>
+          <a:chExt cx="0" cy="0"/>
+        </a:xfrm>
+      </p:grpSpPr>
+      <p:sp>
+        <p:nvSpPr>
+          <p:cNvPr id="2" name="Title 1">
+            <a:extLst>
+              <a:ext uri="{FF2B5EF4-FFF2-40B4-BE49-F238E27FC236}">
+                <a16:creationId xmlns:a16="http://schemas.microsoft.com/office/drawing/2014/main" id="{53ECA34C-268C-4049-9714-BAE84C98C887}"/>
+              </a:ext>
+            </a:extLst>
+          </p:cNvPr>
+          <p:cNvSpPr>
+            <a:spLocks noGrp="1"/>
+          </p:cNvSpPr>
+          <p:nvPr>
+            <p:ph type="title" idx="4294967295"/>
+          </p:nvPr>
+        </p:nvSpPr>
+        <p:spPr>
+          <a:xfrm>
+            <a:off x="1293812" y="171817"/>
+            <a:ext cx="9604375" cy="1049337"/>
+          </a:xfrm>
+        </p:spPr>
+        <p:txBody>
+          <a:bodyPr/>
+          <a:lstStyle/>
+          <a:p>
+            <a:pPr algn="ctr"/>
+            <a:r>
+              <a:rPr lang="en-US" dirty="0"/>
+              <a:t>Software output</a:t>
+            </a:r>
+          </a:p>
+        </p:txBody>
+      </p:sp>
+      <p:pic>
+        <p:nvPicPr>
+          <p:cNvPr id="4" name="Content Placeholder 3">
+            <a:extLst>
+              <a:ext uri="{FF2B5EF4-FFF2-40B4-BE49-F238E27FC236}">
+                <a16:creationId xmlns:a16="http://schemas.microsoft.com/office/drawing/2014/main" id="{090B0A3B-4AFF-4B83-A00E-57230BC3047D}"/>
+              </a:ext>
+            </a:extLst>
+          </p:cNvPr>
+          <p:cNvPicPr>
+            <a:picLocks noGrp="1" noChangeAspect="1"/>
+          </p:cNvPicPr>
+          <p:nvPr>
+            <p:ph idx="4294967295"/>
+          </p:nvPr>
+        </p:nvPicPr>
+        <p:blipFill>
+          <a:blip r:embed="rId2"/>
+          <a:stretch>
+            <a:fillRect/>
+          </a:stretch>
+        </p:blipFill>
+        <p:spPr>
+          <a:xfrm>
+            <a:off x="580987" y="1594179"/>
+            <a:ext cx="11030024" cy="3669641"/>
+          </a:xfrm>
+          <a:prstGeom prst="rect">
+            <a:avLst/>
+          </a:prstGeom>
+        </p:spPr>
+      </p:pic>
+    </p:spTree>
+    <p:extLst>
+      <p:ext uri="{BB962C8B-B14F-4D97-AF65-F5344CB8AC3E}">
+        <p14:creationId xmlns:p14="http://schemas.microsoft.com/office/powerpoint/2010/main" val="3238808484"/>
       </p:ext>
     </p:extLst>
   </p:cSld>

--- a/Deliverables/Canny edge detection – fpga speedup.pptx
+++ b/Deliverables/Canny edge detection – fpga speedup.pptx
@@ -5,7 +5,7 @@
     <p:sldMasterId id="2147483660" r:id="rId1"/>
   </p:sldMasterIdLst>
   <p:notesMasterIdLst>
-    <p:notesMasterId r:id="rId16"/>
+    <p:notesMasterId r:id="rId14"/>
   </p:notesMasterIdLst>
   <p:sldIdLst>
     <p:sldId id="256" r:id="rId2"/>
@@ -13,15 +13,13 @@
     <p:sldId id="266" r:id="rId4"/>
     <p:sldId id="259" r:id="rId5"/>
     <p:sldId id="267" r:id="rId6"/>
-    <p:sldId id="268" r:id="rId7"/>
+    <p:sldId id="272" r:id="rId7"/>
     <p:sldId id="257" r:id="rId8"/>
-    <p:sldId id="269" r:id="rId9"/>
-    <p:sldId id="258" r:id="rId10"/>
-    <p:sldId id="261" r:id="rId11"/>
-    <p:sldId id="270" r:id="rId12"/>
-    <p:sldId id="263" r:id="rId13"/>
-    <p:sldId id="260" r:id="rId14"/>
-    <p:sldId id="271" r:id="rId15"/>
+    <p:sldId id="258" r:id="rId9"/>
+    <p:sldId id="261" r:id="rId10"/>
+    <p:sldId id="263" r:id="rId11"/>
+    <p:sldId id="260" r:id="rId12"/>
+    <p:sldId id="271" r:id="rId13"/>
   </p:sldIdLst>
   <p:sldSz cx="12192000" cy="6858000"/>
   <p:notesSz cx="6858000" cy="9144000"/>
@@ -210,7 +208,7 @@
           <a:p>
             <a:fld id="{F8C98A77-4E5D-4CD6-8DEB-A6C31B5A63A2}" type="datetimeFigureOut">
               <a:rPr lang="en-US" smtClean="0"/>
-              <a:t>04/28/2018</a:t>
+              <a:t>04/30/2018</a:t>
             </a:fld>
             <a:endParaRPr lang="en-US"/>
           </a:p>
@@ -521,10 +519,7 @@
           <a:bodyPr/>
           <a:lstStyle/>
           <a:p>
-            <a:r>
-              <a:rPr lang="en-US" dirty="0"/>
-              <a:t>Max, on this slide I would like to circle the parts that software does and what part the FPGA will be responsible for</a:t>
-            </a:r>
+            <a:endParaRPr lang="en-US" dirty="0"/>
           </a:p>
         </p:txBody>
       </p:sp>
@@ -608,10 +603,7 @@
           <a:bodyPr/>
           <a:lstStyle/>
           <a:p>
-            <a:r>
-              <a:rPr lang="en-US" dirty="0"/>
-              <a:t>Max, on this slide I would like to circle the parts that software does and what part the FPGA will be responsible for</a:t>
-            </a:r>
+            <a:endParaRPr lang="en-US" dirty="0"/>
           </a:p>
         </p:txBody>
       </p:sp>
@@ -641,7 +633,7 @@
     </p:spTree>
     <p:extLst>
       <p:ext uri="{BB962C8B-B14F-4D97-AF65-F5344CB8AC3E}">
-        <p14:creationId xmlns:p14="http://schemas.microsoft.com/office/powerpoint/2010/main" val="2814428251"/>
+        <p14:creationId xmlns:p14="http://schemas.microsoft.com/office/powerpoint/2010/main" val="3028517330"/>
       </p:ext>
     </p:extLst>
   </p:cSld>
@@ -695,10 +687,7 @@
           <a:bodyPr/>
           <a:lstStyle/>
           <a:p>
-            <a:r>
-              <a:rPr lang="en-US" dirty="0"/>
-              <a:t>Max, on this slide I would like to circle the parts that software does and what part the FPGA will be responsible for</a:t>
-            </a:r>
+            <a:endParaRPr lang="en-US" dirty="0"/>
           </a:p>
         </p:txBody>
       </p:sp>
@@ -719,94 +708,7 @@
           <a:p>
             <a:fld id="{D5DB187F-0C16-489C-BEFC-CCD1ADA00271}" type="slidenum">
               <a:rPr lang="en-US" smtClean="0"/>
-              <a:t>8</a:t>
-            </a:fld>
-            <a:endParaRPr lang="en-US"/>
-          </a:p>
-        </p:txBody>
-      </p:sp>
-    </p:spTree>
-    <p:extLst>
-      <p:ext uri="{BB962C8B-B14F-4D97-AF65-F5344CB8AC3E}">
-        <p14:creationId xmlns:p14="http://schemas.microsoft.com/office/powerpoint/2010/main" val="2370239009"/>
-      </p:ext>
-    </p:extLst>
-  </p:cSld>
-  <p:clrMapOvr>
-    <a:masterClrMapping/>
-  </p:clrMapOvr>
-</p:notes>
-</file>
-
-<file path=ppt/notesSlides/notesSlide4.xml><?xml version="1.0" encoding="utf-8"?>
-<p:notes xmlns:a="http://schemas.openxmlformats.org/drawingml/2006/main" xmlns:r="http://schemas.openxmlformats.org/officeDocument/2006/relationships" xmlns:p="http://schemas.openxmlformats.org/presentationml/2006/main">
-  <p:cSld>
-    <p:spTree>
-      <p:nvGrpSpPr>
-        <p:cNvPr id="1" name=""/>
-        <p:cNvGrpSpPr/>
-        <p:nvPr/>
-      </p:nvGrpSpPr>
-      <p:grpSpPr>
-        <a:xfrm>
-          <a:off x="0" y="0"/>
-          <a:ext cx="0" cy="0"/>
-          <a:chOff x="0" y="0"/>
-          <a:chExt cx="0" cy="0"/>
-        </a:xfrm>
-      </p:grpSpPr>
-      <p:sp>
-        <p:nvSpPr>
-          <p:cNvPr id="2" name="Slide Image Placeholder 1"/>
-          <p:cNvSpPr>
-            <a:spLocks noGrp="1" noRot="1" noChangeAspect="1"/>
-          </p:cNvSpPr>
-          <p:nvPr>
-            <p:ph type="sldImg"/>
-          </p:nvPr>
-        </p:nvSpPr>
-        <p:spPr/>
-      </p:sp>
-      <p:sp>
-        <p:nvSpPr>
-          <p:cNvPr id="3" name="Notes Placeholder 2"/>
-          <p:cNvSpPr>
-            <a:spLocks noGrp="1"/>
-          </p:cNvSpPr>
-          <p:nvPr>
-            <p:ph type="body" idx="1"/>
-          </p:nvPr>
-        </p:nvSpPr>
-        <p:spPr/>
-        <p:txBody>
-          <a:bodyPr/>
-          <a:lstStyle/>
-          <a:p>
-            <a:r>
-              <a:rPr lang="en-US" dirty="0"/>
-              <a:t>Max, on this slide I would like to circle the parts that software does and what part the FPGA will be responsible for</a:t>
-            </a:r>
-          </a:p>
-        </p:txBody>
-      </p:sp>
-      <p:sp>
-        <p:nvSpPr>
-          <p:cNvPr id="4" name="Slide Number Placeholder 3"/>
-          <p:cNvSpPr>
-            <a:spLocks noGrp="1"/>
-          </p:cNvSpPr>
-          <p:nvPr>
-            <p:ph type="sldNum" sz="quarter" idx="10"/>
-          </p:nvPr>
-        </p:nvSpPr>
-        <p:spPr/>
-        <p:txBody>
-          <a:bodyPr/>
-          <a:lstStyle/>
-          <a:p>
-            <a:fld id="{D5DB187F-0C16-489C-BEFC-CCD1ADA00271}" type="slidenum">
-              <a:rPr lang="en-US" smtClean="0"/>
-              <a:t>14</a:t>
+              <a:t>12</a:t>
             </a:fld>
             <a:endParaRPr lang="en-US"/>
           </a:p>
@@ -964,7 +866,7 @@
           <a:p>
             <a:fld id="{81A02670-C342-4CC1-930D-919F19DAA981}" type="datetimeFigureOut">
               <a:rPr lang="en-US" smtClean="0"/>
-              <a:t>04/28/2018</a:t>
+              <a:t>04/30/2018</a:t>
             </a:fld>
             <a:endParaRPr lang="en-US"/>
           </a:p>
@@ -1067,6 +969,288 @@
 </file>
 
 <file path=ppt/slideLayouts/slideLayout10.xml><?xml version="1.0" encoding="utf-8"?>
+<p:sldLayout xmlns:a="http://schemas.openxmlformats.org/drawingml/2006/main" xmlns:r="http://schemas.openxmlformats.org/officeDocument/2006/relationships" xmlns:p="http://schemas.openxmlformats.org/presentationml/2006/main" type="objTx" preserve="1">
+  <p:cSld name="Content with Caption">
+    <p:spTree>
+      <p:nvGrpSpPr>
+        <p:cNvPr id="1" name=""/>
+        <p:cNvGrpSpPr/>
+        <p:nvPr/>
+      </p:nvGrpSpPr>
+      <p:grpSpPr>
+        <a:xfrm>
+          <a:off x="0" y="0"/>
+          <a:ext cx="0" cy="0"/>
+          <a:chOff x="0" y="0"/>
+          <a:chExt cx="0" cy="0"/>
+        </a:xfrm>
+      </p:grpSpPr>
+      <p:sp>
+        <p:nvSpPr>
+          <p:cNvPr id="2" name="Title 1"/>
+          <p:cNvSpPr>
+            <a:spLocks noGrp="1"/>
+          </p:cNvSpPr>
+          <p:nvPr>
+            <p:ph type="title"/>
+          </p:nvPr>
+        </p:nvSpPr>
+        <p:spPr>
+          <a:xfrm>
+            <a:off x="1444671" y="798973"/>
+            <a:ext cx="3273099" cy="2247117"/>
+          </a:xfrm>
+        </p:spPr>
+        <p:txBody>
+          <a:bodyPr anchor="b">
+            <a:normAutofit/>
+          </a:bodyPr>
+          <a:lstStyle>
+            <a:lvl1pPr algn="l">
+              <a:defRPr sz="2400"/>
+            </a:lvl1pPr>
+          </a:lstStyle>
+          <a:p>
+            <a:r>
+              <a:rPr lang="en-US"/>
+              <a:t>Click to edit Master title style</a:t>
+            </a:r>
+            <a:endParaRPr lang="en-US" dirty="0"/>
+          </a:p>
+        </p:txBody>
+      </p:sp>
+      <p:sp>
+        <p:nvSpPr>
+          <p:cNvPr id="3" name="Content Placeholder 2"/>
+          <p:cNvSpPr>
+            <a:spLocks noGrp="1"/>
+          </p:cNvSpPr>
+          <p:nvPr>
+            <p:ph idx="1"/>
+          </p:nvPr>
+        </p:nvSpPr>
+        <p:spPr>
+          <a:xfrm>
+            <a:off x="5043714" y="798974"/>
+            <a:ext cx="6012470" cy="4658826"/>
+          </a:xfrm>
+        </p:spPr>
+        <p:txBody>
+          <a:bodyPr anchor="ctr"/>
+          <a:lstStyle/>
+          <a:p>
+            <a:pPr lvl="0"/>
+            <a:r>
+              <a:rPr lang="en-US"/>
+              <a:t>Edit Master text styles</a:t>
+            </a:r>
+          </a:p>
+          <a:p>
+            <a:pPr lvl="1"/>
+            <a:r>
+              <a:rPr lang="en-US"/>
+              <a:t>Second level</a:t>
+            </a:r>
+          </a:p>
+          <a:p>
+            <a:pPr lvl="2"/>
+            <a:r>
+              <a:rPr lang="en-US"/>
+              <a:t>Third level</a:t>
+            </a:r>
+          </a:p>
+          <a:p>
+            <a:pPr lvl="3"/>
+            <a:r>
+              <a:rPr lang="en-US"/>
+              <a:t>Fourth level</a:t>
+            </a:r>
+          </a:p>
+          <a:p>
+            <a:pPr lvl="4"/>
+            <a:r>
+              <a:rPr lang="en-US"/>
+              <a:t>Fifth level</a:t>
+            </a:r>
+            <a:endParaRPr lang="en-US" dirty="0"/>
+          </a:p>
+        </p:txBody>
+      </p:sp>
+      <p:sp>
+        <p:nvSpPr>
+          <p:cNvPr id="4" name="Text Placeholder 3"/>
+          <p:cNvSpPr>
+            <a:spLocks noGrp="1"/>
+          </p:cNvSpPr>
+          <p:nvPr>
+            <p:ph type="body" sz="half" idx="2"/>
+          </p:nvPr>
+        </p:nvSpPr>
+        <p:spPr>
+          <a:xfrm>
+            <a:off x="1444671" y="3205491"/>
+            <a:ext cx="3275013" cy="2248181"/>
+          </a:xfrm>
+        </p:spPr>
+        <p:txBody>
+          <a:bodyPr/>
+          <a:lstStyle>
+            <a:lvl1pPr marL="0" indent="0" algn="l">
+              <a:buNone/>
+              <a:defRPr sz="1600"/>
+            </a:lvl1pPr>
+            <a:lvl2pPr marL="457200" indent="0">
+              <a:buNone/>
+              <a:defRPr sz="1400"/>
+            </a:lvl2pPr>
+            <a:lvl3pPr marL="914400" indent="0">
+              <a:buNone/>
+              <a:defRPr sz="1200"/>
+            </a:lvl3pPr>
+            <a:lvl4pPr marL="1371600" indent="0">
+              <a:buNone/>
+              <a:defRPr sz="1000"/>
+            </a:lvl4pPr>
+            <a:lvl5pPr marL="1828800" indent="0">
+              <a:buNone/>
+              <a:defRPr sz="1000"/>
+            </a:lvl5pPr>
+            <a:lvl6pPr marL="2286000" indent="0">
+              <a:buNone/>
+              <a:defRPr sz="1000"/>
+            </a:lvl6pPr>
+            <a:lvl7pPr marL="2743200" indent="0">
+              <a:buNone/>
+              <a:defRPr sz="1000"/>
+            </a:lvl7pPr>
+            <a:lvl8pPr marL="3200400" indent="0">
+              <a:buNone/>
+              <a:defRPr sz="1000"/>
+            </a:lvl8pPr>
+            <a:lvl9pPr marL="3657600" indent="0">
+              <a:buNone/>
+              <a:defRPr sz="1000"/>
+            </a:lvl9pPr>
+          </a:lstStyle>
+          <a:p>
+            <a:pPr lvl="0"/>
+            <a:r>
+              <a:rPr lang="en-US"/>
+              <a:t>Edit Master text styles</a:t>
+            </a:r>
+          </a:p>
+        </p:txBody>
+      </p:sp>
+      <p:sp>
+        <p:nvSpPr>
+          <p:cNvPr id="5" name="Date Placeholder 4"/>
+          <p:cNvSpPr>
+            <a:spLocks noGrp="1"/>
+          </p:cNvSpPr>
+          <p:nvPr>
+            <p:ph type="dt" sz="half" idx="10"/>
+          </p:nvPr>
+        </p:nvSpPr>
+        <p:spPr/>
+        <p:txBody>
+          <a:bodyPr/>
+          <a:lstStyle/>
+          <a:p>
+            <a:fld id="{81A02670-C342-4CC1-930D-919F19DAA981}" type="datetimeFigureOut">
+              <a:rPr lang="en-US" smtClean="0"/>
+              <a:t>04/30/2018</a:t>
+            </a:fld>
+            <a:endParaRPr lang="en-US"/>
+          </a:p>
+        </p:txBody>
+      </p:sp>
+      <p:sp>
+        <p:nvSpPr>
+          <p:cNvPr id="6" name="Footer Placeholder 5"/>
+          <p:cNvSpPr>
+            <a:spLocks noGrp="1"/>
+          </p:cNvSpPr>
+          <p:nvPr>
+            <p:ph type="ftr" sz="quarter" idx="11"/>
+          </p:nvPr>
+        </p:nvSpPr>
+        <p:spPr/>
+        <p:txBody>
+          <a:bodyPr/>
+          <a:lstStyle/>
+          <a:p>
+            <a:endParaRPr lang="en-US"/>
+          </a:p>
+        </p:txBody>
+      </p:sp>
+      <p:sp>
+        <p:nvSpPr>
+          <p:cNvPr id="7" name="Slide Number Placeholder 6"/>
+          <p:cNvSpPr>
+            <a:spLocks noGrp="1"/>
+          </p:cNvSpPr>
+          <p:nvPr>
+            <p:ph type="sldNum" sz="quarter" idx="12"/>
+          </p:nvPr>
+        </p:nvSpPr>
+        <p:spPr/>
+        <p:txBody>
+          <a:bodyPr/>
+          <a:lstStyle/>
+          <a:p>
+            <a:fld id="{2FA3CE17-C092-4EFD-95EC-615FCD38D744}" type="slidenum">
+              <a:rPr lang="en-US" smtClean="0"/>
+              <a:t>‹#›</a:t>
+            </a:fld>
+            <a:endParaRPr lang="en-US"/>
+          </a:p>
+        </p:txBody>
+      </p:sp>
+      <p:cxnSp>
+        <p:nvCxnSpPr>
+          <p:cNvPr id="17" name="Straight Connector 16"/>
+          <p:cNvCxnSpPr/>
+          <p:nvPr/>
+        </p:nvCxnSpPr>
+        <p:spPr>
+          <a:xfrm>
+            <a:off x="1448280" y="3205491"/>
+            <a:ext cx="3269490" cy="0"/>
+          </a:xfrm>
+          <a:prstGeom prst="line">
+            <a:avLst/>
+          </a:prstGeom>
+          <a:ln w="31750"/>
+        </p:spPr>
+        <p:style>
+          <a:lnRef idx="3">
+            <a:schemeClr val="accent1"/>
+          </a:lnRef>
+          <a:fillRef idx="0">
+            <a:schemeClr val="accent1"/>
+          </a:fillRef>
+          <a:effectRef idx="2">
+            <a:schemeClr val="accent1"/>
+          </a:effectRef>
+          <a:fontRef idx="minor">
+            <a:schemeClr val="tx1"/>
+          </a:fontRef>
+        </p:style>
+      </p:cxnSp>
+    </p:spTree>
+    <p:extLst>
+      <p:ext uri="{BB962C8B-B14F-4D97-AF65-F5344CB8AC3E}">
+        <p14:creationId xmlns:p14="http://schemas.microsoft.com/office/powerpoint/2010/main" val="3864896639"/>
+      </p:ext>
+    </p:extLst>
+  </p:cSld>
+  <p:clrMapOvr>
+    <a:masterClrMapping/>
+  </p:clrMapOvr>
+</p:sldLayout>
+</file>
+
+<file path=ppt/slideLayouts/slideLayout11.xml><?xml version="1.0" encoding="utf-8"?>
 <p:sldLayout xmlns:a="http://schemas.openxmlformats.org/drawingml/2006/main" xmlns:r="http://schemas.openxmlformats.org/officeDocument/2006/relationships" xmlns:p="http://schemas.openxmlformats.org/presentationml/2006/main" type="picTx" preserve="1">
   <p:cSld name="Picture with Caption">
     <p:spTree>
@@ -1419,7 +1603,7 @@
           <a:p>
             <a:fld id="{81A02670-C342-4CC1-930D-919F19DAA981}" type="datetimeFigureOut">
               <a:rPr lang="en-US" smtClean="0"/>
-              <a:t>04/28/2018</a:t>
+              <a:t>04/30/2018</a:t>
             </a:fld>
             <a:endParaRPr lang="en-US"/>
           </a:p>
@@ -1516,7 +1700,7 @@
 </p:sldLayout>
 </file>
 
-<file path=ppt/slideLayouts/slideLayout11.xml><?xml version="1.0" encoding="utf-8"?>
+<file path=ppt/slideLayouts/slideLayout12.xml><?xml version="1.0" encoding="utf-8"?>
 <p:sldLayout xmlns:a="http://schemas.openxmlformats.org/drawingml/2006/main" xmlns:r="http://schemas.openxmlformats.org/officeDocument/2006/relationships" xmlns:p="http://schemas.openxmlformats.org/presentationml/2006/main" type="vertTx" preserve="1">
   <p:cSld name="Title and Vertical Text">
     <p:spTree>
@@ -1625,7 +1809,7 @@
           <a:p>
             <a:fld id="{81A02670-C342-4CC1-930D-919F19DAA981}" type="datetimeFigureOut">
               <a:rPr lang="en-US" smtClean="0"/>
-              <a:t>04/28/2018</a:t>
+              <a:t>04/30/2018</a:t>
             </a:fld>
             <a:endParaRPr lang="en-US"/>
           </a:p>
@@ -1717,7 +1901,7 @@
 </p:sldLayout>
 </file>
 
-<file path=ppt/slideLayouts/slideLayout12.xml><?xml version="1.0" encoding="utf-8"?>
+<file path=ppt/slideLayouts/slideLayout13.xml><?xml version="1.0" encoding="utf-8"?>
 <p:sldLayout xmlns:a="http://schemas.openxmlformats.org/drawingml/2006/main" xmlns:r="http://schemas.openxmlformats.org/officeDocument/2006/relationships" xmlns:p="http://schemas.openxmlformats.org/presentationml/2006/main" type="vertTitleAndTx" preserve="1">
   <p:cSld name="Vertical Title and Text">
     <p:spTree>
@@ -1840,7 +2024,7 @@
           <a:p>
             <a:fld id="{81A02670-C342-4CC1-930D-919F19DAA981}" type="datetimeFigureOut">
               <a:rPr lang="en-US" smtClean="0"/>
-              <a:t>04/28/2018</a:t>
+              <a:t>04/30/2018</a:t>
             </a:fld>
             <a:endParaRPr lang="en-US"/>
           </a:p>
@@ -2040,7 +2224,7 @@
           <a:p>
             <a:fld id="{81A02670-C342-4CC1-930D-919F19DAA981}" type="datetimeFigureOut">
               <a:rPr lang="en-US" smtClean="0"/>
-              <a:t>04/28/2018</a:t>
+              <a:t>04/30/2018</a:t>
             </a:fld>
             <a:endParaRPr lang="en-US"/>
           </a:p>
@@ -2319,7 +2503,7 @@
           <a:p>
             <a:fld id="{81A02670-C342-4CC1-930D-919F19DAA981}" type="datetimeFigureOut">
               <a:rPr lang="en-US" smtClean="0"/>
-              <a:t>04/28/2018</a:t>
+              <a:t>04/30/2018</a:t>
             </a:fld>
             <a:endParaRPr lang="en-US"/>
           </a:p>
@@ -2587,7 +2771,7 @@
           <a:p>
             <a:fld id="{81A02670-C342-4CC1-930D-919F19DAA981}" type="datetimeFigureOut">
               <a:rPr lang="en-US" smtClean="0"/>
-              <a:t>04/28/2018</a:t>
+              <a:t>04/30/2018</a:t>
             </a:fld>
             <a:endParaRPr lang="en-US"/>
           </a:p>
@@ -3003,7 +3187,7 @@
           <a:p>
             <a:fld id="{81A02670-C342-4CC1-930D-919F19DAA981}" type="datetimeFigureOut">
               <a:rPr lang="en-US" smtClean="0"/>
-              <a:t>04/28/2018</a:t>
+              <a:t>04/30/2018</a:t>
             </a:fld>
             <a:endParaRPr lang="en-US"/>
           </a:p>
@@ -3152,7 +3336,7 @@
           <a:p>
             <a:fld id="{81A02670-C342-4CC1-930D-919F19DAA981}" type="datetimeFigureOut">
               <a:rPr lang="en-US" smtClean="0"/>
-              <a:t>04/28/2018</a:t>
+              <a:t>04/30/2018</a:t>
             </a:fld>
             <a:endParaRPr lang="en-US"/>
           </a:p>
@@ -3278,7 +3462,7 @@
           <a:p>
             <a:fld id="{81A02670-C342-4CC1-930D-919F19DAA981}" type="datetimeFigureOut">
               <a:rPr lang="en-US" smtClean="0"/>
-              <a:t>04/28/2018</a:t>
+              <a:t>04/30/2018</a:t>
             </a:fld>
             <a:endParaRPr lang="en-US"/>
           </a:p>
@@ -3341,7 +3525,7 @@
 
 <file path=ppt/slideLayouts/slideLayout8.xml><?xml version="1.0" encoding="utf-8"?>
 <p:sldLayout xmlns:a="http://schemas.openxmlformats.org/drawingml/2006/main" xmlns:r="http://schemas.openxmlformats.org/officeDocument/2006/relationships" xmlns:p="http://schemas.openxmlformats.org/presentationml/2006/main" showMasterSp="0" type="blank" preserve="1">
-  <p:cSld name="Blank - ALT">
+  <p:cSld name="Blank - ALT A">
     <p:bg>
       <p:bgPr>
         <a:gradFill>
@@ -3397,7 +3581,7 @@
           <a:p>
             <a:fld id="{81A02670-C342-4CC1-930D-919F19DAA981}" type="datetimeFigureOut">
               <a:rPr lang="en-US" smtClean="0"/>
-              <a:t>04/28/2018</a:t>
+              <a:t>04/30/2018</a:t>
             </a:fld>
             <a:endParaRPr lang="en-US"/>
           </a:p>
@@ -3459,8 +3643,36 @@
 </file>
 
 <file path=ppt/slideLayouts/slideLayout9.xml><?xml version="1.0" encoding="utf-8"?>
-<p:sldLayout xmlns:a="http://schemas.openxmlformats.org/drawingml/2006/main" xmlns:r="http://schemas.openxmlformats.org/officeDocument/2006/relationships" xmlns:p="http://schemas.openxmlformats.org/presentationml/2006/main" type="objTx" preserve="1">
-  <p:cSld name="Content with Caption">
+<p:sldLayout xmlns:a="http://schemas.openxmlformats.org/drawingml/2006/main" xmlns:r="http://schemas.openxmlformats.org/officeDocument/2006/relationships" xmlns:p="http://schemas.openxmlformats.org/presentationml/2006/main" showMasterSp="0" type="blank" preserve="1">
+  <p:cSld name="Blank - ALT B">
+    <p:bg>
+      <p:bgPr>
+        <a:gradFill flip="none" rotWithShape="1">
+          <a:gsLst>
+            <a:gs pos="0">
+              <a:schemeClr val="accent6">
+                <a:lumMod val="67000"/>
+              </a:schemeClr>
+            </a:gs>
+            <a:gs pos="48000">
+              <a:schemeClr val="accent6">
+                <a:lumMod val="97000"/>
+                <a:lumOff val="3000"/>
+              </a:schemeClr>
+            </a:gs>
+            <a:gs pos="100000">
+              <a:schemeClr val="accent6">
+                <a:lumMod val="60000"/>
+                <a:lumOff val="40000"/>
+              </a:schemeClr>
+            </a:gs>
+          </a:gsLst>
+          <a:lin ang="16200000" scaled="1"/>
+          <a:tileRect/>
+        </a:gradFill>
+        <a:effectLst/>
+      </p:bgPr>
+    </p:bg>
     <p:spTree>
       <p:nvGrpSpPr>
         <p:cNvPr id="1" name=""/>
@@ -3477,163 +3689,7 @@
       </p:grpSpPr>
       <p:sp>
         <p:nvSpPr>
-          <p:cNvPr id="2" name="Title 1"/>
-          <p:cNvSpPr>
-            <a:spLocks noGrp="1"/>
-          </p:cNvSpPr>
-          <p:nvPr>
-            <p:ph type="title"/>
-          </p:nvPr>
-        </p:nvSpPr>
-        <p:spPr>
-          <a:xfrm>
-            <a:off x="1444671" y="798973"/>
-            <a:ext cx="3273099" cy="2247117"/>
-          </a:xfrm>
-        </p:spPr>
-        <p:txBody>
-          <a:bodyPr anchor="b">
-            <a:normAutofit/>
-          </a:bodyPr>
-          <a:lstStyle>
-            <a:lvl1pPr algn="l">
-              <a:defRPr sz="2400"/>
-            </a:lvl1pPr>
-          </a:lstStyle>
-          <a:p>
-            <a:r>
-              <a:rPr lang="en-US"/>
-              <a:t>Click to edit Master title style</a:t>
-            </a:r>
-            <a:endParaRPr lang="en-US" dirty="0"/>
-          </a:p>
-        </p:txBody>
-      </p:sp>
-      <p:sp>
-        <p:nvSpPr>
-          <p:cNvPr id="3" name="Content Placeholder 2"/>
-          <p:cNvSpPr>
-            <a:spLocks noGrp="1"/>
-          </p:cNvSpPr>
-          <p:nvPr>
-            <p:ph idx="1"/>
-          </p:nvPr>
-        </p:nvSpPr>
-        <p:spPr>
-          <a:xfrm>
-            <a:off x="5043714" y="798974"/>
-            <a:ext cx="6012470" cy="4658826"/>
-          </a:xfrm>
-        </p:spPr>
-        <p:txBody>
-          <a:bodyPr anchor="ctr"/>
-          <a:lstStyle/>
-          <a:p>
-            <a:pPr lvl="0"/>
-            <a:r>
-              <a:rPr lang="en-US"/>
-              <a:t>Edit Master text styles</a:t>
-            </a:r>
-          </a:p>
-          <a:p>
-            <a:pPr lvl="1"/>
-            <a:r>
-              <a:rPr lang="en-US"/>
-              <a:t>Second level</a:t>
-            </a:r>
-          </a:p>
-          <a:p>
-            <a:pPr lvl="2"/>
-            <a:r>
-              <a:rPr lang="en-US"/>
-              <a:t>Third level</a:t>
-            </a:r>
-          </a:p>
-          <a:p>
-            <a:pPr lvl="3"/>
-            <a:r>
-              <a:rPr lang="en-US"/>
-              <a:t>Fourth level</a:t>
-            </a:r>
-          </a:p>
-          <a:p>
-            <a:pPr lvl="4"/>
-            <a:r>
-              <a:rPr lang="en-US"/>
-              <a:t>Fifth level</a:t>
-            </a:r>
-            <a:endParaRPr lang="en-US" dirty="0"/>
-          </a:p>
-        </p:txBody>
-      </p:sp>
-      <p:sp>
-        <p:nvSpPr>
-          <p:cNvPr id="4" name="Text Placeholder 3"/>
-          <p:cNvSpPr>
-            <a:spLocks noGrp="1"/>
-          </p:cNvSpPr>
-          <p:nvPr>
-            <p:ph type="body" sz="half" idx="2"/>
-          </p:nvPr>
-        </p:nvSpPr>
-        <p:spPr>
-          <a:xfrm>
-            <a:off x="1444671" y="3205491"/>
-            <a:ext cx="3275013" cy="2248181"/>
-          </a:xfrm>
-        </p:spPr>
-        <p:txBody>
-          <a:bodyPr/>
-          <a:lstStyle>
-            <a:lvl1pPr marL="0" indent="0" algn="l">
-              <a:buNone/>
-              <a:defRPr sz="1600"/>
-            </a:lvl1pPr>
-            <a:lvl2pPr marL="457200" indent="0">
-              <a:buNone/>
-              <a:defRPr sz="1400"/>
-            </a:lvl2pPr>
-            <a:lvl3pPr marL="914400" indent="0">
-              <a:buNone/>
-              <a:defRPr sz="1200"/>
-            </a:lvl3pPr>
-            <a:lvl4pPr marL="1371600" indent="0">
-              <a:buNone/>
-              <a:defRPr sz="1000"/>
-            </a:lvl4pPr>
-            <a:lvl5pPr marL="1828800" indent="0">
-              <a:buNone/>
-              <a:defRPr sz="1000"/>
-            </a:lvl5pPr>
-            <a:lvl6pPr marL="2286000" indent="0">
-              <a:buNone/>
-              <a:defRPr sz="1000"/>
-            </a:lvl6pPr>
-            <a:lvl7pPr marL="2743200" indent="0">
-              <a:buNone/>
-              <a:defRPr sz="1000"/>
-            </a:lvl7pPr>
-            <a:lvl8pPr marL="3200400" indent="0">
-              <a:buNone/>
-              <a:defRPr sz="1000"/>
-            </a:lvl8pPr>
-            <a:lvl9pPr marL="3657600" indent="0">
-              <a:buNone/>
-              <a:defRPr sz="1000"/>
-            </a:lvl9pPr>
-          </a:lstStyle>
-          <a:p>
-            <a:pPr lvl="0"/>
-            <a:r>
-              <a:rPr lang="en-US"/>
-              <a:t>Edit Master text styles</a:t>
-            </a:r>
-          </a:p>
-        </p:txBody>
-      </p:sp>
-      <p:sp>
-        <p:nvSpPr>
-          <p:cNvPr id="5" name="Date Placeholder 4"/>
+          <p:cNvPr id="2" name="Date Placeholder 1"/>
           <p:cNvSpPr>
             <a:spLocks noGrp="1"/>
           </p:cNvSpPr>
@@ -3648,7 +3704,7 @@
           <a:p>
             <a:fld id="{81A02670-C342-4CC1-930D-919F19DAA981}" type="datetimeFigureOut">
               <a:rPr lang="en-US" smtClean="0"/>
-              <a:t>04/28/2018</a:t>
+              <a:t>04/30/2018</a:t>
             </a:fld>
             <a:endParaRPr lang="en-US"/>
           </a:p>
@@ -3656,7 +3712,7 @@
       </p:sp>
       <p:sp>
         <p:nvSpPr>
-          <p:cNvPr id="6" name="Footer Placeholder 5"/>
+          <p:cNvPr id="3" name="Footer Placeholder 2"/>
           <p:cNvSpPr>
             <a:spLocks noGrp="1"/>
           </p:cNvSpPr>
@@ -3675,7 +3731,7 @@
       </p:sp>
       <p:sp>
         <p:nvSpPr>
-          <p:cNvPr id="7" name="Slide Number Placeholder 6"/>
+          <p:cNvPr id="4" name="Slide Number Placeholder 3"/>
           <p:cNvSpPr>
             <a:spLocks noGrp="1"/>
           </p:cNvSpPr>
@@ -3696,46 +3752,15 @@
           </a:p>
         </p:txBody>
       </p:sp>
-      <p:cxnSp>
-        <p:nvCxnSpPr>
-          <p:cNvPr id="17" name="Straight Connector 16"/>
-          <p:cNvCxnSpPr/>
-          <p:nvPr/>
-        </p:nvCxnSpPr>
-        <p:spPr>
-          <a:xfrm>
-            <a:off x="1448280" y="3205491"/>
-            <a:ext cx="3269490" cy="0"/>
-          </a:xfrm>
-          <a:prstGeom prst="line">
-            <a:avLst/>
-          </a:prstGeom>
-          <a:ln w="31750"/>
-        </p:spPr>
-        <p:style>
-          <a:lnRef idx="3">
-            <a:schemeClr val="accent1"/>
-          </a:lnRef>
-          <a:fillRef idx="0">
-            <a:schemeClr val="accent1"/>
-          </a:fillRef>
-          <a:effectRef idx="2">
-            <a:schemeClr val="accent1"/>
-          </a:effectRef>
-          <a:fontRef idx="minor">
-            <a:schemeClr val="tx1"/>
-          </a:fontRef>
-        </p:style>
-      </p:cxnSp>
     </p:spTree>
     <p:extLst>
       <p:ext uri="{BB962C8B-B14F-4D97-AF65-F5344CB8AC3E}">
-        <p14:creationId xmlns:p14="http://schemas.microsoft.com/office/powerpoint/2010/main" val="3864896639"/>
+        <p14:creationId xmlns:p14="http://schemas.microsoft.com/office/powerpoint/2010/main" val="3915250924"/>
       </p:ext>
     </p:extLst>
   </p:cSld>
   <p:clrMapOvr>
-    <a:masterClrMapping/>
+    <a:overrideClrMapping bg1="dk1" tx1="lt1" bg2="dk2" tx2="lt2" accent1="accent1" accent2="accent2" accent3="accent3" accent4="accent4" accent5="accent5" accent6="accent6" hlink="hlink" folHlink="folHlink"/>
   </p:clrMapOvr>
 </p:sldLayout>
 </file>
@@ -3820,7 +3845,7 @@
           <p:nvPr/>
         </p:nvPicPr>
         <p:blipFill rotWithShape="1">
-          <a:blip r:embed="rId14">
+          <a:blip r:embed="rId15">
             <a:extLst>
               <a:ext uri="{28A0092B-C50C-407E-A947-70E740481C1C}">
                 <a14:useLocalDpi xmlns:a14="http://schemas.microsoft.com/office/drawing/2010/main" val="0"/>
@@ -3969,7 +3994,7 @@
           <a:p>
             <a:fld id="{81A02670-C342-4CC1-930D-919F19DAA981}" type="datetimeFigureOut">
               <a:rPr lang="en-US" smtClean="0"/>
-              <a:t>04/28/2018</a:t>
+              <a:t>04/30/2018</a:t>
             </a:fld>
             <a:endParaRPr lang="en-US"/>
           </a:p>
@@ -4105,10 +4130,11 @@
     <p:sldLayoutId id="2147483666" r:id="rId6"/>
     <p:sldLayoutId id="2147483667" r:id="rId7"/>
     <p:sldLayoutId id="2147483672" r:id="rId8"/>
-    <p:sldLayoutId id="2147483668" r:id="rId9"/>
-    <p:sldLayoutId id="2147483669" r:id="rId10"/>
-    <p:sldLayoutId id="2147483670" r:id="rId11"/>
-    <p:sldLayoutId id="2147483671" r:id="rId12"/>
+    <p:sldLayoutId id="2147483673" r:id="rId9"/>
+    <p:sldLayoutId id="2147483668" r:id="rId10"/>
+    <p:sldLayoutId id="2147483669" r:id="rId11"/>
+    <p:sldLayoutId id="2147483670" r:id="rId12"/>
+    <p:sldLayoutId id="2147483671" r:id="rId13"/>
   </p:sldLayoutIdLst>
   <p:txStyles>
     <p:titleStyle>
@@ -4550,224 +4576,6 @@
           <a:chExt cx="0" cy="0"/>
         </a:xfrm>
       </p:grpSpPr>
-      <p:sp>
-        <p:nvSpPr>
-          <p:cNvPr id="2" name="Title 1">
-            <a:extLst>
-              <a:ext uri="{FF2B5EF4-FFF2-40B4-BE49-F238E27FC236}">
-                <a16:creationId xmlns:a16="http://schemas.microsoft.com/office/drawing/2014/main" id="{EA4C12D0-083E-4769-A02E-B347285B14F3}"/>
-              </a:ext>
-            </a:extLst>
-          </p:cNvPr>
-          <p:cNvSpPr>
-            <a:spLocks noGrp="1"/>
-          </p:cNvSpPr>
-          <p:nvPr>
-            <p:ph type="title"/>
-          </p:nvPr>
-        </p:nvSpPr>
-        <p:spPr/>
-        <p:txBody>
-          <a:bodyPr/>
-          <a:lstStyle/>
-          <a:p>
-            <a:r>
-              <a:rPr lang="en-US" dirty="0"/>
-              <a:t>Hardware Datapath</a:t>
-            </a:r>
-          </a:p>
-        </p:txBody>
-      </p:sp>
-      <p:sp>
-        <p:nvSpPr>
-          <p:cNvPr id="3" name="Content Placeholder 2">
-            <a:extLst>
-              <a:ext uri="{FF2B5EF4-FFF2-40B4-BE49-F238E27FC236}">
-                <a16:creationId xmlns:a16="http://schemas.microsoft.com/office/drawing/2014/main" id="{A7E52646-B122-4096-9381-EB5DC1520579}"/>
-              </a:ext>
-            </a:extLst>
-          </p:cNvPr>
-          <p:cNvSpPr>
-            <a:spLocks noGrp="1"/>
-          </p:cNvSpPr>
-          <p:nvPr>
-            <p:ph idx="1"/>
-          </p:nvPr>
-        </p:nvSpPr>
-        <p:spPr/>
-        <p:txBody>
-          <a:bodyPr>
-            <a:normAutofit/>
-          </a:bodyPr>
-          <a:lstStyle/>
-          <a:p>
-            <a:r>
-              <a:rPr lang="en-US" dirty="0" err="1"/>
-              <a:t>Datapaths</a:t>
-            </a:r>
-            <a:r>
-              <a:rPr lang="en-US" dirty="0"/>
-              <a:t> created for the NMS and thresholding blocks</a:t>
-            </a:r>
-          </a:p>
-          <a:p>
-            <a:r>
-              <a:rPr lang="en-US" dirty="0"/>
-              <a:t>NMS block</a:t>
-            </a:r>
-          </a:p>
-          <a:p>
-            <a:pPr lvl="1"/>
-            <a:r>
-              <a:rPr lang="en-US" dirty="0"/>
-              <a:t>Input: Magnitudes (8-bit integers) of all pixels in a 3x3 square and the direction (3-bit integer) of the center pixel</a:t>
-            </a:r>
-          </a:p>
-          <a:p>
-            <a:pPr lvl="1"/>
-            <a:r>
-              <a:rPr lang="en-US" dirty="0"/>
-              <a:t>Output: single bit indicating that the pixel is kept (1) or suppressed (0)</a:t>
-            </a:r>
-          </a:p>
-          <a:p>
-            <a:r>
-              <a:rPr lang="en-US" dirty="0"/>
-              <a:t>Thresholding block</a:t>
-            </a:r>
-          </a:p>
-          <a:p>
-            <a:pPr lvl="1"/>
-            <a:r>
-              <a:rPr lang="en-US" dirty="0"/>
-              <a:t>Input: Magnitude of the center pixel</a:t>
-            </a:r>
-          </a:p>
-          <a:p>
-            <a:pPr lvl="1"/>
-            <a:r>
-              <a:rPr lang="en-US" dirty="0"/>
-              <a:t>Output: single bit indicating that the pixel passes (1) or fails (0) the threshold</a:t>
-            </a:r>
-          </a:p>
-        </p:txBody>
-      </p:sp>
-    </p:spTree>
-    <p:extLst>
-      <p:ext uri="{BB962C8B-B14F-4D97-AF65-F5344CB8AC3E}">
-        <p14:creationId xmlns:p14="http://schemas.microsoft.com/office/powerpoint/2010/main" val="2046316780"/>
-      </p:ext>
-    </p:extLst>
-  </p:cSld>
-  <p:clrMapOvr>
-    <a:masterClrMapping/>
-  </p:clrMapOvr>
-</p:sld>
-</file>
-
-<file path=ppt/slides/slide11.xml><?xml version="1.0" encoding="utf-8"?>
-<p:sld xmlns:a="http://schemas.openxmlformats.org/drawingml/2006/main" xmlns:r="http://schemas.openxmlformats.org/officeDocument/2006/relationships" xmlns:p="http://schemas.openxmlformats.org/presentationml/2006/main">
-  <p:cSld>
-    <p:spTree>
-      <p:nvGrpSpPr>
-        <p:cNvPr id="1" name=""/>
-        <p:cNvGrpSpPr/>
-        <p:nvPr/>
-      </p:nvGrpSpPr>
-      <p:grpSpPr>
-        <a:xfrm>
-          <a:off x="0" y="0"/>
-          <a:ext cx="0" cy="0"/>
-          <a:chOff x="0" y="0"/>
-          <a:chExt cx="0" cy="0"/>
-        </a:xfrm>
-      </p:grpSpPr>
-      <p:sp>
-        <p:nvSpPr>
-          <p:cNvPr id="2" name="Title 1">
-            <a:extLst>
-              <a:ext uri="{FF2B5EF4-FFF2-40B4-BE49-F238E27FC236}">
-                <a16:creationId xmlns:a16="http://schemas.microsoft.com/office/drawing/2014/main" id="{5FA22ACE-10E0-4C2B-AE5F-B6F9E933600D}"/>
-              </a:ext>
-            </a:extLst>
-          </p:cNvPr>
-          <p:cNvSpPr>
-            <a:spLocks noGrp="1"/>
-          </p:cNvSpPr>
-          <p:nvPr>
-            <p:ph type="title"/>
-          </p:nvPr>
-        </p:nvSpPr>
-        <p:spPr/>
-        <p:txBody>
-          <a:bodyPr/>
-          <a:lstStyle/>
-          <a:p>
-            <a:r>
-              <a:rPr lang="en-US" dirty="0"/>
-              <a:t>Non-maximal suppression</a:t>
-            </a:r>
-          </a:p>
-        </p:txBody>
-      </p:sp>
-      <p:sp>
-        <p:nvSpPr>
-          <p:cNvPr id="3" name="Content Placeholder 2">
-            <a:extLst>
-              <a:ext uri="{FF2B5EF4-FFF2-40B4-BE49-F238E27FC236}">
-                <a16:creationId xmlns:a16="http://schemas.microsoft.com/office/drawing/2014/main" id="{BA7A166B-719C-4447-A834-709E67D940D9}"/>
-              </a:ext>
-            </a:extLst>
-          </p:cNvPr>
-          <p:cNvSpPr>
-            <a:spLocks noGrp="1"/>
-          </p:cNvSpPr>
-          <p:nvPr>
-            <p:ph idx="1"/>
-          </p:nvPr>
-        </p:nvSpPr>
-        <p:spPr/>
-        <p:txBody>
-          <a:bodyPr/>
-          <a:lstStyle/>
-          <a:p>
-            <a:r>
-              <a:rPr lang="en-US" dirty="0"/>
-              <a:t>TODO</a:t>
-            </a:r>
-          </a:p>
-        </p:txBody>
-      </p:sp>
-    </p:spTree>
-    <p:extLst>
-      <p:ext uri="{BB962C8B-B14F-4D97-AF65-F5344CB8AC3E}">
-        <p14:creationId xmlns:p14="http://schemas.microsoft.com/office/powerpoint/2010/main" val="2346017199"/>
-      </p:ext>
-    </p:extLst>
-  </p:cSld>
-  <p:clrMapOvr>
-    <a:masterClrMapping/>
-  </p:clrMapOvr>
-</p:sld>
-</file>
-
-<file path=ppt/slides/slide12.xml><?xml version="1.0" encoding="utf-8"?>
-<p:sld xmlns:a="http://schemas.openxmlformats.org/drawingml/2006/main" xmlns:r="http://schemas.openxmlformats.org/officeDocument/2006/relationships" xmlns:p="http://schemas.openxmlformats.org/presentationml/2006/main">
-  <p:cSld>
-    <p:spTree>
-      <p:nvGrpSpPr>
-        <p:cNvPr id="1" name=""/>
-        <p:cNvGrpSpPr/>
-        <p:nvPr/>
-      </p:nvGrpSpPr>
-      <p:grpSpPr>
-        <a:xfrm>
-          <a:off x="0" y="0"/>
-          <a:ext cx="0" cy="0"/>
-          <a:chOff x="0" y="0"/>
-          <a:chExt cx="0" cy="0"/>
-        </a:xfrm>
-      </p:grpSpPr>
       <p:pic>
         <p:nvPicPr>
           <p:cNvPr id="2" name="Picture 1">
@@ -4979,7 +4787,7 @@
 </p:sld>
 </file>
 
-<file path=ppt/slides/slide13.xml><?xml version="1.0" encoding="utf-8"?>
+<file path=ppt/slides/slide11.xml><?xml version="1.0" encoding="utf-8"?>
 <p:sld xmlns:a="http://schemas.openxmlformats.org/drawingml/2006/main" xmlns:r="http://schemas.openxmlformats.org/officeDocument/2006/relationships" xmlns:p="http://schemas.openxmlformats.org/presentationml/2006/main">
   <p:cSld>
     <p:spTree>
@@ -5108,7 +4916,7 @@
 </p:sld>
 </file>
 
-<file path=ppt/slides/slide14.xml><?xml version="1.0" encoding="utf-8"?>
+<file path=ppt/slides/slide12.xml><?xml version="1.0" encoding="utf-8"?>
 <p:sld xmlns:a="http://schemas.openxmlformats.org/drawingml/2006/main" xmlns:r="http://schemas.openxmlformats.org/officeDocument/2006/relationships" xmlns:p="http://schemas.openxmlformats.org/presentationml/2006/main">
   <p:cSld>
     <p:spTree>
@@ -5143,8 +4951,8 @@
         </p:nvSpPr>
         <p:spPr>
           <a:xfrm>
-            <a:off x="1293812" y="183808"/>
-            <a:ext cx="9604375" cy="1049337"/>
+            <a:off x="1293812" y="184150"/>
+            <a:ext cx="9604375" cy="1049338"/>
           </a:xfrm>
         </p:spPr>
         <p:txBody>
@@ -5153,48 +4961,59 @@
           <a:p>
             <a:pPr algn="ctr"/>
             <a:r>
-              <a:rPr lang="en-US" dirty="0"/>
+              <a:rPr lang="en-US" dirty="0">
+                <a:solidFill>
+                  <a:schemeClr val="bg2"/>
+                </a:solidFill>
+              </a:rPr>
               <a:t>Hardware flow</a:t>
             </a:r>
           </a:p>
         </p:txBody>
       </p:sp>
-      <p:sp>
-        <p:nvSpPr>
-          <p:cNvPr id="3" name="TextBox 2">
+      <p:pic>
+        <p:nvPicPr>
+          <p:cNvPr id="5" name="Picture 4">
             <a:extLst>
               <a:ext uri="{FF2B5EF4-FFF2-40B4-BE49-F238E27FC236}">
-                <a16:creationId xmlns:a16="http://schemas.microsoft.com/office/drawing/2014/main" id="{0C7FA304-23B6-4A6E-B349-59BA059200C3}"/>
+                <a16:creationId xmlns:a16="http://schemas.microsoft.com/office/drawing/2014/main" id="{ABE6F892-1FA6-4778-B40F-6019A18B9145}"/>
               </a:ext>
             </a:extLst>
           </p:cNvPr>
-          <p:cNvSpPr txBox="1"/>
+          <p:cNvPicPr>
+            <a:picLocks noChangeAspect="1"/>
+          </p:cNvPicPr>
           <p:nvPr/>
-        </p:nvSpPr>
+        </p:nvPicPr>
+        <p:blipFill>
+          <a:blip r:embed="rId3">
+            <a:extLst>
+              <a:ext uri="{28A0092B-C50C-407E-A947-70E740481C1C}">
+                <a14:useLocalDpi xmlns:a14="http://schemas.microsoft.com/office/drawing/2010/main" val="0"/>
+              </a:ext>
+            </a:extLst>
+          </a:blip>
+          <a:stretch>
+            <a:fillRect/>
+          </a:stretch>
+        </p:blipFill>
         <p:spPr>
           <a:xfrm>
-            <a:off x="3409949" y="3244334"/>
-            <a:ext cx="5372100" cy="369332"/>
+            <a:off x="357709" y="1925638"/>
+            <a:ext cx="11476581" cy="3314700"/>
           </a:xfrm>
           <a:prstGeom prst="rect">
             <a:avLst/>
           </a:prstGeom>
-          <a:noFill/>
+          <a:effectLst>
+            <a:outerShdw blurRad="50800" dist="63500" dir="8100000" algn="tr" rotWithShape="0">
+              <a:prstClr val="black">
+                <a:alpha val="40000"/>
+              </a:prstClr>
+            </a:outerShdw>
+          </a:effectLst>
         </p:spPr>
-        <p:txBody>
-          <a:bodyPr wrap="square" rtlCol="0">
-            <a:spAutoFit/>
-          </a:bodyPr>
-          <a:lstStyle/>
-          <a:p>
-            <a:pPr algn="ctr"/>
-            <a:r>
-              <a:rPr lang="en-US" dirty="0"/>
-              <a:t>TODO</a:t>
-            </a:r>
-          </a:p>
-        </p:txBody>
-      </p:sp>
+      </p:pic>
     </p:spTree>
     <p:extLst>
       <p:ext uri="{BB962C8B-B14F-4D97-AF65-F5344CB8AC3E}">
@@ -5452,6 +5271,34 @@
 <file path=ppt/slides/slide4.xml><?xml version="1.0" encoding="utf-8"?>
 <p:sld xmlns:a="http://schemas.openxmlformats.org/drawingml/2006/main" xmlns:r="http://schemas.openxmlformats.org/officeDocument/2006/relationships" xmlns:p="http://schemas.openxmlformats.org/presentationml/2006/main">
   <p:cSld>
+    <p:bg>
+      <p:bgPr>
+        <a:gradFill flip="none" rotWithShape="1">
+          <a:gsLst>
+            <a:gs pos="0">
+              <a:schemeClr val="accent6">
+                <a:lumMod val="67000"/>
+              </a:schemeClr>
+            </a:gs>
+            <a:gs pos="48000">
+              <a:schemeClr val="accent6">
+                <a:lumMod val="97000"/>
+                <a:lumOff val="3000"/>
+              </a:schemeClr>
+            </a:gs>
+            <a:gs pos="100000">
+              <a:schemeClr val="accent6">
+                <a:lumMod val="60000"/>
+                <a:lumOff val="40000"/>
+              </a:schemeClr>
+            </a:gs>
+          </a:gsLst>
+          <a:lin ang="16200000" scaled="1"/>
+          <a:tileRect/>
+        </a:gradFill>
+        <a:effectLst/>
+      </p:bgPr>
+    </p:bg>
     <p:spTree>
       <p:nvGrpSpPr>
         <p:cNvPr id="1" name=""/>
@@ -5484,8 +5331,8 @@
         </p:nvSpPr>
         <p:spPr>
           <a:xfrm>
-            <a:off x="1293812" y="183808"/>
-            <a:ext cx="9604375" cy="1049337"/>
+            <a:off x="1293811" y="146855"/>
+            <a:ext cx="9604375" cy="1049338"/>
           </a:xfrm>
         </p:spPr>
         <p:txBody>
@@ -5494,7 +5341,11 @@
           <a:p>
             <a:pPr algn="ctr"/>
             <a:r>
-              <a:rPr lang="en-US" dirty="0"/>
+              <a:rPr lang="en-US" dirty="0">
+                <a:solidFill>
+                  <a:schemeClr val="bg2"/>
+                </a:solidFill>
+              </a:rPr>
               <a:t>Full Algorithm Overview</a:t>
             </a:r>
           </a:p>
@@ -5502,19 +5353,17 @@
       </p:sp>
       <p:pic>
         <p:nvPicPr>
-          <p:cNvPr id="1026" name="Picture 2" descr="https://lh4.googleusercontent.com/S4Od4sQyJG2KyAxyBIpU5W-0waZ-SulbfzXTuQjI7MuCGMi_YsPGrPUYEOmXYwBqwHOS3pMYKSk2ykWtz0ji7KKCqARjlKOapceaVlo8kRbBxpmx4JV91fmd43weF9VEgT8l2hlo">
+          <p:cNvPr id="4" name="Picture 3">
             <a:extLst>
               <a:ext uri="{FF2B5EF4-FFF2-40B4-BE49-F238E27FC236}">
-                <a16:creationId xmlns:a16="http://schemas.microsoft.com/office/drawing/2014/main" id="{89A6CB57-C806-401F-A087-4527EAD82223}"/>
+                <a16:creationId xmlns:a16="http://schemas.microsoft.com/office/drawing/2014/main" id="{98780DE7-CB8A-491F-AD71-58761A26E65B}"/>
               </a:ext>
             </a:extLst>
           </p:cNvPr>
           <p:cNvPicPr>
-            <a:picLocks noGrp="1" noChangeAspect="1" noChangeArrowheads="1"/>
+            <a:picLocks noChangeAspect="1"/>
           </p:cNvPicPr>
-          <p:nvPr>
-            <p:ph idx="4294967295"/>
-          </p:nvPr>
+          <p:nvPr/>
         </p:nvPicPr>
         <p:blipFill>
           <a:blip r:embed="rId3">
@@ -5524,29 +5373,25 @@
               </a:ext>
             </a:extLst>
           </a:blip>
-          <a:srcRect/>
           <a:stretch>
             <a:fillRect/>
           </a:stretch>
         </p:blipFill>
-        <p:spPr bwMode="auto">
+        <p:spPr>
           <a:xfrm>
-            <a:off x="150584" y="1639448"/>
-            <a:ext cx="11890832" cy="3579104"/>
+            <a:off x="658015" y="1089219"/>
+            <a:ext cx="10875968" cy="5452257"/>
           </a:xfrm>
           <a:prstGeom prst="rect">
             <a:avLst/>
           </a:prstGeom>
-          <a:noFill/>
-          <a:extLst>
-            <a:ext uri="{909E8E84-426E-40DD-AFC4-6F175D3DCCD1}">
-              <a14:hiddenFill xmlns:a14="http://schemas.microsoft.com/office/drawing/2010/main">
-                <a:solidFill>
-                  <a:srgbClr val="FFFFFF"/>
-                </a:solidFill>
-              </a14:hiddenFill>
-            </a:ext>
-          </a:extLst>
+          <a:effectLst>
+            <a:outerShdw blurRad="50800" dist="63500" dir="8100000" algn="tr" rotWithShape="0">
+              <a:prstClr val="black">
+                <a:alpha val="40000"/>
+              </a:prstClr>
+            </a:outerShdw>
+          </a:effectLst>
         </p:spPr>
       </p:pic>
     </p:spTree>
@@ -5692,6 +5537,34 @@
 <file path=ppt/slides/slide6.xml><?xml version="1.0" encoding="utf-8"?>
 <p:sld xmlns:a="http://schemas.openxmlformats.org/drawingml/2006/main" xmlns:r="http://schemas.openxmlformats.org/officeDocument/2006/relationships" xmlns:p="http://schemas.openxmlformats.org/presentationml/2006/main">
   <p:cSld>
+    <p:bg>
+      <p:bgPr>
+        <a:gradFill flip="none" rotWithShape="1">
+          <a:gsLst>
+            <a:gs pos="0">
+              <a:schemeClr val="accent6">
+                <a:lumMod val="67000"/>
+              </a:schemeClr>
+            </a:gs>
+            <a:gs pos="48000">
+              <a:schemeClr val="accent6">
+                <a:lumMod val="97000"/>
+                <a:lumOff val="3000"/>
+              </a:schemeClr>
+            </a:gs>
+            <a:gs pos="100000">
+              <a:schemeClr val="accent6">
+                <a:lumMod val="60000"/>
+                <a:lumOff val="40000"/>
+              </a:schemeClr>
+            </a:gs>
+          </a:gsLst>
+          <a:lin ang="16200000" scaled="1"/>
+          <a:tileRect/>
+        </a:gradFill>
+        <a:effectLst/>
+      </p:bgPr>
+    </p:bg>
     <p:spTree>
       <p:nvGrpSpPr>
         <p:cNvPr id="1" name=""/>
@@ -5724,8 +5597,8 @@
         </p:nvSpPr>
         <p:spPr>
           <a:xfrm>
-            <a:off x="1293812" y="183808"/>
-            <a:ext cx="9604375" cy="1049337"/>
+            <a:off x="1293811" y="146855"/>
+            <a:ext cx="9604375" cy="1049338"/>
           </a:xfrm>
         </p:spPr>
         <p:txBody>
@@ -5734,58 +5607,274 @@
           <a:p>
             <a:pPr algn="ctr"/>
             <a:r>
-              <a:rPr lang="en-US" dirty="0"/>
-              <a:t>Project Process</a:t>
-            </a:r>
-          </a:p>
-        </p:txBody>
-      </p:sp>
-      <p:sp>
-        <p:nvSpPr>
-          <p:cNvPr id="3" name="TextBox 2">
+              <a:rPr lang="en-US" dirty="0">
+                <a:solidFill>
+                  <a:schemeClr val="bg2"/>
+                </a:solidFill>
+              </a:rPr>
+              <a:t>Project Algorithm Overview</a:t>
+            </a:r>
+          </a:p>
+        </p:txBody>
+      </p:sp>
+      <p:pic>
+        <p:nvPicPr>
+          <p:cNvPr id="6" name="Picture 5">
             <a:extLst>
               <a:ext uri="{FF2B5EF4-FFF2-40B4-BE49-F238E27FC236}">
-                <a16:creationId xmlns:a16="http://schemas.microsoft.com/office/drawing/2014/main" id="{0C7FA304-23B6-4A6E-B349-59BA059200C3}"/>
+                <a16:creationId xmlns:a16="http://schemas.microsoft.com/office/drawing/2014/main" id="{5BDBD6DD-60EA-44E5-84D8-D3EDFF25C6B3}"/>
               </a:ext>
             </a:extLst>
           </p:cNvPr>
-          <p:cNvSpPr txBox="1"/>
+          <p:cNvPicPr>
+            <a:picLocks noChangeAspect="1"/>
+          </p:cNvPicPr>
           <p:nvPr/>
-        </p:nvSpPr>
+        </p:nvPicPr>
+        <p:blipFill>
+          <a:blip r:embed="rId3">
+            <a:extLst>
+              <a:ext uri="{28A0092B-C50C-407E-A947-70E740481C1C}">
+                <a14:useLocalDpi xmlns:a14="http://schemas.microsoft.com/office/drawing/2010/main" val="0"/>
+              </a:ext>
+            </a:extLst>
+          </a:blip>
+          <a:stretch>
+            <a:fillRect/>
+          </a:stretch>
+        </p:blipFill>
         <p:spPr>
           <a:xfrm>
-            <a:off x="3409949" y="3244334"/>
-            <a:ext cx="5372100" cy="369332"/>
+            <a:off x="950116" y="1196193"/>
+            <a:ext cx="10291763" cy="5324696"/>
           </a:xfrm>
           <a:prstGeom prst="rect">
             <a:avLst/>
           </a:prstGeom>
-          <a:noFill/>
+          <a:effectLst>
+            <a:outerShdw blurRad="50800" dist="63500" dir="8100000" algn="tr" rotWithShape="0">
+              <a:prstClr val="black">
+                <a:alpha val="40000"/>
+              </a:prstClr>
+            </a:outerShdw>
+          </a:effectLst>
         </p:spPr>
-        <p:txBody>
-          <a:bodyPr wrap="square" rtlCol="0">
-            <a:spAutoFit/>
-          </a:bodyPr>
-          <a:lstStyle/>
-          <a:p>
-            <a:pPr algn="ctr"/>
-            <a:r>
-              <a:rPr lang="en-US" dirty="0"/>
-              <a:t>TODO</a:t>
-            </a:r>
-          </a:p>
-        </p:txBody>
-      </p:sp>
+      </p:pic>
+      <p:pic>
+        <p:nvPicPr>
+          <p:cNvPr id="8" name="Picture 7">
+            <a:extLst>
+              <a:ext uri="{FF2B5EF4-FFF2-40B4-BE49-F238E27FC236}">
+                <a16:creationId xmlns:a16="http://schemas.microsoft.com/office/drawing/2014/main" id="{72E0D0A8-D304-488F-99B6-E4BB1159F6F9}"/>
+              </a:ext>
+            </a:extLst>
+          </p:cNvPr>
+          <p:cNvPicPr>
+            <a:picLocks noChangeAspect="1"/>
+          </p:cNvPicPr>
+          <p:nvPr/>
+        </p:nvPicPr>
+        <p:blipFill>
+          <a:blip r:embed="rId4">
+            <a:extLst>
+              <a:ext uri="{28A0092B-C50C-407E-A947-70E740481C1C}">
+                <a14:useLocalDpi xmlns:a14="http://schemas.microsoft.com/office/drawing/2010/main" val="0"/>
+              </a:ext>
+              <a:ext uri="{837473B0-CC2E-450A-ABE3-18F120FF3D39}">
+                <a1611:picAttrSrcUrl xmlns:a1611="http://schemas.microsoft.com/office/drawing/2016/11/main" r:id="rId5"/>
+              </a:ext>
+            </a:extLst>
+          </a:blip>
+          <a:stretch>
+            <a:fillRect/>
+          </a:stretch>
+        </p:blipFill>
+        <p:spPr>
+          <a:xfrm>
+            <a:off x="4987925" y="3270849"/>
+            <a:ext cx="865996" cy="865996"/>
+          </a:xfrm>
+          <a:prstGeom prst="rect">
+            <a:avLst/>
+          </a:prstGeom>
+        </p:spPr>
+      </p:pic>
+      <p:pic>
+        <p:nvPicPr>
+          <p:cNvPr id="15" name="Picture 14">
+            <a:extLst>
+              <a:ext uri="{FF2B5EF4-FFF2-40B4-BE49-F238E27FC236}">
+                <a16:creationId xmlns:a16="http://schemas.microsoft.com/office/drawing/2014/main" id="{CE35001B-497C-40A5-B077-1BCB220960AC}"/>
+              </a:ext>
+            </a:extLst>
+          </p:cNvPr>
+          <p:cNvPicPr>
+            <a:picLocks noChangeAspect="1"/>
+          </p:cNvPicPr>
+          <p:nvPr/>
+        </p:nvPicPr>
+        <p:blipFill>
+          <a:blip r:embed="rId4">
+            <a:extLst>
+              <a:ext uri="{28A0092B-C50C-407E-A947-70E740481C1C}">
+                <a14:useLocalDpi xmlns:a14="http://schemas.microsoft.com/office/drawing/2010/main" val="0"/>
+              </a:ext>
+              <a:ext uri="{837473B0-CC2E-450A-ABE3-18F120FF3D39}">
+                <a1611:picAttrSrcUrl xmlns:a1611="http://schemas.microsoft.com/office/drawing/2016/11/main" r:id="rId5"/>
+              </a:ext>
+            </a:extLst>
+          </a:blip>
+          <a:stretch>
+            <a:fillRect/>
+          </a:stretch>
+        </p:blipFill>
+        <p:spPr>
+          <a:xfrm>
+            <a:off x="8114902" y="3270849"/>
+            <a:ext cx="865996" cy="865996"/>
+          </a:xfrm>
+          <a:prstGeom prst="rect">
+            <a:avLst/>
+          </a:prstGeom>
+        </p:spPr>
+      </p:pic>
     </p:spTree>
     <p:extLst>
       <p:ext uri="{BB962C8B-B14F-4D97-AF65-F5344CB8AC3E}">
-        <p14:creationId xmlns:p14="http://schemas.microsoft.com/office/powerpoint/2010/main" val="1892205430"/>
+        <p14:creationId xmlns:p14="http://schemas.microsoft.com/office/powerpoint/2010/main" val="1609205346"/>
       </p:ext>
     </p:extLst>
   </p:cSld>
   <p:clrMapOvr>
     <a:masterClrMapping/>
   </p:clrMapOvr>
+  <p:timing>
+    <p:tnLst>
+      <p:par>
+        <p:cTn id="1" dur="indefinite" restart="never" nodeType="tmRoot">
+          <p:childTnLst>
+            <p:seq concurrent="1" nextAc="seek">
+              <p:cTn id="2" dur="indefinite" nodeType="mainSeq">
+                <p:childTnLst>
+                  <p:par>
+                    <p:cTn id="3" fill="hold">
+                      <p:stCondLst>
+                        <p:cond delay="indefinite"/>
+                      </p:stCondLst>
+                      <p:childTnLst>
+                        <p:par>
+                          <p:cTn id="4" fill="hold">
+                            <p:stCondLst>
+                              <p:cond delay="0"/>
+                            </p:stCondLst>
+                            <p:childTnLst>
+                              <p:par>
+                                <p:cTn id="5" presetID="22" presetClass="entr" presetSubtype="8" fill="hold" nodeType="clickEffect">
+                                  <p:stCondLst>
+                                    <p:cond delay="0"/>
+                                  </p:stCondLst>
+                                  <p:childTnLst>
+                                    <p:set>
+                                      <p:cBhvr>
+                                        <p:cTn id="6" dur="1" fill="hold">
+                                          <p:stCondLst>
+                                            <p:cond delay="0"/>
+                                          </p:stCondLst>
+                                        </p:cTn>
+                                        <p:tgtEl>
+                                          <p:spTgt spid="8"/>
+                                        </p:tgtEl>
+                                        <p:attrNameLst>
+                                          <p:attrName>style.visibility</p:attrName>
+                                        </p:attrNameLst>
+                                      </p:cBhvr>
+                                      <p:to>
+                                        <p:strVal val="visible"/>
+                                      </p:to>
+                                    </p:set>
+                                    <p:animEffect transition="in" filter="wipe(left)">
+                                      <p:cBhvr>
+                                        <p:cTn id="7" dur="500"/>
+                                        <p:tgtEl>
+                                          <p:spTgt spid="8"/>
+                                        </p:tgtEl>
+                                      </p:cBhvr>
+                                    </p:animEffect>
+                                  </p:childTnLst>
+                                </p:cTn>
+                              </p:par>
+                            </p:childTnLst>
+                          </p:cTn>
+                        </p:par>
+                        <p:par>
+                          <p:cTn id="8" fill="hold">
+                            <p:stCondLst>
+                              <p:cond delay="500"/>
+                            </p:stCondLst>
+                            <p:childTnLst>
+                              <p:par>
+                                <p:cTn id="9" presetID="22" presetClass="entr" presetSubtype="8" fill="hold" nodeType="afterEffect">
+                                  <p:stCondLst>
+                                    <p:cond delay="0"/>
+                                  </p:stCondLst>
+                                  <p:childTnLst>
+                                    <p:set>
+                                      <p:cBhvr>
+                                        <p:cTn id="10" dur="1" fill="hold">
+                                          <p:stCondLst>
+                                            <p:cond delay="0"/>
+                                          </p:stCondLst>
+                                        </p:cTn>
+                                        <p:tgtEl>
+                                          <p:spTgt spid="15"/>
+                                        </p:tgtEl>
+                                        <p:attrNameLst>
+                                          <p:attrName>style.visibility</p:attrName>
+                                        </p:attrNameLst>
+                                      </p:cBhvr>
+                                      <p:to>
+                                        <p:strVal val="visible"/>
+                                      </p:to>
+                                    </p:set>
+                                    <p:animEffect transition="in" filter="wipe(left)">
+                                      <p:cBhvr>
+                                        <p:cTn id="11" dur="500"/>
+                                        <p:tgtEl>
+                                          <p:spTgt spid="15"/>
+                                        </p:tgtEl>
+                                      </p:cBhvr>
+                                    </p:animEffect>
+                                  </p:childTnLst>
+                                </p:cTn>
+                              </p:par>
+                            </p:childTnLst>
+                          </p:cTn>
+                        </p:par>
+                      </p:childTnLst>
+                    </p:cTn>
+                  </p:par>
+                </p:childTnLst>
+              </p:cTn>
+              <p:prevCondLst>
+                <p:cond evt="onPrev" delay="0">
+                  <p:tgtEl>
+                    <p:sldTgt/>
+                  </p:tgtEl>
+                </p:cond>
+              </p:prevCondLst>
+              <p:nextCondLst>
+                <p:cond evt="onNext" delay="0">
+                  <p:tgtEl>
+                    <p:sldTgt/>
+                  </p:tgtEl>
+                </p:cond>
+              </p:nextCondLst>
+            </p:seq>
+          </p:childTnLst>
+        </p:cTn>
+      </p:par>
+    </p:tnLst>
+  </p:timing>
 </p:sld>
 </file>
 
@@ -5877,6 +5966,12 @@
             <a:r>
               <a:rPr lang="en-US" dirty="0"/>
               <a:t>The FPGA processes the data and the binary image is returned in a reverse manner</a:t>
+            </a:r>
+          </a:p>
+          <a:p>
+            <a:r>
+              <a:rPr lang="en-US" dirty="0"/>
+              <a:t>Comparison of software/hardware bridged approach to software-only approach</a:t>
             </a:r>
           </a:p>
         </p:txBody>
@@ -5916,7 +6011,7 @@
           <p:cNvPr id="2" name="Title 1">
             <a:extLst>
               <a:ext uri="{FF2B5EF4-FFF2-40B4-BE49-F238E27FC236}">
-                <a16:creationId xmlns:a16="http://schemas.microsoft.com/office/drawing/2014/main" id="{9604C11A-963F-4198-B2CB-FDE1DBACD4D3}"/>
+                <a16:creationId xmlns:a16="http://schemas.microsoft.com/office/drawing/2014/main" id="{53ECA34C-268C-4049-9714-BAE84C98C887}"/>
               </a:ext>
             </a:extLst>
           </p:cNvPr>
@@ -5929,7 +6024,7 @@
         </p:nvSpPr>
         <p:spPr>
           <a:xfrm>
-            <a:off x="1293812" y="183808"/>
+            <a:off x="1293812" y="171817"/>
             <a:ext cx="9604375" cy="1049337"/>
           </a:xfrm>
         </p:spPr>
@@ -5940,51 +6035,47 @@
             <a:pPr algn="ctr"/>
             <a:r>
               <a:rPr lang="en-US" dirty="0"/>
-              <a:t>Software flow</a:t>
-            </a:r>
-          </a:p>
-        </p:txBody>
-      </p:sp>
-      <p:sp>
-        <p:nvSpPr>
-          <p:cNvPr id="3" name="TextBox 2">
+              <a:t>Software-Only output</a:t>
+            </a:r>
+          </a:p>
+        </p:txBody>
+      </p:sp>
+      <p:pic>
+        <p:nvPicPr>
+          <p:cNvPr id="4" name="Content Placeholder 3">
             <a:extLst>
               <a:ext uri="{FF2B5EF4-FFF2-40B4-BE49-F238E27FC236}">
-                <a16:creationId xmlns:a16="http://schemas.microsoft.com/office/drawing/2014/main" id="{0C7FA304-23B6-4A6E-B349-59BA059200C3}"/>
+                <a16:creationId xmlns:a16="http://schemas.microsoft.com/office/drawing/2014/main" id="{090B0A3B-4AFF-4B83-A00E-57230BC3047D}"/>
               </a:ext>
             </a:extLst>
           </p:cNvPr>
-          <p:cNvSpPr txBox="1"/>
-          <p:nvPr/>
-        </p:nvSpPr>
+          <p:cNvPicPr>
+            <a:picLocks noGrp="1" noChangeAspect="1"/>
+          </p:cNvPicPr>
+          <p:nvPr>
+            <p:ph idx="4294967295"/>
+          </p:nvPr>
+        </p:nvPicPr>
+        <p:blipFill>
+          <a:blip r:embed="rId2"/>
+          <a:stretch>
+            <a:fillRect/>
+          </a:stretch>
+        </p:blipFill>
         <p:spPr>
           <a:xfrm>
-            <a:off x="3409949" y="3244334"/>
-            <a:ext cx="5372100" cy="369332"/>
+            <a:off x="580987" y="1594179"/>
+            <a:ext cx="11030024" cy="3669641"/>
           </a:xfrm>
           <a:prstGeom prst="rect">
             <a:avLst/>
           </a:prstGeom>
-          <a:noFill/>
         </p:spPr>
-        <p:txBody>
-          <a:bodyPr wrap="square" rtlCol="0">
-            <a:spAutoFit/>
-          </a:bodyPr>
-          <a:lstStyle/>
-          <a:p>
-            <a:pPr algn="ctr"/>
-            <a:r>
-              <a:rPr lang="en-US" dirty="0"/>
-              <a:t>TODO</a:t>
-            </a:r>
-          </a:p>
-        </p:txBody>
-      </p:sp>
+      </p:pic>
     </p:spTree>
     <p:extLst>
       <p:ext uri="{BB962C8B-B14F-4D97-AF65-F5344CB8AC3E}">
-        <p14:creationId xmlns:p14="http://schemas.microsoft.com/office/powerpoint/2010/main" val="459074619"/>
+        <p14:creationId xmlns:p14="http://schemas.microsoft.com/office/powerpoint/2010/main" val="3238808484"/>
       </p:ext>
     </p:extLst>
   </p:cSld>
@@ -6016,7 +6107,7 @@
           <p:cNvPr id="2" name="Title 1">
             <a:extLst>
               <a:ext uri="{FF2B5EF4-FFF2-40B4-BE49-F238E27FC236}">
-                <a16:creationId xmlns:a16="http://schemas.microsoft.com/office/drawing/2014/main" id="{53ECA34C-268C-4049-9714-BAE84C98C887}"/>
+                <a16:creationId xmlns:a16="http://schemas.microsoft.com/office/drawing/2014/main" id="{EA4C12D0-083E-4769-A02E-B347285B14F3}"/>
               </a:ext>
             </a:extLst>
           </p:cNvPr>
@@ -6024,63 +6115,99 @@
             <a:spLocks noGrp="1"/>
           </p:cNvSpPr>
           <p:nvPr>
-            <p:ph type="title" idx="4294967295"/>
-          </p:nvPr>
-        </p:nvSpPr>
-        <p:spPr>
-          <a:xfrm>
-            <a:off x="1293812" y="171817"/>
-            <a:ext cx="9604375" cy="1049337"/>
-          </a:xfrm>
-        </p:spPr>
+            <p:ph type="title"/>
+          </p:nvPr>
+        </p:nvSpPr>
+        <p:spPr/>
         <p:txBody>
           <a:bodyPr/>
           <a:lstStyle/>
           <a:p>
-            <a:pPr algn="ctr"/>
             <a:r>
               <a:rPr lang="en-US" dirty="0"/>
-              <a:t>Software output</a:t>
-            </a:r>
-          </a:p>
-        </p:txBody>
-      </p:sp>
-      <p:pic>
-        <p:nvPicPr>
-          <p:cNvPr id="4" name="Content Placeholder 3">
+              <a:t>Hardware Datapath</a:t>
+            </a:r>
+          </a:p>
+        </p:txBody>
+      </p:sp>
+      <p:sp>
+        <p:nvSpPr>
+          <p:cNvPr id="3" name="Content Placeholder 2">
             <a:extLst>
               <a:ext uri="{FF2B5EF4-FFF2-40B4-BE49-F238E27FC236}">
-                <a16:creationId xmlns:a16="http://schemas.microsoft.com/office/drawing/2014/main" id="{090B0A3B-4AFF-4B83-A00E-57230BC3047D}"/>
+                <a16:creationId xmlns:a16="http://schemas.microsoft.com/office/drawing/2014/main" id="{A7E52646-B122-4096-9381-EB5DC1520579}"/>
               </a:ext>
             </a:extLst>
           </p:cNvPr>
-          <p:cNvPicPr>
-            <a:picLocks noGrp="1" noChangeAspect="1"/>
-          </p:cNvPicPr>
-          <p:nvPr>
-            <p:ph idx="4294967295"/>
-          </p:nvPr>
-        </p:nvPicPr>
-        <p:blipFill>
-          <a:blip r:embed="rId2"/>
-          <a:stretch>
-            <a:fillRect/>
-          </a:stretch>
-        </p:blipFill>
-        <p:spPr>
-          <a:xfrm>
-            <a:off x="580987" y="1594179"/>
-            <a:ext cx="11030024" cy="3669641"/>
-          </a:xfrm>
-          <a:prstGeom prst="rect">
-            <a:avLst/>
-          </a:prstGeom>
-        </p:spPr>
-      </p:pic>
+          <p:cNvSpPr>
+            <a:spLocks noGrp="1"/>
+          </p:cNvSpPr>
+          <p:nvPr>
+            <p:ph idx="1"/>
+          </p:nvPr>
+        </p:nvSpPr>
+        <p:spPr/>
+        <p:txBody>
+          <a:bodyPr>
+            <a:normAutofit/>
+          </a:bodyPr>
+          <a:lstStyle/>
+          <a:p>
+            <a:r>
+              <a:rPr lang="en-US" dirty="0" err="1"/>
+              <a:t>Datapaths</a:t>
+            </a:r>
+            <a:r>
+              <a:rPr lang="en-US" dirty="0"/>
+              <a:t> created for the NMS and thresholding blocks</a:t>
+            </a:r>
+          </a:p>
+          <a:p>
+            <a:r>
+              <a:rPr lang="en-US" dirty="0"/>
+              <a:t>NMS block</a:t>
+            </a:r>
+          </a:p>
+          <a:p>
+            <a:pPr lvl="1"/>
+            <a:r>
+              <a:rPr lang="en-US" dirty="0"/>
+              <a:t>Input: Magnitudes (8-bit integers) of all pixels in a 3x3 square and the direction (3-bit integer) of the center pixel</a:t>
+            </a:r>
+          </a:p>
+          <a:p>
+            <a:pPr lvl="1"/>
+            <a:r>
+              <a:rPr lang="en-US" dirty="0"/>
+              <a:t>Output: single bit indicating that the pixel is kept (1) or suppressed (0)</a:t>
+            </a:r>
+          </a:p>
+          <a:p>
+            <a:r>
+              <a:rPr lang="en-US" dirty="0"/>
+              <a:t>Thresholding block</a:t>
+            </a:r>
+          </a:p>
+          <a:p>
+            <a:pPr lvl="1"/>
+            <a:r>
+              <a:rPr lang="en-US" dirty="0"/>
+              <a:t>Input: Magnitude of the center pixel</a:t>
+            </a:r>
+          </a:p>
+          <a:p>
+            <a:pPr lvl="1"/>
+            <a:r>
+              <a:rPr lang="en-US" dirty="0"/>
+              <a:t>Output: single bit indicating that the pixel passes (1) or fails (0) the threshold</a:t>
+            </a:r>
+          </a:p>
+        </p:txBody>
+      </p:sp>
     </p:spTree>
     <p:extLst>
       <p:ext uri="{BB962C8B-B14F-4D97-AF65-F5344CB8AC3E}">
-        <p14:creationId xmlns:p14="http://schemas.microsoft.com/office/powerpoint/2010/main" val="3238808484"/>
+        <p14:creationId xmlns:p14="http://schemas.microsoft.com/office/powerpoint/2010/main" val="2046316780"/>
       </p:ext>
     </p:extLst>
   </p:cSld>

--- a/Deliverables/Canny edge detection – fpga speedup.pptx
+++ b/Deliverables/Canny edge detection – fpga speedup.pptx
@@ -210,7 +210,7 @@
           <a:p>
             <a:fld id="{F8C98A77-4E5D-4CD6-8DEB-A6C31B5A63A2}" type="datetimeFigureOut">
               <a:rPr lang="en-US" smtClean="0"/>
-              <a:t>04/30/2018</a:t>
+              <a:t>5/2/2018</a:t>
             </a:fld>
             <a:endParaRPr lang="en-US"/>
           </a:p>
@@ -964,7 +964,7 @@
           <a:p>
             <a:fld id="{81A02670-C342-4CC1-930D-919F19DAA981}" type="datetimeFigureOut">
               <a:rPr lang="en-US" smtClean="0"/>
-              <a:t>04/30/2018</a:t>
+              <a:t>5/2/2018</a:t>
             </a:fld>
             <a:endParaRPr lang="en-US"/>
           </a:p>
@@ -1419,7 +1419,7 @@
           <a:p>
             <a:fld id="{81A02670-C342-4CC1-930D-919F19DAA981}" type="datetimeFigureOut">
               <a:rPr lang="en-US" smtClean="0"/>
-              <a:t>04/30/2018</a:t>
+              <a:t>5/2/2018</a:t>
             </a:fld>
             <a:endParaRPr lang="en-US"/>
           </a:p>
@@ -1625,7 +1625,7 @@
           <a:p>
             <a:fld id="{81A02670-C342-4CC1-930D-919F19DAA981}" type="datetimeFigureOut">
               <a:rPr lang="en-US" smtClean="0"/>
-              <a:t>04/30/2018</a:t>
+              <a:t>5/2/2018</a:t>
             </a:fld>
             <a:endParaRPr lang="en-US"/>
           </a:p>
@@ -1840,7 +1840,7 @@
           <a:p>
             <a:fld id="{81A02670-C342-4CC1-930D-919F19DAA981}" type="datetimeFigureOut">
               <a:rPr lang="en-US" smtClean="0"/>
-              <a:t>04/30/2018</a:t>
+              <a:t>5/2/2018</a:t>
             </a:fld>
             <a:endParaRPr lang="en-US"/>
           </a:p>
@@ -2040,7 +2040,7 @@
           <a:p>
             <a:fld id="{81A02670-C342-4CC1-930D-919F19DAA981}" type="datetimeFigureOut">
               <a:rPr lang="en-US" smtClean="0"/>
-              <a:t>04/30/2018</a:t>
+              <a:t>5/2/2018</a:t>
             </a:fld>
             <a:endParaRPr lang="en-US"/>
           </a:p>
@@ -2319,7 +2319,7 @@
           <a:p>
             <a:fld id="{81A02670-C342-4CC1-930D-919F19DAA981}" type="datetimeFigureOut">
               <a:rPr lang="en-US" smtClean="0"/>
-              <a:t>04/30/2018</a:t>
+              <a:t>5/2/2018</a:t>
             </a:fld>
             <a:endParaRPr lang="en-US"/>
           </a:p>
@@ -2587,7 +2587,7 @@
           <a:p>
             <a:fld id="{81A02670-C342-4CC1-930D-919F19DAA981}" type="datetimeFigureOut">
               <a:rPr lang="en-US" smtClean="0"/>
-              <a:t>04/30/2018</a:t>
+              <a:t>5/2/2018</a:t>
             </a:fld>
             <a:endParaRPr lang="en-US"/>
           </a:p>
@@ -3003,7 +3003,7 @@
           <a:p>
             <a:fld id="{81A02670-C342-4CC1-930D-919F19DAA981}" type="datetimeFigureOut">
               <a:rPr lang="en-US" smtClean="0"/>
-              <a:t>04/30/2018</a:t>
+              <a:t>5/2/2018</a:t>
             </a:fld>
             <a:endParaRPr lang="en-US"/>
           </a:p>
@@ -3152,7 +3152,7 @@
           <a:p>
             <a:fld id="{81A02670-C342-4CC1-930D-919F19DAA981}" type="datetimeFigureOut">
               <a:rPr lang="en-US" smtClean="0"/>
-              <a:t>04/30/2018</a:t>
+              <a:t>5/2/2018</a:t>
             </a:fld>
             <a:endParaRPr lang="en-US"/>
           </a:p>
@@ -3278,7 +3278,7 @@
           <a:p>
             <a:fld id="{81A02670-C342-4CC1-930D-919F19DAA981}" type="datetimeFigureOut">
               <a:rPr lang="en-US" smtClean="0"/>
-              <a:t>04/30/2018</a:t>
+              <a:t>5/2/2018</a:t>
             </a:fld>
             <a:endParaRPr lang="en-US"/>
           </a:p>
@@ -3397,7 +3397,7 @@
           <a:p>
             <a:fld id="{81A02670-C342-4CC1-930D-919F19DAA981}" type="datetimeFigureOut">
               <a:rPr lang="en-US" smtClean="0"/>
-              <a:t>04/30/2018</a:t>
+              <a:t>5/2/2018</a:t>
             </a:fld>
             <a:endParaRPr lang="en-US"/>
           </a:p>
@@ -3648,7 +3648,7 @@
           <a:p>
             <a:fld id="{81A02670-C342-4CC1-930D-919F19DAA981}" type="datetimeFigureOut">
               <a:rPr lang="en-US" smtClean="0"/>
-              <a:t>04/30/2018</a:t>
+              <a:t>5/2/2018</a:t>
             </a:fld>
             <a:endParaRPr lang="en-US"/>
           </a:p>
@@ -3969,7 +3969,7 @@
           <a:p>
             <a:fld id="{81A02670-C342-4CC1-930D-919F19DAA981}" type="datetimeFigureOut">
               <a:rPr lang="en-US" smtClean="0"/>
-              <a:t>04/30/2018</a:t>
+              <a:t>5/2/2018</a:t>
             </a:fld>
             <a:endParaRPr lang="en-US"/>
           </a:p>
@@ -5159,42 +5159,42 @@
           </a:p>
         </p:txBody>
       </p:sp>
-      <p:sp>
-        <p:nvSpPr>
-          <p:cNvPr id="3" name="TextBox 2">
+      <p:pic>
+        <p:nvPicPr>
+          <p:cNvPr id="5" name="Picture 4">
             <a:extLst>
               <a:ext uri="{FF2B5EF4-FFF2-40B4-BE49-F238E27FC236}">
-                <a16:creationId xmlns:a16="http://schemas.microsoft.com/office/drawing/2014/main" id="{0C7FA304-23B6-4A6E-B349-59BA059200C3}"/>
+                <a16:creationId xmlns:a16="http://schemas.microsoft.com/office/drawing/2014/main" id="{A9DAB93C-14E0-4F17-87D3-9D575D383DB3}"/>
               </a:ext>
             </a:extLst>
           </p:cNvPr>
-          <p:cNvSpPr txBox="1"/>
+          <p:cNvPicPr>
+            <a:picLocks noChangeAspect="1"/>
+          </p:cNvPicPr>
           <p:nvPr/>
-        </p:nvSpPr>
+        </p:nvPicPr>
+        <p:blipFill>
+          <a:blip r:embed="rId3">
+            <a:extLst>
+              <a:ext uri="{28A0092B-C50C-407E-A947-70E740481C1C}">
+                <a14:useLocalDpi xmlns:a14="http://schemas.microsoft.com/office/drawing/2010/main" val="0"/>
+              </a:ext>
+            </a:extLst>
+          </a:blip>
+          <a:stretch>
+            <a:fillRect/>
+          </a:stretch>
+        </p:blipFill>
         <p:spPr>
           <a:xfrm>
-            <a:off x="3409949" y="3244334"/>
-            <a:ext cx="5372100" cy="369332"/>
+            <a:off x="2214020" y="627781"/>
+            <a:ext cx="7763958" cy="6230219"/>
           </a:xfrm>
           <a:prstGeom prst="rect">
             <a:avLst/>
           </a:prstGeom>
-          <a:noFill/>
         </p:spPr>
-        <p:txBody>
-          <a:bodyPr wrap="square" rtlCol="0">
-            <a:spAutoFit/>
-          </a:bodyPr>
-          <a:lstStyle/>
-          <a:p>
-            <a:pPr algn="ctr"/>
-            <a:r>
-              <a:rPr lang="en-US" dirty="0"/>
-              <a:t>TODO</a:t>
-            </a:r>
-          </a:p>
-        </p:txBody>
-      </p:sp>
+      </p:pic>
     </p:spTree>
     <p:extLst>
       <p:ext uri="{BB962C8B-B14F-4D97-AF65-F5344CB8AC3E}">

--- a/Deliverables/Canny edge detection – fpga speedup.pptx
+++ b/Deliverables/Canny edge detection – fpga speedup.pptx
@@ -5,7 +5,7 @@
     <p:sldMasterId id="2147483660" r:id="rId1"/>
   </p:sldMasterIdLst>
   <p:notesMasterIdLst>
-    <p:notesMasterId r:id="rId16"/>
+    <p:notesMasterId r:id="rId20"/>
   </p:notesMasterIdLst>
   <p:sldIdLst>
     <p:sldId id="256" r:id="rId2"/>
@@ -22,6 +22,10 @@
     <p:sldId id="263" r:id="rId13"/>
     <p:sldId id="260" r:id="rId14"/>
     <p:sldId id="271" r:id="rId15"/>
+    <p:sldId id="272" r:id="rId16"/>
+    <p:sldId id="273" r:id="rId17"/>
+    <p:sldId id="274" r:id="rId18"/>
+    <p:sldId id="275" r:id="rId19"/>
   </p:sldIdLst>
   <p:sldSz cx="12192000" cy="6858000"/>
   <p:notesSz cx="6858000" cy="9144000"/>
@@ -5199,6 +5203,556 @@
     <p:extLst>
       <p:ext uri="{BB962C8B-B14F-4D97-AF65-F5344CB8AC3E}">
         <p14:creationId xmlns:p14="http://schemas.microsoft.com/office/powerpoint/2010/main" val="219068459"/>
+      </p:ext>
+    </p:extLst>
+  </p:cSld>
+  <p:clrMapOvr>
+    <a:masterClrMapping/>
+  </p:clrMapOvr>
+</p:sld>
+</file>
+
+<file path=ppt/slides/slide15.xml><?xml version="1.0" encoding="utf-8"?>
+<p:sld xmlns:a="http://schemas.openxmlformats.org/drawingml/2006/main" xmlns:r="http://schemas.openxmlformats.org/officeDocument/2006/relationships" xmlns:p="http://schemas.openxmlformats.org/presentationml/2006/main">
+  <p:cSld>
+    <p:spTree>
+      <p:nvGrpSpPr>
+        <p:cNvPr id="1" name=""/>
+        <p:cNvGrpSpPr/>
+        <p:nvPr/>
+      </p:nvGrpSpPr>
+      <p:grpSpPr>
+        <a:xfrm>
+          <a:off x="0" y="0"/>
+          <a:ext cx="0" cy="0"/>
+          <a:chOff x="0" y="0"/>
+          <a:chExt cx="0" cy="0"/>
+        </a:xfrm>
+      </p:grpSpPr>
+      <p:sp>
+        <p:nvSpPr>
+          <p:cNvPr id="2" name="Title 1">
+            <a:extLst>
+              <a:ext uri="{FF2B5EF4-FFF2-40B4-BE49-F238E27FC236}">
+                <a16:creationId xmlns:a16="http://schemas.microsoft.com/office/drawing/2014/main" id="{5136C3ED-2364-47F5-A57F-EB1FA2AE2527}"/>
+              </a:ext>
+            </a:extLst>
+          </p:cNvPr>
+          <p:cNvSpPr>
+            <a:spLocks noGrp="1"/>
+          </p:cNvSpPr>
+          <p:nvPr>
+            <p:ph type="title"/>
+          </p:nvPr>
+        </p:nvSpPr>
+        <p:spPr/>
+        <p:txBody>
+          <a:bodyPr/>
+          <a:lstStyle/>
+          <a:p>
+            <a:r>
+              <a:rPr lang="en-US" dirty="0"/>
+              <a:t>Image recreation glitch</a:t>
+            </a:r>
+          </a:p>
+        </p:txBody>
+      </p:sp>
+      <p:sp>
+        <p:nvSpPr>
+          <p:cNvPr id="3" name="Text Placeholder 2">
+            <a:extLst>
+              <a:ext uri="{FF2B5EF4-FFF2-40B4-BE49-F238E27FC236}">
+                <a16:creationId xmlns:a16="http://schemas.microsoft.com/office/drawing/2014/main" id="{0FF091CE-196B-4EA4-B845-1664A8E1BA2C}"/>
+              </a:ext>
+            </a:extLst>
+          </p:cNvPr>
+          <p:cNvSpPr>
+            <a:spLocks noGrp="1"/>
+          </p:cNvSpPr>
+          <p:nvPr>
+            <p:ph type="body" idx="1"/>
+          </p:nvPr>
+        </p:nvSpPr>
+        <p:spPr/>
+        <p:txBody>
+          <a:bodyPr/>
+          <a:lstStyle/>
+          <a:p>
+            <a:r>
+              <a:rPr lang="en-US" dirty="0"/>
+              <a:t>How software recreated image</a:t>
+            </a:r>
+          </a:p>
+        </p:txBody>
+      </p:sp>
+      <p:sp>
+        <p:nvSpPr>
+          <p:cNvPr id="5" name="Text Placeholder 4">
+            <a:extLst>
+              <a:ext uri="{FF2B5EF4-FFF2-40B4-BE49-F238E27FC236}">
+                <a16:creationId xmlns:a16="http://schemas.microsoft.com/office/drawing/2014/main" id="{E95CCB12-E0A3-4CF4-9BD7-A6388AE7C6A4}"/>
+              </a:ext>
+            </a:extLst>
+          </p:cNvPr>
+          <p:cNvSpPr>
+            <a:spLocks noGrp="1"/>
+          </p:cNvSpPr>
+          <p:nvPr>
+            <p:ph type="body" sz="quarter" idx="3"/>
+          </p:nvPr>
+        </p:nvSpPr>
+        <p:spPr/>
+        <p:txBody>
+          <a:bodyPr/>
+          <a:lstStyle/>
+          <a:p>
+            <a:r>
+              <a:rPr lang="en-US" dirty="0"/>
+              <a:t>What it should look like</a:t>
+            </a:r>
+          </a:p>
+        </p:txBody>
+      </p:sp>
+      <p:pic>
+        <p:nvPicPr>
+          <p:cNvPr id="7" name="Content Placeholder 6">
+            <a:extLst>
+              <a:ext uri="{FF2B5EF4-FFF2-40B4-BE49-F238E27FC236}">
+                <a16:creationId xmlns:a16="http://schemas.microsoft.com/office/drawing/2014/main" id="{0B5FCDED-3EBB-417C-8671-D762F0CB2013}"/>
+              </a:ext>
+            </a:extLst>
+          </p:cNvPr>
+          <p:cNvPicPr>
+            <a:picLocks noGrp="1"/>
+          </p:cNvPicPr>
+          <p:nvPr>
+            <p:ph sz="half" idx="2"/>
+          </p:nvPr>
+        </p:nvPicPr>
+        <p:blipFill>
+          <a:blip r:embed="rId2"/>
+          <a:stretch>
+            <a:fillRect/>
+          </a:stretch>
+        </p:blipFill>
+        <p:spPr>
+          <a:xfrm>
+            <a:off x="2253673" y="3161661"/>
+            <a:ext cx="2426566" cy="1966091"/>
+          </a:xfrm>
+          <a:prstGeom prst="rect">
+            <a:avLst/>
+          </a:prstGeom>
+        </p:spPr>
+      </p:pic>
+      <p:pic>
+        <p:nvPicPr>
+          <p:cNvPr id="8" name="Content Placeholder 7">
+            <a:extLst>
+              <a:ext uri="{FF2B5EF4-FFF2-40B4-BE49-F238E27FC236}">
+                <a16:creationId xmlns:a16="http://schemas.microsoft.com/office/drawing/2014/main" id="{23D276B5-D4D2-4E10-9FB1-CCFC934AAD31}"/>
+              </a:ext>
+            </a:extLst>
+          </p:cNvPr>
+          <p:cNvPicPr>
+            <a:picLocks noGrp="1"/>
+          </p:cNvPicPr>
+          <p:nvPr>
+            <p:ph sz="quarter" idx="4"/>
+          </p:nvPr>
+        </p:nvPicPr>
+        <p:blipFill rotWithShape="1">
+          <a:blip r:embed="rId3"/>
+          <a:srcRect r="47938"/>
+          <a:stretch/>
+        </p:blipFill>
+        <p:spPr bwMode="auto">
+          <a:xfrm>
+            <a:off x="7511763" y="3161660"/>
+            <a:ext cx="2112528" cy="1966091"/>
+          </a:xfrm>
+          <a:prstGeom prst="rect">
+            <a:avLst/>
+          </a:prstGeom>
+          <a:ln>
+            <a:noFill/>
+          </a:ln>
+          <a:extLst>
+            <a:ext uri="{53640926-AAD7-44D8-BBD7-CCE9431645EC}">
+              <a14:shadowObscured xmlns:a14="http://schemas.microsoft.com/office/drawing/2010/main"/>
+            </a:ext>
+          </a:extLst>
+        </p:spPr>
+      </p:pic>
+    </p:spTree>
+    <p:extLst>
+      <p:ext uri="{BB962C8B-B14F-4D97-AF65-F5344CB8AC3E}">
+        <p14:creationId xmlns:p14="http://schemas.microsoft.com/office/powerpoint/2010/main" val="3974080755"/>
+      </p:ext>
+    </p:extLst>
+  </p:cSld>
+  <p:clrMapOvr>
+    <a:masterClrMapping/>
+  </p:clrMapOvr>
+</p:sld>
+</file>
+
+<file path=ppt/slides/slide16.xml><?xml version="1.0" encoding="utf-8"?>
+<p:sld xmlns:a="http://schemas.openxmlformats.org/drawingml/2006/main" xmlns:r="http://schemas.openxmlformats.org/officeDocument/2006/relationships" xmlns:p="http://schemas.openxmlformats.org/presentationml/2006/main">
+  <p:cSld>
+    <p:spTree>
+      <p:nvGrpSpPr>
+        <p:cNvPr id="1" name=""/>
+        <p:cNvGrpSpPr/>
+        <p:nvPr/>
+      </p:nvGrpSpPr>
+      <p:grpSpPr>
+        <a:xfrm>
+          <a:off x="0" y="0"/>
+          <a:ext cx="0" cy="0"/>
+          <a:chOff x="0" y="0"/>
+          <a:chExt cx="0" cy="0"/>
+        </a:xfrm>
+      </p:grpSpPr>
+      <p:sp>
+        <p:nvSpPr>
+          <p:cNvPr id="2" name="Title 1">
+            <a:extLst>
+              <a:ext uri="{FF2B5EF4-FFF2-40B4-BE49-F238E27FC236}">
+                <a16:creationId xmlns:a16="http://schemas.microsoft.com/office/drawing/2014/main" id="{180777D6-5B74-4286-9CD2-DA3CF1C1DD9A}"/>
+              </a:ext>
+            </a:extLst>
+          </p:cNvPr>
+          <p:cNvSpPr>
+            <a:spLocks noGrp="1"/>
+          </p:cNvSpPr>
+          <p:nvPr>
+            <p:ph type="title"/>
+          </p:nvPr>
+        </p:nvSpPr>
+        <p:spPr/>
+        <p:txBody>
+          <a:bodyPr/>
+          <a:lstStyle/>
+          <a:p>
+            <a:r>
+              <a:rPr lang="en-US" dirty="0"/>
+              <a:t>Example outputs</a:t>
+            </a:r>
+          </a:p>
+        </p:txBody>
+      </p:sp>
+      <p:pic>
+        <p:nvPicPr>
+          <p:cNvPr id="4" name="Content Placeholder 3">
+            <a:extLst>
+              <a:ext uri="{FF2B5EF4-FFF2-40B4-BE49-F238E27FC236}">
+                <a16:creationId xmlns:a16="http://schemas.microsoft.com/office/drawing/2014/main" id="{FD540077-2E5D-46E0-B0B3-7972DA5A507D}"/>
+              </a:ext>
+            </a:extLst>
+          </p:cNvPr>
+          <p:cNvPicPr>
+            <a:picLocks noGrp="1" noChangeAspect="1"/>
+          </p:cNvPicPr>
+          <p:nvPr>
+            <p:ph idx="1"/>
+          </p:nvPr>
+        </p:nvPicPr>
+        <p:blipFill>
+          <a:blip r:embed="rId2"/>
+          <a:stretch>
+            <a:fillRect/>
+          </a:stretch>
+        </p:blipFill>
+        <p:spPr>
+          <a:xfrm>
+            <a:off x="2354227" y="2604654"/>
+            <a:ext cx="7219842" cy="2182163"/>
+          </a:xfrm>
+          <a:prstGeom prst="rect">
+            <a:avLst/>
+          </a:prstGeom>
+        </p:spPr>
+      </p:pic>
+    </p:spTree>
+    <p:extLst>
+      <p:ext uri="{BB962C8B-B14F-4D97-AF65-F5344CB8AC3E}">
+        <p14:creationId xmlns:p14="http://schemas.microsoft.com/office/powerpoint/2010/main" val="2920089391"/>
+      </p:ext>
+    </p:extLst>
+  </p:cSld>
+  <p:clrMapOvr>
+    <a:masterClrMapping/>
+  </p:clrMapOvr>
+</p:sld>
+</file>
+
+<file path=ppt/slides/slide17.xml><?xml version="1.0" encoding="utf-8"?>
+<p:sld xmlns:a="http://schemas.openxmlformats.org/drawingml/2006/main" xmlns:r="http://schemas.openxmlformats.org/officeDocument/2006/relationships" xmlns:p="http://schemas.openxmlformats.org/presentationml/2006/main">
+  <p:cSld>
+    <p:spTree>
+      <p:nvGrpSpPr>
+        <p:cNvPr id="1" name=""/>
+        <p:cNvGrpSpPr/>
+        <p:nvPr/>
+      </p:nvGrpSpPr>
+      <p:grpSpPr>
+        <a:xfrm>
+          <a:off x="0" y="0"/>
+          <a:ext cx="0" cy="0"/>
+          <a:chOff x="0" y="0"/>
+          <a:chExt cx="0" cy="0"/>
+        </a:xfrm>
+      </p:grpSpPr>
+      <p:sp>
+        <p:nvSpPr>
+          <p:cNvPr id="2" name="Title 1">
+            <a:extLst>
+              <a:ext uri="{FF2B5EF4-FFF2-40B4-BE49-F238E27FC236}">
+                <a16:creationId xmlns:a16="http://schemas.microsoft.com/office/drawing/2014/main" id="{FA365401-B5DE-4D43-8A6C-B4F6954F1F0C}"/>
+              </a:ext>
+            </a:extLst>
+          </p:cNvPr>
+          <p:cNvSpPr>
+            <a:spLocks noGrp="1"/>
+          </p:cNvSpPr>
+          <p:nvPr>
+            <p:ph type="title"/>
+          </p:nvPr>
+        </p:nvSpPr>
+        <p:spPr/>
+        <p:txBody>
+          <a:bodyPr/>
+          <a:lstStyle/>
+          <a:p>
+            <a:r>
+              <a:rPr lang="en-US" dirty="0"/>
+              <a:t>Example outputs</a:t>
+            </a:r>
+          </a:p>
+        </p:txBody>
+      </p:sp>
+      <p:pic>
+        <p:nvPicPr>
+          <p:cNvPr id="4" name="Content Placeholder 3">
+            <a:extLst>
+              <a:ext uri="{FF2B5EF4-FFF2-40B4-BE49-F238E27FC236}">
+                <a16:creationId xmlns:a16="http://schemas.microsoft.com/office/drawing/2014/main" id="{F09D082D-217A-4EC1-8365-6FF38F351D37}"/>
+              </a:ext>
+            </a:extLst>
+          </p:cNvPr>
+          <p:cNvPicPr>
+            <a:picLocks noGrp="1" noChangeAspect="1"/>
+          </p:cNvPicPr>
+          <p:nvPr>
+            <p:ph idx="1"/>
+          </p:nvPr>
+        </p:nvPicPr>
+        <p:blipFill>
+          <a:blip r:embed="rId2"/>
+          <a:stretch>
+            <a:fillRect/>
+          </a:stretch>
+        </p:blipFill>
+        <p:spPr>
+          <a:xfrm>
+            <a:off x="2477132" y="2641600"/>
+            <a:ext cx="7237735" cy="2121405"/>
+          </a:xfrm>
+          <a:prstGeom prst="rect">
+            <a:avLst/>
+          </a:prstGeom>
+        </p:spPr>
+      </p:pic>
+    </p:spTree>
+    <p:extLst>
+      <p:ext uri="{BB962C8B-B14F-4D97-AF65-F5344CB8AC3E}">
+        <p14:creationId xmlns:p14="http://schemas.microsoft.com/office/powerpoint/2010/main" val="1464803244"/>
+      </p:ext>
+    </p:extLst>
+  </p:cSld>
+  <p:clrMapOvr>
+    <a:masterClrMapping/>
+  </p:clrMapOvr>
+</p:sld>
+</file>
+
+<file path=ppt/slides/slide18.xml><?xml version="1.0" encoding="utf-8"?>
+<p:sld xmlns:a="http://schemas.openxmlformats.org/drawingml/2006/main" xmlns:r="http://schemas.openxmlformats.org/officeDocument/2006/relationships" xmlns:p="http://schemas.openxmlformats.org/presentationml/2006/main">
+  <p:cSld>
+    <p:spTree>
+      <p:nvGrpSpPr>
+        <p:cNvPr id="1" name=""/>
+        <p:cNvGrpSpPr/>
+        <p:nvPr/>
+      </p:nvGrpSpPr>
+      <p:grpSpPr>
+        <a:xfrm>
+          <a:off x="0" y="0"/>
+          <a:ext cx="0" cy="0"/>
+          <a:chOff x="0" y="0"/>
+          <a:chExt cx="0" cy="0"/>
+        </a:xfrm>
+      </p:grpSpPr>
+      <p:sp>
+        <p:nvSpPr>
+          <p:cNvPr id="2" name="Title 1">
+            <a:extLst>
+              <a:ext uri="{FF2B5EF4-FFF2-40B4-BE49-F238E27FC236}">
+                <a16:creationId xmlns:a16="http://schemas.microsoft.com/office/drawing/2014/main" id="{BFDE2D91-9125-4DA9-BCBD-5C05AAF40C28}"/>
+              </a:ext>
+            </a:extLst>
+          </p:cNvPr>
+          <p:cNvSpPr>
+            <a:spLocks noGrp="1"/>
+          </p:cNvSpPr>
+          <p:nvPr>
+            <p:ph type="title"/>
+          </p:nvPr>
+        </p:nvSpPr>
+        <p:spPr/>
+        <p:txBody>
+          <a:bodyPr/>
+          <a:lstStyle/>
+          <a:p>
+            <a:r>
+              <a:rPr lang="en-US" dirty="0"/>
+              <a:t>Thresholding sensitivity</a:t>
+            </a:r>
+          </a:p>
+        </p:txBody>
+      </p:sp>
+      <p:sp>
+        <p:nvSpPr>
+          <p:cNvPr id="3" name="Text Placeholder 2">
+            <a:extLst>
+              <a:ext uri="{FF2B5EF4-FFF2-40B4-BE49-F238E27FC236}">
+                <a16:creationId xmlns:a16="http://schemas.microsoft.com/office/drawing/2014/main" id="{53050F73-D5C0-4818-A977-F09F45280699}"/>
+              </a:ext>
+            </a:extLst>
+          </p:cNvPr>
+          <p:cNvSpPr>
+            <a:spLocks noGrp="1"/>
+          </p:cNvSpPr>
+          <p:nvPr>
+            <p:ph type="body" idx="1"/>
+          </p:nvPr>
+        </p:nvSpPr>
+        <p:spPr/>
+        <p:txBody>
+          <a:bodyPr/>
+          <a:lstStyle/>
+          <a:p>
+            <a:r>
+              <a:rPr lang="en-US" dirty="0"/>
+              <a:t>Lower level</a:t>
+            </a:r>
+          </a:p>
+        </p:txBody>
+      </p:sp>
+      <p:sp>
+        <p:nvSpPr>
+          <p:cNvPr id="5" name="Text Placeholder 4">
+            <a:extLst>
+              <a:ext uri="{FF2B5EF4-FFF2-40B4-BE49-F238E27FC236}">
+                <a16:creationId xmlns:a16="http://schemas.microsoft.com/office/drawing/2014/main" id="{B62E21D6-C855-49F6-9BF9-8A0A4CBA2B67}"/>
+              </a:ext>
+            </a:extLst>
+          </p:cNvPr>
+          <p:cNvSpPr>
+            <a:spLocks noGrp="1"/>
+          </p:cNvSpPr>
+          <p:nvPr>
+            <p:ph type="body" sz="quarter" idx="3"/>
+          </p:nvPr>
+        </p:nvSpPr>
+        <p:spPr/>
+        <p:txBody>
+          <a:bodyPr/>
+          <a:lstStyle/>
+          <a:p>
+            <a:r>
+              <a:rPr lang="en-US" dirty="0"/>
+              <a:t>Higher level</a:t>
+            </a:r>
+          </a:p>
+        </p:txBody>
+      </p:sp>
+      <p:pic>
+        <p:nvPicPr>
+          <p:cNvPr id="8" name="Content Placeholder 7">
+            <a:extLst>
+              <a:ext uri="{FF2B5EF4-FFF2-40B4-BE49-F238E27FC236}">
+                <a16:creationId xmlns:a16="http://schemas.microsoft.com/office/drawing/2014/main" id="{C80294EF-9604-4D84-90A3-EC5C7FF3844D}"/>
+              </a:ext>
+            </a:extLst>
+          </p:cNvPr>
+          <p:cNvPicPr>
+            <a:picLocks noGrp="1" noChangeAspect="1"/>
+          </p:cNvPicPr>
+          <p:nvPr>
+            <p:ph sz="quarter" idx="4"/>
+          </p:nvPr>
+        </p:nvPicPr>
+        <p:blipFill>
+          <a:blip r:embed="rId2"/>
+          <a:stretch>
+            <a:fillRect/>
+          </a:stretch>
+        </p:blipFill>
+        <p:spPr>
+          <a:xfrm>
+            <a:off x="7144333" y="3242219"/>
+            <a:ext cx="2103870" cy="1725174"/>
+          </a:xfrm>
+          <a:prstGeom prst="rect">
+            <a:avLst/>
+          </a:prstGeom>
+        </p:spPr>
+      </p:pic>
+      <p:pic>
+        <p:nvPicPr>
+          <p:cNvPr id="7" name="Content Placeholder 6">
+            <a:extLst>
+              <a:ext uri="{FF2B5EF4-FFF2-40B4-BE49-F238E27FC236}">
+                <a16:creationId xmlns:a16="http://schemas.microsoft.com/office/drawing/2014/main" id="{51CEBFB1-7FB7-4E3A-A80F-BD792BA1C5D3}"/>
+              </a:ext>
+            </a:extLst>
+          </p:cNvPr>
+          <p:cNvPicPr>
+            <a:picLocks noGrp="1"/>
+          </p:cNvPicPr>
+          <p:nvPr>
+            <p:ph sz="half" idx="2"/>
+          </p:nvPr>
+        </p:nvPicPr>
+        <p:blipFill rotWithShape="1">
+          <a:blip r:embed="rId3"/>
+          <a:srcRect r="48470"/>
+          <a:stretch/>
+        </p:blipFill>
+        <p:spPr bwMode="auto">
+          <a:xfrm>
+            <a:off x="1838037" y="3242219"/>
+            <a:ext cx="2191610" cy="1677266"/>
+          </a:xfrm>
+          <a:prstGeom prst="rect">
+            <a:avLst/>
+          </a:prstGeom>
+          <a:ln>
+            <a:noFill/>
+          </a:ln>
+          <a:extLst>
+            <a:ext uri="{53640926-AAD7-44D8-BBD7-CCE9431645EC}">
+              <a14:shadowObscured xmlns:a14="http://schemas.microsoft.com/office/drawing/2010/main"/>
+            </a:ext>
+          </a:extLst>
+        </p:spPr>
+      </p:pic>
+    </p:spTree>
+    <p:extLst>
+      <p:ext uri="{BB962C8B-B14F-4D97-AF65-F5344CB8AC3E}">
+        <p14:creationId xmlns:p14="http://schemas.microsoft.com/office/powerpoint/2010/main" val="984301346"/>
       </p:ext>
     </p:extLst>
   </p:cSld>

--- a/Deliverables/Canny edge detection – fpga speedup.pptx
+++ b/Deliverables/Canny edge detection – fpga speedup.pptx
@@ -5,7 +5,7 @@
     <p:sldMasterId id="2147483660" r:id="rId1"/>
   </p:sldMasterIdLst>
   <p:notesMasterIdLst>
-    <p:notesMasterId r:id="rId20"/>
+    <p:notesMasterId r:id="rId19"/>
   </p:notesMasterIdLst>
   <p:sldIdLst>
     <p:sldId id="256" r:id="rId2"/>
@@ -13,19 +13,18 @@
     <p:sldId id="266" r:id="rId4"/>
     <p:sldId id="259" r:id="rId5"/>
     <p:sldId id="267" r:id="rId6"/>
-    <p:sldId id="268" r:id="rId7"/>
+    <p:sldId id="272" r:id="rId7"/>
     <p:sldId id="257" r:id="rId8"/>
-    <p:sldId id="269" r:id="rId9"/>
-    <p:sldId id="258" r:id="rId10"/>
-    <p:sldId id="261" r:id="rId11"/>
-    <p:sldId id="270" r:id="rId12"/>
-    <p:sldId id="263" r:id="rId13"/>
-    <p:sldId id="260" r:id="rId14"/>
-    <p:sldId id="271" r:id="rId15"/>
-    <p:sldId id="272" r:id="rId16"/>
-    <p:sldId id="273" r:id="rId17"/>
-    <p:sldId id="274" r:id="rId18"/>
-    <p:sldId id="275" r:id="rId19"/>
+    <p:sldId id="258" r:id="rId9"/>
+    <p:sldId id="261" r:id="rId10"/>
+    <p:sldId id="263" r:id="rId11"/>
+    <p:sldId id="260" r:id="rId12"/>
+    <p:sldId id="271" r:id="rId13"/>
+    <p:sldId id="280" r:id="rId14"/>
+    <p:sldId id="274" r:id="rId15"/>
+    <p:sldId id="276" r:id="rId16"/>
+    <p:sldId id="275" r:id="rId17"/>
+    <p:sldId id="279" r:id="rId18"/>
   </p:sldIdLst>
   <p:sldSz cx="12192000" cy="6858000"/>
   <p:notesSz cx="6858000" cy="9144000"/>
@@ -214,7 +213,7 @@
           <a:p>
             <a:fld id="{F8C98A77-4E5D-4CD6-8DEB-A6C31B5A63A2}" type="datetimeFigureOut">
               <a:rPr lang="en-US" smtClean="0"/>
-              <a:t>5/2/2018</a:t>
+              <a:t>05/02/2018</a:t>
             </a:fld>
             <a:endParaRPr lang="en-US"/>
           </a:p>
@@ -525,10 +524,7 @@
           <a:bodyPr/>
           <a:lstStyle/>
           <a:p>
-            <a:r>
-              <a:rPr lang="en-US" dirty="0"/>
-              <a:t>Max, on this slide I would like to circle the parts that software does and what part the FPGA will be responsible for</a:t>
-            </a:r>
+            <a:endParaRPr lang="en-US" dirty="0"/>
           </a:p>
         </p:txBody>
       </p:sp>
@@ -612,10 +608,7 @@
           <a:bodyPr/>
           <a:lstStyle/>
           <a:p>
-            <a:r>
-              <a:rPr lang="en-US" dirty="0"/>
-              <a:t>Max, on this slide I would like to circle the parts that software does and what part the FPGA will be responsible for</a:t>
-            </a:r>
+            <a:endParaRPr lang="en-US" dirty="0"/>
           </a:p>
         </p:txBody>
       </p:sp>
@@ -645,7 +638,7 @@
     </p:spTree>
     <p:extLst>
       <p:ext uri="{BB962C8B-B14F-4D97-AF65-F5344CB8AC3E}">
-        <p14:creationId xmlns:p14="http://schemas.microsoft.com/office/powerpoint/2010/main" val="2814428251"/>
+        <p14:creationId xmlns:p14="http://schemas.microsoft.com/office/powerpoint/2010/main" val="3028517330"/>
       </p:ext>
     </p:extLst>
   </p:cSld>
@@ -699,10 +692,7 @@
           <a:bodyPr/>
           <a:lstStyle/>
           <a:p>
-            <a:r>
-              <a:rPr lang="en-US" dirty="0"/>
-              <a:t>Max, on this slide I would like to circle the parts that software does and what part the FPGA will be responsible for</a:t>
-            </a:r>
+            <a:endParaRPr lang="en-US" dirty="0"/>
           </a:p>
         </p:txBody>
       </p:sp>
@@ -723,94 +713,7 @@
           <a:p>
             <a:fld id="{D5DB187F-0C16-489C-BEFC-CCD1ADA00271}" type="slidenum">
               <a:rPr lang="en-US" smtClean="0"/>
-              <a:t>8</a:t>
-            </a:fld>
-            <a:endParaRPr lang="en-US"/>
-          </a:p>
-        </p:txBody>
-      </p:sp>
-    </p:spTree>
-    <p:extLst>
-      <p:ext uri="{BB962C8B-B14F-4D97-AF65-F5344CB8AC3E}">
-        <p14:creationId xmlns:p14="http://schemas.microsoft.com/office/powerpoint/2010/main" val="2370239009"/>
-      </p:ext>
-    </p:extLst>
-  </p:cSld>
-  <p:clrMapOvr>
-    <a:masterClrMapping/>
-  </p:clrMapOvr>
-</p:notes>
-</file>
-
-<file path=ppt/notesSlides/notesSlide4.xml><?xml version="1.0" encoding="utf-8"?>
-<p:notes xmlns:a="http://schemas.openxmlformats.org/drawingml/2006/main" xmlns:r="http://schemas.openxmlformats.org/officeDocument/2006/relationships" xmlns:p="http://schemas.openxmlformats.org/presentationml/2006/main">
-  <p:cSld>
-    <p:spTree>
-      <p:nvGrpSpPr>
-        <p:cNvPr id="1" name=""/>
-        <p:cNvGrpSpPr/>
-        <p:nvPr/>
-      </p:nvGrpSpPr>
-      <p:grpSpPr>
-        <a:xfrm>
-          <a:off x="0" y="0"/>
-          <a:ext cx="0" cy="0"/>
-          <a:chOff x="0" y="0"/>
-          <a:chExt cx="0" cy="0"/>
-        </a:xfrm>
-      </p:grpSpPr>
-      <p:sp>
-        <p:nvSpPr>
-          <p:cNvPr id="2" name="Slide Image Placeholder 1"/>
-          <p:cNvSpPr>
-            <a:spLocks noGrp="1" noRot="1" noChangeAspect="1"/>
-          </p:cNvSpPr>
-          <p:nvPr>
-            <p:ph type="sldImg"/>
-          </p:nvPr>
-        </p:nvSpPr>
-        <p:spPr/>
-      </p:sp>
-      <p:sp>
-        <p:nvSpPr>
-          <p:cNvPr id="3" name="Notes Placeholder 2"/>
-          <p:cNvSpPr>
-            <a:spLocks noGrp="1"/>
-          </p:cNvSpPr>
-          <p:nvPr>
-            <p:ph type="body" idx="1"/>
-          </p:nvPr>
-        </p:nvSpPr>
-        <p:spPr/>
-        <p:txBody>
-          <a:bodyPr/>
-          <a:lstStyle/>
-          <a:p>
-            <a:r>
-              <a:rPr lang="en-US" dirty="0"/>
-              <a:t>Max, on this slide I would like to circle the parts that software does and what part the FPGA will be responsible for</a:t>
-            </a:r>
-          </a:p>
-        </p:txBody>
-      </p:sp>
-      <p:sp>
-        <p:nvSpPr>
-          <p:cNvPr id="4" name="Slide Number Placeholder 3"/>
-          <p:cNvSpPr>
-            <a:spLocks noGrp="1"/>
-          </p:cNvSpPr>
-          <p:nvPr>
-            <p:ph type="sldNum" sz="quarter" idx="10"/>
-          </p:nvPr>
-        </p:nvSpPr>
-        <p:spPr/>
-        <p:txBody>
-          <a:bodyPr/>
-          <a:lstStyle/>
-          <a:p>
-            <a:fld id="{D5DB187F-0C16-489C-BEFC-CCD1ADA00271}" type="slidenum">
-              <a:rPr lang="en-US" smtClean="0"/>
-              <a:t>14</a:t>
+              <a:t>12</a:t>
             </a:fld>
             <a:endParaRPr lang="en-US"/>
           </a:p>
@@ -968,7 +871,7 @@
           <a:p>
             <a:fld id="{81A02670-C342-4CC1-930D-919F19DAA981}" type="datetimeFigureOut">
               <a:rPr lang="en-US" smtClean="0"/>
-              <a:t>5/2/2018</a:t>
+              <a:t>05/02/2018</a:t>
             </a:fld>
             <a:endParaRPr lang="en-US"/>
           </a:p>
@@ -1071,6 +974,288 @@
 </file>
 
 <file path=ppt/slideLayouts/slideLayout10.xml><?xml version="1.0" encoding="utf-8"?>
+<p:sldLayout xmlns:a="http://schemas.openxmlformats.org/drawingml/2006/main" xmlns:r="http://schemas.openxmlformats.org/officeDocument/2006/relationships" xmlns:p="http://schemas.openxmlformats.org/presentationml/2006/main" type="objTx" preserve="1">
+  <p:cSld name="Content with Caption">
+    <p:spTree>
+      <p:nvGrpSpPr>
+        <p:cNvPr id="1" name=""/>
+        <p:cNvGrpSpPr/>
+        <p:nvPr/>
+      </p:nvGrpSpPr>
+      <p:grpSpPr>
+        <a:xfrm>
+          <a:off x="0" y="0"/>
+          <a:ext cx="0" cy="0"/>
+          <a:chOff x="0" y="0"/>
+          <a:chExt cx="0" cy="0"/>
+        </a:xfrm>
+      </p:grpSpPr>
+      <p:sp>
+        <p:nvSpPr>
+          <p:cNvPr id="2" name="Title 1"/>
+          <p:cNvSpPr>
+            <a:spLocks noGrp="1"/>
+          </p:cNvSpPr>
+          <p:nvPr>
+            <p:ph type="title"/>
+          </p:nvPr>
+        </p:nvSpPr>
+        <p:spPr>
+          <a:xfrm>
+            <a:off x="1444671" y="798973"/>
+            <a:ext cx="3273099" cy="2247117"/>
+          </a:xfrm>
+        </p:spPr>
+        <p:txBody>
+          <a:bodyPr anchor="b">
+            <a:normAutofit/>
+          </a:bodyPr>
+          <a:lstStyle>
+            <a:lvl1pPr algn="l">
+              <a:defRPr sz="2400"/>
+            </a:lvl1pPr>
+          </a:lstStyle>
+          <a:p>
+            <a:r>
+              <a:rPr lang="en-US"/>
+              <a:t>Click to edit Master title style</a:t>
+            </a:r>
+            <a:endParaRPr lang="en-US" dirty="0"/>
+          </a:p>
+        </p:txBody>
+      </p:sp>
+      <p:sp>
+        <p:nvSpPr>
+          <p:cNvPr id="3" name="Content Placeholder 2"/>
+          <p:cNvSpPr>
+            <a:spLocks noGrp="1"/>
+          </p:cNvSpPr>
+          <p:nvPr>
+            <p:ph idx="1"/>
+          </p:nvPr>
+        </p:nvSpPr>
+        <p:spPr>
+          <a:xfrm>
+            <a:off x="5043714" y="798974"/>
+            <a:ext cx="6012470" cy="4658826"/>
+          </a:xfrm>
+        </p:spPr>
+        <p:txBody>
+          <a:bodyPr anchor="ctr"/>
+          <a:lstStyle/>
+          <a:p>
+            <a:pPr lvl="0"/>
+            <a:r>
+              <a:rPr lang="en-US"/>
+              <a:t>Edit Master text styles</a:t>
+            </a:r>
+          </a:p>
+          <a:p>
+            <a:pPr lvl="1"/>
+            <a:r>
+              <a:rPr lang="en-US"/>
+              <a:t>Second level</a:t>
+            </a:r>
+          </a:p>
+          <a:p>
+            <a:pPr lvl="2"/>
+            <a:r>
+              <a:rPr lang="en-US"/>
+              <a:t>Third level</a:t>
+            </a:r>
+          </a:p>
+          <a:p>
+            <a:pPr lvl="3"/>
+            <a:r>
+              <a:rPr lang="en-US"/>
+              <a:t>Fourth level</a:t>
+            </a:r>
+          </a:p>
+          <a:p>
+            <a:pPr lvl="4"/>
+            <a:r>
+              <a:rPr lang="en-US"/>
+              <a:t>Fifth level</a:t>
+            </a:r>
+            <a:endParaRPr lang="en-US" dirty="0"/>
+          </a:p>
+        </p:txBody>
+      </p:sp>
+      <p:sp>
+        <p:nvSpPr>
+          <p:cNvPr id="4" name="Text Placeholder 3"/>
+          <p:cNvSpPr>
+            <a:spLocks noGrp="1"/>
+          </p:cNvSpPr>
+          <p:nvPr>
+            <p:ph type="body" sz="half" idx="2"/>
+          </p:nvPr>
+        </p:nvSpPr>
+        <p:spPr>
+          <a:xfrm>
+            <a:off x="1444671" y="3205491"/>
+            <a:ext cx="3275013" cy="2248181"/>
+          </a:xfrm>
+        </p:spPr>
+        <p:txBody>
+          <a:bodyPr/>
+          <a:lstStyle>
+            <a:lvl1pPr marL="0" indent="0" algn="l">
+              <a:buNone/>
+              <a:defRPr sz="1600"/>
+            </a:lvl1pPr>
+            <a:lvl2pPr marL="457200" indent="0">
+              <a:buNone/>
+              <a:defRPr sz="1400"/>
+            </a:lvl2pPr>
+            <a:lvl3pPr marL="914400" indent="0">
+              <a:buNone/>
+              <a:defRPr sz="1200"/>
+            </a:lvl3pPr>
+            <a:lvl4pPr marL="1371600" indent="0">
+              <a:buNone/>
+              <a:defRPr sz="1000"/>
+            </a:lvl4pPr>
+            <a:lvl5pPr marL="1828800" indent="0">
+              <a:buNone/>
+              <a:defRPr sz="1000"/>
+            </a:lvl5pPr>
+            <a:lvl6pPr marL="2286000" indent="0">
+              <a:buNone/>
+              <a:defRPr sz="1000"/>
+            </a:lvl6pPr>
+            <a:lvl7pPr marL="2743200" indent="0">
+              <a:buNone/>
+              <a:defRPr sz="1000"/>
+            </a:lvl7pPr>
+            <a:lvl8pPr marL="3200400" indent="0">
+              <a:buNone/>
+              <a:defRPr sz="1000"/>
+            </a:lvl8pPr>
+            <a:lvl9pPr marL="3657600" indent="0">
+              <a:buNone/>
+              <a:defRPr sz="1000"/>
+            </a:lvl9pPr>
+          </a:lstStyle>
+          <a:p>
+            <a:pPr lvl="0"/>
+            <a:r>
+              <a:rPr lang="en-US"/>
+              <a:t>Edit Master text styles</a:t>
+            </a:r>
+          </a:p>
+        </p:txBody>
+      </p:sp>
+      <p:sp>
+        <p:nvSpPr>
+          <p:cNvPr id="5" name="Date Placeholder 4"/>
+          <p:cNvSpPr>
+            <a:spLocks noGrp="1"/>
+          </p:cNvSpPr>
+          <p:nvPr>
+            <p:ph type="dt" sz="half" idx="10"/>
+          </p:nvPr>
+        </p:nvSpPr>
+        <p:spPr/>
+        <p:txBody>
+          <a:bodyPr/>
+          <a:lstStyle/>
+          <a:p>
+            <a:fld id="{81A02670-C342-4CC1-930D-919F19DAA981}" type="datetimeFigureOut">
+              <a:rPr lang="en-US" smtClean="0"/>
+              <a:t>05/02/2018</a:t>
+            </a:fld>
+            <a:endParaRPr lang="en-US"/>
+          </a:p>
+        </p:txBody>
+      </p:sp>
+      <p:sp>
+        <p:nvSpPr>
+          <p:cNvPr id="6" name="Footer Placeholder 5"/>
+          <p:cNvSpPr>
+            <a:spLocks noGrp="1"/>
+          </p:cNvSpPr>
+          <p:nvPr>
+            <p:ph type="ftr" sz="quarter" idx="11"/>
+          </p:nvPr>
+        </p:nvSpPr>
+        <p:spPr/>
+        <p:txBody>
+          <a:bodyPr/>
+          <a:lstStyle/>
+          <a:p>
+            <a:endParaRPr lang="en-US"/>
+          </a:p>
+        </p:txBody>
+      </p:sp>
+      <p:sp>
+        <p:nvSpPr>
+          <p:cNvPr id="7" name="Slide Number Placeholder 6"/>
+          <p:cNvSpPr>
+            <a:spLocks noGrp="1"/>
+          </p:cNvSpPr>
+          <p:nvPr>
+            <p:ph type="sldNum" sz="quarter" idx="12"/>
+          </p:nvPr>
+        </p:nvSpPr>
+        <p:spPr/>
+        <p:txBody>
+          <a:bodyPr/>
+          <a:lstStyle/>
+          <a:p>
+            <a:fld id="{2FA3CE17-C092-4EFD-95EC-615FCD38D744}" type="slidenum">
+              <a:rPr lang="en-US" smtClean="0"/>
+              <a:t>‹#›</a:t>
+            </a:fld>
+            <a:endParaRPr lang="en-US"/>
+          </a:p>
+        </p:txBody>
+      </p:sp>
+      <p:cxnSp>
+        <p:nvCxnSpPr>
+          <p:cNvPr id="17" name="Straight Connector 16"/>
+          <p:cNvCxnSpPr/>
+          <p:nvPr/>
+        </p:nvCxnSpPr>
+        <p:spPr>
+          <a:xfrm>
+            <a:off x="1448280" y="3205491"/>
+            <a:ext cx="3269490" cy="0"/>
+          </a:xfrm>
+          <a:prstGeom prst="line">
+            <a:avLst/>
+          </a:prstGeom>
+          <a:ln w="31750"/>
+        </p:spPr>
+        <p:style>
+          <a:lnRef idx="3">
+            <a:schemeClr val="accent1"/>
+          </a:lnRef>
+          <a:fillRef idx="0">
+            <a:schemeClr val="accent1"/>
+          </a:fillRef>
+          <a:effectRef idx="2">
+            <a:schemeClr val="accent1"/>
+          </a:effectRef>
+          <a:fontRef idx="minor">
+            <a:schemeClr val="tx1"/>
+          </a:fontRef>
+        </p:style>
+      </p:cxnSp>
+    </p:spTree>
+    <p:extLst>
+      <p:ext uri="{BB962C8B-B14F-4D97-AF65-F5344CB8AC3E}">
+        <p14:creationId xmlns:p14="http://schemas.microsoft.com/office/powerpoint/2010/main" val="3864896639"/>
+      </p:ext>
+    </p:extLst>
+  </p:cSld>
+  <p:clrMapOvr>
+    <a:masterClrMapping/>
+  </p:clrMapOvr>
+</p:sldLayout>
+</file>
+
+<file path=ppt/slideLayouts/slideLayout11.xml><?xml version="1.0" encoding="utf-8"?>
 <p:sldLayout xmlns:a="http://schemas.openxmlformats.org/drawingml/2006/main" xmlns:r="http://schemas.openxmlformats.org/officeDocument/2006/relationships" xmlns:p="http://schemas.openxmlformats.org/presentationml/2006/main" type="picTx" preserve="1">
   <p:cSld name="Picture with Caption">
     <p:spTree>
@@ -1423,7 +1608,7 @@
           <a:p>
             <a:fld id="{81A02670-C342-4CC1-930D-919F19DAA981}" type="datetimeFigureOut">
               <a:rPr lang="en-US" smtClean="0"/>
-              <a:t>5/2/2018</a:t>
+              <a:t>05/02/2018</a:t>
             </a:fld>
             <a:endParaRPr lang="en-US"/>
           </a:p>
@@ -1520,7 +1705,7 @@
 </p:sldLayout>
 </file>
 
-<file path=ppt/slideLayouts/slideLayout11.xml><?xml version="1.0" encoding="utf-8"?>
+<file path=ppt/slideLayouts/slideLayout12.xml><?xml version="1.0" encoding="utf-8"?>
 <p:sldLayout xmlns:a="http://schemas.openxmlformats.org/drawingml/2006/main" xmlns:r="http://schemas.openxmlformats.org/officeDocument/2006/relationships" xmlns:p="http://schemas.openxmlformats.org/presentationml/2006/main" type="vertTx" preserve="1">
   <p:cSld name="Title and Vertical Text">
     <p:spTree>
@@ -1629,7 +1814,7 @@
           <a:p>
             <a:fld id="{81A02670-C342-4CC1-930D-919F19DAA981}" type="datetimeFigureOut">
               <a:rPr lang="en-US" smtClean="0"/>
-              <a:t>5/2/2018</a:t>
+              <a:t>05/02/2018</a:t>
             </a:fld>
             <a:endParaRPr lang="en-US"/>
           </a:p>
@@ -1721,7 +1906,7 @@
 </p:sldLayout>
 </file>
 
-<file path=ppt/slideLayouts/slideLayout12.xml><?xml version="1.0" encoding="utf-8"?>
+<file path=ppt/slideLayouts/slideLayout13.xml><?xml version="1.0" encoding="utf-8"?>
 <p:sldLayout xmlns:a="http://schemas.openxmlformats.org/drawingml/2006/main" xmlns:r="http://schemas.openxmlformats.org/officeDocument/2006/relationships" xmlns:p="http://schemas.openxmlformats.org/presentationml/2006/main" type="vertTitleAndTx" preserve="1">
   <p:cSld name="Vertical Title and Text">
     <p:spTree>
@@ -1844,7 +2029,7 @@
           <a:p>
             <a:fld id="{81A02670-C342-4CC1-930D-919F19DAA981}" type="datetimeFigureOut">
               <a:rPr lang="en-US" smtClean="0"/>
-              <a:t>5/2/2018</a:t>
+              <a:t>05/02/2018</a:t>
             </a:fld>
             <a:endParaRPr lang="en-US"/>
           </a:p>
@@ -2044,7 +2229,7 @@
           <a:p>
             <a:fld id="{81A02670-C342-4CC1-930D-919F19DAA981}" type="datetimeFigureOut">
               <a:rPr lang="en-US" smtClean="0"/>
-              <a:t>5/2/2018</a:t>
+              <a:t>05/02/2018</a:t>
             </a:fld>
             <a:endParaRPr lang="en-US"/>
           </a:p>
@@ -2323,7 +2508,7 @@
           <a:p>
             <a:fld id="{81A02670-C342-4CC1-930D-919F19DAA981}" type="datetimeFigureOut">
               <a:rPr lang="en-US" smtClean="0"/>
-              <a:t>5/2/2018</a:t>
+              <a:t>05/02/2018</a:t>
             </a:fld>
             <a:endParaRPr lang="en-US"/>
           </a:p>
@@ -2591,7 +2776,7 @@
           <a:p>
             <a:fld id="{81A02670-C342-4CC1-930D-919F19DAA981}" type="datetimeFigureOut">
               <a:rPr lang="en-US" smtClean="0"/>
-              <a:t>5/2/2018</a:t>
+              <a:t>05/02/2018</a:t>
             </a:fld>
             <a:endParaRPr lang="en-US"/>
           </a:p>
@@ -3007,7 +3192,7 @@
           <a:p>
             <a:fld id="{81A02670-C342-4CC1-930D-919F19DAA981}" type="datetimeFigureOut">
               <a:rPr lang="en-US" smtClean="0"/>
-              <a:t>5/2/2018</a:t>
+              <a:t>05/02/2018</a:t>
             </a:fld>
             <a:endParaRPr lang="en-US"/>
           </a:p>
@@ -3156,7 +3341,7 @@
           <a:p>
             <a:fld id="{81A02670-C342-4CC1-930D-919F19DAA981}" type="datetimeFigureOut">
               <a:rPr lang="en-US" smtClean="0"/>
-              <a:t>5/2/2018</a:t>
+              <a:t>05/02/2018</a:t>
             </a:fld>
             <a:endParaRPr lang="en-US"/>
           </a:p>
@@ -3282,7 +3467,7 @@
           <a:p>
             <a:fld id="{81A02670-C342-4CC1-930D-919F19DAA981}" type="datetimeFigureOut">
               <a:rPr lang="en-US" smtClean="0"/>
-              <a:t>5/2/2018</a:t>
+              <a:t>05/02/2018</a:t>
             </a:fld>
             <a:endParaRPr lang="en-US"/>
           </a:p>
@@ -3345,7 +3530,7 @@
 
 <file path=ppt/slideLayouts/slideLayout8.xml><?xml version="1.0" encoding="utf-8"?>
 <p:sldLayout xmlns:a="http://schemas.openxmlformats.org/drawingml/2006/main" xmlns:r="http://schemas.openxmlformats.org/officeDocument/2006/relationships" xmlns:p="http://schemas.openxmlformats.org/presentationml/2006/main" showMasterSp="0" type="blank" preserve="1">
-  <p:cSld name="Blank - ALT">
+  <p:cSld name="Blank - ALT A">
     <p:bg>
       <p:bgPr>
         <a:gradFill>
@@ -3401,7 +3586,7 @@
           <a:p>
             <a:fld id="{81A02670-C342-4CC1-930D-919F19DAA981}" type="datetimeFigureOut">
               <a:rPr lang="en-US" smtClean="0"/>
-              <a:t>5/2/2018</a:t>
+              <a:t>05/02/2018</a:t>
             </a:fld>
             <a:endParaRPr lang="en-US"/>
           </a:p>
@@ -3463,8 +3648,36 @@
 </file>
 
 <file path=ppt/slideLayouts/slideLayout9.xml><?xml version="1.0" encoding="utf-8"?>
-<p:sldLayout xmlns:a="http://schemas.openxmlformats.org/drawingml/2006/main" xmlns:r="http://schemas.openxmlformats.org/officeDocument/2006/relationships" xmlns:p="http://schemas.openxmlformats.org/presentationml/2006/main" type="objTx" preserve="1">
-  <p:cSld name="Content with Caption">
+<p:sldLayout xmlns:a="http://schemas.openxmlformats.org/drawingml/2006/main" xmlns:r="http://schemas.openxmlformats.org/officeDocument/2006/relationships" xmlns:p="http://schemas.openxmlformats.org/presentationml/2006/main" showMasterSp="0" type="blank" preserve="1">
+  <p:cSld name="Blank - ALT B">
+    <p:bg>
+      <p:bgPr>
+        <a:gradFill flip="none" rotWithShape="1">
+          <a:gsLst>
+            <a:gs pos="0">
+              <a:schemeClr val="accent6">
+                <a:lumMod val="67000"/>
+              </a:schemeClr>
+            </a:gs>
+            <a:gs pos="48000">
+              <a:schemeClr val="accent6">
+                <a:lumMod val="97000"/>
+                <a:lumOff val="3000"/>
+              </a:schemeClr>
+            </a:gs>
+            <a:gs pos="100000">
+              <a:schemeClr val="accent6">
+                <a:lumMod val="60000"/>
+                <a:lumOff val="40000"/>
+              </a:schemeClr>
+            </a:gs>
+          </a:gsLst>
+          <a:lin ang="16200000" scaled="1"/>
+          <a:tileRect/>
+        </a:gradFill>
+        <a:effectLst/>
+      </p:bgPr>
+    </p:bg>
     <p:spTree>
       <p:nvGrpSpPr>
         <p:cNvPr id="1" name=""/>
@@ -3481,163 +3694,7 @@
       </p:grpSpPr>
       <p:sp>
         <p:nvSpPr>
-          <p:cNvPr id="2" name="Title 1"/>
-          <p:cNvSpPr>
-            <a:spLocks noGrp="1"/>
-          </p:cNvSpPr>
-          <p:nvPr>
-            <p:ph type="title"/>
-          </p:nvPr>
-        </p:nvSpPr>
-        <p:spPr>
-          <a:xfrm>
-            <a:off x="1444671" y="798973"/>
-            <a:ext cx="3273099" cy="2247117"/>
-          </a:xfrm>
-        </p:spPr>
-        <p:txBody>
-          <a:bodyPr anchor="b">
-            <a:normAutofit/>
-          </a:bodyPr>
-          <a:lstStyle>
-            <a:lvl1pPr algn="l">
-              <a:defRPr sz="2400"/>
-            </a:lvl1pPr>
-          </a:lstStyle>
-          <a:p>
-            <a:r>
-              <a:rPr lang="en-US"/>
-              <a:t>Click to edit Master title style</a:t>
-            </a:r>
-            <a:endParaRPr lang="en-US" dirty="0"/>
-          </a:p>
-        </p:txBody>
-      </p:sp>
-      <p:sp>
-        <p:nvSpPr>
-          <p:cNvPr id="3" name="Content Placeholder 2"/>
-          <p:cNvSpPr>
-            <a:spLocks noGrp="1"/>
-          </p:cNvSpPr>
-          <p:nvPr>
-            <p:ph idx="1"/>
-          </p:nvPr>
-        </p:nvSpPr>
-        <p:spPr>
-          <a:xfrm>
-            <a:off x="5043714" y="798974"/>
-            <a:ext cx="6012470" cy="4658826"/>
-          </a:xfrm>
-        </p:spPr>
-        <p:txBody>
-          <a:bodyPr anchor="ctr"/>
-          <a:lstStyle/>
-          <a:p>
-            <a:pPr lvl="0"/>
-            <a:r>
-              <a:rPr lang="en-US"/>
-              <a:t>Edit Master text styles</a:t>
-            </a:r>
-          </a:p>
-          <a:p>
-            <a:pPr lvl="1"/>
-            <a:r>
-              <a:rPr lang="en-US"/>
-              <a:t>Second level</a:t>
-            </a:r>
-          </a:p>
-          <a:p>
-            <a:pPr lvl="2"/>
-            <a:r>
-              <a:rPr lang="en-US"/>
-              <a:t>Third level</a:t>
-            </a:r>
-          </a:p>
-          <a:p>
-            <a:pPr lvl="3"/>
-            <a:r>
-              <a:rPr lang="en-US"/>
-              <a:t>Fourth level</a:t>
-            </a:r>
-          </a:p>
-          <a:p>
-            <a:pPr lvl="4"/>
-            <a:r>
-              <a:rPr lang="en-US"/>
-              <a:t>Fifth level</a:t>
-            </a:r>
-            <a:endParaRPr lang="en-US" dirty="0"/>
-          </a:p>
-        </p:txBody>
-      </p:sp>
-      <p:sp>
-        <p:nvSpPr>
-          <p:cNvPr id="4" name="Text Placeholder 3"/>
-          <p:cNvSpPr>
-            <a:spLocks noGrp="1"/>
-          </p:cNvSpPr>
-          <p:nvPr>
-            <p:ph type="body" sz="half" idx="2"/>
-          </p:nvPr>
-        </p:nvSpPr>
-        <p:spPr>
-          <a:xfrm>
-            <a:off x="1444671" y="3205491"/>
-            <a:ext cx="3275013" cy="2248181"/>
-          </a:xfrm>
-        </p:spPr>
-        <p:txBody>
-          <a:bodyPr/>
-          <a:lstStyle>
-            <a:lvl1pPr marL="0" indent="0" algn="l">
-              <a:buNone/>
-              <a:defRPr sz="1600"/>
-            </a:lvl1pPr>
-            <a:lvl2pPr marL="457200" indent="0">
-              <a:buNone/>
-              <a:defRPr sz="1400"/>
-            </a:lvl2pPr>
-            <a:lvl3pPr marL="914400" indent="0">
-              <a:buNone/>
-              <a:defRPr sz="1200"/>
-            </a:lvl3pPr>
-            <a:lvl4pPr marL="1371600" indent="0">
-              <a:buNone/>
-              <a:defRPr sz="1000"/>
-            </a:lvl4pPr>
-            <a:lvl5pPr marL="1828800" indent="0">
-              <a:buNone/>
-              <a:defRPr sz="1000"/>
-            </a:lvl5pPr>
-            <a:lvl6pPr marL="2286000" indent="0">
-              <a:buNone/>
-              <a:defRPr sz="1000"/>
-            </a:lvl6pPr>
-            <a:lvl7pPr marL="2743200" indent="0">
-              <a:buNone/>
-              <a:defRPr sz="1000"/>
-            </a:lvl7pPr>
-            <a:lvl8pPr marL="3200400" indent="0">
-              <a:buNone/>
-              <a:defRPr sz="1000"/>
-            </a:lvl8pPr>
-            <a:lvl9pPr marL="3657600" indent="0">
-              <a:buNone/>
-              <a:defRPr sz="1000"/>
-            </a:lvl9pPr>
-          </a:lstStyle>
-          <a:p>
-            <a:pPr lvl="0"/>
-            <a:r>
-              <a:rPr lang="en-US"/>
-              <a:t>Edit Master text styles</a:t>
-            </a:r>
-          </a:p>
-        </p:txBody>
-      </p:sp>
-      <p:sp>
-        <p:nvSpPr>
-          <p:cNvPr id="5" name="Date Placeholder 4"/>
+          <p:cNvPr id="2" name="Date Placeholder 1"/>
           <p:cNvSpPr>
             <a:spLocks noGrp="1"/>
           </p:cNvSpPr>
@@ -3652,7 +3709,7 @@
           <a:p>
             <a:fld id="{81A02670-C342-4CC1-930D-919F19DAA981}" type="datetimeFigureOut">
               <a:rPr lang="en-US" smtClean="0"/>
-              <a:t>5/2/2018</a:t>
+              <a:t>05/02/2018</a:t>
             </a:fld>
             <a:endParaRPr lang="en-US"/>
           </a:p>
@@ -3660,7 +3717,7 @@
       </p:sp>
       <p:sp>
         <p:nvSpPr>
-          <p:cNvPr id="6" name="Footer Placeholder 5"/>
+          <p:cNvPr id="3" name="Footer Placeholder 2"/>
           <p:cNvSpPr>
             <a:spLocks noGrp="1"/>
           </p:cNvSpPr>
@@ -3679,7 +3736,7 @@
       </p:sp>
       <p:sp>
         <p:nvSpPr>
-          <p:cNvPr id="7" name="Slide Number Placeholder 6"/>
+          <p:cNvPr id="4" name="Slide Number Placeholder 3"/>
           <p:cNvSpPr>
             <a:spLocks noGrp="1"/>
           </p:cNvSpPr>
@@ -3700,46 +3757,15 @@
           </a:p>
         </p:txBody>
       </p:sp>
-      <p:cxnSp>
-        <p:nvCxnSpPr>
-          <p:cNvPr id="17" name="Straight Connector 16"/>
-          <p:cNvCxnSpPr/>
-          <p:nvPr/>
-        </p:nvCxnSpPr>
-        <p:spPr>
-          <a:xfrm>
-            <a:off x="1448280" y="3205491"/>
-            <a:ext cx="3269490" cy="0"/>
-          </a:xfrm>
-          <a:prstGeom prst="line">
-            <a:avLst/>
-          </a:prstGeom>
-          <a:ln w="31750"/>
-        </p:spPr>
-        <p:style>
-          <a:lnRef idx="3">
-            <a:schemeClr val="accent1"/>
-          </a:lnRef>
-          <a:fillRef idx="0">
-            <a:schemeClr val="accent1"/>
-          </a:fillRef>
-          <a:effectRef idx="2">
-            <a:schemeClr val="accent1"/>
-          </a:effectRef>
-          <a:fontRef idx="minor">
-            <a:schemeClr val="tx1"/>
-          </a:fontRef>
-        </p:style>
-      </p:cxnSp>
     </p:spTree>
     <p:extLst>
       <p:ext uri="{BB962C8B-B14F-4D97-AF65-F5344CB8AC3E}">
-        <p14:creationId xmlns:p14="http://schemas.microsoft.com/office/powerpoint/2010/main" val="3864896639"/>
+        <p14:creationId xmlns:p14="http://schemas.microsoft.com/office/powerpoint/2010/main" val="3915250924"/>
       </p:ext>
     </p:extLst>
   </p:cSld>
   <p:clrMapOvr>
-    <a:masterClrMapping/>
+    <a:overrideClrMapping bg1="dk1" tx1="lt1" bg2="dk2" tx2="lt2" accent1="accent1" accent2="accent2" accent3="accent3" accent4="accent4" accent5="accent5" accent6="accent6" hlink="hlink" folHlink="folHlink"/>
   </p:clrMapOvr>
 </p:sldLayout>
 </file>
@@ -3824,7 +3850,7 @@
           <p:nvPr/>
         </p:nvPicPr>
         <p:blipFill rotWithShape="1">
-          <a:blip r:embed="rId14">
+          <a:blip r:embed="rId15">
             <a:extLst>
               <a:ext uri="{28A0092B-C50C-407E-A947-70E740481C1C}">
                 <a14:useLocalDpi xmlns:a14="http://schemas.microsoft.com/office/drawing/2010/main" val="0"/>
@@ -3973,7 +3999,7 @@
           <a:p>
             <a:fld id="{81A02670-C342-4CC1-930D-919F19DAA981}" type="datetimeFigureOut">
               <a:rPr lang="en-US" smtClean="0"/>
-              <a:t>5/2/2018</a:t>
+              <a:t>05/02/2018</a:t>
             </a:fld>
             <a:endParaRPr lang="en-US"/>
           </a:p>
@@ -4109,10 +4135,11 @@
     <p:sldLayoutId id="2147483666" r:id="rId6"/>
     <p:sldLayoutId id="2147483667" r:id="rId7"/>
     <p:sldLayoutId id="2147483672" r:id="rId8"/>
-    <p:sldLayoutId id="2147483668" r:id="rId9"/>
-    <p:sldLayoutId id="2147483669" r:id="rId10"/>
-    <p:sldLayoutId id="2147483670" r:id="rId11"/>
-    <p:sldLayoutId id="2147483671" r:id="rId12"/>
+    <p:sldLayoutId id="2147483673" r:id="rId9"/>
+    <p:sldLayoutId id="2147483668" r:id="rId10"/>
+    <p:sldLayoutId id="2147483669" r:id="rId11"/>
+    <p:sldLayoutId id="2147483670" r:id="rId12"/>
+    <p:sldLayoutId id="2147483671" r:id="rId13"/>
   </p:sldLayoutIdLst>
   <p:txStyles>
     <p:titleStyle>
@@ -4554,224 +4581,6 @@
           <a:chExt cx="0" cy="0"/>
         </a:xfrm>
       </p:grpSpPr>
-      <p:sp>
-        <p:nvSpPr>
-          <p:cNvPr id="2" name="Title 1">
-            <a:extLst>
-              <a:ext uri="{FF2B5EF4-FFF2-40B4-BE49-F238E27FC236}">
-                <a16:creationId xmlns:a16="http://schemas.microsoft.com/office/drawing/2014/main" id="{EA4C12D0-083E-4769-A02E-B347285B14F3}"/>
-              </a:ext>
-            </a:extLst>
-          </p:cNvPr>
-          <p:cNvSpPr>
-            <a:spLocks noGrp="1"/>
-          </p:cNvSpPr>
-          <p:nvPr>
-            <p:ph type="title"/>
-          </p:nvPr>
-        </p:nvSpPr>
-        <p:spPr/>
-        <p:txBody>
-          <a:bodyPr/>
-          <a:lstStyle/>
-          <a:p>
-            <a:r>
-              <a:rPr lang="en-US" dirty="0"/>
-              <a:t>Hardware Datapath</a:t>
-            </a:r>
-          </a:p>
-        </p:txBody>
-      </p:sp>
-      <p:sp>
-        <p:nvSpPr>
-          <p:cNvPr id="3" name="Content Placeholder 2">
-            <a:extLst>
-              <a:ext uri="{FF2B5EF4-FFF2-40B4-BE49-F238E27FC236}">
-                <a16:creationId xmlns:a16="http://schemas.microsoft.com/office/drawing/2014/main" id="{A7E52646-B122-4096-9381-EB5DC1520579}"/>
-              </a:ext>
-            </a:extLst>
-          </p:cNvPr>
-          <p:cNvSpPr>
-            <a:spLocks noGrp="1"/>
-          </p:cNvSpPr>
-          <p:nvPr>
-            <p:ph idx="1"/>
-          </p:nvPr>
-        </p:nvSpPr>
-        <p:spPr/>
-        <p:txBody>
-          <a:bodyPr>
-            <a:normAutofit/>
-          </a:bodyPr>
-          <a:lstStyle/>
-          <a:p>
-            <a:r>
-              <a:rPr lang="en-US" dirty="0" err="1"/>
-              <a:t>Datapaths</a:t>
-            </a:r>
-            <a:r>
-              <a:rPr lang="en-US" dirty="0"/>
-              <a:t> created for the NMS and thresholding blocks</a:t>
-            </a:r>
-          </a:p>
-          <a:p>
-            <a:r>
-              <a:rPr lang="en-US" dirty="0"/>
-              <a:t>NMS block</a:t>
-            </a:r>
-          </a:p>
-          <a:p>
-            <a:pPr lvl="1"/>
-            <a:r>
-              <a:rPr lang="en-US" dirty="0"/>
-              <a:t>Input: Magnitudes (8-bit integers) of all pixels in a 3x3 square and the direction (3-bit integer) of the center pixel</a:t>
-            </a:r>
-          </a:p>
-          <a:p>
-            <a:pPr lvl="1"/>
-            <a:r>
-              <a:rPr lang="en-US" dirty="0"/>
-              <a:t>Output: single bit indicating that the pixel is kept (1) or suppressed (0)</a:t>
-            </a:r>
-          </a:p>
-          <a:p>
-            <a:r>
-              <a:rPr lang="en-US" dirty="0"/>
-              <a:t>Thresholding block</a:t>
-            </a:r>
-          </a:p>
-          <a:p>
-            <a:pPr lvl="1"/>
-            <a:r>
-              <a:rPr lang="en-US" dirty="0"/>
-              <a:t>Input: Magnitude of the center pixel</a:t>
-            </a:r>
-          </a:p>
-          <a:p>
-            <a:pPr lvl="1"/>
-            <a:r>
-              <a:rPr lang="en-US" dirty="0"/>
-              <a:t>Output: single bit indicating that the pixel passes (1) or fails (0) the threshold</a:t>
-            </a:r>
-          </a:p>
-        </p:txBody>
-      </p:sp>
-    </p:spTree>
-    <p:extLst>
-      <p:ext uri="{BB962C8B-B14F-4D97-AF65-F5344CB8AC3E}">
-        <p14:creationId xmlns:p14="http://schemas.microsoft.com/office/powerpoint/2010/main" val="2046316780"/>
-      </p:ext>
-    </p:extLst>
-  </p:cSld>
-  <p:clrMapOvr>
-    <a:masterClrMapping/>
-  </p:clrMapOvr>
-</p:sld>
-</file>
-
-<file path=ppt/slides/slide11.xml><?xml version="1.0" encoding="utf-8"?>
-<p:sld xmlns:a="http://schemas.openxmlformats.org/drawingml/2006/main" xmlns:r="http://schemas.openxmlformats.org/officeDocument/2006/relationships" xmlns:p="http://schemas.openxmlformats.org/presentationml/2006/main">
-  <p:cSld>
-    <p:spTree>
-      <p:nvGrpSpPr>
-        <p:cNvPr id="1" name=""/>
-        <p:cNvGrpSpPr/>
-        <p:nvPr/>
-      </p:nvGrpSpPr>
-      <p:grpSpPr>
-        <a:xfrm>
-          <a:off x="0" y="0"/>
-          <a:ext cx="0" cy="0"/>
-          <a:chOff x="0" y="0"/>
-          <a:chExt cx="0" cy="0"/>
-        </a:xfrm>
-      </p:grpSpPr>
-      <p:sp>
-        <p:nvSpPr>
-          <p:cNvPr id="2" name="Title 1">
-            <a:extLst>
-              <a:ext uri="{FF2B5EF4-FFF2-40B4-BE49-F238E27FC236}">
-                <a16:creationId xmlns:a16="http://schemas.microsoft.com/office/drawing/2014/main" id="{5FA22ACE-10E0-4C2B-AE5F-B6F9E933600D}"/>
-              </a:ext>
-            </a:extLst>
-          </p:cNvPr>
-          <p:cNvSpPr>
-            <a:spLocks noGrp="1"/>
-          </p:cNvSpPr>
-          <p:nvPr>
-            <p:ph type="title"/>
-          </p:nvPr>
-        </p:nvSpPr>
-        <p:spPr/>
-        <p:txBody>
-          <a:bodyPr/>
-          <a:lstStyle/>
-          <a:p>
-            <a:r>
-              <a:rPr lang="en-US" dirty="0"/>
-              <a:t>Non-maximal suppression</a:t>
-            </a:r>
-          </a:p>
-        </p:txBody>
-      </p:sp>
-      <p:sp>
-        <p:nvSpPr>
-          <p:cNvPr id="3" name="Content Placeholder 2">
-            <a:extLst>
-              <a:ext uri="{FF2B5EF4-FFF2-40B4-BE49-F238E27FC236}">
-                <a16:creationId xmlns:a16="http://schemas.microsoft.com/office/drawing/2014/main" id="{BA7A166B-719C-4447-A834-709E67D940D9}"/>
-              </a:ext>
-            </a:extLst>
-          </p:cNvPr>
-          <p:cNvSpPr>
-            <a:spLocks noGrp="1"/>
-          </p:cNvSpPr>
-          <p:nvPr>
-            <p:ph idx="1"/>
-          </p:nvPr>
-        </p:nvSpPr>
-        <p:spPr/>
-        <p:txBody>
-          <a:bodyPr/>
-          <a:lstStyle/>
-          <a:p>
-            <a:r>
-              <a:rPr lang="en-US" dirty="0"/>
-              <a:t>TODO</a:t>
-            </a:r>
-          </a:p>
-        </p:txBody>
-      </p:sp>
-    </p:spTree>
-    <p:extLst>
-      <p:ext uri="{BB962C8B-B14F-4D97-AF65-F5344CB8AC3E}">
-        <p14:creationId xmlns:p14="http://schemas.microsoft.com/office/powerpoint/2010/main" val="2346017199"/>
-      </p:ext>
-    </p:extLst>
-  </p:cSld>
-  <p:clrMapOvr>
-    <a:masterClrMapping/>
-  </p:clrMapOvr>
-</p:sld>
-</file>
-
-<file path=ppt/slides/slide12.xml><?xml version="1.0" encoding="utf-8"?>
-<p:sld xmlns:a="http://schemas.openxmlformats.org/drawingml/2006/main" xmlns:r="http://schemas.openxmlformats.org/officeDocument/2006/relationships" xmlns:p="http://schemas.openxmlformats.org/presentationml/2006/main">
-  <p:cSld>
-    <p:spTree>
-      <p:nvGrpSpPr>
-        <p:cNvPr id="1" name=""/>
-        <p:cNvGrpSpPr/>
-        <p:nvPr/>
-      </p:nvGrpSpPr>
-      <p:grpSpPr>
-        <a:xfrm>
-          <a:off x="0" y="0"/>
-          <a:ext cx="0" cy="0"/>
-          <a:chOff x="0" y="0"/>
-          <a:chExt cx="0" cy="0"/>
-        </a:xfrm>
-      </p:grpSpPr>
       <p:pic>
         <p:nvPicPr>
           <p:cNvPr id="2" name="Picture 1">
@@ -4983,6 +4792,407 @@
 </p:sld>
 </file>
 
+<file path=ppt/slides/slide11.xml><?xml version="1.0" encoding="utf-8"?>
+<p:sld xmlns:a="http://schemas.openxmlformats.org/drawingml/2006/main" xmlns:r="http://schemas.openxmlformats.org/officeDocument/2006/relationships" xmlns:p="http://schemas.openxmlformats.org/presentationml/2006/main">
+  <p:cSld>
+    <p:spTree>
+      <p:nvGrpSpPr>
+        <p:cNvPr id="1" name=""/>
+        <p:cNvGrpSpPr/>
+        <p:nvPr/>
+      </p:nvGrpSpPr>
+      <p:grpSpPr>
+        <a:xfrm>
+          <a:off x="0" y="0"/>
+          <a:ext cx="0" cy="0"/>
+          <a:chOff x="0" y="0"/>
+          <a:chExt cx="0" cy="0"/>
+        </a:xfrm>
+      </p:grpSpPr>
+      <p:sp>
+        <p:nvSpPr>
+          <p:cNvPr id="2" name="Title 1">
+            <a:extLst>
+              <a:ext uri="{FF2B5EF4-FFF2-40B4-BE49-F238E27FC236}">
+                <a16:creationId xmlns:a16="http://schemas.microsoft.com/office/drawing/2014/main" id="{B4EBE9E1-B9B4-4930-8B8C-B9AD0CEEC087}"/>
+              </a:ext>
+            </a:extLst>
+          </p:cNvPr>
+          <p:cNvSpPr>
+            <a:spLocks noGrp="1"/>
+          </p:cNvSpPr>
+          <p:nvPr>
+            <p:ph type="title"/>
+          </p:nvPr>
+        </p:nvSpPr>
+        <p:spPr/>
+        <p:txBody>
+          <a:bodyPr/>
+          <a:lstStyle/>
+          <a:p>
+            <a:r>
+              <a:rPr lang="en-US" dirty="0"/>
+              <a:t>memory mapping</a:t>
+            </a:r>
+          </a:p>
+        </p:txBody>
+      </p:sp>
+      <p:sp>
+        <p:nvSpPr>
+          <p:cNvPr id="3" name="Content Placeholder 2">
+            <a:extLst>
+              <a:ext uri="{FF2B5EF4-FFF2-40B4-BE49-F238E27FC236}">
+                <a16:creationId xmlns:a16="http://schemas.microsoft.com/office/drawing/2014/main" id="{FF88E48A-5013-4885-85D4-0192031CA965}"/>
+              </a:ext>
+            </a:extLst>
+          </p:cNvPr>
+          <p:cNvSpPr>
+            <a:spLocks noGrp="1"/>
+          </p:cNvSpPr>
+          <p:nvPr>
+            <p:ph idx="1"/>
+          </p:nvPr>
+        </p:nvSpPr>
+        <p:spPr/>
+        <p:txBody>
+          <a:bodyPr/>
+          <a:lstStyle/>
+          <a:p>
+            <a:r>
+              <a:rPr lang="en-US" dirty="0"/>
+              <a:t>3 input RAM’s </a:t>
+            </a:r>
+          </a:p>
+          <a:p>
+            <a:r>
+              <a:rPr lang="en-US" dirty="0"/>
+              <a:t>Each RAM contains N-1 rows of pixels from the input image (N is number of rows in image) </a:t>
+            </a:r>
+          </a:p>
+          <a:p>
+            <a:pPr lvl="1"/>
+            <a:r>
+              <a:rPr lang="en-US" dirty="0"/>
+              <a:t>CPU will be writing identical data to each RAM with some offset</a:t>
+            </a:r>
+          </a:p>
+          <a:p>
+            <a:pPr lvl="1"/>
+            <a:r>
+              <a:rPr lang="en-US" dirty="0"/>
+              <a:t>This allows us to “unroll” the </a:t>
+            </a:r>
+            <a:r>
+              <a:rPr lang="en-US" dirty="0" err="1"/>
+              <a:t>datapath</a:t>
+            </a:r>
+            <a:r>
+              <a:rPr lang="en-US" dirty="0"/>
+              <a:t> 3 times</a:t>
+            </a:r>
+          </a:p>
+          <a:p>
+            <a:pPr lvl="1"/>
+            <a:r>
+              <a:rPr lang="en-US" dirty="0"/>
+              <a:t>With unrolling, there is a 3 cycle latency to fill </a:t>
+            </a:r>
+            <a:r>
+              <a:rPr lang="en-US"/>
+              <a:t>the buffer</a:t>
+            </a:r>
+            <a:endParaRPr lang="en-US" dirty="0"/>
+          </a:p>
+          <a:p>
+            <a:endParaRPr lang="en-US" dirty="0"/>
+          </a:p>
+        </p:txBody>
+      </p:sp>
+    </p:spTree>
+    <p:extLst>
+      <p:ext uri="{BB962C8B-B14F-4D97-AF65-F5344CB8AC3E}">
+        <p14:creationId xmlns:p14="http://schemas.microsoft.com/office/powerpoint/2010/main" val="2946682250"/>
+      </p:ext>
+    </p:extLst>
+  </p:cSld>
+  <p:clrMapOvr>
+    <a:masterClrMapping/>
+  </p:clrMapOvr>
+</p:sld>
+</file>
+
+<file path=ppt/slides/slide12.xml><?xml version="1.0" encoding="utf-8"?>
+<p:sld xmlns:a="http://schemas.openxmlformats.org/drawingml/2006/main" xmlns:r="http://schemas.openxmlformats.org/officeDocument/2006/relationships" xmlns:p="http://schemas.openxmlformats.org/presentationml/2006/main">
+  <p:cSld>
+    <p:spTree>
+      <p:nvGrpSpPr>
+        <p:cNvPr id="1" name=""/>
+        <p:cNvGrpSpPr/>
+        <p:nvPr/>
+      </p:nvGrpSpPr>
+      <p:grpSpPr>
+        <a:xfrm>
+          <a:off x="0" y="0"/>
+          <a:ext cx="0" cy="0"/>
+          <a:chOff x="0" y="0"/>
+          <a:chExt cx="0" cy="0"/>
+        </a:xfrm>
+      </p:grpSpPr>
+      <p:sp>
+        <p:nvSpPr>
+          <p:cNvPr id="2" name="Title 1">
+            <a:extLst>
+              <a:ext uri="{FF2B5EF4-FFF2-40B4-BE49-F238E27FC236}">
+                <a16:creationId xmlns:a16="http://schemas.microsoft.com/office/drawing/2014/main" id="{9604C11A-963F-4198-B2CB-FDE1DBACD4D3}"/>
+              </a:ext>
+            </a:extLst>
+          </p:cNvPr>
+          <p:cNvSpPr>
+            <a:spLocks noGrp="1"/>
+          </p:cNvSpPr>
+          <p:nvPr>
+            <p:ph type="title" idx="4294967295"/>
+          </p:nvPr>
+        </p:nvSpPr>
+        <p:spPr>
+          <a:xfrm>
+            <a:off x="1293812" y="184150"/>
+            <a:ext cx="9604375" cy="1049338"/>
+          </a:xfrm>
+        </p:spPr>
+        <p:txBody>
+          <a:bodyPr/>
+          <a:lstStyle/>
+          <a:p>
+            <a:pPr algn="ctr"/>
+            <a:r>
+              <a:rPr lang="en-US" dirty="0">
+                <a:solidFill>
+                  <a:schemeClr val="bg2"/>
+                </a:solidFill>
+              </a:rPr>
+              <a:t>Hardware flow</a:t>
+            </a:r>
+          </a:p>
+        </p:txBody>
+      </p:sp>
+      <p:pic>
+        <p:nvPicPr>
+          <p:cNvPr id="5" name="Picture 4">
+            <a:extLst>
+              <a:ext uri="{FF2B5EF4-FFF2-40B4-BE49-F238E27FC236}">
+                <a16:creationId xmlns:a16="http://schemas.microsoft.com/office/drawing/2014/main" id="{ABE6F892-1FA6-4778-B40F-6019A18B9145}"/>
+              </a:ext>
+            </a:extLst>
+          </p:cNvPr>
+          <p:cNvPicPr>
+            <a:picLocks noChangeAspect="1"/>
+          </p:cNvPicPr>
+          <p:nvPr/>
+        </p:nvPicPr>
+        <p:blipFill>
+          <a:blip r:embed="rId3">
+            <a:extLst>
+              <a:ext uri="{28A0092B-C50C-407E-A947-70E740481C1C}">
+                <a14:useLocalDpi xmlns:a14="http://schemas.microsoft.com/office/drawing/2010/main" val="0"/>
+              </a:ext>
+            </a:extLst>
+          </a:blip>
+          <a:stretch>
+            <a:fillRect/>
+          </a:stretch>
+        </p:blipFill>
+        <p:spPr>
+          <a:xfrm>
+            <a:off x="357709" y="1925638"/>
+            <a:ext cx="11476581" cy="3314700"/>
+          </a:xfrm>
+          <a:prstGeom prst="rect">
+            <a:avLst/>
+          </a:prstGeom>
+          <a:effectLst>
+            <a:outerShdw blurRad="50800" dist="63500" dir="8100000" algn="tr" rotWithShape="0">
+              <a:prstClr val="black">
+                <a:alpha val="40000"/>
+              </a:prstClr>
+            </a:outerShdw>
+          </a:effectLst>
+        </p:spPr>
+      </p:pic>
+      <p:sp>
+        <p:nvSpPr>
+          <p:cNvPr id="3" name="Rectangle: Rounded Corners 2">
+            <a:extLst>
+              <a:ext uri="{FF2B5EF4-FFF2-40B4-BE49-F238E27FC236}">
+                <a16:creationId xmlns:a16="http://schemas.microsoft.com/office/drawing/2014/main" id="{6CFED95D-4E8A-4073-A01B-AED320177E2E}"/>
+              </a:ext>
+            </a:extLst>
+          </p:cNvPr>
+          <p:cNvSpPr/>
+          <p:nvPr/>
+        </p:nvSpPr>
+        <p:spPr>
+          <a:xfrm>
+            <a:off x="5023495" y="3763229"/>
+            <a:ext cx="744259" cy="781551"/>
+          </a:xfrm>
+          <a:prstGeom prst="roundRect">
+            <a:avLst/>
+          </a:prstGeom>
+        </p:spPr>
+        <p:style>
+          <a:lnRef idx="2">
+            <a:schemeClr val="accent1">
+              <a:shade val="50000"/>
+            </a:schemeClr>
+          </a:lnRef>
+          <a:fillRef idx="1">
+            <a:schemeClr val="accent1"/>
+          </a:fillRef>
+          <a:effectRef idx="0">
+            <a:schemeClr val="accent1"/>
+          </a:effectRef>
+          <a:fontRef idx="minor">
+            <a:schemeClr val="lt1"/>
+          </a:fontRef>
+        </p:style>
+        <p:txBody>
+          <a:bodyPr rtlCol="0" anchor="ctr"/>
+          <a:lstStyle/>
+          <a:p>
+            <a:pPr algn="ctr"/>
+            <a:r>
+              <a:rPr lang="en-US" sz="1200" dirty="0"/>
+              <a:t>3x3 Pixel Block</a:t>
+            </a:r>
+          </a:p>
+        </p:txBody>
+      </p:sp>
+      <p:sp>
+        <p:nvSpPr>
+          <p:cNvPr id="6" name="Rectangle: Rounded Corners 5">
+            <a:extLst>
+              <a:ext uri="{FF2B5EF4-FFF2-40B4-BE49-F238E27FC236}">
+                <a16:creationId xmlns:a16="http://schemas.microsoft.com/office/drawing/2014/main" id="{0794CFB3-C68C-4868-80E0-614D419BA55A}"/>
+              </a:ext>
+            </a:extLst>
+          </p:cNvPr>
+          <p:cNvSpPr/>
+          <p:nvPr/>
+        </p:nvSpPr>
+        <p:spPr>
+          <a:xfrm>
+            <a:off x="10526057" y="2801437"/>
+            <a:ext cx="744259" cy="781551"/>
+          </a:xfrm>
+          <a:prstGeom prst="roundRect">
+            <a:avLst/>
+          </a:prstGeom>
+        </p:spPr>
+        <p:style>
+          <a:lnRef idx="2">
+            <a:schemeClr val="accent1">
+              <a:shade val="50000"/>
+            </a:schemeClr>
+          </a:lnRef>
+          <a:fillRef idx="1">
+            <a:schemeClr val="accent1"/>
+          </a:fillRef>
+          <a:effectRef idx="0">
+            <a:schemeClr val="accent1"/>
+          </a:effectRef>
+          <a:fontRef idx="minor">
+            <a:schemeClr val="lt1"/>
+          </a:fontRef>
+        </p:style>
+        <p:txBody>
+          <a:bodyPr rtlCol="0" anchor="ctr"/>
+          <a:lstStyle/>
+          <a:p>
+            <a:pPr algn="ctr"/>
+            <a:r>
+              <a:rPr lang="en-US" sz="1200" dirty="0"/>
+              <a:t>Binary value</a:t>
+            </a:r>
+          </a:p>
+        </p:txBody>
+      </p:sp>
+      <p:sp>
+        <p:nvSpPr>
+          <p:cNvPr id="7" name="Rectangle: Rounded Corners 6">
+            <a:extLst>
+              <a:ext uri="{FF2B5EF4-FFF2-40B4-BE49-F238E27FC236}">
+                <a16:creationId xmlns:a16="http://schemas.microsoft.com/office/drawing/2014/main" id="{0F8B6ABD-8F8A-471A-815D-32A2E77594F8}"/>
+              </a:ext>
+            </a:extLst>
+          </p:cNvPr>
+          <p:cNvSpPr/>
+          <p:nvPr/>
+        </p:nvSpPr>
+        <p:spPr>
+          <a:xfrm>
+            <a:off x="2025747" y="949691"/>
+            <a:ext cx="1434905" cy="781551"/>
+          </a:xfrm>
+          <a:prstGeom prst="roundRect">
+            <a:avLst/>
+          </a:prstGeom>
+        </p:spPr>
+        <p:style>
+          <a:lnRef idx="2">
+            <a:schemeClr val="accent1">
+              <a:shade val="50000"/>
+            </a:schemeClr>
+          </a:lnRef>
+          <a:fillRef idx="1">
+            <a:schemeClr val="accent1"/>
+          </a:fillRef>
+          <a:effectRef idx="0">
+            <a:schemeClr val="accent1"/>
+          </a:effectRef>
+          <a:fontRef idx="minor">
+            <a:schemeClr val="lt1"/>
+          </a:fontRef>
+        </p:style>
+        <p:txBody>
+          <a:bodyPr rtlCol="0" anchor="ctr"/>
+          <a:lstStyle/>
+          <a:p>
+            <a:pPr algn="ctr"/>
+            <a:r>
+              <a:rPr lang="en-US" sz="1200" dirty="0"/>
+              <a:t>16-bit magnitude</a:t>
+            </a:r>
+          </a:p>
+          <a:p>
+            <a:pPr algn="ctr"/>
+            <a:r>
+              <a:rPr lang="en-US" sz="1200" dirty="0"/>
+              <a:t>+</a:t>
+            </a:r>
+          </a:p>
+          <a:p>
+            <a:pPr algn="ctr"/>
+            <a:r>
+              <a:rPr lang="en-US" sz="1200" dirty="0"/>
+              <a:t>16-bit angle</a:t>
+            </a:r>
+          </a:p>
+        </p:txBody>
+      </p:sp>
+    </p:spTree>
+    <p:extLst>
+      <p:ext uri="{BB962C8B-B14F-4D97-AF65-F5344CB8AC3E}">
+        <p14:creationId xmlns:p14="http://schemas.microsoft.com/office/powerpoint/2010/main" val="219068459"/>
+      </p:ext>
+    </p:extLst>
+  </p:cSld>
+  <p:clrMapOvr>
+    <a:masterClrMapping/>
+  </p:clrMapOvr>
+</p:sld>
+</file>
+
 <file path=ppt/slides/slide13.xml><?xml version="1.0" encoding="utf-8"?>
 <p:sld xmlns:a="http://schemas.openxmlformats.org/drawingml/2006/main" xmlns:r="http://schemas.openxmlformats.org/officeDocument/2006/relationships" xmlns:p="http://schemas.openxmlformats.org/presentationml/2006/main">
   <p:cSld>
@@ -5000,109 +5210,112 @@
           <a:chExt cx="0" cy="0"/>
         </a:xfrm>
       </p:grpSpPr>
-      <p:sp>
-        <p:nvSpPr>
-          <p:cNvPr id="2" name="Title 1">
+      <p:pic>
+        <p:nvPicPr>
+          <p:cNvPr id="2" name="Picture 1">
             <a:extLst>
               <a:ext uri="{FF2B5EF4-FFF2-40B4-BE49-F238E27FC236}">
-                <a16:creationId xmlns:a16="http://schemas.microsoft.com/office/drawing/2014/main" id="{B4EBE9E1-B9B4-4930-8B8C-B9AD0CEEC087}"/>
+                <a16:creationId xmlns:a16="http://schemas.microsoft.com/office/drawing/2014/main" id="{1B4FBCC4-A601-44C3-9D57-60D7498BB3C3}"/>
               </a:ext>
             </a:extLst>
           </p:cNvPr>
-          <p:cNvSpPr>
-            <a:spLocks noGrp="1"/>
-          </p:cNvSpPr>
-          <p:nvPr>
-            <p:ph type="title"/>
-          </p:nvPr>
-        </p:nvSpPr>
-        <p:spPr/>
-        <p:txBody>
-          <a:bodyPr/>
-          <a:lstStyle/>
-          <a:p>
-            <a:r>
-              <a:rPr lang="en-US" dirty="0"/>
-              <a:t>memory mapping</a:t>
-            </a:r>
-          </a:p>
-        </p:txBody>
-      </p:sp>
-      <p:sp>
-        <p:nvSpPr>
-          <p:cNvPr id="3" name="Content Placeholder 2">
+          <p:cNvPicPr>
+            <a:picLocks noChangeAspect="1"/>
+          </p:cNvPicPr>
+          <p:nvPr/>
+        </p:nvPicPr>
+        <p:blipFill rotWithShape="1">
+          <a:blip r:embed="rId2">
+            <a:extLst>
+              <a:ext uri="{28A0092B-C50C-407E-A947-70E740481C1C}">
+                <a14:useLocalDpi xmlns:a14="http://schemas.microsoft.com/office/drawing/2010/main" val="0"/>
+              </a:ext>
+            </a:extLst>
+          </a:blip>
+          <a:srcRect l="10349"/>
+          <a:stretch/>
+        </p:blipFill>
+        <p:spPr>
+          <a:xfrm>
+            <a:off x="2946390" y="859086"/>
+            <a:ext cx="6299220" cy="5638352"/>
+          </a:xfrm>
+          <a:prstGeom prst="rect">
+            <a:avLst/>
+          </a:prstGeom>
+          <a:effectLst>
+            <a:outerShdw blurRad="50800" dist="88900" dir="8100000" algn="tr" rotWithShape="0">
+              <a:prstClr val="black">
+                <a:alpha val="40000"/>
+              </a:prstClr>
+            </a:outerShdw>
+          </a:effectLst>
+        </p:spPr>
+      </p:pic>
+      <p:sp>
+        <p:nvSpPr>
+          <p:cNvPr id="3" name="Title 1">
             <a:extLst>
               <a:ext uri="{FF2B5EF4-FFF2-40B4-BE49-F238E27FC236}">
-                <a16:creationId xmlns:a16="http://schemas.microsoft.com/office/drawing/2014/main" id="{FF88E48A-5013-4885-85D4-0192031CA965}"/>
+                <a16:creationId xmlns:a16="http://schemas.microsoft.com/office/drawing/2014/main" id="{1A87DFA1-559E-47E0-A24A-A06FBD063E32}"/>
               </a:ext>
             </a:extLst>
           </p:cNvPr>
-          <p:cNvSpPr>
-            <a:spLocks noGrp="1"/>
-          </p:cNvSpPr>
-          <p:nvPr>
-            <p:ph idx="1"/>
-          </p:nvPr>
-        </p:nvSpPr>
-        <p:spPr/>
-        <p:txBody>
-          <a:bodyPr/>
-          <a:lstStyle/>
-          <a:p>
-            <a:r>
-              <a:rPr lang="en-US" dirty="0"/>
-              <a:t>3 input RAM’s </a:t>
-            </a:r>
-          </a:p>
-          <a:p>
-            <a:r>
-              <a:rPr lang="en-US" dirty="0"/>
-              <a:t>Each RAM contains N-1 rows of pixels from the input image (N is number of rows in image) </a:t>
-            </a:r>
-          </a:p>
-          <a:p>
-            <a:pPr lvl="1"/>
-            <a:r>
-              <a:rPr lang="en-US" dirty="0"/>
-              <a:t>CPU will be writing identical data to each RAM with some offset</a:t>
-            </a:r>
-          </a:p>
-          <a:p>
-            <a:pPr lvl="1"/>
-            <a:r>
-              <a:rPr lang="en-US" dirty="0"/>
-              <a:t>This allows us to “unroll” the </a:t>
-            </a:r>
-            <a:r>
-              <a:rPr lang="en-US" dirty="0" err="1"/>
-              <a:t>datapath</a:t>
-            </a:r>
-            <a:r>
-              <a:rPr lang="en-US" dirty="0"/>
-              <a:t> 3 times</a:t>
-            </a:r>
-          </a:p>
-          <a:p>
-            <a:pPr lvl="1"/>
-            <a:r>
-              <a:rPr lang="en-US" dirty="0"/>
-              <a:t>With unrolling, there is a 3 cycle latency to fill </a:t>
-            </a:r>
-            <a:r>
-              <a:rPr lang="en-US"/>
-              <a:t>the buffer</a:t>
-            </a:r>
-            <a:endParaRPr lang="en-US" dirty="0"/>
-          </a:p>
-          <a:p>
-            <a:endParaRPr lang="en-US" dirty="0"/>
+          <p:cNvSpPr txBox="1">
+            <a:spLocks/>
+          </p:cNvSpPr>
+          <p:nvPr/>
+        </p:nvSpPr>
+        <p:spPr>
+          <a:xfrm>
+            <a:off x="1293812" y="198218"/>
+            <a:ext cx="9604375" cy="1049338"/>
+          </a:xfrm>
+          <a:prstGeom prst="rect">
+            <a:avLst/>
+          </a:prstGeom>
+        </p:spPr>
+        <p:txBody>
+          <a:bodyPr vert="horz" lIns="91440" tIns="45720" rIns="91440" bIns="45720" rtlCol="0" anchor="t">
+            <a:normAutofit/>
+          </a:bodyPr>
+          <a:lstStyle>
+            <a:lvl1pPr algn="l" defTabSz="914400" rtl="0" eaLnBrk="1" latinLnBrk="0" hangingPunct="1">
+              <a:lnSpc>
+                <a:spcPct val="90000"/>
+              </a:lnSpc>
+              <a:spcBef>
+                <a:spcPct val="0"/>
+              </a:spcBef>
+              <a:buNone/>
+              <a:defRPr sz="3200" b="0" i="0" kern="1200" cap="all">
+                <a:solidFill>
+                  <a:schemeClr val="tx1"/>
+                </a:solidFill>
+                <a:effectLst/>
+                <a:latin typeface="+mj-lt"/>
+                <a:ea typeface="+mj-ea"/>
+                <a:cs typeface="+mj-cs"/>
+              </a:defRPr>
+            </a:lvl1pPr>
+          </a:lstStyle>
+          <a:p>
+            <a:pPr algn="ctr"/>
+            <a:r>
+              <a:rPr lang="en-US" dirty="0">
+                <a:solidFill>
+                  <a:schemeClr val="bg2"/>
+                </a:solidFill>
+              </a:rPr>
+              <a:t>Full Architecture</a:t>
+            </a:r>
           </a:p>
         </p:txBody>
       </p:sp>
     </p:spTree>
     <p:extLst>
       <p:ext uri="{BB962C8B-B14F-4D97-AF65-F5344CB8AC3E}">
-        <p14:creationId xmlns:p14="http://schemas.microsoft.com/office/powerpoint/2010/main" val="2946682250"/>
+        <p14:creationId xmlns:p14="http://schemas.microsoft.com/office/powerpoint/2010/main" val="3813292451"/>
       </p:ext>
     </p:extLst>
   </p:cSld>
@@ -5134,7 +5347,7 @@
           <p:cNvPr id="2" name="Title 1">
             <a:extLst>
               <a:ext uri="{FF2B5EF4-FFF2-40B4-BE49-F238E27FC236}">
-                <a16:creationId xmlns:a16="http://schemas.microsoft.com/office/drawing/2014/main" id="{9604C11A-963F-4198-B2CB-FDE1DBACD4D3}"/>
+                <a16:creationId xmlns:a16="http://schemas.microsoft.com/office/drawing/2014/main" id="{B4EBE9E1-B9B4-4930-8B8C-B9AD0CEEC087}"/>
               </a:ext>
             </a:extLst>
           </p:cNvPr>
@@ -5142,67 +5355,99 @@
             <a:spLocks noGrp="1"/>
           </p:cNvSpPr>
           <p:nvPr>
-            <p:ph type="title" idx="4294967295"/>
-          </p:nvPr>
-        </p:nvSpPr>
-        <p:spPr>
-          <a:xfrm>
-            <a:off x="1293812" y="183808"/>
-            <a:ext cx="9604375" cy="1049337"/>
-          </a:xfrm>
-        </p:spPr>
+            <p:ph type="title"/>
+          </p:nvPr>
+        </p:nvSpPr>
+        <p:spPr/>
         <p:txBody>
           <a:bodyPr/>
           <a:lstStyle/>
           <a:p>
-            <a:pPr algn="ctr"/>
             <a:r>
               <a:rPr lang="en-US" dirty="0"/>
-              <a:t>Hardware flow</a:t>
-            </a:r>
-          </a:p>
-        </p:txBody>
-      </p:sp>
-      <p:pic>
-        <p:nvPicPr>
-          <p:cNvPr id="5" name="Picture 4">
+              <a:t>Results</a:t>
+            </a:r>
+          </a:p>
+        </p:txBody>
+      </p:sp>
+      <p:sp>
+        <p:nvSpPr>
+          <p:cNvPr id="3" name="Content Placeholder 2">
             <a:extLst>
               <a:ext uri="{FF2B5EF4-FFF2-40B4-BE49-F238E27FC236}">
-                <a16:creationId xmlns:a16="http://schemas.microsoft.com/office/drawing/2014/main" id="{A9DAB93C-14E0-4F17-87D3-9D575D383DB3}"/>
+                <a16:creationId xmlns:a16="http://schemas.microsoft.com/office/drawing/2014/main" id="{FF88E48A-5013-4885-85D4-0192031CA965}"/>
               </a:ext>
             </a:extLst>
           </p:cNvPr>
-          <p:cNvPicPr>
-            <a:picLocks noChangeAspect="1"/>
-          </p:cNvPicPr>
-          <p:nvPr/>
-        </p:nvPicPr>
-        <p:blipFill>
-          <a:blip r:embed="rId3">
-            <a:extLst>
-              <a:ext uri="{28A0092B-C50C-407E-A947-70E740481C1C}">
-                <a14:useLocalDpi xmlns:a14="http://schemas.microsoft.com/office/drawing/2010/main" val="0"/>
-              </a:ext>
-            </a:extLst>
-          </a:blip>
-          <a:stretch>
-            <a:fillRect/>
-          </a:stretch>
-        </p:blipFill>
-        <p:spPr>
-          <a:xfrm>
-            <a:off x="2214020" y="627781"/>
-            <a:ext cx="7763958" cy="6230219"/>
-          </a:xfrm>
-          <a:prstGeom prst="rect">
-            <a:avLst/>
-          </a:prstGeom>
-        </p:spPr>
-      </p:pic>
+          <p:cNvSpPr>
+            <a:spLocks noGrp="1"/>
+          </p:cNvSpPr>
+          <p:nvPr>
+            <p:ph idx="1"/>
+          </p:nvPr>
+        </p:nvSpPr>
+        <p:spPr/>
+        <p:txBody>
+          <a:bodyPr/>
+          <a:lstStyle/>
+          <a:p>
+            <a:r>
+              <a:rPr lang="en-US" dirty="0"/>
+              <a:t>Unable to achieve output on </a:t>
+            </a:r>
+            <a:r>
+              <a:rPr lang="en-US" dirty="0" err="1"/>
+              <a:t>ZedBoard</a:t>
+            </a:r>
+            <a:endParaRPr lang="en-US" dirty="0"/>
+          </a:p>
+          <a:p>
+            <a:pPr lvl="1"/>
+            <a:r>
+              <a:rPr lang="en-US" dirty="0"/>
+              <a:t>Can write to board and process completes</a:t>
+            </a:r>
+          </a:p>
+          <a:p>
+            <a:pPr lvl="1"/>
+            <a:r>
+              <a:rPr lang="en-US" dirty="0"/>
+              <a:t>Output is invalid (all ‘0’s)</a:t>
+            </a:r>
+          </a:p>
+          <a:p>
+            <a:r>
+              <a:rPr lang="en-US" dirty="0"/>
+              <a:t>Implemented in simulation</a:t>
+            </a:r>
+          </a:p>
+          <a:p>
+            <a:pPr lvl="1"/>
+            <a:r>
+              <a:rPr lang="en-US" dirty="0"/>
+              <a:t>Parsing the input CSV files</a:t>
+            </a:r>
+          </a:p>
+          <a:p>
+            <a:pPr lvl="1"/>
+            <a:r>
+              <a:rPr lang="en-US" dirty="0"/>
+              <a:t>Loading input RAMs</a:t>
+            </a:r>
+          </a:p>
+          <a:p>
+            <a:pPr lvl="1"/>
+            <a:r>
+              <a:rPr lang="en-US" dirty="0"/>
+              <a:t>Writing outputs to a new file</a:t>
+            </a:r>
+          </a:p>
+        </p:txBody>
+      </p:sp>
     </p:spTree>
     <p:extLst>
       <p:ext uri="{BB962C8B-B14F-4D97-AF65-F5344CB8AC3E}">
-        <p14:creationId xmlns:p14="http://schemas.microsoft.com/office/powerpoint/2010/main" val="219068459"/>
+        <p14:creationId xmlns:p14="http://schemas.microsoft.com/office/powerpoint/2010/main" val="3958950833"/>
       </p:ext>
     </p:extLst>
   </p:cSld>
@@ -5234,6 +5479,132 @@
           <p:cNvPr id="2" name="Title 1">
             <a:extLst>
               <a:ext uri="{FF2B5EF4-FFF2-40B4-BE49-F238E27FC236}">
+                <a16:creationId xmlns:a16="http://schemas.microsoft.com/office/drawing/2014/main" id="{180777D6-5B74-4286-9CD2-DA3CF1C1DD9A}"/>
+              </a:ext>
+            </a:extLst>
+          </p:cNvPr>
+          <p:cNvSpPr>
+            <a:spLocks noGrp="1"/>
+          </p:cNvSpPr>
+          <p:nvPr>
+            <p:ph type="title" idx="4294967295"/>
+          </p:nvPr>
+        </p:nvSpPr>
+        <p:spPr>
+          <a:xfrm>
+            <a:off x="1293812" y="328690"/>
+            <a:ext cx="9604375" cy="1049337"/>
+          </a:xfrm>
+        </p:spPr>
+        <p:txBody>
+          <a:bodyPr/>
+          <a:lstStyle/>
+          <a:p>
+            <a:pPr algn="ctr"/>
+            <a:r>
+              <a:rPr lang="en-US" dirty="0"/>
+              <a:t>Example outputs</a:t>
+            </a:r>
+          </a:p>
+        </p:txBody>
+      </p:sp>
+      <p:pic>
+        <p:nvPicPr>
+          <p:cNvPr id="4" name="Content Placeholder 3">
+            <a:extLst>
+              <a:ext uri="{FF2B5EF4-FFF2-40B4-BE49-F238E27FC236}">
+                <a16:creationId xmlns:a16="http://schemas.microsoft.com/office/drawing/2014/main" id="{FD540077-2E5D-46E0-B0B3-7972DA5A507D}"/>
+              </a:ext>
+            </a:extLst>
+          </p:cNvPr>
+          <p:cNvPicPr>
+            <a:picLocks noGrp="1" noChangeAspect="1"/>
+          </p:cNvPicPr>
+          <p:nvPr>
+            <p:ph idx="4294967295"/>
+          </p:nvPr>
+        </p:nvPicPr>
+        <p:blipFill>
+          <a:blip r:embed="rId2"/>
+          <a:stretch>
+            <a:fillRect/>
+          </a:stretch>
+        </p:blipFill>
+        <p:spPr>
+          <a:xfrm>
+            <a:off x="1900049" y="1118604"/>
+            <a:ext cx="8391899" cy="2535283"/>
+          </a:xfrm>
+          <a:prstGeom prst="rect">
+            <a:avLst/>
+          </a:prstGeom>
+        </p:spPr>
+      </p:pic>
+      <p:pic>
+        <p:nvPicPr>
+          <p:cNvPr id="5" name="Content Placeholder 3">
+            <a:extLst>
+              <a:ext uri="{FF2B5EF4-FFF2-40B4-BE49-F238E27FC236}">
+                <a16:creationId xmlns:a16="http://schemas.microsoft.com/office/drawing/2014/main" id="{7F91E8BE-90ED-45F6-990D-50284780A6B6}"/>
+              </a:ext>
+            </a:extLst>
+          </p:cNvPr>
+          <p:cNvPicPr>
+            <a:picLocks noChangeAspect="1"/>
+          </p:cNvPicPr>
+          <p:nvPr/>
+        </p:nvPicPr>
+        <p:blipFill>
+          <a:blip r:embed="rId3"/>
+          <a:stretch>
+            <a:fillRect/>
+          </a:stretch>
+        </p:blipFill>
+        <p:spPr>
+          <a:xfrm>
+            <a:off x="1900050" y="3882423"/>
+            <a:ext cx="8391899" cy="2459694"/>
+          </a:xfrm>
+          <a:prstGeom prst="rect">
+            <a:avLst/>
+          </a:prstGeom>
+        </p:spPr>
+      </p:pic>
+    </p:spTree>
+    <p:extLst>
+      <p:ext uri="{BB962C8B-B14F-4D97-AF65-F5344CB8AC3E}">
+        <p14:creationId xmlns:p14="http://schemas.microsoft.com/office/powerpoint/2010/main" val="2920089391"/>
+      </p:ext>
+    </p:extLst>
+  </p:cSld>
+  <p:clrMapOvr>
+    <a:masterClrMapping/>
+  </p:clrMapOvr>
+</p:sld>
+</file>
+
+<file path=ppt/slides/slide16.xml><?xml version="1.0" encoding="utf-8"?>
+<p:sld xmlns:a="http://schemas.openxmlformats.org/drawingml/2006/main" xmlns:r="http://schemas.openxmlformats.org/officeDocument/2006/relationships" xmlns:p="http://schemas.openxmlformats.org/presentationml/2006/main">
+  <p:cSld>
+    <p:spTree>
+      <p:nvGrpSpPr>
+        <p:cNvPr id="1" name=""/>
+        <p:cNvGrpSpPr/>
+        <p:nvPr/>
+      </p:nvGrpSpPr>
+      <p:grpSpPr>
+        <a:xfrm>
+          <a:off x="0" y="0"/>
+          <a:ext cx="0" cy="0"/>
+          <a:chOff x="0" y="0"/>
+          <a:chExt cx="0" cy="0"/>
+        </a:xfrm>
+      </p:grpSpPr>
+      <p:sp>
+        <p:nvSpPr>
+          <p:cNvPr id="2" name="Title 1">
+            <a:extLst>
+              <a:ext uri="{FF2B5EF4-FFF2-40B4-BE49-F238E27FC236}">
                 <a16:creationId xmlns:a16="http://schemas.microsoft.com/office/drawing/2014/main" id="{5136C3ED-2364-47F5-A57F-EB1FA2AE2527}"/>
               </a:ext>
             </a:extLst>
@@ -5242,17 +5613,23 @@
             <a:spLocks noGrp="1"/>
           </p:cNvSpPr>
           <p:nvPr>
-            <p:ph type="title"/>
-          </p:nvPr>
-        </p:nvSpPr>
-        <p:spPr/>
+            <p:ph type="title" idx="4294967295"/>
+          </p:nvPr>
+        </p:nvSpPr>
+        <p:spPr>
+          <a:xfrm>
+            <a:off x="1292225" y="265114"/>
+            <a:ext cx="9607550" cy="1055687"/>
+          </a:xfrm>
+        </p:spPr>
         <p:txBody>
           <a:bodyPr/>
           <a:lstStyle/>
           <a:p>
+            <a:pPr algn="ctr"/>
             <a:r>
               <a:rPr lang="en-US" dirty="0"/>
-              <a:t>Image recreation glitch</a:t>
+              <a:t>Image Mirroring glitch</a:t>
             </a:r>
           </a:p>
         </p:txBody>
@@ -5270,17 +5647,31 @@
             <a:spLocks noGrp="1"/>
           </p:cNvSpPr>
           <p:nvPr>
-            <p:ph type="body" idx="1"/>
-          </p:nvPr>
-        </p:nvSpPr>
-        <p:spPr/>
-        <p:txBody>
-          <a:bodyPr/>
-          <a:lstStyle/>
-          <a:p>
-            <a:r>
-              <a:rPr lang="en-US" dirty="0"/>
-              <a:t>How software recreated image</a:t>
+            <p:ph type="body" idx="4294967295"/>
+          </p:nvPr>
+        </p:nvSpPr>
+        <p:spPr>
+          <a:xfrm>
+            <a:off x="677374" y="1883947"/>
+            <a:ext cx="4214997" cy="801688"/>
+          </a:xfrm>
+        </p:spPr>
+        <p:txBody>
+          <a:bodyPr>
+            <a:normAutofit/>
+          </a:bodyPr>
+          <a:lstStyle/>
+          <a:p>
+            <a:pPr marL="0" indent="0" algn="ctr">
+              <a:buNone/>
+            </a:pPr>
+            <a:r>
+              <a:rPr lang="en-US" sz="2400" dirty="0">
+                <a:solidFill>
+                  <a:schemeClr val="accent1"/>
+                </a:solidFill>
+              </a:rPr>
+              <a:t>Raw recreated image</a:t>
             </a:r>
           </a:p>
         </p:txBody>
@@ -5298,16 +5689,30 @@
             <a:spLocks noGrp="1"/>
           </p:cNvSpPr>
           <p:nvPr>
-            <p:ph type="body" sz="quarter" idx="3"/>
-          </p:nvPr>
-        </p:nvSpPr>
-        <p:spPr/>
-        <p:txBody>
-          <a:bodyPr/>
-          <a:lstStyle/>
-          <a:p>
-            <a:r>
-              <a:rPr lang="en-US" dirty="0"/>
+            <p:ph type="body" sz="quarter" idx="4294967295"/>
+          </p:nvPr>
+        </p:nvSpPr>
+        <p:spPr>
+          <a:xfrm>
+            <a:off x="7715616" y="1882360"/>
+            <a:ext cx="3540828" cy="803275"/>
+          </a:xfrm>
+        </p:spPr>
+        <p:txBody>
+          <a:bodyPr>
+            <a:normAutofit/>
+          </a:bodyPr>
+          <a:lstStyle/>
+          <a:p>
+            <a:pPr marL="0" indent="0" algn="ctr">
+              <a:buNone/>
+            </a:pPr>
+            <a:r>
+              <a:rPr lang="en-US" sz="2400" dirty="0">
+                <a:solidFill>
+                  <a:schemeClr val="accent1"/>
+                </a:solidFill>
+              </a:rPr>
               <a:t>What it should look like</a:t>
             </a:r>
           </a:p>
@@ -5326,7 +5731,7 @@
             <a:picLocks noGrp="1"/>
           </p:cNvPicPr>
           <p:nvPr>
-            <p:ph sz="half" idx="2"/>
+            <p:ph sz="half" idx="4294967295"/>
           </p:nvPr>
         </p:nvPicPr>
         <p:blipFill>
@@ -5337,8 +5742,8 @@
         </p:blipFill>
         <p:spPr>
           <a:xfrm>
-            <a:off x="2253673" y="3161661"/>
-            <a:ext cx="2426566" cy="1966091"/>
+            <a:off x="677375" y="2685635"/>
+            <a:ext cx="4214997" cy="3415030"/>
           </a:xfrm>
           <a:prstGeom prst="rect">
             <a:avLst/>
@@ -5358,7 +5763,7 @@
             <a:picLocks noGrp="1"/>
           </p:cNvPicPr>
           <p:nvPr>
-            <p:ph sz="quarter" idx="4"/>
+            <p:ph sz="quarter" idx="4294967295"/>
           </p:nvPr>
         </p:nvPicPr>
         <p:blipFill rotWithShape="1">
@@ -5368,8 +5773,8 @@
         </p:blipFill>
         <p:spPr bwMode="auto">
           <a:xfrm>
-            <a:off x="7511763" y="3161660"/>
-            <a:ext cx="2112528" cy="1966091"/>
+            <a:off x="7715616" y="2685635"/>
+            <a:ext cx="3540828" cy="3293423"/>
           </a:xfrm>
           <a:prstGeom prst="rect">
             <a:avLst/>
@@ -5397,96 +5802,6 @@
 </p:sld>
 </file>
 
-<file path=ppt/slides/slide16.xml><?xml version="1.0" encoding="utf-8"?>
-<p:sld xmlns:a="http://schemas.openxmlformats.org/drawingml/2006/main" xmlns:r="http://schemas.openxmlformats.org/officeDocument/2006/relationships" xmlns:p="http://schemas.openxmlformats.org/presentationml/2006/main">
-  <p:cSld>
-    <p:spTree>
-      <p:nvGrpSpPr>
-        <p:cNvPr id="1" name=""/>
-        <p:cNvGrpSpPr/>
-        <p:nvPr/>
-      </p:nvGrpSpPr>
-      <p:grpSpPr>
-        <a:xfrm>
-          <a:off x="0" y="0"/>
-          <a:ext cx="0" cy="0"/>
-          <a:chOff x="0" y="0"/>
-          <a:chExt cx="0" cy="0"/>
-        </a:xfrm>
-      </p:grpSpPr>
-      <p:sp>
-        <p:nvSpPr>
-          <p:cNvPr id="2" name="Title 1">
-            <a:extLst>
-              <a:ext uri="{FF2B5EF4-FFF2-40B4-BE49-F238E27FC236}">
-                <a16:creationId xmlns:a16="http://schemas.microsoft.com/office/drawing/2014/main" id="{180777D6-5B74-4286-9CD2-DA3CF1C1DD9A}"/>
-              </a:ext>
-            </a:extLst>
-          </p:cNvPr>
-          <p:cNvSpPr>
-            <a:spLocks noGrp="1"/>
-          </p:cNvSpPr>
-          <p:nvPr>
-            <p:ph type="title"/>
-          </p:nvPr>
-        </p:nvSpPr>
-        <p:spPr/>
-        <p:txBody>
-          <a:bodyPr/>
-          <a:lstStyle/>
-          <a:p>
-            <a:r>
-              <a:rPr lang="en-US" dirty="0"/>
-              <a:t>Example outputs</a:t>
-            </a:r>
-          </a:p>
-        </p:txBody>
-      </p:sp>
-      <p:pic>
-        <p:nvPicPr>
-          <p:cNvPr id="4" name="Content Placeholder 3">
-            <a:extLst>
-              <a:ext uri="{FF2B5EF4-FFF2-40B4-BE49-F238E27FC236}">
-                <a16:creationId xmlns:a16="http://schemas.microsoft.com/office/drawing/2014/main" id="{FD540077-2E5D-46E0-B0B3-7972DA5A507D}"/>
-              </a:ext>
-            </a:extLst>
-          </p:cNvPr>
-          <p:cNvPicPr>
-            <a:picLocks noGrp="1" noChangeAspect="1"/>
-          </p:cNvPicPr>
-          <p:nvPr>
-            <p:ph idx="1"/>
-          </p:nvPr>
-        </p:nvPicPr>
-        <p:blipFill>
-          <a:blip r:embed="rId2"/>
-          <a:stretch>
-            <a:fillRect/>
-          </a:stretch>
-        </p:blipFill>
-        <p:spPr>
-          <a:xfrm>
-            <a:off x="2354227" y="2604654"/>
-            <a:ext cx="7219842" cy="2182163"/>
-          </a:xfrm>
-          <a:prstGeom prst="rect">
-            <a:avLst/>
-          </a:prstGeom>
-        </p:spPr>
-      </p:pic>
-    </p:spTree>
-    <p:extLst>
-      <p:ext uri="{BB962C8B-B14F-4D97-AF65-F5344CB8AC3E}">
-        <p14:creationId xmlns:p14="http://schemas.microsoft.com/office/powerpoint/2010/main" val="2920089391"/>
-      </p:ext>
-    </p:extLst>
-  </p:cSld>
-  <p:clrMapOvr>
-    <a:masterClrMapping/>
-  </p:clrMapOvr>
-</p:sld>
-</file>
-
 <file path=ppt/slides/slide17.xml><?xml version="1.0" encoding="utf-8"?>
 <p:sld xmlns:a="http://schemas.openxmlformats.org/drawingml/2006/main" xmlns:r="http://schemas.openxmlformats.org/officeDocument/2006/relationships" xmlns:p="http://schemas.openxmlformats.org/presentationml/2006/main">
   <p:cSld>
@@ -5509,7 +5824,7 @@
           <p:cNvPr id="2" name="Title 1">
             <a:extLst>
               <a:ext uri="{FF2B5EF4-FFF2-40B4-BE49-F238E27FC236}">
-                <a16:creationId xmlns:a16="http://schemas.microsoft.com/office/drawing/2014/main" id="{FA365401-B5DE-4D43-8A6C-B4F6954F1F0C}"/>
+                <a16:creationId xmlns:a16="http://schemas.microsoft.com/office/drawing/2014/main" id="{5136C3ED-2364-47F5-A57F-EB1FA2AE2527}"/>
               </a:ext>
             </a:extLst>
           </p:cNvPr>
@@ -5517,36 +5832,150 @@
             <a:spLocks noGrp="1"/>
           </p:cNvSpPr>
           <p:nvPr>
-            <p:ph type="title"/>
-          </p:nvPr>
-        </p:nvSpPr>
-        <p:spPr/>
+            <p:ph type="title" idx="4294967295"/>
+          </p:nvPr>
+        </p:nvSpPr>
+        <p:spPr>
+          <a:xfrm>
+            <a:off x="1292225" y="265114"/>
+            <a:ext cx="9607550" cy="1055687"/>
+          </a:xfrm>
+        </p:spPr>
         <p:txBody>
           <a:bodyPr/>
           <a:lstStyle/>
           <a:p>
+            <a:pPr algn="ctr"/>
             <a:r>
               <a:rPr lang="en-US" dirty="0"/>
-              <a:t>Example outputs</a:t>
+              <a:t>Thresholding sensitivity</a:t>
+            </a:r>
+          </a:p>
+        </p:txBody>
+      </p:sp>
+      <p:sp>
+        <p:nvSpPr>
+          <p:cNvPr id="3" name="Text Placeholder 2">
+            <a:extLst>
+              <a:ext uri="{FF2B5EF4-FFF2-40B4-BE49-F238E27FC236}">
+                <a16:creationId xmlns:a16="http://schemas.microsoft.com/office/drawing/2014/main" id="{0FF091CE-196B-4EA4-B845-1664A8E1BA2C}"/>
+              </a:ext>
+            </a:extLst>
+          </p:cNvPr>
+          <p:cNvSpPr>
+            <a:spLocks noGrp="1"/>
+          </p:cNvSpPr>
+          <p:nvPr>
+            <p:ph type="body" idx="4294967295"/>
+          </p:nvPr>
+        </p:nvSpPr>
+        <p:spPr>
+          <a:xfrm>
+            <a:off x="677374" y="1883947"/>
+            <a:ext cx="4214997" cy="801688"/>
+          </a:xfrm>
+        </p:spPr>
+        <p:txBody>
+          <a:bodyPr>
+            <a:normAutofit fontScale="77500" lnSpcReduction="20000"/>
+          </a:bodyPr>
+          <a:lstStyle/>
+          <a:p>
+            <a:pPr marL="0" indent="0" algn="ctr">
+              <a:buNone/>
+            </a:pPr>
+            <a:r>
+              <a:rPr lang="en-US" sz="2400" dirty="0">
+                <a:solidFill>
+                  <a:schemeClr val="accent1"/>
+                </a:solidFill>
+              </a:rPr>
+              <a:t>Threshold of</a:t>
+            </a:r>
+          </a:p>
+          <a:p>
+            <a:pPr marL="0" indent="0" algn="ctr">
+              <a:buNone/>
+            </a:pPr>
+            <a:r>
+              <a:rPr lang="en-US" sz="2400" b="1" dirty="0">
+                <a:solidFill>
+                  <a:schemeClr val="accent3"/>
+                </a:solidFill>
+              </a:rPr>
+              <a:t>0x1600</a:t>
+            </a:r>
+          </a:p>
+        </p:txBody>
+      </p:sp>
+      <p:sp>
+        <p:nvSpPr>
+          <p:cNvPr id="5" name="Text Placeholder 4">
+            <a:extLst>
+              <a:ext uri="{FF2B5EF4-FFF2-40B4-BE49-F238E27FC236}">
+                <a16:creationId xmlns:a16="http://schemas.microsoft.com/office/drawing/2014/main" id="{E95CCB12-E0A3-4CF4-9BD7-A6388AE7C6A4}"/>
+              </a:ext>
+            </a:extLst>
+          </p:cNvPr>
+          <p:cNvSpPr>
+            <a:spLocks noGrp="1"/>
+          </p:cNvSpPr>
+          <p:nvPr>
+            <p:ph type="body" sz="quarter" idx="4294967295"/>
+          </p:nvPr>
+        </p:nvSpPr>
+        <p:spPr>
+          <a:xfrm>
+            <a:off x="7085144" y="1882360"/>
+            <a:ext cx="4461821" cy="803275"/>
+          </a:xfrm>
+        </p:spPr>
+        <p:txBody>
+          <a:bodyPr>
+            <a:normAutofit fontScale="77500" lnSpcReduction="20000"/>
+          </a:bodyPr>
+          <a:lstStyle/>
+          <a:p>
+            <a:pPr marL="0" indent="0" algn="ctr">
+              <a:buNone/>
+            </a:pPr>
+            <a:r>
+              <a:rPr lang="en-US" sz="2400" dirty="0">
+                <a:solidFill>
+                  <a:schemeClr val="accent1"/>
+                </a:solidFill>
+              </a:rPr>
+              <a:t>Threshold of</a:t>
+            </a:r>
+          </a:p>
+          <a:p>
+            <a:pPr marL="0" indent="0" algn="ctr">
+              <a:buNone/>
+            </a:pPr>
+            <a:r>
+              <a:rPr lang="en-US" sz="2400" b="1" dirty="0">
+                <a:solidFill>
+                  <a:schemeClr val="accent3"/>
+                </a:solidFill>
+              </a:rPr>
+              <a:t>0xDE00</a:t>
             </a:r>
           </a:p>
         </p:txBody>
       </p:sp>
       <p:pic>
         <p:nvPicPr>
-          <p:cNvPr id="4" name="Content Placeholder 3">
+          <p:cNvPr id="9" name="Content Placeholder 7">
             <a:extLst>
               <a:ext uri="{FF2B5EF4-FFF2-40B4-BE49-F238E27FC236}">
-                <a16:creationId xmlns:a16="http://schemas.microsoft.com/office/drawing/2014/main" id="{F09D082D-217A-4EC1-8365-6FF38F351D37}"/>
+                <a16:creationId xmlns:a16="http://schemas.microsoft.com/office/drawing/2014/main" id="{0EC40DCD-2ECF-4ADE-826A-7A7A394A4E98}"/>
               </a:ext>
             </a:extLst>
           </p:cNvPr>
           <p:cNvPicPr>
-            <a:picLocks noGrp="1" noChangeAspect="1"/>
+            <a:picLocks noChangeAspect="1"/>
           </p:cNvPicPr>
-          <p:nvPr>
-            <p:ph idx="1"/>
-          </p:nvPr>
+          <p:nvPr/>
         </p:nvPicPr>
         <p:blipFill>
           <a:blip r:embed="rId2"/>
@@ -5556,154 +5985,8 @@
         </p:blipFill>
         <p:spPr>
           <a:xfrm>
-            <a:off x="2477132" y="2641600"/>
-            <a:ext cx="7237735" cy="2121405"/>
-          </a:xfrm>
-          <a:prstGeom prst="rect">
-            <a:avLst/>
-          </a:prstGeom>
-        </p:spPr>
-      </p:pic>
-    </p:spTree>
-    <p:extLst>
-      <p:ext uri="{BB962C8B-B14F-4D97-AF65-F5344CB8AC3E}">
-        <p14:creationId xmlns:p14="http://schemas.microsoft.com/office/powerpoint/2010/main" val="1464803244"/>
-      </p:ext>
-    </p:extLst>
-  </p:cSld>
-  <p:clrMapOvr>
-    <a:masterClrMapping/>
-  </p:clrMapOvr>
-</p:sld>
-</file>
-
-<file path=ppt/slides/slide18.xml><?xml version="1.0" encoding="utf-8"?>
-<p:sld xmlns:a="http://schemas.openxmlformats.org/drawingml/2006/main" xmlns:r="http://schemas.openxmlformats.org/officeDocument/2006/relationships" xmlns:p="http://schemas.openxmlformats.org/presentationml/2006/main">
-  <p:cSld>
-    <p:spTree>
-      <p:nvGrpSpPr>
-        <p:cNvPr id="1" name=""/>
-        <p:cNvGrpSpPr/>
-        <p:nvPr/>
-      </p:nvGrpSpPr>
-      <p:grpSpPr>
-        <a:xfrm>
-          <a:off x="0" y="0"/>
-          <a:ext cx="0" cy="0"/>
-          <a:chOff x="0" y="0"/>
-          <a:chExt cx="0" cy="0"/>
-        </a:xfrm>
-      </p:grpSpPr>
-      <p:sp>
-        <p:nvSpPr>
-          <p:cNvPr id="2" name="Title 1">
-            <a:extLst>
-              <a:ext uri="{FF2B5EF4-FFF2-40B4-BE49-F238E27FC236}">
-                <a16:creationId xmlns:a16="http://schemas.microsoft.com/office/drawing/2014/main" id="{BFDE2D91-9125-4DA9-BCBD-5C05AAF40C28}"/>
-              </a:ext>
-            </a:extLst>
-          </p:cNvPr>
-          <p:cNvSpPr>
-            <a:spLocks noGrp="1"/>
-          </p:cNvSpPr>
-          <p:nvPr>
-            <p:ph type="title"/>
-          </p:nvPr>
-        </p:nvSpPr>
-        <p:spPr/>
-        <p:txBody>
-          <a:bodyPr/>
-          <a:lstStyle/>
-          <a:p>
-            <a:r>
-              <a:rPr lang="en-US" dirty="0"/>
-              <a:t>Thresholding sensitivity</a:t>
-            </a:r>
-          </a:p>
-        </p:txBody>
-      </p:sp>
-      <p:sp>
-        <p:nvSpPr>
-          <p:cNvPr id="3" name="Text Placeholder 2">
-            <a:extLst>
-              <a:ext uri="{FF2B5EF4-FFF2-40B4-BE49-F238E27FC236}">
-                <a16:creationId xmlns:a16="http://schemas.microsoft.com/office/drawing/2014/main" id="{53050F73-D5C0-4818-A977-F09F45280699}"/>
-              </a:ext>
-            </a:extLst>
-          </p:cNvPr>
-          <p:cNvSpPr>
-            <a:spLocks noGrp="1"/>
-          </p:cNvSpPr>
-          <p:nvPr>
-            <p:ph type="body" idx="1"/>
-          </p:nvPr>
-        </p:nvSpPr>
-        <p:spPr/>
-        <p:txBody>
-          <a:bodyPr/>
-          <a:lstStyle/>
-          <a:p>
-            <a:r>
-              <a:rPr lang="en-US" dirty="0"/>
-              <a:t>Lower level</a:t>
-            </a:r>
-          </a:p>
-        </p:txBody>
-      </p:sp>
-      <p:sp>
-        <p:nvSpPr>
-          <p:cNvPr id="5" name="Text Placeholder 4">
-            <a:extLst>
-              <a:ext uri="{FF2B5EF4-FFF2-40B4-BE49-F238E27FC236}">
-                <a16:creationId xmlns:a16="http://schemas.microsoft.com/office/drawing/2014/main" id="{B62E21D6-C855-49F6-9BF9-8A0A4CBA2B67}"/>
-              </a:ext>
-            </a:extLst>
-          </p:cNvPr>
-          <p:cNvSpPr>
-            <a:spLocks noGrp="1"/>
-          </p:cNvSpPr>
-          <p:nvPr>
-            <p:ph type="body" sz="quarter" idx="3"/>
-          </p:nvPr>
-        </p:nvSpPr>
-        <p:spPr/>
-        <p:txBody>
-          <a:bodyPr/>
-          <a:lstStyle/>
-          <a:p>
-            <a:r>
-              <a:rPr lang="en-US" dirty="0"/>
-              <a:t>Higher level</a:t>
-            </a:r>
-          </a:p>
-        </p:txBody>
-      </p:sp>
-      <p:pic>
-        <p:nvPicPr>
-          <p:cNvPr id="8" name="Content Placeholder 7">
-            <a:extLst>
-              <a:ext uri="{FF2B5EF4-FFF2-40B4-BE49-F238E27FC236}">
-                <a16:creationId xmlns:a16="http://schemas.microsoft.com/office/drawing/2014/main" id="{C80294EF-9604-4D84-90A3-EC5C7FF3844D}"/>
-              </a:ext>
-            </a:extLst>
-          </p:cNvPr>
-          <p:cNvPicPr>
-            <a:picLocks noGrp="1" noChangeAspect="1"/>
-          </p:cNvPicPr>
-          <p:nvPr>
-            <p:ph sz="quarter" idx="4"/>
-          </p:nvPr>
-        </p:nvPicPr>
-        <p:blipFill>
-          <a:blip r:embed="rId2"/>
-          <a:stretch>
-            <a:fillRect/>
-          </a:stretch>
-        </p:blipFill>
-        <p:spPr>
-          <a:xfrm>
-            <a:off x="7144333" y="3242219"/>
-            <a:ext cx="2103870" cy="1725174"/>
+            <a:off x="7238949" y="2833120"/>
+            <a:ext cx="4247336" cy="3482817"/>
           </a:xfrm>
           <a:prstGeom prst="rect">
             <a:avLst/>
@@ -5712,19 +5995,17 @@
       </p:pic>
       <p:pic>
         <p:nvPicPr>
-          <p:cNvPr id="7" name="Content Placeholder 6">
+          <p:cNvPr id="10" name="Content Placeholder 6">
             <a:extLst>
               <a:ext uri="{FF2B5EF4-FFF2-40B4-BE49-F238E27FC236}">
-                <a16:creationId xmlns:a16="http://schemas.microsoft.com/office/drawing/2014/main" id="{51CEBFB1-7FB7-4E3A-A80F-BD792BA1C5D3}"/>
+                <a16:creationId xmlns:a16="http://schemas.microsoft.com/office/drawing/2014/main" id="{3CD2816D-D297-44D2-80FF-C32BFF186EA5}"/>
               </a:ext>
             </a:extLst>
           </p:cNvPr>
           <p:cNvPicPr>
-            <a:picLocks noGrp="1"/>
+            <a:picLocks/>
           </p:cNvPicPr>
-          <p:nvPr>
-            <p:ph sz="half" idx="2"/>
-          </p:nvPr>
+          <p:nvPr/>
         </p:nvPicPr>
         <p:blipFill rotWithShape="1">
           <a:blip r:embed="rId3"/>
@@ -5733,8 +6014,8 @@
         </p:blipFill>
         <p:spPr bwMode="auto">
           <a:xfrm>
-            <a:off x="1838037" y="3242219"/>
-            <a:ext cx="2191610" cy="1677266"/>
+            <a:off x="556013" y="2833120"/>
+            <a:ext cx="4550844" cy="3482817"/>
           </a:xfrm>
           <a:prstGeom prst="rect">
             <a:avLst/>
@@ -5752,7 +6033,7 @@
     </p:spTree>
     <p:extLst>
       <p:ext uri="{BB962C8B-B14F-4D97-AF65-F5344CB8AC3E}">
-        <p14:creationId xmlns:p14="http://schemas.microsoft.com/office/powerpoint/2010/main" val="984301346"/>
+        <p14:creationId xmlns:p14="http://schemas.microsoft.com/office/powerpoint/2010/main" val="3248360073"/>
       </p:ext>
     </p:extLst>
   </p:cSld>
@@ -6006,6 +6287,34 @@
 <file path=ppt/slides/slide4.xml><?xml version="1.0" encoding="utf-8"?>
 <p:sld xmlns:a="http://schemas.openxmlformats.org/drawingml/2006/main" xmlns:r="http://schemas.openxmlformats.org/officeDocument/2006/relationships" xmlns:p="http://schemas.openxmlformats.org/presentationml/2006/main">
   <p:cSld>
+    <p:bg>
+      <p:bgPr>
+        <a:gradFill flip="none" rotWithShape="1">
+          <a:gsLst>
+            <a:gs pos="0">
+              <a:schemeClr val="accent6">
+                <a:lumMod val="67000"/>
+              </a:schemeClr>
+            </a:gs>
+            <a:gs pos="48000">
+              <a:schemeClr val="accent6">
+                <a:lumMod val="97000"/>
+                <a:lumOff val="3000"/>
+              </a:schemeClr>
+            </a:gs>
+            <a:gs pos="100000">
+              <a:schemeClr val="accent6">
+                <a:lumMod val="60000"/>
+                <a:lumOff val="40000"/>
+              </a:schemeClr>
+            </a:gs>
+          </a:gsLst>
+          <a:lin ang="16200000" scaled="1"/>
+          <a:tileRect/>
+        </a:gradFill>
+        <a:effectLst/>
+      </p:bgPr>
+    </p:bg>
     <p:spTree>
       <p:nvGrpSpPr>
         <p:cNvPr id="1" name=""/>
@@ -6038,8 +6347,8 @@
         </p:nvSpPr>
         <p:spPr>
           <a:xfrm>
-            <a:off x="1293812" y="183808"/>
-            <a:ext cx="9604375" cy="1049337"/>
+            <a:off x="1293811" y="146855"/>
+            <a:ext cx="9604375" cy="1049338"/>
           </a:xfrm>
         </p:spPr>
         <p:txBody>
@@ -6048,7 +6357,11 @@
           <a:p>
             <a:pPr algn="ctr"/>
             <a:r>
-              <a:rPr lang="en-US" dirty="0"/>
+              <a:rPr lang="en-US" dirty="0">
+                <a:solidFill>
+                  <a:schemeClr val="bg2"/>
+                </a:solidFill>
+              </a:rPr>
               <a:t>Full Algorithm Overview</a:t>
             </a:r>
           </a:p>
@@ -6056,19 +6369,17 @@
       </p:sp>
       <p:pic>
         <p:nvPicPr>
-          <p:cNvPr id="1026" name="Picture 2" descr="https://lh4.googleusercontent.com/S4Od4sQyJG2KyAxyBIpU5W-0waZ-SulbfzXTuQjI7MuCGMi_YsPGrPUYEOmXYwBqwHOS3pMYKSk2ykWtz0ji7KKCqARjlKOapceaVlo8kRbBxpmx4JV91fmd43weF9VEgT8l2hlo">
+          <p:cNvPr id="4" name="Picture 3">
             <a:extLst>
               <a:ext uri="{FF2B5EF4-FFF2-40B4-BE49-F238E27FC236}">
-                <a16:creationId xmlns:a16="http://schemas.microsoft.com/office/drawing/2014/main" id="{89A6CB57-C806-401F-A087-4527EAD82223}"/>
+                <a16:creationId xmlns:a16="http://schemas.microsoft.com/office/drawing/2014/main" id="{98780DE7-CB8A-491F-AD71-58761A26E65B}"/>
               </a:ext>
             </a:extLst>
           </p:cNvPr>
           <p:cNvPicPr>
-            <a:picLocks noGrp="1" noChangeAspect="1" noChangeArrowheads="1"/>
+            <a:picLocks noChangeAspect="1"/>
           </p:cNvPicPr>
-          <p:nvPr>
-            <p:ph idx="4294967295"/>
-          </p:nvPr>
+          <p:nvPr/>
         </p:nvPicPr>
         <p:blipFill>
           <a:blip r:embed="rId3">
@@ -6078,29 +6389,25 @@
               </a:ext>
             </a:extLst>
           </a:blip>
-          <a:srcRect/>
           <a:stretch>
             <a:fillRect/>
           </a:stretch>
         </p:blipFill>
-        <p:spPr bwMode="auto">
+        <p:spPr>
           <a:xfrm>
-            <a:off x="150584" y="1639448"/>
-            <a:ext cx="11890832" cy="3579104"/>
+            <a:off x="658015" y="1089219"/>
+            <a:ext cx="10875968" cy="5452257"/>
           </a:xfrm>
           <a:prstGeom prst="rect">
             <a:avLst/>
           </a:prstGeom>
-          <a:noFill/>
-          <a:extLst>
-            <a:ext uri="{909E8E84-426E-40DD-AFC4-6F175D3DCCD1}">
-              <a14:hiddenFill xmlns:a14="http://schemas.microsoft.com/office/drawing/2010/main">
-                <a:solidFill>
-                  <a:srgbClr val="FFFFFF"/>
-                </a:solidFill>
-              </a14:hiddenFill>
-            </a:ext>
-          </a:extLst>
+          <a:effectLst>
+            <a:outerShdw blurRad="50800" dist="63500" dir="8100000" algn="tr" rotWithShape="0">
+              <a:prstClr val="black">
+                <a:alpha val="40000"/>
+              </a:prstClr>
+            </a:outerShdw>
+          </a:effectLst>
         </p:spPr>
       </p:pic>
     </p:spTree>
@@ -6246,6 +6553,34 @@
 <file path=ppt/slides/slide6.xml><?xml version="1.0" encoding="utf-8"?>
 <p:sld xmlns:a="http://schemas.openxmlformats.org/drawingml/2006/main" xmlns:r="http://schemas.openxmlformats.org/officeDocument/2006/relationships" xmlns:p="http://schemas.openxmlformats.org/presentationml/2006/main">
   <p:cSld>
+    <p:bg>
+      <p:bgPr>
+        <a:gradFill flip="none" rotWithShape="1">
+          <a:gsLst>
+            <a:gs pos="0">
+              <a:schemeClr val="accent6">
+                <a:lumMod val="67000"/>
+              </a:schemeClr>
+            </a:gs>
+            <a:gs pos="48000">
+              <a:schemeClr val="accent6">
+                <a:lumMod val="97000"/>
+                <a:lumOff val="3000"/>
+              </a:schemeClr>
+            </a:gs>
+            <a:gs pos="100000">
+              <a:schemeClr val="accent6">
+                <a:lumMod val="60000"/>
+                <a:lumOff val="40000"/>
+              </a:schemeClr>
+            </a:gs>
+          </a:gsLst>
+          <a:lin ang="16200000" scaled="1"/>
+          <a:tileRect/>
+        </a:gradFill>
+        <a:effectLst/>
+      </p:bgPr>
+    </p:bg>
     <p:spTree>
       <p:nvGrpSpPr>
         <p:cNvPr id="1" name=""/>
@@ -6278,8 +6613,8 @@
         </p:nvSpPr>
         <p:spPr>
           <a:xfrm>
-            <a:off x="1293812" y="183808"/>
-            <a:ext cx="9604375" cy="1049337"/>
+            <a:off x="1293811" y="146855"/>
+            <a:ext cx="9604375" cy="1049338"/>
           </a:xfrm>
         </p:spPr>
         <p:txBody>
@@ -6288,58 +6623,274 @@
           <a:p>
             <a:pPr algn="ctr"/>
             <a:r>
-              <a:rPr lang="en-US" dirty="0"/>
-              <a:t>Project Process</a:t>
-            </a:r>
-          </a:p>
-        </p:txBody>
-      </p:sp>
-      <p:sp>
-        <p:nvSpPr>
-          <p:cNvPr id="3" name="TextBox 2">
+              <a:rPr lang="en-US" dirty="0">
+                <a:solidFill>
+                  <a:schemeClr val="bg2"/>
+                </a:solidFill>
+              </a:rPr>
+              <a:t>Project Algorithm Overview</a:t>
+            </a:r>
+          </a:p>
+        </p:txBody>
+      </p:sp>
+      <p:pic>
+        <p:nvPicPr>
+          <p:cNvPr id="6" name="Picture 5">
             <a:extLst>
               <a:ext uri="{FF2B5EF4-FFF2-40B4-BE49-F238E27FC236}">
-                <a16:creationId xmlns:a16="http://schemas.microsoft.com/office/drawing/2014/main" id="{0C7FA304-23B6-4A6E-B349-59BA059200C3}"/>
+                <a16:creationId xmlns:a16="http://schemas.microsoft.com/office/drawing/2014/main" id="{5BDBD6DD-60EA-44E5-84D8-D3EDFF25C6B3}"/>
               </a:ext>
             </a:extLst>
           </p:cNvPr>
-          <p:cNvSpPr txBox="1"/>
+          <p:cNvPicPr>
+            <a:picLocks noChangeAspect="1"/>
+          </p:cNvPicPr>
           <p:nvPr/>
-        </p:nvSpPr>
+        </p:nvPicPr>
+        <p:blipFill>
+          <a:blip r:embed="rId3">
+            <a:extLst>
+              <a:ext uri="{28A0092B-C50C-407E-A947-70E740481C1C}">
+                <a14:useLocalDpi xmlns:a14="http://schemas.microsoft.com/office/drawing/2010/main" val="0"/>
+              </a:ext>
+            </a:extLst>
+          </a:blip>
+          <a:stretch>
+            <a:fillRect/>
+          </a:stretch>
+        </p:blipFill>
         <p:spPr>
           <a:xfrm>
-            <a:off x="3409949" y="3244334"/>
-            <a:ext cx="5372100" cy="369332"/>
+            <a:off x="950116" y="1196193"/>
+            <a:ext cx="10291763" cy="5324696"/>
           </a:xfrm>
           <a:prstGeom prst="rect">
             <a:avLst/>
           </a:prstGeom>
-          <a:noFill/>
+          <a:effectLst>
+            <a:outerShdw blurRad="50800" dist="63500" dir="8100000" algn="tr" rotWithShape="0">
+              <a:prstClr val="black">
+                <a:alpha val="40000"/>
+              </a:prstClr>
+            </a:outerShdw>
+          </a:effectLst>
         </p:spPr>
-        <p:txBody>
-          <a:bodyPr wrap="square" rtlCol="0">
-            <a:spAutoFit/>
-          </a:bodyPr>
-          <a:lstStyle/>
-          <a:p>
-            <a:pPr algn="ctr"/>
-            <a:r>
-              <a:rPr lang="en-US" dirty="0"/>
-              <a:t>TODO</a:t>
-            </a:r>
-          </a:p>
-        </p:txBody>
-      </p:sp>
+      </p:pic>
+      <p:pic>
+        <p:nvPicPr>
+          <p:cNvPr id="8" name="Picture 7">
+            <a:extLst>
+              <a:ext uri="{FF2B5EF4-FFF2-40B4-BE49-F238E27FC236}">
+                <a16:creationId xmlns:a16="http://schemas.microsoft.com/office/drawing/2014/main" id="{72E0D0A8-D304-488F-99B6-E4BB1159F6F9}"/>
+              </a:ext>
+            </a:extLst>
+          </p:cNvPr>
+          <p:cNvPicPr>
+            <a:picLocks noChangeAspect="1"/>
+          </p:cNvPicPr>
+          <p:nvPr/>
+        </p:nvPicPr>
+        <p:blipFill>
+          <a:blip r:embed="rId4">
+            <a:extLst>
+              <a:ext uri="{28A0092B-C50C-407E-A947-70E740481C1C}">
+                <a14:useLocalDpi xmlns:a14="http://schemas.microsoft.com/office/drawing/2010/main" val="0"/>
+              </a:ext>
+              <a:ext uri="{837473B0-CC2E-450A-ABE3-18F120FF3D39}">
+                <a1611:picAttrSrcUrl xmlns:a1611="http://schemas.microsoft.com/office/drawing/2016/11/main" r:id="rId5"/>
+              </a:ext>
+            </a:extLst>
+          </a:blip>
+          <a:stretch>
+            <a:fillRect/>
+          </a:stretch>
+        </p:blipFill>
+        <p:spPr>
+          <a:xfrm>
+            <a:off x="4987925" y="3270849"/>
+            <a:ext cx="865996" cy="865996"/>
+          </a:xfrm>
+          <a:prstGeom prst="rect">
+            <a:avLst/>
+          </a:prstGeom>
+        </p:spPr>
+      </p:pic>
+      <p:pic>
+        <p:nvPicPr>
+          <p:cNvPr id="15" name="Picture 14">
+            <a:extLst>
+              <a:ext uri="{FF2B5EF4-FFF2-40B4-BE49-F238E27FC236}">
+                <a16:creationId xmlns:a16="http://schemas.microsoft.com/office/drawing/2014/main" id="{CE35001B-497C-40A5-B077-1BCB220960AC}"/>
+              </a:ext>
+            </a:extLst>
+          </p:cNvPr>
+          <p:cNvPicPr>
+            <a:picLocks noChangeAspect="1"/>
+          </p:cNvPicPr>
+          <p:nvPr/>
+        </p:nvPicPr>
+        <p:blipFill>
+          <a:blip r:embed="rId4">
+            <a:extLst>
+              <a:ext uri="{28A0092B-C50C-407E-A947-70E740481C1C}">
+                <a14:useLocalDpi xmlns:a14="http://schemas.microsoft.com/office/drawing/2010/main" val="0"/>
+              </a:ext>
+              <a:ext uri="{837473B0-CC2E-450A-ABE3-18F120FF3D39}">
+                <a1611:picAttrSrcUrl xmlns:a1611="http://schemas.microsoft.com/office/drawing/2016/11/main" r:id="rId5"/>
+              </a:ext>
+            </a:extLst>
+          </a:blip>
+          <a:stretch>
+            <a:fillRect/>
+          </a:stretch>
+        </p:blipFill>
+        <p:spPr>
+          <a:xfrm>
+            <a:off x="8114902" y="3270849"/>
+            <a:ext cx="865996" cy="865996"/>
+          </a:xfrm>
+          <a:prstGeom prst="rect">
+            <a:avLst/>
+          </a:prstGeom>
+        </p:spPr>
+      </p:pic>
     </p:spTree>
     <p:extLst>
       <p:ext uri="{BB962C8B-B14F-4D97-AF65-F5344CB8AC3E}">
-        <p14:creationId xmlns:p14="http://schemas.microsoft.com/office/powerpoint/2010/main" val="1892205430"/>
+        <p14:creationId xmlns:p14="http://schemas.microsoft.com/office/powerpoint/2010/main" val="1609205346"/>
       </p:ext>
     </p:extLst>
   </p:cSld>
   <p:clrMapOvr>
     <a:masterClrMapping/>
   </p:clrMapOvr>
+  <p:timing>
+    <p:tnLst>
+      <p:par>
+        <p:cTn id="1" dur="indefinite" restart="never" nodeType="tmRoot">
+          <p:childTnLst>
+            <p:seq concurrent="1" nextAc="seek">
+              <p:cTn id="2" dur="indefinite" nodeType="mainSeq">
+                <p:childTnLst>
+                  <p:par>
+                    <p:cTn id="3" fill="hold">
+                      <p:stCondLst>
+                        <p:cond delay="indefinite"/>
+                      </p:stCondLst>
+                      <p:childTnLst>
+                        <p:par>
+                          <p:cTn id="4" fill="hold">
+                            <p:stCondLst>
+                              <p:cond delay="0"/>
+                            </p:stCondLst>
+                            <p:childTnLst>
+                              <p:par>
+                                <p:cTn id="5" presetID="22" presetClass="entr" presetSubtype="8" fill="hold" nodeType="clickEffect">
+                                  <p:stCondLst>
+                                    <p:cond delay="0"/>
+                                  </p:stCondLst>
+                                  <p:childTnLst>
+                                    <p:set>
+                                      <p:cBhvr>
+                                        <p:cTn id="6" dur="1" fill="hold">
+                                          <p:stCondLst>
+                                            <p:cond delay="0"/>
+                                          </p:stCondLst>
+                                        </p:cTn>
+                                        <p:tgtEl>
+                                          <p:spTgt spid="8"/>
+                                        </p:tgtEl>
+                                        <p:attrNameLst>
+                                          <p:attrName>style.visibility</p:attrName>
+                                        </p:attrNameLst>
+                                      </p:cBhvr>
+                                      <p:to>
+                                        <p:strVal val="visible"/>
+                                      </p:to>
+                                    </p:set>
+                                    <p:animEffect transition="in" filter="wipe(left)">
+                                      <p:cBhvr>
+                                        <p:cTn id="7" dur="500"/>
+                                        <p:tgtEl>
+                                          <p:spTgt spid="8"/>
+                                        </p:tgtEl>
+                                      </p:cBhvr>
+                                    </p:animEffect>
+                                  </p:childTnLst>
+                                </p:cTn>
+                              </p:par>
+                            </p:childTnLst>
+                          </p:cTn>
+                        </p:par>
+                        <p:par>
+                          <p:cTn id="8" fill="hold">
+                            <p:stCondLst>
+                              <p:cond delay="500"/>
+                            </p:stCondLst>
+                            <p:childTnLst>
+                              <p:par>
+                                <p:cTn id="9" presetID="22" presetClass="entr" presetSubtype="8" fill="hold" nodeType="afterEffect">
+                                  <p:stCondLst>
+                                    <p:cond delay="0"/>
+                                  </p:stCondLst>
+                                  <p:childTnLst>
+                                    <p:set>
+                                      <p:cBhvr>
+                                        <p:cTn id="10" dur="1" fill="hold">
+                                          <p:stCondLst>
+                                            <p:cond delay="0"/>
+                                          </p:stCondLst>
+                                        </p:cTn>
+                                        <p:tgtEl>
+                                          <p:spTgt spid="15"/>
+                                        </p:tgtEl>
+                                        <p:attrNameLst>
+                                          <p:attrName>style.visibility</p:attrName>
+                                        </p:attrNameLst>
+                                      </p:cBhvr>
+                                      <p:to>
+                                        <p:strVal val="visible"/>
+                                      </p:to>
+                                    </p:set>
+                                    <p:animEffect transition="in" filter="wipe(left)">
+                                      <p:cBhvr>
+                                        <p:cTn id="11" dur="500"/>
+                                        <p:tgtEl>
+                                          <p:spTgt spid="15"/>
+                                        </p:tgtEl>
+                                      </p:cBhvr>
+                                    </p:animEffect>
+                                  </p:childTnLst>
+                                </p:cTn>
+                              </p:par>
+                            </p:childTnLst>
+                          </p:cTn>
+                        </p:par>
+                      </p:childTnLst>
+                    </p:cTn>
+                  </p:par>
+                </p:childTnLst>
+              </p:cTn>
+              <p:prevCondLst>
+                <p:cond evt="onPrev" delay="0">
+                  <p:tgtEl>
+                    <p:sldTgt/>
+                  </p:tgtEl>
+                </p:cond>
+              </p:prevCondLst>
+              <p:nextCondLst>
+                <p:cond evt="onNext" delay="0">
+                  <p:tgtEl>
+                    <p:sldTgt/>
+                  </p:tgtEl>
+                </p:cond>
+              </p:nextCondLst>
+            </p:seq>
+          </p:childTnLst>
+        </p:cTn>
+      </p:par>
+    </p:tnLst>
+  </p:timing>
 </p:sld>
 </file>
 
@@ -6431,6 +6982,12 @@
             <a:r>
               <a:rPr lang="en-US" dirty="0"/>
               <a:t>The FPGA processes the data and the binary image is returned in a reverse manner</a:t>
+            </a:r>
+          </a:p>
+          <a:p>
+            <a:r>
+              <a:rPr lang="en-US" dirty="0"/>
+              <a:t>Comparison of software/hardware bridged approach to software-only approach</a:t>
             </a:r>
           </a:p>
         </p:txBody>
@@ -6470,106 +7027,6 @@
           <p:cNvPr id="2" name="Title 1">
             <a:extLst>
               <a:ext uri="{FF2B5EF4-FFF2-40B4-BE49-F238E27FC236}">
-                <a16:creationId xmlns:a16="http://schemas.microsoft.com/office/drawing/2014/main" id="{9604C11A-963F-4198-B2CB-FDE1DBACD4D3}"/>
-              </a:ext>
-            </a:extLst>
-          </p:cNvPr>
-          <p:cNvSpPr>
-            <a:spLocks noGrp="1"/>
-          </p:cNvSpPr>
-          <p:nvPr>
-            <p:ph type="title" idx="4294967295"/>
-          </p:nvPr>
-        </p:nvSpPr>
-        <p:spPr>
-          <a:xfrm>
-            <a:off x="1293812" y="183808"/>
-            <a:ext cx="9604375" cy="1049337"/>
-          </a:xfrm>
-        </p:spPr>
-        <p:txBody>
-          <a:bodyPr/>
-          <a:lstStyle/>
-          <a:p>
-            <a:pPr algn="ctr"/>
-            <a:r>
-              <a:rPr lang="en-US" dirty="0"/>
-              <a:t>Software flow</a:t>
-            </a:r>
-          </a:p>
-        </p:txBody>
-      </p:sp>
-      <p:sp>
-        <p:nvSpPr>
-          <p:cNvPr id="3" name="TextBox 2">
-            <a:extLst>
-              <a:ext uri="{FF2B5EF4-FFF2-40B4-BE49-F238E27FC236}">
-                <a16:creationId xmlns:a16="http://schemas.microsoft.com/office/drawing/2014/main" id="{0C7FA304-23B6-4A6E-B349-59BA059200C3}"/>
-              </a:ext>
-            </a:extLst>
-          </p:cNvPr>
-          <p:cNvSpPr txBox="1"/>
-          <p:nvPr/>
-        </p:nvSpPr>
-        <p:spPr>
-          <a:xfrm>
-            <a:off x="3409949" y="3244334"/>
-            <a:ext cx="5372100" cy="369332"/>
-          </a:xfrm>
-          <a:prstGeom prst="rect">
-            <a:avLst/>
-          </a:prstGeom>
-          <a:noFill/>
-        </p:spPr>
-        <p:txBody>
-          <a:bodyPr wrap="square" rtlCol="0">
-            <a:spAutoFit/>
-          </a:bodyPr>
-          <a:lstStyle/>
-          <a:p>
-            <a:pPr algn="ctr"/>
-            <a:r>
-              <a:rPr lang="en-US" dirty="0"/>
-              <a:t>TODO</a:t>
-            </a:r>
-          </a:p>
-        </p:txBody>
-      </p:sp>
-    </p:spTree>
-    <p:extLst>
-      <p:ext uri="{BB962C8B-B14F-4D97-AF65-F5344CB8AC3E}">
-        <p14:creationId xmlns:p14="http://schemas.microsoft.com/office/powerpoint/2010/main" val="459074619"/>
-      </p:ext>
-    </p:extLst>
-  </p:cSld>
-  <p:clrMapOvr>
-    <a:masterClrMapping/>
-  </p:clrMapOvr>
-</p:sld>
-</file>
-
-<file path=ppt/slides/slide9.xml><?xml version="1.0" encoding="utf-8"?>
-<p:sld xmlns:a="http://schemas.openxmlformats.org/drawingml/2006/main" xmlns:r="http://schemas.openxmlformats.org/officeDocument/2006/relationships" xmlns:p="http://schemas.openxmlformats.org/presentationml/2006/main">
-  <p:cSld>
-    <p:spTree>
-      <p:nvGrpSpPr>
-        <p:cNvPr id="1" name=""/>
-        <p:cNvGrpSpPr/>
-        <p:nvPr/>
-      </p:nvGrpSpPr>
-      <p:grpSpPr>
-        <a:xfrm>
-          <a:off x="0" y="0"/>
-          <a:ext cx="0" cy="0"/>
-          <a:chOff x="0" y="0"/>
-          <a:chExt cx="0" cy="0"/>
-        </a:xfrm>
-      </p:grpSpPr>
-      <p:sp>
-        <p:nvSpPr>
-          <p:cNvPr id="2" name="Title 1">
-            <a:extLst>
-              <a:ext uri="{FF2B5EF4-FFF2-40B4-BE49-F238E27FC236}">
                 <a16:creationId xmlns:a16="http://schemas.microsoft.com/office/drawing/2014/main" id="{53ECA34C-268C-4049-9714-BAE84C98C887}"/>
               </a:ext>
             </a:extLst>
@@ -6594,7 +7051,7 @@
             <a:pPr algn="ctr"/>
             <a:r>
               <a:rPr lang="en-US" dirty="0"/>
-              <a:t>Software output</a:t>
+              <a:t>Software-Only output</a:t>
             </a:r>
           </a:p>
         </p:txBody>
@@ -6641,6 +7098,1038 @@
   <p:clrMapOvr>
     <a:masterClrMapping/>
   </p:clrMapOvr>
+</p:sld>
+</file>
+
+<file path=ppt/slides/slide9.xml><?xml version="1.0" encoding="utf-8"?>
+<p:sld xmlns:a="http://schemas.openxmlformats.org/drawingml/2006/main" xmlns:r="http://schemas.openxmlformats.org/officeDocument/2006/relationships" xmlns:p="http://schemas.openxmlformats.org/presentationml/2006/main">
+  <p:cSld>
+    <p:spTree>
+      <p:nvGrpSpPr>
+        <p:cNvPr id="1" name=""/>
+        <p:cNvGrpSpPr/>
+        <p:nvPr/>
+      </p:nvGrpSpPr>
+      <p:grpSpPr>
+        <a:xfrm>
+          <a:off x="0" y="0"/>
+          <a:ext cx="0" cy="0"/>
+          <a:chOff x="0" y="0"/>
+          <a:chExt cx="0" cy="0"/>
+        </a:xfrm>
+      </p:grpSpPr>
+      <p:sp>
+        <p:nvSpPr>
+          <p:cNvPr id="2" name="Title 1">
+            <a:extLst>
+              <a:ext uri="{FF2B5EF4-FFF2-40B4-BE49-F238E27FC236}">
+                <a16:creationId xmlns:a16="http://schemas.microsoft.com/office/drawing/2014/main" id="{EA4C12D0-083E-4769-A02E-B347285B14F3}"/>
+              </a:ext>
+            </a:extLst>
+          </p:cNvPr>
+          <p:cNvSpPr>
+            <a:spLocks noGrp="1"/>
+          </p:cNvSpPr>
+          <p:nvPr>
+            <p:ph type="title"/>
+          </p:nvPr>
+        </p:nvSpPr>
+        <p:spPr/>
+        <p:txBody>
+          <a:bodyPr/>
+          <a:lstStyle/>
+          <a:p>
+            <a:r>
+              <a:rPr lang="en-US" dirty="0"/>
+              <a:t>Hardware Datapath</a:t>
+            </a:r>
+          </a:p>
+        </p:txBody>
+      </p:sp>
+      <p:sp>
+        <p:nvSpPr>
+          <p:cNvPr id="3" name="Content Placeholder 2">
+            <a:extLst>
+              <a:ext uri="{FF2B5EF4-FFF2-40B4-BE49-F238E27FC236}">
+                <a16:creationId xmlns:a16="http://schemas.microsoft.com/office/drawing/2014/main" id="{A7E52646-B122-4096-9381-EB5DC1520579}"/>
+              </a:ext>
+            </a:extLst>
+          </p:cNvPr>
+          <p:cNvSpPr>
+            <a:spLocks noGrp="1"/>
+          </p:cNvSpPr>
+          <p:nvPr>
+            <p:ph idx="1"/>
+          </p:nvPr>
+        </p:nvSpPr>
+        <p:spPr>
+          <a:xfrm>
+            <a:off x="1451580" y="2015732"/>
+            <a:ext cx="8001910" cy="3450613"/>
+          </a:xfrm>
+        </p:spPr>
+        <p:txBody>
+          <a:bodyPr>
+            <a:normAutofit lnSpcReduction="10000"/>
+          </a:bodyPr>
+          <a:lstStyle/>
+          <a:p>
+            <a:r>
+              <a:rPr lang="en-US" dirty="0" err="1"/>
+              <a:t>Datapaths</a:t>
+            </a:r>
+            <a:r>
+              <a:rPr lang="en-US" dirty="0"/>
+              <a:t> created for the NMS and thresholding blocks</a:t>
+            </a:r>
+          </a:p>
+          <a:p>
+            <a:r>
+              <a:rPr lang="en-US" dirty="0"/>
+              <a:t>NMS block</a:t>
+            </a:r>
+          </a:p>
+          <a:p>
+            <a:pPr lvl="1"/>
+            <a:r>
+              <a:rPr lang="en-US" dirty="0"/>
+              <a:t>Input: Magnitudes (8-bit integers) of all pixels in a 3x3 square and the direction (3-bit integer) of the center pixel</a:t>
+            </a:r>
+          </a:p>
+          <a:p>
+            <a:pPr lvl="1"/>
+            <a:r>
+              <a:rPr lang="en-US" dirty="0"/>
+              <a:t>Output: single bit indicating that the pixel is kept (1) or suppressed (0)</a:t>
+            </a:r>
+          </a:p>
+          <a:p>
+            <a:r>
+              <a:rPr lang="en-US" dirty="0"/>
+              <a:t>Thresholding block</a:t>
+            </a:r>
+          </a:p>
+          <a:p>
+            <a:pPr lvl="1"/>
+            <a:r>
+              <a:rPr lang="en-US" dirty="0"/>
+              <a:t>Input: Magnitude of the center pixel</a:t>
+            </a:r>
+          </a:p>
+          <a:p>
+            <a:pPr lvl="1"/>
+            <a:r>
+              <a:rPr lang="en-US" dirty="0"/>
+              <a:t>Output: single bit indicating that the pixel passes (1) </a:t>
+            </a:r>
+            <a:r>
+              <a:rPr lang="en-US" dirty="0" err="1"/>
+              <a:t>orfails</a:t>
+            </a:r>
+            <a:r>
+              <a:rPr lang="en-US" dirty="0"/>
+              <a:t> (0) the threshold</a:t>
+            </a:r>
+          </a:p>
+        </p:txBody>
+      </p:sp>
+      <p:graphicFrame>
+        <p:nvGraphicFramePr>
+          <p:cNvPr id="4" name="Table 3">
+            <a:extLst>
+              <a:ext uri="{FF2B5EF4-FFF2-40B4-BE49-F238E27FC236}">
+                <a16:creationId xmlns:a16="http://schemas.microsoft.com/office/drawing/2014/main" id="{2537E845-E840-490C-B24D-787767E7D2DD}"/>
+              </a:ext>
+            </a:extLst>
+          </p:cNvPr>
+          <p:cNvGraphicFramePr>
+            <a:graphicFrameLocks noGrp="1"/>
+          </p:cNvGraphicFramePr>
+          <p:nvPr>
+            <p:extLst>
+              <p:ext uri="{D42A27DB-BD31-4B8C-83A1-F6EECF244321}">
+                <p14:modId xmlns:p14="http://schemas.microsoft.com/office/powerpoint/2010/main" val="3649278687"/>
+              </p:ext>
+            </p:extLst>
+          </p:nvPr>
+        </p:nvGraphicFramePr>
+        <p:xfrm>
+          <a:off x="9246120" y="4353825"/>
+          <a:ext cx="1494300" cy="1112520"/>
+        </p:xfrm>
+        <a:graphic>
+          <a:graphicData uri="http://schemas.openxmlformats.org/drawingml/2006/table">
+            <a:tbl>
+              <a:tblPr firstRow="1" bandRow="1">
+                <a:tableStyleId>{5940675A-B579-460E-94D1-54222C63F5DA}</a:tableStyleId>
+              </a:tblPr>
+              <a:tblGrid>
+                <a:gridCol w="498100">
+                  <a:extLst>
+                    <a:ext uri="{9D8B030D-6E8A-4147-A177-3AD203B41FA5}">
+                      <a16:colId xmlns:a16="http://schemas.microsoft.com/office/drawing/2014/main" val="2284925841"/>
+                    </a:ext>
+                  </a:extLst>
+                </a:gridCol>
+                <a:gridCol w="498100">
+                  <a:extLst>
+                    <a:ext uri="{9D8B030D-6E8A-4147-A177-3AD203B41FA5}">
+                      <a16:colId xmlns:a16="http://schemas.microsoft.com/office/drawing/2014/main" val="2503202500"/>
+                    </a:ext>
+                  </a:extLst>
+                </a:gridCol>
+                <a:gridCol w="498100">
+                  <a:extLst>
+                    <a:ext uri="{9D8B030D-6E8A-4147-A177-3AD203B41FA5}">
+                      <a16:colId xmlns:a16="http://schemas.microsoft.com/office/drawing/2014/main" val="584012596"/>
+                    </a:ext>
+                  </a:extLst>
+                </a:gridCol>
+              </a:tblGrid>
+              <a:tr h="370840">
+                <a:tc>
+                  <a:txBody>
+                    <a:bodyPr/>
+                    <a:lstStyle/>
+                    <a:p>
+                      <a:pPr algn="ctr"/>
+                      <a:r>
+                        <a:rPr lang="en-US" dirty="0">
+                          <a:solidFill>
+                            <a:schemeClr val="bg1"/>
+                          </a:solidFill>
+                        </a:rPr>
+                        <a:t>M0</a:t>
+                      </a:r>
+                    </a:p>
+                  </a:txBody>
+                  <a:tcPr anchor="ctr">
+                    <a:lnL w="12700" cap="flat" cmpd="sng" algn="ctr">
+                      <a:noFill/>
+                      <a:prstDash val="solid"/>
+                      <a:round/>
+                      <a:headEnd type="none" w="med" len="med"/>
+                      <a:tailEnd type="none" w="med" len="med"/>
+                    </a:lnL>
+                    <a:lnR w="12700" cap="flat" cmpd="sng" algn="ctr">
+                      <a:solidFill>
+                        <a:schemeClr val="bg1"/>
+                      </a:solidFill>
+                      <a:prstDash val="solid"/>
+                      <a:round/>
+                      <a:headEnd type="none" w="med" len="med"/>
+                      <a:tailEnd type="none" w="med" len="med"/>
+                    </a:lnR>
+                    <a:lnT w="12700" cap="flat" cmpd="sng" algn="ctr">
+                      <a:noFill/>
+                      <a:prstDash val="solid"/>
+                      <a:round/>
+                      <a:headEnd type="none" w="med" len="med"/>
+                      <a:tailEnd type="none" w="med" len="med"/>
+                    </a:lnT>
+                    <a:lnB w="12700" cap="flat" cmpd="sng" algn="ctr">
+                      <a:solidFill>
+                        <a:schemeClr val="bg1"/>
+                      </a:solidFill>
+                      <a:prstDash val="solid"/>
+                      <a:round/>
+                      <a:headEnd type="none" w="med" len="med"/>
+                      <a:tailEnd type="none" w="med" len="med"/>
+                    </a:lnB>
+                    <a:solidFill>
+                      <a:schemeClr val="tx1">
+                        <a:lumMod val="85000"/>
+                        <a:lumOff val="15000"/>
+                      </a:schemeClr>
+                    </a:solidFill>
+                  </a:tcPr>
+                </a:tc>
+                <a:tc>
+                  <a:txBody>
+                    <a:bodyPr/>
+                    <a:lstStyle/>
+                    <a:p>
+                      <a:pPr algn="ctr"/>
+                      <a:r>
+                        <a:rPr lang="en-US" dirty="0">
+                          <a:solidFill>
+                            <a:schemeClr val="bg1"/>
+                          </a:solidFill>
+                        </a:rPr>
+                        <a:t>M1</a:t>
+                      </a:r>
+                    </a:p>
+                  </a:txBody>
+                  <a:tcPr anchor="ctr">
+                    <a:lnL w="12700" cap="flat" cmpd="sng" algn="ctr">
+                      <a:solidFill>
+                        <a:schemeClr val="bg1"/>
+                      </a:solidFill>
+                      <a:prstDash val="solid"/>
+                      <a:round/>
+                      <a:headEnd type="none" w="med" len="med"/>
+                      <a:tailEnd type="none" w="med" len="med"/>
+                    </a:lnL>
+                    <a:lnR w="12700" cap="flat" cmpd="sng" algn="ctr">
+                      <a:solidFill>
+                        <a:schemeClr val="bg1"/>
+                      </a:solidFill>
+                      <a:prstDash val="solid"/>
+                      <a:round/>
+                      <a:headEnd type="none" w="med" len="med"/>
+                      <a:tailEnd type="none" w="med" len="med"/>
+                    </a:lnR>
+                    <a:lnT w="12700" cap="flat" cmpd="sng" algn="ctr">
+                      <a:noFill/>
+                      <a:prstDash val="solid"/>
+                      <a:round/>
+                      <a:headEnd type="none" w="med" len="med"/>
+                      <a:tailEnd type="none" w="med" len="med"/>
+                    </a:lnT>
+                    <a:lnB w="12700" cap="flat" cmpd="sng" algn="ctr">
+                      <a:solidFill>
+                        <a:schemeClr val="bg1"/>
+                      </a:solidFill>
+                      <a:prstDash val="solid"/>
+                      <a:round/>
+                      <a:headEnd type="none" w="med" len="med"/>
+                      <a:tailEnd type="none" w="med" len="med"/>
+                    </a:lnB>
+                    <a:solidFill>
+                      <a:schemeClr val="tx1">
+                        <a:lumMod val="85000"/>
+                        <a:lumOff val="15000"/>
+                      </a:schemeClr>
+                    </a:solidFill>
+                  </a:tcPr>
+                </a:tc>
+                <a:tc>
+                  <a:txBody>
+                    <a:bodyPr/>
+                    <a:lstStyle/>
+                    <a:p>
+                      <a:pPr algn="ctr"/>
+                      <a:r>
+                        <a:rPr lang="en-US" dirty="0">
+                          <a:solidFill>
+                            <a:schemeClr val="bg1"/>
+                          </a:solidFill>
+                        </a:rPr>
+                        <a:t>M2</a:t>
+                      </a:r>
+                    </a:p>
+                  </a:txBody>
+                  <a:tcPr anchor="ctr">
+                    <a:lnL w="12700" cap="flat" cmpd="sng" algn="ctr">
+                      <a:solidFill>
+                        <a:schemeClr val="bg1"/>
+                      </a:solidFill>
+                      <a:prstDash val="solid"/>
+                      <a:round/>
+                      <a:headEnd type="none" w="med" len="med"/>
+                      <a:tailEnd type="none" w="med" len="med"/>
+                    </a:lnL>
+                    <a:lnR w="12700" cap="flat" cmpd="sng" algn="ctr">
+                      <a:noFill/>
+                      <a:prstDash val="solid"/>
+                      <a:round/>
+                      <a:headEnd type="none" w="med" len="med"/>
+                      <a:tailEnd type="none" w="med" len="med"/>
+                    </a:lnR>
+                    <a:lnT w="12700" cap="flat" cmpd="sng" algn="ctr">
+                      <a:noFill/>
+                      <a:prstDash val="solid"/>
+                      <a:round/>
+                      <a:headEnd type="none" w="med" len="med"/>
+                      <a:tailEnd type="none" w="med" len="med"/>
+                    </a:lnT>
+                    <a:lnB w="12700" cap="flat" cmpd="sng" algn="ctr">
+                      <a:solidFill>
+                        <a:schemeClr val="bg1"/>
+                      </a:solidFill>
+                      <a:prstDash val="solid"/>
+                      <a:round/>
+                      <a:headEnd type="none" w="med" len="med"/>
+                      <a:tailEnd type="none" w="med" len="med"/>
+                    </a:lnB>
+                    <a:solidFill>
+                      <a:schemeClr val="tx1">
+                        <a:lumMod val="85000"/>
+                        <a:lumOff val="15000"/>
+                      </a:schemeClr>
+                    </a:solidFill>
+                  </a:tcPr>
+                </a:tc>
+                <a:extLst>
+                  <a:ext uri="{0D108BD9-81ED-4DB2-BD59-A6C34878D82A}">
+                    <a16:rowId xmlns:a16="http://schemas.microsoft.com/office/drawing/2014/main" val="3655947734"/>
+                  </a:ext>
+                </a:extLst>
+              </a:tr>
+              <a:tr h="370840">
+                <a:tc>
+                  <a:txBody>
+                    <a:bodyPr/>
+                    <a:lstStyle/>
+                    <a:p>
+                      <a:pPr algn="ctr"/>
+                      <a:r>
+                        <a:rPr lang="en-US" dirty="0">
+                          <a:solidFill>
+                            <a:schemeClr val="bg1"/>
+                          </a:solidFill>
+                        </a:rPr>
+                        <a:t>M3</a:t>
+                      </a:r>
+                    </a:p>
+                  </a:txBody>
+                  <a:tcPr anchor="ctr">
+                    <a:lnL w="12700" cap="flat" cmpd="sng" algn="ctr">
+                      <a:noFill/>
+                      <a:prstDash val="solid"/>
+                      <a:round/>
+                      <a:headEnd type="none" w="med" len="med"/>
+                      <a:tailEnd type="none" w="med" len="med"/>
+                    </a:lnL>
+                    <a:lnR w="12700" cap="flat" cmpd="sng" algn="ctr">
+                      <a:solidFill>
+                        <a:schemeClr val="bg1"/>
+                      </a:solidFill>
+                      <a:prstDash val="solid"/>
+                      <a:round/>
+                      <a:headEnd type="none" w="med" len="med"/>
+                      <a:tailEnd type="none" w="med" len="med"/>
+                    </a:lnR>
+                    <a:lnT w="12700" cap="flat" cmpd="sng" algn="ctr">
+                      <a:solidFill>
+                        <a:schemeClr val="bg1"/>
+                      </a:solidFill>
+                      <a:prstDash val="solid"/>
+                      <a:round/>
+                      <a:headEnd type="none" w="med" len="med"/>
+                      <a:tailEnd type="none" w="med" len="med"/>
+                    </a:lnT>
+                    <a:lnB w="12700" cap="flat" cmpd="sng" algn="ctr">
+                      <a:solidFill>
+                        <a:schemeClr val="bg1"/>
+                      </a:solidFill>
+                      <a:prstDash val="solid"/>
+                      <a:round/>
+                      <a:headEnd type="none" w="med" len="med"/>
+                      <a:tailEnd type="none" w="med" len="med"/>
+                    </a:lnB>
+                    <a:solidFill>
+                      <a:schemeClr val="tx1">
+                        <a:lumMod val="85000"/>
+                        <a:lumOff val="15000"/>
+                      </a:schemeClr>
+                    </a:solidFill>
+                  </a:tcPr>
+                </a:tc>
+                <a:tc>
+                  <a:txBody>
+                    <a:bodyPr/>
+                    <a:lstStyle/>
+                    <a:p>
+                      <a:pPr algn="ctr"/>
+                      <a:r>
+                        <a:rPr lang="en-US" dirty="0">
+                          <a:solidFill>
+                            <a:schemeClr val="bg1"/>
+                          </a:solidFill>
+                        </a:rPr>
+                        <a:t>M4</a:t>
+                      </a:r>
+                    </a:p>
+                  </a:txBody>
+                  <a:tcPr anchor="ctr">
+                    <a:lnL w="12700" cap="flat" cmpd="sng" algn="ctr">
+                      <a:solidFill>
+                        <a:schemeClr val="bg1"/>
+                      </a:solidFill>
+                      <a:prstDash val="solid"/>
+                      <a:round/>
+                      <a:headEnd type="none" w="med" len="med"/>
+                      <a:tailEnd type="none" w="med" len="med"/>
+                    </a:lnL>
+                    <a:lnR w="12700" cap="flat" cmpd="sng" algn="ctr">
+                      <a:solidFill>
+                        <a:schemeClr val="bg1"/>
+                      </a:solidFill>
+                      <a:prstDash val="solid"/>
+                      <a:round/>
+                      <a:headEnd type="none" w="med" len="med"/>
+                      <a:tailEnd type="none" w="med" len="med"/>
+                    </a:lnR>
+                    <a:lnT w="12700" cap="flat" cmpd="sng" algn="ctr">
+                      <a:solidFill>
+                        <a:schemeClr val="bg1"/>
+                      </a:solidFill>
+                      <a:prstDash val="solid"/>
+                      <a:round/>
+                      <a:headEnd type="none" w="med" len="med"/>
+                      <a:tailEnd type="none" w="med" len="med"/>
+                    </a:lnT>
+                    <a:lnB w="12700" cap="flat" cmpd="sng" algn="ctr">
+                      <a:solidFill>
+                        <a:schemeClr val="bg1"/>
+                      </a:solidFill>
+                      <a:prstDash val="solid"/>
+                      <a:round/>
+                      <a:headEnd type="none" w="med" len="med"/>
+                      <a:tailEnd type="none" w="med" len="med"/>
+                    </a:lnB>
+                    <a:solidFill>
+                      <a:schemeClr val="tx1">
+                        <a:lumMod val="85000"/>
+                        <a:lumOff val="15000"/>
+                      </a:schemeClr>
+                    </a:solidFill>
+                  </a:tcPr>
+                </a:tc>
+                <a:tc>
+                  <a:txBody>
+                    <a:bodyPr/>
+                    <a:lstStyle/>
+                    <a:p>
+                      <a:pPr algn="ctr"/>
+                      <a:r>
+                        <a:rPr lang="en-US" dirty="0">
+                          <a:solidFill>
+                            <a:schemeClr val="bg1"/>
+                          </a:solidFill>
+                        </a:rPr>
+                        <a:t>M5</a:t>
+                      </a:r>
+                    </a:p>
+                  </a:txBody>
+                  <a:tcPr anchor="ctr">
+                    <a:lnL w="12700" cap="flat" cmpd="sng" algn="ctr">
+                      <a:solidFill>
+                        <a:schemeClr val="bg1"/>
+                      </a:solidFill>
+                      <a:prstDash val="solid"/>
+                      <a:round/>
+                      <a:headEnd type="none" w="med" len="med"/>
+                      <a:tailEnd type="none" w="med" len="med"/>
+                    </a:lnL>
+                    <a:lnR w="12700" cap="flat" cmpd="sng" algn="ctr">
+                      <a:noFill/>
+                      <a:prstDash val="solid"/>
+                      <a:round/>
+                      <a:headEnd type="none" w="med" len="med"/>
+                      <a:tailEnd type="none" w="med" len="med"/>
+                    </a:lnR>
+                    <a:lnT w="12700" cap="flat" cmpd="sng" algn="ctr">
+                      <a:solidFill>
+                        <a:schemeClr val="bg1"/>
+                      </a:solidFill>
+                      <a:prstDash val="solid"/>
+                      <a:round/>
+                      <a:headEnd type="none" w="med" len="med"/>
+                      <a:tailEnd type="none" w="med" len="med"/>
+                    </a:lnT>
+                    <a:lnB w="12700" cap="flat" cmpd="sng" algn="ctr">
+                      <a:solidFill>
+                        <a:schemeClr val="bg1"/>
+                      </a:solidFill>
+                      <a:prstDash val="solid"/>
+                      <a:round/>
+                      <a:headEnd type="none" w="med" len="med"/>
+                      <a:tailEnd type="none" w="med" len="med"/>
+                    </a:lnB>
+                    <a:solidFill>
+                      <a:schemeClr val="tx1">
+                        <a:lumMod val="85000"/>
+                        <a:lumOff val="15000"/>
+                      </a:schemeClr>
+                    </a:solidFill>
+                  </a:tcPr>
+                </a:tc>
+                <a:extLst>
+                  <a:ext uri="{0D108BD9-81ED-4DB2-BD59-A6C34878D82A}">
+                    <a16:rowId xmlns:a16="http://schemas.microsoft.com/office/drawing/2014/main" val="232117439"/>
+                  </a:ext>
+                </a:extLst>
+              </a:tr>
+              <a:tr h="370840">
+                <a:tc>
+                  <a:txBody>
+                    <a:bodyPr/>
+                    <a:lstStyle/>
+                    <a:p>
+                      <a:pPr algn="ctr"/>
+                      <a:r>
+                        <a:rPr lang="en-US" dirty="0">
+                          <a:solidFill>
+                            <a:schemeClr val="bg1"/>
+                          </a:solidFill>
+                        </a:rPr>
+                        <a:t>M6</a:t>
+                      </a:r>
+                    </a:p>
+                  </a:txBody>
+                  <a:tcPr anchor="ctr">
+                    <a:lnL w="12700" cap="flat" cmpd="sng" algn="ctr">
+                      <a:noFill/>
+                      <a:prstDash val="solid"/>
+                      <a:round/>
+                      <a:headEnd type="none" w="med" len="med"/>
+                      <a:tailEnd type="none" w="med" len="med"/>
+                    </a:lnL>
+                    <a:lnR w="12700" cap="flat" cmpd="sng" algn="ctr">
+                      <a:solidFill>
+                        <a:schemeClr val="bg1"/>
+                      </a:solidFill>
+                      <a:prstDash val="solid"/>
+                      <a:round/>
+                      <a:headEnd type="none" w="med" len="med"/>
+                      <a:tailEnd type="none" w="med" len="med"/>
+                    </a:lnR>
+                    <a:lnT w="12700" cap="flat" cmpd="sng" algn="ctr">
+                      <a:solidFill>
+                        <a:schemeClr val="bg1"/>
+                      </a:solidFill>
+                      <a:prstDash val="solid"/>
+                      <a:round/>
+                      <a:headEnd type="none" w="med" len="med"/>
+                      <a:tailEnd type="none" w="med" len="med"/>
+                    </a:lnT>
+                    <a:lnB w="12700" cap="flat" cmpd="sng" algn="ctr">
+                      <a:noFill/>
+                      <a:prstDash val="solid"/>
+                      <a:round/>
+                      <a:headEnd type="none" w="med" len="med"/>
+                      <a:tailEnd type="none" w="med" len="med"/>
+                    </a:lnB>
+                    <a:solidFill>
+                      <a:schemeClr val="tx1">
+                        <a:lumMod val="85000"/>
+                        <a:lumOff val="15000"/>
+                      </a:schemeClr>
+                    </a:solidFill>
+                  </a:tcPr>
+                </a:tc>
+                <a:tc>
+                  <a:txBody>
+                    <a:bodyPr/>
+                    <a:lstStyle/>
+                    <a:p>
+                      <a:pPr algn="ctr"/>
+                      <a:r>
+                        <a:rPr lang="en-US" dirty="0">
+                          <a:solidFill>
+                            <a:schemeClr val="bg1"/>
+                          </a:solidFill>
+                        </a:rPr>
+                        <a:t>M7</a:t>
+                      </a:r>
+                    </a:p>
+                  </a:txBody>
+                  <a:tcPr anchor="ctr">
+                    <a:lnL w="12700" cap="flat" cmpd="sng" algn="ctr">
+                      <a:solidFill>
+                        <a:schemeClr val="bg1"/>
+                      </a:solidFill>
+                      <a:prstDash val="solid"/>
+                      <a:round/>
+                      <a:headEnd type="none" w="med" len="med"/>
+                      <a:tailEnd type="none" w="med" len="med"/>
+                    </a:lnL>
+                    <a:lnR w="12700" cap="flat" cmpd="sng" algn="ctr">
+                      <a:solidFill>
+                        <a:schemeClr val="bg1"/>
+                      </a:solidFill>
+                      <a:prstDash val="solid"/>
+                      <a:round/>
+                      <a:headEnd type="none" w="med" len="med"/>
+                      <a:tailEnd type="none" w="med" len="med"/>
+                    </a:lnR>
+                    <a:lnT w="12700" cap="flat" cmpd="sng" algn="ctr">
+                      <a:solidFill>
+                        <a:schemeClr val="bg1"/>
+                      </a:solidFill>
+                      <a:prstDash val="solid"/>
+                      <a:round/>
+                      <a:headEnd type="none" w="med" len="med"/>
+                      <a:tailEnd type="none" w="med" len="med"/>
+                    </a:lnT>
+                    <a:lnB w="12700" cap="flat" cmpd="sng" algn="ctr">
+                      <a:noFill/>
+                      <a:prstDash val="solid"/>
+                      <a:round/>
+                      <a:headEnd type="none" w="med" len="med"/>
+                      <a:tailEnd type="none" w="med" len="med"/>
+                    </a:lnB>
+                    <a:solidFill>
+                      <a:schemeClr val="tx1">
+                        <a:lumMod val="85000"/>
+                        <a:lumOff val="15000"/>
+                      </a:schemeClr>
+                    </a:solidFill>
+                  </a:tcPr>
+                </a:tc>
+                <a:tc>
+                  <a:txBody>
+                    <a:bodyPr/>
+                    <a:lstStyle/>
+                    <a:p>
+                      <a:pPr algn="ctr"/>
+                      <a:r>
+                        <a:rPr lang="en-US" dirty="0">
+                          <a:solidFill>
+                            <a:schemeClr val="bg1"/>
+                          </a:solidFill>
+                        </a:rPr>
+                        <a:t>M8</a:t>
+                      </a:r>
+                    </a:p>
+                  </a:txBody>
+                  <a:tcPr anchor="ctr">
+                    <a:lnL w="12700" cap="flat" cmpd="sng" algn="ctr">
+                      <a:solidFill>
+                        <a:schemeClr val="bg1"/>
+                      </a:solidFill>
+                      <a:prstDash val="solid"/>
+                      <a:round/>
+                      <a:headEnd type="none" w="med" len="med"/>
+                      <a:tailEnd type="none" w="med" len="med"/>
+                    </a:lnL>
+                    <a:lnR w="12700" cap="flat" cmpd="sng" algn="ctr">
+                      <a:noFill/>
+                      <a:prstDash val="solid"/>
+                      <a:round/>
+                      <a:headEnd type="none" w="med" len="med"/>
+                      <a:tailEnd type="none" w="med" len="med"/>
+                    </a:lnR>
+                    <a:lnT w="12700" cap="flat" cmpd="sng" algn="ctr">
+                      <a:solidFill>
+                        <a:schemeClr val="bg1"/>
+                      </a:solidFill>
+                      <a:prstDash val="solid"/>
+                      <a:round/>
+                      <a:headEnd type="none" w="med" len="med"/>
+                      <a:tailEnd type="none" w="med" len="med"/>
+                    </a:lnT>
+                    <a:lnB w="12700" cap="flat" cmpd="sng" algn="ctr">
+                      <a:noFill/>
+                      <a:prstDash val="solid"/>
+                      <a:round/>
+                      <a:headEnd type="none" w="med" len="med"/>
+                      <a:tailEnd type="none" w="med" len="med"/>
+                    </a:lnB>
+                    <a:solidFill>
+                      <a:schemeClr val="tx1">
+                        <a:lumMod val="85000"/>
+                        <a:lumOff val="15000"/>
+                      </a:schemeClr>
+                    </a:solidFill>
+                  </a:tcPr>
+                </a:tc>
+                <a:extLst>
+                  <a:ext uri="{0D108BD9-81ED-4DB2-BD59-A6C34878D82A}">
+                    <a16:rowId xmlns:a16="http://schemas.microsoft.com/office/drawing/2014/main" val="103078554"/>
+                  </a:ext>
+                </a:extLst>
+              </a:tr>
+            </a:tbl>
+          </a:graphicData>
+        </a:graphic>
+      </p:graphicFrame>
+      <p:graphicFrame>
+        <p:nvGraphicFramePr>
+          <p:cNvPr id="5" name="Table 4">
+            <a:extLst>
+              <a:ext uri="{FF2B5EF4-FFF2-40B4-BE49-F238E27FC236}">
+                <a16:creationId xmlns:a16="http://schemas.microsoft.com/office/drawing/2014/main" id="{2D0639D0-5295-4A52-8761-37146F33431D}"/>
+              </a:ext>
+            </a:extLst>
+          </p:cNvPr>
+          <p:cNvGraphicFramePr>
+            <a:graphicFrameLocks noGrp="1"/>
+          </p:cNvGraphicFramePr>
+          <p:nvPr>
+            <p:extLst>
+              <p:ext uri="{D42A27DB-BD31-4B8C-83A1-F6EECF244321}">
+                <p14:modId xmlns:p14="http://schemas.microsoft.com/office/powerpoint/2010/main" val="427371287"/>
+              </p:ext>
+            </p:extLst>
+          </p:nvPr>
+        </p:nvGraphicFramePr>
+        <p:xfrm>
+          <a:off x="11283584" y="4724665"/>
+          <a:ext cx="478302" cy="370840"/>
+        </p:xfrm>
+        <a:graphic>
+          <a:graphicData uri="http://schemas.openxmlformats.org/drawingml/2006/table">
+            <a:tbl>
+              <a:tblPr firstRow="1" bandRow="1">
+                <a:tableStyleId>{5940675A-B579-460E-94D1-54222C63F5DA}</a:tableStyleId>
+              </a:tblPr>
+              <a:tblGrid>
+                <a:gridCol w="478302">
+                  <a:extLst>
+                    <a:ext uri="{9D8B030D-6E8A-4147-A177-3AD203B41FA5}">
+                      <a16:colId xmlns:a16="http://schemas.microsoft.com/office/drawing/2014/main" val="2284925841"/>
+                    </a:ext>
+                  </a:extLst>
+                </a:gridCol>
+              </a:tblGrid>
+              <a:tr h="370840">
+                <a:tc>
+                  <a:txBody>
+                    <a:bodyPr/>
+                    <a:lstStyle/>
+                    <a:p>
+                      <a:pPr algn="ctr"/>
+                      <a:r>
+                        <a:rPr lang="en-US" dirty="0">
+                          <a:solidFill>
+                            <a:schemeClr val="bg1"/>
+                          </a:solidFill>
+                        </a:rPr>
+                        <a:t>D4</a:t>
+                      </a:r>
+                    </a:p>
+                  </a:txBody>
+                  <a:tcPr anchor="ctr">
+                    <a:lnL w="12700" cmpd="sng">
+                      <a:noFill/>
+                    </a:lnL>
+                    <a:lnR w="12700" cmpd="sng">
+                      <a:noFill/>
+                    </a:lnR>
+                    <a:lnT w="12700" cmpd="sng">
+                      <a:noFill/>
+                    </a:lnT>
+                    <a:lnB w="12700" cmpd="sng">
+                      <a:noFill/>
+                    </a:lnB>
+                    <a:lnTlToBr w="12700" cmpd="sng">
+                      <a:noFill/>
+                      <a:prstDash val="solid"/>
+                    </a:lnTlToBr>
+                    <a:lnBlToTr w="12700" cmpd="sng">
+                      <a:noFill/>
+                      <a:prstDash val="solid"/>
+                    </a:lnBlToTr>
+                    <a:solidFill>
+                      <a:schemeClr val="accent1"/>
+                    </a:solidFill>
+                  </a:tcPr>
+                </a:tc>
+                <a:extLst>
+                  <a:ext uri="{0D108BD9-81ED-4DB2-BD59-A6C34878D82A}">
+                    <a16:rowId xmlns:a16="http://schemas.microsoft.com/office/drawing/2014/main" val="103078554"/>
+                  </a:ext>
+                </a:extLst>
+              </a:tr>
+            </a:tbl>
+          </a:graphicData>
+        </a:graphic>
+      </p:graphicFrame>
+      <p:sp>
+        <p:nvSpPr>
+          <p:cNvPr id="6" name="TextBox 5">
+            <a:extLst>
+              <a:ext uri="{FF2B5EF4-FFF2-40B4-BE49-F238E27FC236}">
+                <a16:creationId xmlns:a16="http://schemas.microsoft.com/office/drawing/2014/main" id="{FB4A1706-E765-450C-8502-2C341C82E548}"/>
+              </a:ext>
+            </a:extLst>
+          </p:cNvPr>
+          <p:cNvSpPr txBox="1"/>
+          <p:nvPr/>
+        </p:nvSpPr>
+        <p:spPr>
+          <a:xfrm>
+            <a:off x="10639208" y="4586919"/>
+            <a:ext cx="689317" cy="646331"/>
+          </a:xfrm>
+          <a:prstGeom prst="rect">
+            <a:avLst/>
+          </a:prstGeom>
+          <a:noFill/>
+        </p:spPr>
+        <p:txBody>
+          <a:bodyPr wrap="square" rtlCol="0">
+            <a:spAutoFit/>
+          </a:bodyPr>
+          <a:lstStyle/>
+          <a:p>
+            <a:pPr algn="ctr"/>
+            <a:r>
+              <a:rPr lang="en-US" sz="3600" dirty="0"/>
+              <a:t>+</a:t>
+            </a:r>
+          </a:p>
+        </p:txBody>
+      </p:sp>
+    </p:spTree>
+    <p:extLst>
+      <p:ext uri="{BB962C8B-B14F-4D97-AF65-F5344CB8AC3E}">
+        <p14:creationId xmlns:p14="http://schemas.microsoft.com/office/powerpoint/2010/main" val="2046316780"/>
+      </p:ext>
+    </p:extLst>
+  </p:cSld>
+  <p:clrMapOvr>
+    <a:masterClrMapping/>
+  </p:clrMapOvr>
+  <p:timing>
+    <p:tnLst>
+      <p:par>
+        <p:cTn id="1" dur="indefinite" restart="never" nodeType="tmRoot">
+          <p:childTnLst>
+            <p:seq concurrent="1" nextAc="seek">
+              <p:cTn id="2" dur="indefinite" nodeType="mainSeq">
+                <p:childTnLst>
+                  <p:par>
+                    <p:cTn id="3" fill="hold">
+                      <p:stCondLst>
+                        <p:cond delay="indefinite"/>
+                      </p:stCondLst>
+                      <p:childTnLst>
+                        <p:par>
+                          <p:cTn id="4" fill="hold">
+                            <p:stCondLst>
+                              <p:cond delay="0"/>
+                            </p:stCondLst>
+                            <p:childTnLst>
+                              <p:par>
+                                <p:cTn id="5" presetID="10" presetClass="entr" presetSubtype="0" fill="hold" nodeType="clickEffect">
+                                  <p:stCondLst>
+                                    <p:cond delay="0"/>
+                                  </p:stCondLst>
+                                  <p:childTnLst>
+                                    <p:set>
+                                      <p:cBhvr>
+                                        <p:cTn id="6" dur="1" fill="hold">
+                                          <p:stCondLst>
+                                            <p:cond delay="0"/>
+                                          </p:stCondLst>
+                                        </p:cTn>
+                                        <p:tgtEl>
+                                          <p:spTgt spid="4"/>
+                                        </p:tgtEl>
+                                        <p:attrNameLst>
+                                          <p:attrName>style.visibility</p:attrName>
+                                        </p:attrNameLst>
+                                      </p:cBhvr>
+                                      <p:to>
+                                        <p:strVal val="visible"/>
+                                      </p:to>
+                                    </p:set>
+                                    <p:animEffect transition="in" filter="fade">
+                                      <p:cBhvr>
+                                        <p:cTn id="7" dur="500"/>
+                                        <p:tgtEl>
+                                          <p:spTgt spid="4"/>
+                                        </p:tgtEl>
+                                      </p:cBhvr>
+                                    </p:animEffect>
+                                  </p:childTnLst>
+                                </p:cTn>
+                              </p:par>
+                              <p:par>
+                                <p:cTn id="8" presetID="10" presetClass="entr" presetSubtype="0" fill="hold" nodeType="withEffect">
+                                  <p:stCondLst>
+                                    <p:cond delay="0"/>
+                                  </p:stCondLst>
+                                  <p:childTnLst>
+                                    <p:set>
+                                      <p:cBhvr>
+                                        <p:cTn id="9" dur="1" fill="hold">
+                                          <p:stCondLst>
+                                            <p:cond delay="0"/>
+                                          </p:stCondLst>
+                                        </p:cTn>
+                                        <p:tgtEl>
+                                          <p:spTgt spid="5"/>
+                                        </p:tgtEl>
+                                        <p:attrNameLst>
+                                          <p:attrName>style.visibility</p:attrName>
+                                        </p:attrNameLst>
+                                      </p:cBhvr>
+                                      <p:to>
+                                        <p:strVal val="visible"/>
+                                      </p:to>
+                                    </p:set>
+                                    <p:animEffect transition="in" filter="fade">
+                                      <p:cBhvr>
+                                        <p:cTn id="10" dur="500"/>
+                                        <p:tgtEl>
+                                          <p:spTgt spid="5"/>
+                                        </p:tgtEl>
+                                      </p:cBhvr>
+                                    </p:animEffect>
+                                  </p:childTnLst>
+                                </p:cTn>
+                              </p:par>
+                              <p:par>
+                                <p:cTn id="11" presetID="10" presetClass="entr" presetSubtype="0" fill="hold" grpId="0" nodeType="withEffect">
+                                  <p:stCondLst>
+                                    <p:cond delay="0"/>
+                                  </p:stCondLst>
+                                  <p:childTnLst>
+                                    <p:set>
+                                      <p:cBhvr>
+                                        <p:cTn id="12" dur="1" fill="hold">
+                                          <p:stCondLst>
+                                            <p:cond delay="0"/>
+                                          </p:stCondLst>
+                                        </p:cTn>
+                                        <p:tgtEl>
+                                          <p:spTgt spid="6"/>
+                                        </p:tgtEl>
+                                        <p:attrNameLst>
+                                          <p:attrName>style.visibility</p:attrName>
+                                        </p:attrNameLst>
+                                      </p:cBhvr>
+                                      <p:to>
+                                        <p:strVal val="visible"/>
+                                      </p:to>
+                                    </p:set>
+                                    <p:animEffect transition="in" filter="fade">
+                                      <p:cBhvr>
+                                        <p:cTn id="13" dur="500"/>
+                                        <p:tgtEl>
+                                          <p:spTgt spid="6"/>
+                                        </p:tgtEl>
+                                      </p:cBhvr>
+                                    </p:animEffect>
+                                  </p:childTnLst>
+                                </p:cTn>
+                              </p:par>
+                            </p:childTnLst>
+                          </p:cTn>
+                        </p:par>
+                      </p:childTnLst>
+                    </p:cTn>
+                  </p:par>
+                </p:childTnLst>
+              </p:cTn>
+              <p:prevCondLst>
+                <p:cond evt="onPrev" delay="0">
+                  <p:tgtEl>
+                    <p:sldTgt/>
+                  </p:tgtEl>
+                </p:cond>
+              </p:prevCondLst>
+              <p:nextCondLst>
+                <p:cond evt="onNext" delay="0">
+                  <p:tgtEl>
+                    <p:sldTgt/>
+                  </p:tgtEl>
+                </p:cond>
+              </p:nextCondLst>
+            </p:seq>
+          </p:childTnLst>
+        </p:cTn>
+      </p:par>
+    </p:tnLst>
+    <p:bldLst>
+      <p:bldP spid="6" grpId="0"/>
+    </p:bldLst>
+  </p:timing>
 </p:sld>
 </file>
 

--- a/Deliverables/Canny edge detection – fpga speedup.pptx
+++ b/Deliverables/Canny edge detection – fpga speedup.pptx
@@ -4581,12 +4581,120 @@
           <a:chExt cx="0" cy="0"/>
         </a:xfrm>
       </p:grpSpPr>
+      <p:sp>
+        <p:nvSpPr>
+          <p:cNvPr id="4" name="TextBox 3">
+            <a:extLst>
+              <a:ext uri="{FF2B5EF4-FFF2-40B4-BE49-F238E27FC236}">
+                <a16:creationId xmlns:a16="http://schemas.microsoft.com/office/drawing/2014/main" id="{E134CDE9-9830-4881-9F6C-3B4431ABE730}"/>
+              </a:ext>
+            </a:extLst>
+          </p:cNvPr>
+          <p:cNvSpPr txBox="1"/>
+          <p:nvPr/>
+        </p:nvSpPr>
+        <p:spPr>
+          <a:xfrm>
+            <a:off x="712606" y="166341"/>
+            <a:ext cx="3957712" cy="369332"/>
+          </a:xfrm>
+          <a:prstGeom prst="rect">
+            <a:avLst/>
+          </a:prstGeom>
+          <a:noFill/>
+        </p:spPr>
+        <p:txBody>
+          <a:bodyPr wrap="square" rtlCol="0">
+            <a:spAutoFit/>
+          </a:bodyPr>
+          <a:lstStyle/>
+          <a:p>
+            <a:pPr algn="ctr"/>
+            <a:r>
+              <a:rPr lang="en-US" dirty="0"/>
+              <a:t>NMS Block A</a:t>
+            </a:r>
+          </a:p>
+        </p:txBody>
+      </p:sp>
+      <p:sp>
+        <p:nvSpPr>
+          <p:cNvPr id="5" name="TextBox 4">
+            <a:extLst>
+              <a:ext uri="{FF2B5EF4-FFF2-40B4-BE49-F238E27FC236}">
+                <a16:creationId xmlns:a16="http://schemas.microsoft.com/office/drawing/2014/main" id="{011C5777-8775-4F49-95B0-36A74FE85C83}"/>
+              </a:ext>
+            </a:extLst>
+          </p:cNvPr>
+          <p:cNvSpPr txBox="1"/>
+          <p:nvPr/>
+        </p:nvSpPr>
+        <p:spPr>
+          <a:xfrm>
+            <a:off x="6920480" y="1516554"/>
+            <a:ext cx="3552825" cy="369332"/>
+          </a:xfrm>
+          <a:prstGeom prst="rect">
+            <a:avLst/>
+          </a:prstGeom>
+          <a:noFill/>
+        </p:spPr>
+        <p:txBody>
+          <a:bodyPr wrap="square" rtlCol="0">
+            <a:spAutoFit/>
+          </a:bodyPr>
+          <a:lstStyle/>
+          <a:p>
+            <a:pPr algn="ctr"/>
+            <a:r>
+              <a:rPr lang="en-US" dirty="0"/>
+              <a:t>NMS Block B</a:t>
+            </a:r>
+          </a:p>
+        </p:txBody>
+      </p:sp>
+      <p:sp>
+        <p:nvSpPr>
+          <p:cNvPr id="7" name="TextBox 6">
+            <a:extLst>
+              <a:ext uri="{FF2B5EF4-FFF2-40B4-BE49-F238E27FC236}">
+                <a16:creationId xmlns:a16="http://schemas.microsoft.com/office/drawing/2014/main" id="{C55391B1-3164-426D-923F-699E6643344E}"/>
+              </a:ext>
+            </a:extLst>
+          </p:cNvPr>
+          <p:cNvSpPr txBox="1"/>
+          <p:nvPr/>
+        </p:nvSpPr>
+        <p:spPr>
+          <a:xfrm>
+            <a:off x="915050" y="6411714"/>
+            <a:ext cx="3552825" cy="369332"/>
+          </a:xfrm>
+          <a:prstGeom prst="rect">
+            <a:avLst/>
+          </a:prstGeom>
+          <a:noFill/>
+        </p:spPr>
+        <p:txBody>
+          <a:bodyPr wrap="square" rtlCol="0">
+            <a:spAutoFit/>
+          </a:bodyPr>
+          <a:lstStyle/>
+          <a:p>
+            <a:pPr algn="ctr"/>
+            <a:r>
+              <a:rPr lang="en-US" dirty="0"/>
+              <a:t>Thresholding Block A</a:t>
+            </a:r>
+          </a:p>
+        </p:txBody>
+      </p:sp>
       <p:pic>
         <p:nvPicPr>
-          <p:cNvPr id="2" name="Picture 1">
+          <p:cNvPr id="9" name="Picture 8">
             <a:extLst>
               <a:ext uri="{FF2B5EF4-FFF2-40B4-BE49-F238E27FC236}">
-                <a16:creationId xmlns:a16="http://schemas.microsoft.com/office/drawing/2014/main" id="{458DA3DE-BE5D-4F27-96BA-98A652BCF37D}"/>
+                <a16:creationId xmlns:a16="http://schemas.microsoft.com/office/drawing/2014/main" id="{02841B13-DE6C-48CE-B796-B8F72EA2E50A}"/>
               </a:ext>
             </a:extLst>
           </p:cNvPr>
@@ -4596,15 +4704,21 @@
           <p:nvPr/>
         </p:nvPicPr>
         <p:blipFill>
-          <a:blip r:embed="rId2"/>
+          <a:blip r:embed="rId2">
+            <a:extLst>
+              <a:ext uri="{28A0092B-C50C-407E-A947-70E740481C1C}">
+                <a14:useLocalDpi xmlns:a14="http://schemas.microsoft.com/office/drawing/2010/main" val="0"/>
+              </a:ext>
+            </a:extLst>
+          </a:blip>
           <a:stretch>
             <a:fillRect/>
           </a:stretch>
         </p:blipFill>
         <p:spPr>
           <a:xfrm>
-            <a:off x="125491" y="453845"/>
-            <a:ext cx="3957712" cy="6313240"/>
+            <a:off x="125491" y="4142532"/>
+            <a:ext cx="5131944" cy="2162202"/>
           </a:xfrm>
           <a:prstGeom prst="rect">
             <a:avLst/>
@@ -4613,10 +4727,10 @@
       </p:pic>
       <p:pic>
         <p:nvPicPr>
-          <p:cNvPr id="3" name="Picture 2">
+          <p:cNvPr id="11" name="Picture 10">
             <a:extLst>
               <a:ext uri="{FF2B5EF4-FFF2-40B4-BE49-F238E27FC236}">
-                <a16:creationId xmlns:a16="http://schemas.microsoft.com/office/drawing/2014/main" id="{E2AF5A87-B4A3-4435-9E83-CA723B7087E5}"/>
+                <a16:creationId xmlns:a16="http://schemas.microsoft.com/office/drawing/2014/main" id="{A20C0F1C-C465-4D1C-A2D4-EB203492117C}"/>
               </a:ext>
             </a:extLst>
           </p:cNvPr>
@@ -4626,99 +4740,33 @@
           <p:nvPr/>
         </p:nvPicPr>
         <p:blipFill>
-          <a:blip r:embed="rId3"/>
+          <a:blip r:embed="rId3">
+            <a:extLst>
+              <a:ext uri="{28A0092B-C50C-407E-A947-70E740481C1C}">
+                <a14:useLocalDpi xmlns:a14="http://schemas.microsoft.com/office/drawing/2010/main" val="0"/>
+              </a:ext>
+            </a:extLst>
+          </a:blip>
           <a:stretch>
             <a:fillRect/>
           </a:stretch>
         </p:blipFill>
         <p:spPr>
           <a:xfrm>
-            <a:off x="4529816" y="460247"/>
-            <a:ext cx="7562850" cy="2581275"/>
+            <a:off x="5449848" y="4142532"/>
+            <a:ext cx="6494089" cy="2162202"/>
           </a:xfrm>
           <a:prstGeom prst="rect">
             <a:avLst/>
           </a:prstGeom>
         </p:spPr>
       </p:pic>
-      <p:sp>
-        <p:nvSpPr>
-          <p:cNvPr id="4" name="TextBox 3">
+      <p:pic>
+        <p:nvPicPr>
+          <p:cNvPr id="13" name="Picture 12">
             <a:extLst>
               <a:ext uri="{FF2B5EF4-FFF2-40B4-BE49-F238E27FC236}">
-                <a16:creationId xmlns:a16="http://schemas.microsoft.com/office/drawing/2014/main" id="{E134CDE9-9830-4881-9F6C-3B4431ABE730}"/>
-              </a:ext>
-            </a:extLst>
-          </p:cNvPr>
-          <p:cNvSpPr txBox="1"/>
-          <p:nvPr/>
-        </p:nvSpPr>
-        <p:spPr>
-          <a:xfrm>
-            <a:off x="125491" y="76954"/>
-            <a:ext cx="3957712" cy="369332"/>
-          </a:xfrm>
-          <a:prstGeom prst="rect">
-            <a:avLst/>
-          </a:prstGeom>
-          <a:noFill/>
-        </p:spPr>
-        <p:txBody>
-          <a:bodyPr wrap="square" rtlCol="0">
-            <a:spAutoFit/>
-          </a:bodyPr>
-          <a:lstStyle/>
-          <a:p>
-            <a:pPr algn="ctr"/>
-            <a:r>
-              <a:rPr lang="en-US" dirty="0"/>
-              <a:t>NMS Block A</a:t>
-            </a:r>
-          </a:p>
-        </p:txBody>
-      </p:sp>
-      <p:sp>
-        <p:nvSpPr>
-          <p:cNvPr id="5" name="TextBox 4">
-            <a:extLst>
-              <a:ext uri="{FF2B5EF4-FFF2-40B4-BE49-F238E27FC236}">
-                <a16:creationId xmlns:a16="http://schemas.microsoft.com/office/drawing/2014/main" id="{011C5777-8775-4F49-95B0-36A74FE85C83}"/>
-              </a:ext>
-            </a:extLst>
-          </p:cNvPr>
-          <p:cNvSpPr txBox="1"/>
-          <p:nvPr/>
-        </p:nvSpPr>
-        <p:spPr>
-          <a:xfrm>
-            <a:off x="6534828" y="90915"/>
-            <a:ext cx="3552825" cy="369332"/>
-          </a:xfrm>
-          <a:prstGeom prst="rect">
-            <a:avLst/>
-          </a:prstGeom>
-          <a:noFill/>
-        </p:spPr>
-        <p:txBody>
-          <a:bodyPr wrap="square" rtlCol="0">
-            <a:spAutoFit/>
-          </a:bodyPr>
-          <a:lstStyle/>
-          <a:p>
-            <a:pPr algn="ctr"/>
-            <a:r>
-              <a:rPr lang="en-US" dirty="0"/>
-              <a:t>NMS Block B</a:t>
-            </a:r>
-          </a:p>
-        </p:txBody>
-      </p:sp>
-      <p:pic>
-        <p:nvPicPr>
-          <p:cNvPr id="6" name="Picture 5">
-            <a:extLst>
-              <a:ext uri="{FF2B5EF4-FFF2-40B4-BE49-F238E27FC236}">
-                <a16:creationId xmlns:a16="http://schemas.microsoft.com/office/drawing/2014/main" id="{F9DFB639-EA58-486B-9AA0-1A20E9E4003D}"/>
+                <a16:creationId xmlns:a16="http://schemas.microsoft.com/office/drawing/2014/main" id="{D95AC3CA-0130-4A68-9CBC-122C9D8226EA}"/>
               </a:ext>
             </a:extLst>
           </p:cNvPr>
@@ -4728,27 +4776,69 @@
           <p:nvPr/>
         </p:nvPicPr>
         <p:blipFill>
-          <a:blip r:embed="rId4"/>
+          <a:blip r:embed="rId4">
+            <a:extLst>
+              <a:ext uri="{28A0092B-C50C-407E-A947-70E740481C1C}">
+                <a14:useLocalDpi xmlns:a14="http://schemas.microsoft.com/office/drawing/2010/main" val="0"/>
+              </a:ext>
+            </a:extLst>
+          </a:blip>
           <a:stretch>
             <a:fillRect/>
           </a:stretch>
         </p:blipFill>
         <p:spPr>
           <a:xfrm>
-            <a:off x="4529816" y="3428999"/>
-            <a:ext cx="7562850" cy="3338086"/>
+            <a:off x="125491" y="625060"/>
+            <a:ext cx="5131944" cy="3338698"/>
           </a:xfrm>
           <a:prstGeom prst="rect">
             <a:avLst/>
           </a:prstGeom>
         </p:spPr>
       </p:pic>
-      <p:sp>
-        <p:nvSpPr>
-          <p:cNvPr id="7" name="TextBox 6">
+      <p:pic>
+        <p:nvPicPr>
+          <p:cNvPr id="15" name="Picture 14">
             <a:extLst>
               <a:ext uri="{FF2B5EF4-FFF2-40B4-BE49-F238E27FC236}">
-                <a16:creationId xmlns:a16="http://schemas.microsoft.com/office/drawing/2014/main" id="{C55391B1-3164-426D-923F-699E6643344E}"/>
+                <a16:creationId xmlns:a16="http://schemas.microsoft.com/office/drawing/2014/main" id="{BE41F113-C2A5-4BBE-A36F-ACC49BD3AAE4}"/>
+              </a:ext>
+            </a:extLst>
+          </p:cNvPr>
+          <p:cNvPicPr>
+            <a:picLocks noChangeAspect="1"/>
+          </p:cNvPicPr>
+          <p:nvPr/>
+        </p:nvPicPr>
+        <p:blipFill>
+          <a:blip r:embed="rId5">
+            <a:extLst>
+              <a:ext uri="{28A0092B-C50C-407E-A947-70E740481C1C}">
+                <a14:useLocalDpi xmlns:a14="http://schemas.microsoft.com/office/drawing/2010/main" val="0"/>
+              </a:ext>
+            </a:extLst>
+          </a:blip>
+          <a:stretch>
+            <a:fillRect/>
+          </a:stretch>
+        </p:blipFill>
+        <p:spPr>
+          <a:xfrm>
+            <a:off x="5449848" y="1992866"/>
+            <a:ext cx="6494089" cy="1970429"/>
+          </a:xfrm>
+          <a:prstGeom prst="rect">
+            <a:avLst/>
+          </a:prstGeom>
+        </p:spPr>
+      </p:pic>
+      <p:sp>
+        <p:nvSpPr>
+          <p:cNvPr id="16" name="TextBox 15">
+            <a:extLst>
+              <a:ext uri="{FF2B5EF4-FFF2-40B4-BE49-F238E27FC236}">
+                <a16:creationId xmlns:a16="http://schemas.microsoft.com/office/drawing/2014/main" id="{830B2C29-F5AB-443B-9D54-08E93F414D16}"/>
               </a:ext>
             </a:extLst>
           </p:cNvPr>
@@ -4757,7 +4847,7 @@
         </p:nvSpPr>
         <p:spPr>
           <a:xfrm>
-            <a:off x="6534828" y="3059667"/>
+            <a:off x="6920480" y="6411714"/>
             <a:ext cx="3552825" cy="369332"/>
           </a:xfrm>
           <a:prstGeom prst="rect">
@@ -4774,7 +4864,7 @@
             <a:pPr algn="ctr"/>
             <a:r>
               <a:rPr lang="en-US" dirty="0"/>
-              <a:t>Thresholding Block</a:t>
+              <a:t>Thresholding Block B</a:t>
             </a:r>
           </a:p>
         </p:txBody>
@@ -5190,6 +5280,200 @@
   <p:clrMapOvr>
     <a:masterClrMapping/>
   </p:clrMapOvr>
+  <p:timing>
+    <p:tnLst>
+      <p:par>
+        <p:cTn id="1" dur="indefinite" restart="never" nodeType="tmRoot">
+          <p:childTnLst>
+            <p:seq concurrent="1" nextAc="seek">
+              <p:cTn id="2" dur="indefinite" nodeType="mainSeq">
+                <p:childTnLst>
+                  <p:par>
+                    <p:cTn id="3" fill="hold">
+                      <p:stCondLst>
+                        <p:cond delay="indefinite"/>
+                      </p:stCondLst>
+                      <p:childTnLst>
+                        <p:par>
+                          <p:cTn id="4" fill="hold">
+                            <p:stCondLst>
+                              <p:cond delay="0"/>
+                            </p:stCondLst>
+                            <p:childTnLst>
+                              <p:par>
+                                <p:cTn id="5" presetID="22" presetClass="entr" presetSubtype="8" fill="hold" grpId="0" nodeType="clickEffect">
+                                  <p:stCondLst>
+                                    <p:cond delay="0"/>
+                                  </p:stCondLst>
+                                  <p:childTnLst>
+                                    <p:set>
+                                      <p:cBhvr>
+                                        <p:cTn id="6" dur="1" fill="hold">
+                                          <p:stCondLst>
+                                            <p:cond delay="0"/>
+                                          </p:stCondLst>
+                                        </p:cTn>
+                                        <p:tgtEl>
+                                          <p:spTgt spid="7"/>
+                                        </p:tgtEl>
+                                        <p:attrNameLst>
+                                          <p:attrName>style.visibility</p:attrName>
+                                        </p:attrNameLst>
+                                      </p:cBhvr>
+                                      <p:to>
+                                        <p:strVal val="visible"/>
+                                      </p:to>
+                                    </p:set>
+                                    <p:animEffect transition="in" filter="wipe(left)">
+                                      <p:cBhvr>
+                                        <p:cTn id="7" dur="500"/>
+                                        <p:tgtEl>
+                                          <p:spTgt spid="7"/>
+                                        </p:tgtEl>
+                                      </p:cBhvr>
+                                    </p:animEffect>
+                                  </p:childTnLst>
+                                </p:cTn>
+                              </p:par>
+                            </p:childTnLst>
+                          </p:cTn>
+                        </p:par>
+                      </p:childTnLst>
+                    </p:cTn>
+                  </p:par>
+                  <p:par>
+                    <p:cTn id="8" fill="hold">
+                      <p:stCondLst>
+                        <p:cond delay="indefinite"/>
+                      </p:stCondLst>
+                      <p:childTnLst>
+                        <p:par>
+                          <p:cTn id="9" fill="hold">
+                            <p:stCondLst>
+                              <p:cond delay="0"/>
+                            </p:stCondLst>
+                            <p:childTnLst>
+                              <p:par>
+                                <p:cTn id="10" presetID="22" presetClass="entr" presetSubtype="8" fill="hold" grpId="0" nodeType="clickEffect">
+                                  <p:stCondLst>
+                                    <p:cond delay="0"/>
+                                  </p:stCondLst>
+                                  <p:childTnLst>
+                                    <p:set>
+                                      <p:cBhvr>
+                                        <p:cTn id="11" dur="1" fill="hold">
+                                          <p:stCondLst>
+                                            <p:cond delay="0"/>
+                                          </p:stCondLst>
+                                        </p:cTn>
+                                        <p:tgtEl>
+                                          <p:spTgt spid="3"/>
+                                        </p:tgtEl>
+                                        <p:attrNameLst>
+                                          <p:attrName>style.visibility</p:attrName>
+                                        </p:attrNameLst>
+                                      </p:cBhvr>
+                                      <p:to>
+                                        <p:strVal val="visible"/>
+                                      </p:to>
+                                    </p:set>
+                                    <p:animEffect transition="in" filter="wipe(left)">
+                                      <p:cBhvr>
+                                        <p:cTn id="12" dur="500"/>
+                                        <p:tgtEl>
+                                          <p:spTgt spid="3"/>
+                                        </p:tgtEl>
+                                      </p:cBhvr>
+                                    </p:animEffect>
+                                  </p:childTnLst>
+                                </p:cTn>
+                              </p:par>
+                            </p:childTnLst>
+                          </p:cTn>
+                        </p:par>
+                      </p:childTnLst>
+                    </p:cTn>
+                  </p:par>
+                  <p:par>
+                    <p:cTn id="13" fill="hold">
+                      <p:stCondLst>
+                        <p:cond delay="indefinite"/>
+                      </p:stCondLst>
+                      <p:childTnLst>
+                        <p:par>
+                          <p:cTn id="14" fill="hold">
+                            <p:stCondLst>
+                              <p:cond delay="0"/>
+                            </p:stCondLst>
+                            <p:childTnLst>
+                              <p:par>
+                                <p:cTn id="15" presetID="22" presetClass="entr" presetSubtype="8" fill="hold" grpId="0" nodeType="clickEffect">
+                                  <p:stCondLst>
+                                    <p:cond delay="0"/>
+                                  </p:stCondLst>
+                                  <p:childTnLst>
+                                    <p:set>
+                                      <p:cBhvr>
+                                        <p:cTn id="16" dur="1" fill="hold">
+                                          <p:stCondLst>
+                                            <p:cond delay="0"/>
+                                          </p:stCondLst>
+                                        </p:cTn>
+                                        <p:tgtEl>
+                                          <p:spTgt spid="6"/>
+                                        </p:tgtEl>
+                                        <p:attrNameLst>
+                                          <p:attrName>style.visibility</p:attrName>
+                                        </p:attrNameLst>
+                                      </p:cBhvr>
+                                      <p:to>
+                                        <p:strVal val="visible"/>
+                                      </p:to>
+                                    </p:set>
+                                    <p:animEffect transition="in" filter="wipe(left)">
+                                      <p:cBhvr>
+                                        <p:cTn id="17" dur="500"/>
+                                        <p:tgtEl>
+                                          <p:spTgt spid="6"/>
+                                        </p:tgtEl>
+                                      </p:cBhvr>
+                                    </p:animEffect>
+                                  </p:childTnLst>
+                                </p:cTn>
+                              </p:par>
+                            </p:childTnLst>
+                          </p:cTn>
+                        </p:par>
+                      </p:childTnLst>
+                    </p:cTn>
+                  </p:par>
+                </p:childTnLst>
+              </p:cTn>
+              <p:prevCondLst>
+                <p:cond evt="onPrev" delay="0">
+                  <p:tgtEl>
+                    <p:sldTgt/>
+                  </p:tgtEl>
+                </p:cond>
+              </p:prevCondLst>
+              <p:nextCondLst>
+                <p:cond evt="onNext" delay="0">
+                  <p:tgtEl>
+                    <p:sldTgt/>
+                  </p:tgtEl>
+                </p:cond>
+              </p:nextCondLst>
+            </p:seq>
+          </p:childTnLst>
+        </p:cTn>
+      </p:par>
+    </p:tnLst>
+    <p:bldLst>
+      <p:bldP spid="3" grpId="0" animBg="1"/>
+      <p:bldP spid="6" grpId="0" animBg="1"/>
+      <p:bldP spid="7" grpId="0" animBg="1"/>
+    </p:bldLst>
+  </p:timing>
 </p:sld>
 </file>
 
@@ -6958,7 +7242,9 @@
         </p:nvSpPr>
         <p:spPr/>
         <p:txBody>
-          <a:bodyPr/>
+          <a:bodyPr>
+            <a:normAutofit/>
+          </a:bodyPr>
           <a:lstStyle/>
           <a:p>
             <a:r>
@@ -6969,16 +7255,25 @@
           <a:p>
             <a:r>
               <a:rPr lang="en-US" dirty="0"/>
+              <a:t>Process overview</a:t>
+            </a:r>
+          </a:p>
+          <a:p>
+            <a:pPr lvl="1"/>
+            <a:r>
+              <a:rPr lang="en-US" dirty="0"/>
               <a:t>Gradient magnitudes and directions are calculated, then output to a CSV file</a:t>
             </a:r>
           </a:p>
           <a:p>
+            <a:pPr lvl="1"/>
             <a:r>
               <a:rPr lang="en-US" dirty="0"/>
               <a:t>The CSV file is loaded to the server which parses it and writes entries to the FPGA</a:t>
             </a:r>
           </a:p>
           <a:p>
+            <a:pPr lvl="1"/>
             <a:r>
               <a:rPr lang="en-US" dirty="0"/>
               <a:t>The FPGA processes the data and the binary image is returned in a reverse manner</a:t>
@@ -6987,7 +7282,19 @@
           <a:p>
             <a:r>
               <a:rPr lang="en-US" dirty="0"/>
-              <a:t>Comparison of software/hardware bridged approach to software-only approach</a:t>
+              <a:t>Comparison of </a:t>
+            </a:r>
+            <a:r>
+              <a:rPr lang="en-US" b="1" dirty="0"/>
+              <a:t>software/hardware bridged approach </a:t>
+            </a:r>
+            <a:r>
+              <a:rPr lang="en-US" dirty="0"/>
+              <a:t>to </a:t>
+            </a:r>
+            <a:r>
+              <a:rPr lang="en-US" b="1" dirty="0"/>
+              <a:t>software-only approach</a:t>
             </a:r>
           </a:p>
         </p:txBody>
@@ -7165,12 +7472,12 @@
         <p:spPr>
           <a:xfrm>
             <a:off x="1451580" y="2015732"/>
-            <a:ext cx="8001910" cy="3450613"/>
+            <a:ext cx="7794540" cy="3450613"/>
           </a:xfrm>
         </p:spPr>
         <p:txBody>
           <a:bodyPr>
-            <a:normAutofit lnSpcReduction="10000"/>
+            <a:normAutofit fontScale="92500" lnSpcReduction="10000"/>
           </a:bodyPr>
           <a:lstStyle/>
           <a:p>
@@ -7220,15 +7527,7 @@
             <a:pPr lvl="1"/>
             <a:r>
               <a:rPr lang="en-US" dirty="0"/>
-              <a:t>Output: single bit indicating that the pixel passes (1) </a:t>
-            </a:r>
-            <a:r>
-              <a:rPr lang="en-US" dirty="0" err="1"/>
-              <a:t>orfails</a:t>
-            </a:r>
-            <a:r>
-              <a:rPr lang="en-US" dirty="0"/>
-              <a:t> (0) the threshold</a:t>
+              <a:t>Output: single bit indicating that the pixel passes (1) or fails (0) the threshold</a:t>
             </a:r>
           </a:p>
         </p:txBody>
@@ -7248,13 +7547,13 @@
           <p:nvPr>
             <p:extLst>
               <p:ext uri="{D42A27DB-BD31-4B8C-83A1-F6EECF244321}">
-                <p14:modId xmlns:p14="http://schemas.microsoft.com/office/powerpoint/2010/main" val="3649278687"/>
+                <p14:modId xmlns:p14="http://schemas.microsoft.com/office/powerpoint/2010/main" val="2932228757"/>
               </p:ext>
             </p:extLst>
           </p:nvPr>
         </p:nvGraphicFramePr>
         <p:xfrm>
-          <a:off x="9246120" y="4353825"/>
+          <a:off x="9246120" y="2872740"/>
           <a:ext cx="1494300" cy="1112520"/>
         </p:xfrm>
         <a:graphic>
@@ -7851,13 +8150,13 @@
           <p:nvPr>
             <p:extLst>
               <p:ext uri="{D42A27DB-BD31-4B8C-83A1-F6EECF244321}">
-                <p14:modId xmlns:p14="http://schemas.microsoft.com/office/powerpoint/2010/main" val="427371287"/>
+                <p14:modId xmlns:p14="http://schemas.microsoft.com/office/powerpoint/2010/main" val="465388744"/>
               </p:ext>
             </p:extLst>
           </p:nvPr>
         </p:nvGraphicFramePr>
         <p:xfrm>
-          <a:off x="11283584" y="4724665"/>
+          <a:off x="11283584" y="3243580"/>
           <a:ext cx="478302" cy="370840"/>
         </p:xfrm>
         <a:graphic>
@@ -7942,7 +8241,7 @@
         </p:nvSpPr>
         <p:spPr>
           <a:xfrm>
-            <a:off x="10639208" y="4586919"/>
+            <a:off x="10639208" y="3105834"/>
             <a:ext cx="689317" cy="646331"/>
           </a:xfrm>
           <a:prstGeom prst="rect">

--- a/Deliverables/Canny edge detection – fpga speedup.pptx
+++ b/Deliverables/Canny edge detection – fpga speedup.pptx
@@ -19,8 +19,8 @@
     <p:sldId id="261" r:id="rId10"/>
     <p:sldId id="263" r:id="rId11"/>
     <p:sldId id="260" r:id="rId12"/>
-    <p:sldId id="271" r:id="rId13"/>
-    <p:sldId id="280" r:id="rId14"/>
+    <p:sldId id="280" r:id="rId13"/>
+    <p:sldId id="271" r:id="rId14"/>
     <p:sldId id="274" r:id="rId15"/>
     <p:sldId id="276" r:id="rId16"/>
     <p:sldId id="275" r:id="rId17"/>
@@ -213,7 +213,7 @@
           <a:p>
             <a:fld id="{F8C98A77-4E5D-4CD6-8DEB-A6C31B5A63A2}" type="datetimeFigureOut">
               <a:rPr lang="en-US" smtClean="0"/>
-              <a:t>05/02/2018</a:t>
+              <a:t>5/2/2018</a:t>
             </a:fld>
             <a:endParaRPr lang="en-US"/>
           </a:p>
@@ -713,7 +713,7 @@
           <a:p>
             <a:fld id="{D5DB187F-0C16-489C-BEFC-CCD1ADA00271}" type="slidenum">
               <a:rPr lang="en-US" smtClean="0"/>
-              <a:t>12</a:t>
+              <a:t>13</a:t>
             </a:fld>
             <a:endParaRPr lang="en-US"/>
           </a:p>
@@ -871,7 +871,7 @@
           <a:p>
             <a:fld id="{81A02670-C342-4CC1-930D-919F19DAA981}" type="datetimeFigureOut">
               <a:rPr lang="en-US" smtClean="0"/>
-              <a:t>05/02/2018</a:t>
+              <a:t>5/2/2018</a:t>
             </a:fld>
             <a:endParaRPr lang="en-US"/>
           </a:p>
@@ -1163,7 +1163,7 @@
           <a:p>
             <a:fld id="{81A02670-C342-4CC1-930D-919F19DAA981}" type="datetimeFigureOut">
               <a:rPr lang="en-US" smtClean="0"/>
-              <a:t>05/02/2018</a:t>
+              <a:t>5/2/2018</a:t>
             </a:fld>
             <a:endParaRPr lang="en-US"/>
           </a:p>
@@ -1608,7 +1608,7 @@
           <a:p>
             <a:fld id="{81A02670-C342-4CC1-930D-919F19DAA981}" type="datetimeFigureOut">
               <a:rPr lang="en-US" smtClean="0"/>
-              <a:t>05/02/2018</a:t>
+              <a:t>5/2/2018</a:t>
             </a:fld>
             <a:endParaRPr lang="en-US"/>
           </a:p>
@@ -1814,7 +1814,7 @@
           <a:p>
             <a:fld id="{81A02670-C342-4CC1-930D-919F19DAA981}" type="datetimeFigureOut">
               <a:rPr lang="en-US" smtClean="0"/>
-              <a:t>05/02/2018</a:t>
+              <a:t>5/2/2018</a:t>
             </a:fld>
             <a:endParaRPr lang="en-US"/>
           </a:p>
@@ -2029,7 +2029,7 @@
           <a:p>
             <a:fld id="{81A02670-C342-4CC1-930D-919F19DAA981}" type="datetimeFigureOut">
               <a:rPr lang="en-US" smtClean="0"/>
-              <a:t>05/02/2018</a:t>
+              <a:t>5/2/2018</a:t>
             </a:fld>
             <a:endParaRPr lang="en-US"/>
           </a:p>
@@ -2229,7 +2229,7 @@
           <a:p>
             <a:fld id="{81A02670-C342-4CC1-930D-919F19DAA981}" type="datetimeFigureOut">
               <a:rPr lang="en-US" smtClean="0"/>
-              <a:t>05/02/2018</a:t>
+              <a:t>5/2/2018</a:t>
             </a:fld>
             <a:endParaRPr lang="en-US"/>
           </a:p>
@@ -2508,7 +2508,7 @@
           <a:p>
             <a:fld id="{81A02670-C342-4CC1-930D-919F19DAA981}" type="datetimeFigureOut">
               <a:rPr lang="en-US" smtClean="0"/>
-              <a:t>05/02/2018</a:t>
+              <a:t>5/2/2018</a:t>
             </a:fld>
             <a:endParaRPr lang="en-US"/>
           </a:p>
@@ -2776,7 +2776,7 @@
           <a:p>
             <a:fld id="{81A02670-C342-4CC1-930D-919F19DAA981}" type="datetimeFigureOut">
               <a:rPr lang="en-US" smtClean="0"/>
-              <a:t>05/02/2018</a:t>
+              <a:t>5/2/2018</a:t>
             </a:fld>
             <a:endParaRPr lang="en-US"/>
           </a:p>
@@ -3192,7 +3192,7 @@
           <a:p>
             <a:fld id="{81A02670-C342-4CC1-930D-919F19DAA981}" type="datetimeFigureOut">
               <a:rPr lang="en-US" smtClean="0"/>
-              <a:t>05/02/2018</a:t>
+              <a:t>5/2/2018</a:t>
             </a:fld>
             <a:endParaRPr lang="en-US"/>
           </a:p>
@@ -3341,7 +3341,7 @@
           <a:p>
             <a:fld id="{81A02670-C342-4CC1-930D-919F19DAA981}" type="datetimeFigureOut">
               <a:rPr lang="en-US" smtClean="0"/>
-              <a:t>05/02/2018</a:t>
+              <a:t>5/2/2018</a:t>
             </a:fld>
             <a:endParaRPr lang="en-US"/>
           </a:p>
@@ -3467,7 +3467,7 @@
           <a:p>
             <a:fld id="{81A02670-C342-4CC1-930D-919F19DAA981}" type="datetimeFigureOut">
               <a:rPr lang="en-US" smtClean="0"/>
-              <a:t>05/02/2018</a:t>
+              <a:t>5/2/2018</a:t>
             </a:fld>
             <a:endParaRPr lang="en-US"/>
           </a:p>
@@ -3586,7 +3586,7 @@
           <a:p>
             <a:fld id="{81A02670-C342-4CC1-930D-919F19DAA981}" type="datetimeFigureOut">
               <a:rPr lang="en-US" smtClean="0"/>
-              <a:t>05/02/2018</a:t>
+              <a:t>5/2/2018</a:t>
             </a:fld>
             <a:endParaRPr lang="en-US"/>
           </a:p>
@@ -3709,7 +3709,7 @@
           <a:p>
             <a:fld id="{81A02670-C342-4CC1-930D-919F19DAA981}" type="datetimeFigureOut">
               <a:rPr lang="en-US" smtClean="0"/>
-              <a:t>05/02/2018</a:t>
+              <a:t>5/2/2018</a:t>
             </a:fld>
             <a:endParaRPr lang="en-US"/>
           </a:p>
@@ -3999,7 +3999,7 @@
           <a:p>
             <a:fld id="{81A02670-C342-4CC1-930D-919F19DAA981}" type="datetimeFigureOut">
               <a:rPr lang="en-US" smtClean="0"/>
-              <a:t>05/02/2018</a:t>
+              <a:t>5/2/2018</a:t>
             </a:fld>
             <a:endParaRPr lang="en-US"/>
           </a:p>
@@ -4970,28 +4970,8 @@
             <a:pPr lvl="1"/>
             <a:r>
               <a:rPr lang="en-US" dirty="0"/>
-              <a:t>This allows us to “unroll” the </a:t>
-            </a:r>
-            <a:r>
-              <a:rPr lang="en-US" dirty="0" err="1"/>
-              <a:t>datapath</a:t>
-            </a:r>
-            <a:r>
-              <a:rPr lang="en-US" dirty="0"/>
-              <a:t> 3 times</a:t>
-            </a:r>
-          </a:p>
-          <a:p>
-            <a:pPr lvl="1"/>
-            <a:r>
-              <a:rPr lang="en-US" dirty="0"/>
-              <a:t>With unrolling, there is a 3 cycle latency to fill </a:t>
-            </a:r>
-            <a:r>
-              <a:rPr lang="en-US"/>
-              <a:t>the buffer</a:t>
-            </a:r>
-            <a:endParaRPr lang="en-US" dirty="0"/>
+              <a:t>This allows us to get one output for each clock cycle after latency</a:t>
+            </a:r>
           </a:p>
           <a:p>
             <a:endParaRPr lang="en-US" dirty="0"/>
@@ -5012,6 +4992,138 @@
 </file>
 
 <file path=ppt/slides/slide12.xml><?xml version="1.0" encoding="utf-8"?>
+<p:sld xmlns:a="http://schemas.openxmlformats.org/drawingml/2006/main" xmlns:r="http://schemas.openxmlformats.org/officeDocument/2006/relationships" xmlns:p="http://schemas.openxmlformats.org/presentationml/2006/main">
+  <p:cSld>
+    <p:spTree>
+      <p:nvGrpSpPr>
+        <p:cNvPr id="1" name=""/>
+        <p:cNvGrpSpPr/>
+        <p:nvPr/>
+      </p:nvGrpSpPr>
+      <p:grpSpPr>
+        <a:xfrm>
+          <a:off x="0" y="0"/>
+          <a:ext cx="0" cy="0"/>
+          <a:chOff x="0" y="0"/>
+          <a:chExt cx="0" cy="0"/>
+        </a:xfrm>
+      </p:grpSpPr>
+      <p:pic>
+        <p:nvPicPr>
+          <p:cNvPr id="2" name="Picture 1">
+            <a:extLst>
+              <a:ext uri="{FF2B5EF4-FFF2-40B4-BE49-F238E27FC236}">
+                <a16:creationId xmlns:a16="http://schemas.microsoft.com/office/drawing/2014/main" id="{1B4FBCC4-A601-44C3-9D57-60D7498BB3C3}"/>
+              </a:ext>
+            </a:extLst>
+          </p:cNvPr>
+          <p:cNvPicPr>
+            <a:picLocks noChangeAspect="1"/>
+          </p:cNvPicPr>
+          <p:nvPr/>
+        </p:nvPicPr>
+        <p:blipFill rotWithShape="1">
+          <a:blip r:embed="rId2">
+            <a:extLst>
+              <a:ext uri="{28A0092B-C50C-407E-A947-70E740481C1C}">
+                <a14:useLocalDpi xmlns:a14="http://schemas.microsoft.com/office/drawing/2010/main" val="0"/>
+              </a:ext>
+            </a:extLst>
+          </a:blip>
+          <a:srcRect l="10349"/>
+          <a:stretch/>
+        </p:blipFill>
+        <p:spPr>
+          <a:xfrm>
+            <a:off x="2946390" y="859086"/>
+            <a:ext cx="6299220" cy="5638352"/>
+          </a:xfrm>
+          <a:prstGeom prst="rect">
+            <a:avLst/>
+          </a:prstGeom>
+          <a:effectLst>
+            <a:outerShdw blurRad="50800" dist="88900" dir="8100000" algn="tr" rotWithShape="0">
+              <a:prstClr val="black">
+                <a:alpha val="40000"/>
+              </a:prstClr>
+            </a:outerShdw>
+          </a:effectLst>
+        </p:spPr>
+      </p:pic>
+      <p:sp>
+        <p:nvSpPr>
+          <p:cNvPr id="3" name="Title 1">
+            <a:extLst>
+              <a:ext uri="{FF2B5EF4-FFF2-40B4-BE49-F238E27FC236}">
+                <a16:creationId xmlns:a16="http://schemas.microsoft.com/office/drawing/2014/main" id="{1A87DFA1-559E-47E0-A24A-A06FBD063E32}"/>
+              </a:ext>
+            </a:extLst>
+          </p:cNvPr>
+          <p:cNvSpPr txBox="1">
+            <a:spLocks/>
+          </p:cNvSpPr>
+          <p:nvPr/>
+        </p:nvSpPr>
+        <p:spPr>
+          <a:xfrm>
+            <a:off x="1293812" y="198218"/>
+            <a:ext cx="9604375" cy="1049338"/>
+          </a:xfrm>
+          <a:prstGeom prst="rect">
+            <a:avLst/>
+          </a:prstGeom>
+        </p:spPr>
+        <p:txBody>
+          <a:bodyPr vert="horz" lIns="91440" tIns="45720" rIns="91440" bIns="45720" rtlCol="0" anchor="t">
+            <a:normAutofit/>
+          </a:bodyPr>
+          <a:lstStyle>
+            <a:lvl1pPr algn="l" defTabSz="914400" rtl="0" eaLnBrk="1" latinLnBrk="0" hangingPunct="1">
+              <a:lnSpc>
+                <a:spcPct val="90000"/>
+              </a:lnSpc>
+              <a:spcBef>
+                <a:spcPct val="0"/>
+              </a:spcBef>
+              <a:buNone/>
+              <a:defRPr sz="3200" b="0" i="0" kern="1200" cap="all">
+                <a:solidFill>
+                  <a:schemeClr val="tx1"/>
+                </a:solidFill>
+                <a:effectLst/>
+                <a:latin typeface="+mj-lt"/>
+                <a:ea typeface="+mj-ea"/>
+                <a:cs typeface="+mj-cs"/>
+              </a:defRPr>
+            </a:lvl1pPr>
+          </a:lstStyle>
+          <a:p>
+            <a:pPr algn="ctr"/>
+            <a:r>
+              <a:rPr lang="en-US" dirty="0">
+                <a:solidFill>
+                  <a:schemeClr val="bg2"/>
+                </a:solidFill>
+              </a:rPr>
+              <a:t>Full Architecture</a:t>
+            </a:r>
+          </a:p>
+        </p:txBody>
+      </p:sp>
+    </p:spTree>
+    <p:extLst>
+      <p:ext uri="{BB962C8B-B14F-4D97-AF65-F5344CB8AC3E}">
+        <p14:creationId xmlns:p14="http://schemas.microsoft.com/office/powerpoint/2010/main" val="3813292451"/>
+      </p:ext>
+    </p:extLst>
+  </p:cSld>
+  <p:clrMapOvr>
+    <a:masterClrMapping/>
+  </p:clrMapOvr>
+</p:sld>
+</file>
+
+<file path=ppt/slides/slide13.xml><?xml version="1.0" encoding="utf-8"?>
 <p:sld xmlns:a="http://schemas.openxmlformats.org/drawingml/2006/main" xmlns:r="http://schemas.openxmlformats.org/officeDocument/2006/relationships" xmlns:p="http://schemas.openxmlformats.org/presentationml/2006/main">
   <p:cSld>
     <p:spTree>
@@ -5474,138 +5586,6 @@
       <p:bldP spid="7" grpId="0" animBg="1"/>
     </p:bldLst>
   </p:timing>
-</p:sld>
-</file>
-
-<file path=ppt/slides/slide13.xml><?xml version="1.0" encoding="utf-8"?>
-<p:sld xmlns:a="http://schemas.openxmlformats.org/drawingml/2006/main" xmlns:r="http://schemas.openxmlformats.org/officeDocument/2006/relationships" xmlns:p="http://schemas.openxmlformats.org/presentationml/2006/main">
-  <p:cSld>
-    <p:spTree>
-      <p:nvGrpSpPr>
-        <p:cNvPr id="1" name=""/>
-        <p:cNvGrpSpPr/>
-        <p:nvPr/>
-      </p:nvGrpSpPr>
-      <p:grpSpPr>
-        <a:xfrm>
-          <a:off x="0" y="0"/>
-          <a:ext cx="0" cy="0"/>
-          <a:chOff x="0" y="0"/>
-          <a:chExt cx="0" cy="0"/>
-        </a:xfrm>
-      </p:grpSpPr>
-      <p:pic>
-        <p:nvPicPr>
-          <p:cNvPr id="2" name="Picture 1">
-            <a:extLst>
-              <a:ext uri="{FF2B5EF4-FFF2-40B4-BE49-F238E27FC236}">
-                <a16:creationId xmlns:a16="http://schemas.microsoft.com/office/drawing/2014/main" id="{1B4FBCC4-A601-44C3-9D57-60D7498BB3C3}"/>
-              </a:ext>
-            </a:extLst>
-          </p:cNvPr>
-          <p:cNvPicPr>
-            <a:picLocks noChangeAspect="1"/>
-          </p:cNvPicPr>
-          <p:nvPr/>
-        </p:nvPicPr>
-        <p:blipFill rotWithShape="1">
-          <a:blip r:embed="rId2">
-            <a:extLst>
-              <a:ext uri="{28A0092B-C50C-407E-A947-70E740481C1C}">
-                <a14:useLocalDpi xmlns:a14="http://schemas.microsoft.com/office/drawing/2010/main" val="0"/>
-              </a:ext>
-            </a:extLst>
-          </a:blip>
-          <a:srcRect l="10349"/>
-          <a:stretch/>
-        </p:blipFill>
-        <p:spPr>
-          <a:xfrm>
-            <a:off x="2946390" y="859086"/>
-            <a:ext cx="6299220" cy="5638352"/>
-          </a:xfrm>
-          <a:prstGeom prst="rect">
-            <a:avLst/>
-          </a:prstGeom>
-          <a:effectLst>
-            <a:outerShdw blurRad="50800" dist="88900" dir="8100000" algn="tr" rotWithShape="0">
-              <a:prstClr val="black">
-                <a:alpha val="40000"/>
-              </a:prstClr>
-            </a:outerShdw>
-          </a:effectLst>
-        </p:spPr>
-      </p:pic>
-      <p:sp>
-        <p:nvSpPr>
-          <p:cNvPr id="3" name="Title 1">
-            <a:extLst>
-              <a:ext uri="{FF2B5EF4-FFF2-40B4-BE49-F238E27FC236}">
-                <a16:creationId xmlns:a16="http://schemas.microsoft.com/office/drawing/2014/main" id="{1A87DFA1-559E-47E0-A24A-A06FBD063E32}"/>
-              </a:ext>
-            </a:extLst>
-          </p:cNvPr>
-          <p:cNvSpPr txBox="1">
-            <a:spLocks/>
-          </p:cNvSpPr>
-          <p:nvPr/>
-        </p:nvSpPr>
-        <p:spPr>
-          <a:xfrm>
-            <a:off x="1293812" y="198218"/>
-            <a:ext cx="9604375" cy="1049338"/>
-          </a:xfrm>
-          <a:prstGeom prst="rect">
-            <a:avLst/>
-          </a:prstGeom>
-        </p:spPr>
-        <p:txBody>
-          <a:bodyPr vert="horz" lIns="91440" tIns="45720" rIns="91440" bIns="45720" rtlCol="0" anchor="t">
-            <a:normAutofit/>
-          </a:bodyPr>
-          <a:lstStyle>
-            <a:lvl1pPr algn="l" defTabSz="914400" rtl="0" eaLnBrk="1" latinLnBrk="0" hangingPunct="1">
-              <a:lnSpc>
-                <a:spcPct val="90000"/>
-              </a:lnSpc>
-              <a:spcBef>
-                <a:spcPct val="0"/>
-              </a:spcBef>
-              <a:buNone/>
-              <a:defRPr sz="3200" b="0" i="0" kern="1200" cap="all">
-                <a:solidFill>
-                  <a:schemeClr val="tx1"/>
-                </a:solidFill>
-                <a:effectLst/>
-                <a:latin typeface="+mj-lt"/>
-                <a:ea typeface="+mj-ea"/>
-                <a:cs typeface="+mj-cs"/>
-              </a:defRPr>
-            </a:lvl1pPr>
-          </a:lstStyle>
-          <a:p>
-            <a:pPr algn="ctr"/>
-            <a:r>
-              <a:rPr lang="en-US" dirty="0">
-                <a:solidFill>
-                  <a:schemeClr val="bg2"/>
-                </a:solidFill>
-              </a:rPr>
-              <a:t>Full Architecture</a:t>
-            </a:r>
-          </a:p>
-        </p:txBody>
-      </p:sp>
-    </p:spTree>
-    <p:extLst>
-      <p:ext uri="{BB962C8B-B14F-4D97-AF65-F5344CB8AC3E}">
-        <p14:creationId xmlns:p14="http://schemas.microsoft.com/office/powerpoint/2010/main" val="3813292451"/>
-      </p:ext>
-    </p:extLst>
-  </p:cSld>
-  <p:clrMapOvr>
-    <a:masterClrMapping/>
-  </p:clrMapOvr>
 </p:sld>
 </file>
 
